--- a/Announcement/USAD.pptx
+++ b/Announcement/USAD.pptx
@@ -721,6 +721,93 @@
           <a:bodyPr/>
           <a:lstStyle/>
           <a:p>
+            <a:r>
+              <a:rPr lang="en-US" altLang="ko-KR" dirty="0" smtClean="0"/>
+              <a:t>USAD</a:t>
+            </a:r>
+            <a:r>
+              <a:rPr lang="ko-KR" altLang="en-US" dirty="0" smtClean="0"/>
+              <a:t>는 총 </a:t>
+            </a:r>
+            <a:r>
+              <a:rPr lang="en-US" altLang="ko-KR" dirty="0" smtClean="0"/>
+              <a:t>5</a:t>
+            </a:r>
+            <a:r>
+              <a:rPr lang="ko-KR" altLang="en-US" dirty="0" smtClean="0"/>
+              <a:t>가지 </a:t>
+            </a:r>
+            <a:r>
+              <a:rPr lang="en-US" altLang="ko-KR" dirty="0" smtClean="0"/>
+              <a:t>public datasets</a:t>
+            </a:r>
+            <a:r>
+              <a:rPr lang="ko-KR" altLang="en-US" dirty="0" smtClean="0"/>
+              <a:t>와 </a:t>
+            </a:r>
+            <a:r>
+              <a:rPr lang="en-US" altLang="ko-KR" dirty="0" smtClean="0"/>
+              <a:t>1</a:t>
+            </a:r>
+            <a:r>
+              <a:rPr lang="ko-KR" altLang="en-US" dirty="0" smtClean="0"/>
+              <a:t>가지 </a:t>
+            </a:r>
+            <a:r>
+              <a:rPr lang="en-US" altLang="ko-KR" dirty="0" smtClean="0"/>
+              <a:t>private dataset</a:t>
+            </a:r>
+            <a:r>
+              <a:rPr lang="ko-KR" altLang="en-US" dirty="0" smtClean="0"/>
+              <a:t>을 활용하여 성능을 </a:t>
+            </a:r>
+            <a:r>
+              <a:rPr lang="ko-KR" altLang="en-US" dirty="0" smtClean="0"/>
+              <a:t>검증하였습니다</a:t>
+            </a:r>
+            <a:r>
+              <a:rPr lang="en-US" altLang="ko-KR" dirty="0" smtClean="0"/>
+              <a:t>. </a:t>
+            </a:r>
+            <a:endParaRPr lang="en-US" altLang="ko-KR" dirty="0" smtClean="0"/>
+          </a:p>
+          <a:p>
+            <a:endParaRPr lang="en-US" altLang="ko-KR" dirty="0" smtClean="0"/>
+          </a:p>
+          <a:p>
+            <a:r>
+              <a:rPr lang="en-US" altLang="ko-KR" dirty="0" smtClean="0"/>
+              <a:t>5</a:t>
+            </a:r>
+            <a:r>
+              <a:rPr lang="ko-KR" altLang="en-US" dirty="0" smtClean="0"/>
+              <a:t>가지 </a:t>
+            </a:r>
+            <a:r>
+              <a:rPr lang="en-US" altLang="ko-KR" dirty="0" smtClean="0"/>
+              <a:t>public datasets</a:t>
+            </a:r>
+            <a:r>
+              <a:rPr lang="ko-KR" altLang="en-US" dirty="0" smtClean="0"/>
+              <a:t>은 다음과 </a:t>
+            </a:r>
+            <a:r>
+              <a:rPr lang="ko-KR" altLang="en-US" dirty="0" smtClean="0"/>
+              <a:t>같으며</a:t>
+            </a:r>
+            <a:r>
+              <a:rPr lang="en-US" altLang="ko-KR" dirty="0" smtClean="0"/>
+              <a:t>,</a:t>
+            </a:r>
+            <a:r>
+              <a:rPr lang="en-US" altLang="ko-KR" baseline="0" dirty="0" smtClean="0"/>
+              <a:t> </a:t>
+            </a:r>
+          </a:p>
+          <a:p>
+            <a:endParaRPr lang="en-US" altLang="ko-KR" baseline="0" dirty="0" smtClean="0"/>
+          </a:p>
+          <a:p>
             <a:endParaRPr lang="ko-KR" altLang="en-US" dirty="0"/>
           </a:p>
         </p:txBody>
@@ -816,6 +903,81 @@
           <a:bodyPr/>
           <a:lstStyle/>
           <a:p>
+            <a:r>
+              <a:rPr lang="ko-KR" altLang="en-US" dirty="0" smtClean="0"/>
+              <a:t>각각의 데이터</a:t>
+            </a:r>
+            <a:r>
+              <a:rPr lang="ko-KR" altLang="en-US" baseline="0" dirty="0" smtClean="0"/>
+              <a:t> 세트</a:t>
+            </a:r>
+            <a:r>
+              <a:rPr lang="ko-KR" altLang="en-US" dirty="0" smtClean="0"/>
+              <a:t>에 </a:t>
+            </a:r>
+            <a:r>
+              <a:rPr lang="ko-KR" altLang="en-US" dirty="0" smtClean="0"/>
+              <a:t>대한 평가 지표는 </a:t>
+            </a:r>
+            <a:r>
+              <a:rPr lang="ko-KR" altLang="en-US" dirty="0" smtClean="0"/>
+              <a:t>정밀도</a:t>
+            </a:r>
+            <a:r>
+              <a:rPr lang="en-US" altLang="ko-KR" dirty="0" smtClean="0"/>
+              <a:t>, </a:t>
+            </a:r>
+            <a:r>
+              <a:rPr lang="ko-KR" altLang="en-US" dirty="0" err="1" smtClean="0"/>
+              <a:t>재현율</a:t>
+            </a:r>
+            <a:r>
+              <a:rPr lang="en-US" altLang="ko-KR" dirty="0" smtClean="0"/>
+              <a:t>, </a:t>
+            </a:r>
+            <a:r>
+              <a:rPr lang="en-US" altLang="ko-KR" dirty="0" smtClean="0"/>
+              <a:t>F1 score, F1 star</a:t>
+            </a:r>
+            <a:r>
+              <a:rPr lang="ko-KR" altLang="en-US" dirty="0" smtClean="0"/>
+              <a:t>로 구성되며 </a:t>
+            </a:r>
+            <a:r>
+              <a:rPr lang="en-US" altLang="ko-KR" dirty="0" smtClean="0"/>
+              <a:t>F1 star</a:t>
+            </a:r>
+            <a:r>
+              <a:rPr lang="ko-KR" altLang="en-US" dirty="0" smtClean="0"/>
+              <a:t>의 경우 </a:t>
+            </a:r>
+            <a:r>
+              <a:rPr lang="ko-KR" altLang="en-US" dirty="0" smtClean="0"/>
+              <a:t>정밀도와 </a:t>
+            </a:r>
+            <a:r>
+              <a:rPr lang="ko-KR" altLang="en-US" dirty="0" err="1" smtClean="0"/>
+              <a:t>재현율의</a:t>
+            </a:r>
+            <a:r>
+              <a:rPr lang="ko-KR" altLang="en-US" dirty="0" smtClean="0"/>
+              <a:t> </a:t>
+            </a:r>
+            <a:r>
+              <a:rPr lang="ko-KR" altLang="en-US" dirty="0" smtClean="0"/>
+              <a:t>평균을 사용하여 도출된 </a:t>
+            </a:r>
+            <a:r>
+              <a:rPr lang="ko-KR" altLang="en-US" dirty="0" smtClean="0"/>
+              <a:t>값입니다</a:t>
+            </a:r>
+            <a:r>
+              <a:rPr lang="en-US" altLang="ko-KR" dirty="0" smtClean="0"/>
+              <a:t>.</a:t>
+            </a:r>
+            <a:endParaRPr lang="ko-KR" altLang="en-US" dirty="0" smtClean="0"/>
+          </a:p>
+          <a:p>
             <a:endParaRPr lang="ko-KR" altLang="en-US" dirty="0"/>
           </a:p>
         </p:txBody>
@@ -911,6 +1073,102 @@
           <a:bodyPr/>
           <a:lstStyle/>
           <a:p>
+            <a:r>
+              <a:rPr lang="ko-KR" altLang="en-US" dirty="0" smtClean="0"/>
+              <a:t>다음은 </a:t>
+            </a:r>
+            <a:r>
+              <a:rPr lang="en-US" altLang="ko-KR" dirty="0" smtClean="0"/>
+              <a:t>5</a:t>
+            </a:r>
+            <a:r>
+              <a:rPr lang="ko-KR" altLang="en-US" dirty="0" smtClean="0"/>
+              <a:t>가지 </a:t>
+            </a:r>
+            <a:r>
+              <a:rPr lang="en-US" altLang="ko-KR" dirty="0" smtClean="0"/>
+              <a:t>datasets</a:t>
+            </a:r>
+            <a:r>
+              <a:rPr lang="ko-KR" altLang="en-US" dirty="0" smtClean="0"/>
+              <a:t>에 대한 비교 모델과의 성능 </a:t>
+            </a:r>
+            <a:r>
+              <a:rPr lang="ko-KR" altLang="en-US" dirty="0" smtClean="0"/>
+              <a:t>비교표입니다</a:t>
+            </a:r>
+            <a:r>
+              <a:rPr lang="en-US" altLang="ko-KR" dirty="0" smtClean="0"/>
+              <a:t>.</a:t>
+            </a:r>
+            <a:endParaRPr lang="en-US" altLang="ko-KR" dirty="0" smtClean="0"/>
+          </a:p>
+          <a:p>
+            <a:endParaRPr lang="en-US" altLang="ko-KR" dirty="0" smtClean="0"/>
+          </a:p>
+          <a:p>
+            <a:r>
+              <a:rPr lang="ko-KR" altLang="en-US" dirty="0" smtClean="0"/>
+              <a:t>첫 번째 표의 </a:t>
+            </a:r>
+            <a:r>
+              <a:rPr lang="en-US" altLang="ko-KR" dirty="0" smtClean="0"/>
+              <a:t>without/with</a:t>
+            </a:r>
+            <a:r>
+              <a:rPr lang="ko-KR" altLang="en-US" dirty="0" smtClean="0"/>
+              <a:t>는 </a:t>
+            </a:r>
+            <a:r>
+              <a:rPr lang="en-US" altLang="ko-KR" dirty="0" smtClean="0"/>
+              <a:t>point-adjust </a:t>
+            </a:r>
+            <a:r>
+              <a:rPr lang="ko-KR" altLang="en-US" dirty="0" smtClean="0"/>
+              <a:t>적용 여부를 뜻하며 </a:t>
+            </a:r>
+            <a:endParaRPr lang="en-US" altLang="ko-KR" dirty="0" smtClean="0"/>
+          </a:p>
+          <a:p>
+            <a:endParaRPr lang="en-US" altLang="ko-KR" dirty="0" smtClean="0"/>
+          </a:p>
+          <a:p>
+            <a:r>
+              <a:rPr lang="en-US" altLang="ko-KR" dirty="0" smtClean="0"/>
+              <a:t>point-adjust</a:t>
+            </a:r>
+            <a:r>
+              <a:rPr lang="ko-KR" altLang="en-US" dirty="0" smtClean="0"/>
+              <a:t>란 각각의 </a:t>
+            </a:r>
+            <a:r>
+              <a:rPr lang="en-US" altLang="ko-KR" dirty="0" smtClean="0"/>
+              <a:t>observation/time-point</a:t>
+            </a:r>
+            <a:r>
+              <a:rPr lang="ko-KR" altLang="en-US" dirty="0" smtClean="0"/>
+              <a:t>에 대해서 독립적으로 </a:t>
+            </a:r>
+            <a:r>
+              <a:rPr lang="en-US" altLang="ko-KR" dirty="0" smtClean="0"/>
+              <a:t>anomaly</a:t>
+            </a:r>
+            <a:r>
+              <a:rPr lang="ko-KR" altLang="en-US" dirty="0" smtClean="0"/>
+              <a:t>를 </a:t>
+            </a:r>
+            <a:r>
+              <a:rPr lang="en-US" altLang="ko-KR" dirty="0" smtClean="0"/>
+              <a:t>detecting</a:t>
+            </a:r>
+            <a:r>
+              <a:rPr lang="ko-KR" altLang="en-US" baseline="0" dirty="0" smtClean="0"/>
+              <a:t> 한 결과 입니다</a:t>
+            </a:r>
+            <a:r>
+              <a:rPr lang="en-US" altLang="ko-KR" baseline="0" dirty="0" smtClean="0"/>
+              <a:t>.</a:t>
+            </a:r>
             <a:endParaRPr lang="ko-KR" altLang="en-US" dirty="0"/>
           </a:p>
         </p:txBody>
@@ -1006,6 +1264,180 @@
           <a:bodyPr/>
           <a:lstStyle/>
           <a:p>
+            <a:r>
+              <a:rPr lang="ko-KR" altLang="en-US" dirty="0" smtClean="0"/>
+              <a:t>다음은 </a:t>
+            </a:r>
+            <a:r>
+              <a:rPr lang="en-US" altLang="ko-KR" dirty="0" smtClean="0"/>
+              <a:t>5</a:t>
+            </a:r>
+            <a:r>
+              <a:rPr lang="ko-KR" altLang="en-US" dirty="0" smtClean="0"/>
+              <a:t>가지 </a:t>
+            </a:r>
+            <a:r>
+              <a:rPr lang="ko-KR" altLang="en-US" dirty="0" smtClean="0"/>
+              <a:t>데이터 세트에 </a:t>
+            </a:r>
+            <a:r>
+              <a:rPr lang="ko-KR" altLang="en-US" dirty="0" smtClean="0"/>
+              <a:t>대한 </a:t>
+            </a:r>
+            <a:r>
+              <a:rPr lang="ko-KR" altLang="en-US" dirty="0" smtClean="0"/>
+              <a:t>알고리즘 별 </a:t>
+            </a:r>
+            <a:r>
+              <a:rPr lang="en-US" altLang="ko-KR" dirty="0" smtClean="0"/>
+              <a:t>average performance (standard deviation)</a:t>
+            </a:r>
+            <a:r>
+              <a:rPr lang="ko-KR" altLang="en-US" dirty="0" smtClean="0"/>
+              <a:t>을 기록한 </a:t>
+            </a:r>
+            <a:r>
+              <a:rPr lang="ko-KR" altLang="en-US" dirty="0" smtClean="0"/>
+              <a:t>표 입니다</a:t>
+            </a:r>
+            <a:r>
+              <a:rPr lang="en-US" altLang="ko-KR" dirty="0" smtClean="0"/>
+              <a:t>.</a:t>
+            </a:r>
+            <a:endParaRPr lang="en-US" altLang="ko-KR" dirty="0" smtClean="0"/>
+          </a:p>
+          <a:p>
+            <a:endParaRPr lang="en-US" altLang="ko-KR" baseline="0" dirty="0" smtClean="0"/>
+          </a:p>
+          <a:p>
+            <a:r>
+              <a:rPr lang="ko-KR" altLang="en-US" dirty="0" smtClean="0"/>
+              <a:t>성능 비교 표를 정리하면 대부분의 경우에서 </a:t>
+            </a:r>
+            <a:r>
+              <a:rPr lang="en-US" altLang="ko-KR" dirty="0" smtClean="0"/>
+              <a:t>USAD</a:t>
+            </a:r>
+            <a:r>
+              <a:rPr lang="ko-KR" altLang="en-US" dirty="0" smtClean="0"/>
+              <a:t>가 좋은 성능을 보여주는 것을 확인할 수 </a:t>
+            </a:r>
+            <a:r>
+              <a:rPr lang="ko-KR" altLang="en-US" dirty="0" smtClean="0"/>
+              <a:t>있습니다</a:t>
+            </a:r>
+            <a:r>
+              <a:rPr lang="en-US" altLang="ko-KR" dirty="0" smtClean="0"/>
+              <a:t>. </a:t>
+            </a:r>
+            <a:endParaRPr lang="en-US" altLang="ko-KR" dirty="0" smtClean="0"/>
+          </a:p>
+          <a:p>
+            <a:endParaRPr lang="en-US" altLang="ko-KR" dirty="0" smtClean="0"/>
+          </a:p>
+          <a:p>
+            <a:r>
+              <a:rPr lang="ko-KR" altLang="en-US" dirty="0" smtClean="0"/>
+              <a:t>특히 </a:t>
+            </a:r>
+            <a:r>
+              <a:rPr lang="en-US" altLang="ko-KR" dirty="0" smtClean="0"/>
+              <a:t>auto encoder</a:t>
+            </a:r>
+            <a:r>
+              <a:rPr lang="ko-KR" altLang="en-US" dirty="0" smtClean="0"/>
+              <a:t>를 </a:t>
+            </a:r>
+            <a:r>
+              <a:rPr lang="ko-KR" altLang="en-US" dirty="0" smtClean="0"/>
+              <a:t>활용한 </a:t>
+            </a:r>
+            <a:r>
+              <a:rPr lang="en-US" altLang="ko-KR" dirty="0" smtClean="0"/>
+              <a:t>anomaly detection</a:t>
+            </a:r>
+            <a:r>
+              <a:rPr lang="ko-KR" altLang="en-US" dirty="0" smtClean="0"/>
+              <a:t>과 비교하면 월등한 성능을 </a:t>
+            </a:r>
+            <a:r>
+              <a:rPr lang="ko-KR" altLang="en-US" dirty="0" smtClean="0"/>
+              <a:t>보여줍니다</a:t>
+            </a:r>
+            <a:r>
+              <a:rPr lang="en-US" altLang="ko-KR" dirty="0" smtClean="0"/>
+              <a:t>.</a:t>
+            </a:r>
+          </a:p>
+          <a:p>
+            <a:endParaRPr lang="en-US" altLang="ko-KR" dirty="0" smtClean="0"/>
+          </a:p>
+          <a:p>
+            <a:r>
+              <a:rPr lang="ko-KR" altLang="en-US" dirty="0" smtClean="0"/>
+              <a:t>다음은 </a:t>
+            </a:r>
+            <a:r>
+              <a:rPr lang="en-US" altLang="ko-KR" dirty="0" err="1" smtClean="0"/>
+              <a:t>SWaT</a:t>
+            </a:r>
+            <a:r>
+              <a:rPr lang="en-US" altLang="ko-KR" dirty="0" smtClean="0"/>
+              <a:t> data</a:t>
+            </a:r>
+            <a:r>
+              <a:rPr lang="ko-KR" altLang="en-US" dirty="0" smtClean="0"/>
+              <a:t>에 대한 </a:t>
+            </a:r>
+            <a:r>
+              <a:rPr lang="en-US" altLang="ko-KR" dirty="0" smtClean="0"/>
+              <a:t>hyper-parameter</a:t>
+            </a:r>
+            <a:r>
+              <a:rPr lang="ko-KR" altLang="en-US" dirty="0" smtClean="0"/>
+              <a:t>별 성능을 기록한 표이다</a:t>
+            </a:r>
+            <a:r>
+              <a:rPr lang="en-US" altLang="ko-KR" dirty="0" smtClean="0"/>
+              <a:t>. </a:t>
+            </a:r>
+          </a:p>
+          <a:p>
+            <a:endParaRPr lang="en-US" altLang="ko-KR" dirty="0" smtClean="0"/>
+          </a:p>
+          <a:p>
+            <a:r>
+              <a:rPr lang="ko-KR" altLang="en-US" dirty="0" smtClean="0"/>
+              <a:t>앞서 저자가 설명한대로 </a:t>
+            </a:r>
+            <a:r>
+              <a:rPr lang="en-US" altLang="ko-KR" dirty="0" smtClean="0"/>
+              <a:t>beta</a:t>
+            </a:r>
+            <a:r>
+              <a:rPr lang="ko-KR" altLang="en-US" dirty="0" smtClean="0"/>
+              <a:t>값이 </a:t>
+            </a:r>
+            <a:r>
+              <a:rPr lang="ko-KR" altLang="en-US" dirty="0" smtClean="0"/>
+              <a:t>커짐에 따라 </a:t>
+            </a:r>
+            <a:r>
+              <a:rPr lang="en-US" altLang="ko-KR" dirty="0" smtClean="0"/>
+              <a:t>detection</a:t>
+            </a:r>
+            <a:r>
+              <a:rPr lang="ko-KR" altLang="en-US" dirty="0" smtClean="0"/>
+              <a:t>의 수가 많아짐을 확인할 수 </a:t>
+            </a:r>
+            <a:r>
+              <a:rPr lang="ko-KR" altLang="en-US" dirty="0" smtClean="0"/>
+              <a:t>있습니다</a:t>
+            </a:r>
+            <a:r>
+              <a:rPr lang="en-US" altLang="ko-KR" dirty="0" smtClean="0"/>
+              <a:t>.</a:t>
+            </a:r>
             <a:endParaRPr lang="en-US" altLang="ko-KR" baseline="0" dirty="0" smtClean="0"/>
           </a:p>
         </p:txBody>
@@ -1196,6 +1628,159 @@
           <a:bodyPr/>
           <a:lstStyle/>
           <a:p>
+            <a:r>
+              <a:rPr lang="ko-KR" altLang="en-US" sz="800" dirty="0" smtClean="0"/>
+              <a:t>마지막으로 </a:t>
+            </a:r>
+            <a:r>
+              <a:rPr lang="en-US" altLang="ko-KR" sz="800" dirty="0" smtClean="0"/>
+              <a:t>USAD</a:t>
+            </a:r>
+            <a:r>
+              <a:rPr lang="ko-KR" altLang="en-US" sz="800" dirty="0" smtClean="0"/>
+              <a:t>에서 </a:t>
+            </a:r>
+            <a:r>
+              <a:rPr lang="en-US" altLang="ko-KR" sz="800" dirty="0" smtClean="0"/>
+              <a:t>adversarial training</a:t>
+            </a:r>
+            <a:r>
+              <a:rPr lang="ko-KR" altLang="en-US" sz="800" dirty="0" smtClean="0"/>
+              <a:t>의 효과를 확인하기 위한 </a:t>
+            </a:r>
+            <a:r>
+              <a:rPr lang="en-US" altLang="ko-KR" sz="800" dirty="0" smtClean="0"/>
+              <a:t>ablation study </a:t>
+            </a:r>
+            <a:r>
+              <a:rPr lang="ko-KR" altLang="en-US" sz="800" dirty="0" smtClean="0"/>
+              <a:t>결과는 다음과 </a:t>
+            </a:r>
+            <a:r>
+              <a:rPr lang="ko-KR" altLang="en-US" sz="800" dirty="0" smtClean="0"/>
+              <a:t>같습니다</a:t>
+            </a:r>
+            <a:r>
+              <a:rPr lang="en-US" altLang="ko-KR" sz="800" dirty="0" smtClean="0"/>
+              <a:t>.</a:t>
+            </a:r>
+          </a:p>
+          <a:p>
+            <a:endParaRPr lang="en-US" altLang="ko-KR" sz="800" dirty="0" smtClean="0"/>
+          </a:p>
+          <a:p>
+            <a:r>
+              <a:rPr lang="en-US" altLang="ko-KR" sz="800" dirty="0" smtClean="0"/>
+              <a:t>3</a:t>
+            </a:r>
+            <a:r>
+              <a:rPr lang="ko-KR" altLang="en-US" sz="800" dirty="0" smtClean="0"/>
+              <a:t>가지 </a:t>
+            </a:r>
+            <a:r>
+              <a:rPr lang="ko-KR" altLang="en-US" sz="800" dirty="0" smtClean="0"/>
+              <a:t>데이터 세트에 </a:t>
+            </a:r>
+            <a:r>
+              <a:rPr lang="ko-KR" altLang="en-US" sz="800" dirty="0" smtClean="0"/>
+              <a:t>대해서 순수 </a:t>
+            </a:r>
+            <a:r>
+              <a:rPr lang="en-US" altLang="ko-KR" sz="800" dirty="0" smtClean="0"/>
+              <a:t>adversarial</a:t>
+            </a:r>
+            <a:r>
+              <a:rPr lang="ko-KR" altLang="en-US" sz="800" dirty="0" smtClean="0"/>
+              <a:t>의 성능은 가장 낮으나 </a:t>
+            </a:r>
+            <a:r>
+              <a:rPr lang="en-US" altLang="ko-KR" sz="800" dirty="0" smtClean="0"/>
+              <a:t>auto encoder</a:t>
+            </a:r>
+            <a:r>
+              <a:rPr lang="ko-KR" altLang="en-US" sz="800" dirty="0" smtClean="0"/>
+              <a:t>와 </a:t>
+            </a:r>
+            <a:r>
+              <a:rPr lang="ko-KR" altLang="en-US" sz="800" dirty="0" smtClean="0"/>
+              <a:t>결합했을 때 가장 좋은 성능을 보인 것을 확인할 수 </a:t>
+            </a:r>
+            <a:r>
+              <a:rPr lang="ko-KR" altLang="en-US" sz="800" dirty="0" smtClean="0"/>
+              <a:t>있습니다</a:t>
+            </a:r>
+            <a:r>
+              <a:rPr lang="en-US" altLang="ko-KR" sz="800" dirty="0" smtClean="0"/>
+              <a:t>.</a:t>
+            </a:r>
+          </a:p>
+          <a:p>
+            <a:endParaRPr lang="en-US" altLang="ko-KR" sz="800" dirty="0" smtClean="0"/>
+          </a:p>
+          <a:p>
+            <a:r>
+              <a:rPr lang="ko-KR" altLang="en-US" sz="800" dirty="0" smtClean="0"/>
+              <a:t>결론적으로 </a:t>
+            </a:r>
+            <a:r>
+              <a:rPr lang="en-US" altLang="ko-KR" sz="800" dirty="0" smtClean="0"/>
+              <a:t>USAD</a:t>
+            </a:r>
+            <a:r>
+              <a:rPr lang="ko-KR" altLang="en-US" sz="800" dirty="0" smtClean="0"/>
+              <a:t>는 기존의 </a:t>
+            </a:r>
+            <a:r>
+              <a:rPr lang="en-US" altLang="ko-KR" sz="800" dirty="0" smtClean="0"/>
+              <a:t>auto</a:t>
+            </a:r>
+            <a:r>
+              <a:rPr lang="en-US" altLang="ko-KR" sz="800" baseline="0" dirty="0" smtClean="0"/>
+              <a:t> encoder</a:t>
+            </a:r>
+            <a:r>
+              <a:rPr lang="en-US" altLang="ko-KR" sz="800" dirty="0" smtClean="0"/>
+              <a:t> </a:t>
+            </a:r>
+            <a:r>
+              <a:rPr lang="ko-KR" altLang="en-US" sz="800" dirty="0" smtClean="0"/>
+              <a:t>기반의 </a:t>
+            </a:r>
+            <a:r>
+              <a:rPr lang="en-US" altLang="ko-KR" sz="800" dirty="0" smtClean="0"/>
+              <a:t>anomaly detection </a:t>
+            </a:r>
+            <a:r>
+              <a:rPr lang="ko-KR" altLang="en-US" sz="800" dirty="0" smtClean="0"/>
+              <a:t>알고리즘의 장점과 </a:t>
+            </a:r>
+            <a:r>
+              <a:rPr lang="en-US" altLang="ko-KR" sz="800" dirty="0" smtClean="0"/>
+              <a:t>GANs </a:t>
+            </a:r>
+            <a:r>
+              <a:rPr lang="ko-KR" altLang="en-US" sz="800" dirty="0" smtClean="0"/>
+              <a:t>기반의 </a:t>
+            </a:r>
+            <a:r>
+              <a:rPr lang="en-US" altLang="ko-KR" sz="800" dirty="0" smtClean="0"/>
+              <a:t>anomaly detection </a:t>
+            </a:r>
+            <a:r>
+              <a:rPr lang="ko-KR" altLang="en-US" sz="800" dirty="0" smtClean="0"/>
+              <a:t>알고리즘의 장점을 결합한 </a:t>
+            </a:r>
+            <a:r>
+              <a:rPr lang="ko-KR" altLang="en-US" sz="800" dirty="0" err="1" smtClean="0"/>
+              <a:t>방법이였습니다</a:t>
+            </a:r>
+            <a:r>
+              <a:rPr lang="en-US" altLang="ko-KR" sz="800" dirty="0" smtClean="0"/>
+              <a:t>.</a:t>
+            </a:r>
+            <a:endParaRPr lang="ko-KR" altLang="en-US" sz="800" dirty="0" smtClean="0"/>
+          </a:p>
+          <a:p>
             <a:endParaRPr lang="en-US" altLang="ko-KR" sz="600" dirty="0"/>
           </a:p>
         </p:txBody>
@@ -1403,7 +1988,11 @@
           <a:p>
             <a:r>
               <a:rPr lang="ko-KR" altLang="en-US" dirty="0"/>
-              <a:t>다음과 같은 목차로 발표를 준비하였습니다</a:t>
+              <a:t>다음과 같은 목차로 발표를 </a:t>
+            </a:r>
+            <a:r>
+              <a:rPr lang="ko-KR" altLang="en-US" dirty="0" smtClean="0"/>
+              <a:t>구성하였습니다</a:t>
             </a:r>
             <a:r>
               <a:rPr lang="en-US" altLang="ko-KR" dirty="0"/>
@@ -1504,6 +2093,304 @@
           <a:bodyPr/>
           <a:lstStyle/>
           <a:p>
+            <a:r>
+              <a:rPr lang="ko-KR" altLang="en-US" dirty="0" smtClean="0"/>
+              <a:t>먼저 논문의 제목을 통해 해당 논문에서</a:t>
+            </a:r>
+            <a:r>
+              <a:rPr lang="ko-KR" altLang="en-US" baseline="0" dirty="0" smtClean="0"/>
+              <a:t> 풀고자 하는 문제의 대상과 방식에 대한 전체적인 설명을 먼저 드리겠습니다</a:t>
+            </a:r>
+            <a:r>
+              <a:rPr lang="en-US" altLang="ko-KR" baseline="0" dirty="0" smtClean="0"/>
+              <a:t>.</a:t>
+            </a:r>
+          </a:p>
+          <a:p>
+            <a:endParaRPr lang="en-US" altLang="ko-KR" baseline="0" dirty="0" smtClean="0"/>
+          </a:p>
+          <a:p>
+            <a:r>
+              <a:rPr lang="ko-KR" altLang="en-US" baseline="0" dirty="0" smtClean="0"/>
+              <a:t>먼저 주어진 학습 데이터 셋에서 기존 관측과는 상이하여 다른 </a:t>
+            </a:r>
+            <a:r>
+              <a:rPr lang="ko-KR" altLang="en-US" baseline="0" dirty="0" err="1" smtClean="0"/>
+              <a:t>매커니즘에</a:t>
+            </a:r>
+            <a:r>
+              <a:rPr lang="ko-KR" altLang="en-US" baseline="0" dirty="0" smtClean="0"/>
+              <a:t> 의해 생성되었다고 판단할만한 관측 값을 </a:t>
+            </a:r>
+            <a:r>
+              <a:rPr lang="en-US" altLang="ko-KR" baseline="0" dirty="0" smtClean="0"/>
+              <a:t>anomaly sample</a:t>
+            </a:r>
+            <a:r>
+              <a:rPr lang="ko-KR" altLang="en-US" baseline="0" dirty="0" smtClean="0"/>
+              <a:t>이라고 부르며</a:t>
+            </a:r>
+            <a:endParaRPr lang="en-US" altLang="ko-KR" baseline="0" dirty="0" smtClean="0"/>
+          </a:p>
+          <a:p>
+            <a:endParaRPr lang="en-US" altLang="ko-KR" baseline="0" dirty="0" smtClean="0"/>
+          </a:p>
+          <a:p>
+            <a:r>
+              <a:rPr lang="ko-KR" altLang="en-US" baseline="0" dirty="0" smtClean="0"/>
+              <a:t>이러한 </a:t>
+            </a:r>
+            <a:r>
+              <a:rPr lang="ko-KR" altLang="en-US" baseline="0" dirty="0" err="1" smtClean="0"/>
+              <a:t>이상치를</a:t>
+            </a:r>
+            <a:r>
+              <a:rPr lang="ko-KR" altLang="en-US" baseline="0" dirty="0" smtClean="0"/>
+              <a:t> 탐지하는 </a:t>
+            </a:r>
+            <a:r>
+              <a:rPr lang="en-US" altLang="ko-KR" baseline="0" dirty="0" smtClean="0"/>
+              <a:t>task</a:t>
+            </a:r>
+            <a:r>
+              <a:rPr lang="ko-KR" altLang="en-US" baseline="0" dirty="0" smtClean="0"/>
+              <a:t>를 </a:t>
+            </a:r>
+            <a:r>
+              <a:rPr lang="en-US" altLang="ko-KR" baseline="0" dirty="0" smtClean="0"/>
+              <a:t>anomaly detection </a:t>
+            </a:r>
+            <a:r>
+              <a:rPr lang="ko-KR" altLang="en-US" baseline="0" dirty="0" smtClean="0"/>
+              <a:t>이라고 부릅니다</a:t>
+            </a:r>
+            <a:r>
+              <a:rPr lang="en-US" altLang="ko-KR" baseline="0" dirty="0" smtClean="0"/>
+              <a:t>.</a:t>
+            </a:r>
+          </a:p>
+          <a:p>
+            <a:endParaRPr lang="en-US" altLang="ko-KR" baseline="0" dirty="0" smtClean="0"/>
+          </a:p>
+          <a:p>
+            <a:r>
+              <a:rPr lang="en-US" altLang="ko-KR" baseline="0" dirty="0" smtClean="0"/>
+              <a:t>Anomaly detection task</a:t>
+            </a:r>
+            <a:r>
+              <a:rPr lang="ko-KR" altLang="en-US" baseline="0" dirty="0" smtClean="0"/>
+              <a:t>는 </a:t>
+            </a:r>
+            <a:r>
+              <a:rPr lang="en-US" altLang="ko-KR" baseline="0" dirty="0" smtClean="0"/>
+              <a:t>abnormal</a:t>
+            </a:r>
+            <a:r>
+              <a:rPr lang="ko-KR" altLang="en-US" baseline="0" dirty="0" smtClean="0"/>
+              <a:t>에 대한 </a:t>
+            </a:r>
+            <a:r>
+              <a:rPr lang="en-US" altLang="ko-KR" baseline="0" dirty="0" smtClean="0"/>
+              <a:t>label</a:t>
+            </a:r>
+            <a:r>
+              <a:rPr lang="ko-KR" altLang="en-US" baseline="0" dirty="0" smtClean="0"/>
+              <a:t>의 유무에 따라 </a:t>
+            </a:r>
+            <a:r>
+              <a:rPr lang="en-US" altLang="ko-KR" baseline="0" dirty="0" smtClean="0"/>
+              <a:t>supervised setting</a:t>
+            </a:r>
+            <a:r>
+              <a:rPr lang="ko-KR" altLang="en-US" baseline="0" dirty="0" smtClean="0"/>
+              <a:t>과 </a:t>
+            </a:r>
+            <a:r>
+              <a:rPr lang="en-US" altLang="ko-KR" baseline="0" dirty="0" smtClean="0"/>
+              <a:t>unsupervised setting</a:t>
+            </a:r>
+            <a:r>
+              <a:rPr lang="ko-KR" altLang="en-US" baseline="0" dirty="0" smtClean="0"/>
+              <a:t>으로 나뉘며</a:t>
+            </a:r>
+            <a:r>
+              <a:rPr lang="en-US" altLang="ko-KR" baseline="0" dirty="0" smtClean="0"/>
+              <a:t>,</a:t>
+            </a:r>
+          </a:p>
+          <a:p>
+            <a:endParaRPr lang="en-US" altLang="ko-KR" baseline="0" dirty="0" smtClean="0"/>
+          </a:p>
+          <a:p>
+            <a:r>
+              <a:rPr lang="ko-KR" altLang="en-US" baseline="0" dirty="0" smtClean="0"/>
+              <a:t>대부분은 </a:t>
+            </a:r>
+            <a:r>
+              <a:rPr lang="en-US" altLang="ko-KR" baseline="0" dirty="0" smtClean="0"/>
+              <a:t>real world</a:t>
+            </a:r>
+            <a:r>
+              <a:rPr lang="ko-KR" altLang="en-US" baseline="0" dirty="0" smtClean="0"/>
+              <a:t>에서는 </a:t>
+            </a:r>
+            <a:r>
+              <a:rPr lang="en-US" altLang="ko-KR" baseline="0" dirty="0" smtClean="0"/>
+              <a:t>label</a:t>
+            </a:r>
+            <a:r>
+              <a:rPr lang="ko-KR" altLang="en-US" baseline="0" dirty="0" smtClean="0"/>
+              <a:t>이 존재하지 않아 </a:t>
+            </a:r>
+            <a:r>
+              <a:rPr lang="en-US" altLang="ko-KR" baseline="0" dirty="0" smtClean="0"/>
+              <a:t>unsupervised setting</a:t>
+            </a:r>
+            <a:r>
+              <a:rPr lang="ko-KR" altLang="en-US" baseline="0" dirty="0" smtClean="0"/>
+              <a:t>에서의 높은 성능을 기록하는 알고리즘이 각광을 받고 있습니다</a:t>
+            </a:r>
+            <a:r>
+              <a:rPr lang="en-US" altLang="ko-KR" baseline="0" dirty="0" smtClean="0"/>
+              <a:t>.</a:t>
+            </a:r>
+          </a:p>
+          <a:p>
+            <a:endParaRPr lang="en-US" altLang="ko-KR" baseline="0" dirty="0" smtClean="0"/>
+          </a:p>
+          <a:p>
+            <a:r>
+              <a:rPr lang="ko-KR" altLang="en-US" dirty="0" smtClean="0"/>
+              <a:t>이를 통해 </a:t>
+            </a:r>
+            <a:r>
+              <a:rPr lang="en-US" altLang="ko-KR" dirty="0" smtClean="0"/>
+              <a:t>Unsupervised anomaly detection on multivariate time series (USAD)</a:t>
+            </a:r>
+            <a:r>
+              <a:rPr lang="ko-KR" altLang="en-US" dirty="0" smtClean="0"/>
+              <a:t>는 이름에서 알 수 있듯이 </a:t>
+            </a:r>
+            <a:r>
+              <a:rPr lang="ko-KR" altLang="en-US" dirty="0" err="1" smtClean="0"/>
+              <a:t>다변량</a:t>
+            </a:r>
+            <a:r>
+              <a:rPr lang="ko-KR" altLang="en-US" dirty="0" smtClean="0"/>
+              <a:t> </a:t>
+            </a:r>
+            <a:r>
+              <a:rPr lang="ko-KR" altLang="en-US" dirty="0" err="1" smtClean="0"/>
+              <a:t>시계열에서</a:t>
+            </a:r>
+            <a:r>
+              <a:rPr lang="ko-KR" altLang="en-US" dirty="0" smtClean="0"/>
+              <a:t> </a:t>
+            </a:r>
+            <a:r>
+              <a:rPr lang="en-US" altLang="ko-KR" dirty="0" smtClean="0"/>
+              <a:t>unsupervised setting</a:t>
+            </a:r>
+            <a:r>
+              <a:rPr lang="ko-KR" altLang="en-US" dirty="0" smtClean="0"/>
+              <a:t>으로 </a:t>
+            </a:r>
+            <a:endParaRPr lang="en-US" altLang="ko-KR" dirty="0" smtClean="0"/>
+          </a:p>
+          <a:p>
+            <a:r>
+              <a:rPr lang="en-US" altLang="ko-KR" dirty="0" smtClean="0"/>
+              <a:t>Anomaly detection task</a:t>
+            </a:r>
+            <a:r>
+              <a:rPr lang="ko-KR" altLang="en-US" dirty="0" smtClean="0"/>
+              <a:t>를 진행하는 모델임을 알</a:t>
+            </a:r>
+            <a:r>
+              <a:rPr lang="ko-KR" altLang="en-US" baseline="0" dirty="0" smtClean="0"/>
+              <a:t> 수 있으며</a:t>
+            </a:r>
+            <a:r>
+              <a:rPr lang="en-US" altLang="ko-KR" baseline="0" dirty="0" smtClean="0"/>
+              <a:t>, </a:t>
+            </a:r>
+            <a:r>
+              <a:rPr lang="ko-KR" altLang="en-US" dirty="0" smtClean="0"/>
+              <a:t>또한 </a:t>
+            </a:r>
+            <a:r>
+              <a:rPr lang="en-US" altLang="ko-KR" dirty="0" smtClean="0"/>
+              <a:t>Multivariate time series</a:t>
+            </a:r>
+            <a:r>
+              <a:rPr lang="ko-KR" altLang="en-US" dirty="0" smtClean="0"/>
+              <a:t>란 각 시간 단위마다 여러 개의 값을 가지는 </a:t>
+            </a:r>
+            <a:r>
+              <a:rPr lang="ko-KR" altLang="en-US" dirty="0" err="1" smtClean="0"/>
+              <a:t>시계열을</a:t>
+            </a:r>
+            <a:r>
+              <a:rPr lang="ko-KR" altLang="en-US" dirty="0" smtClean="0"/>
+              <a:t> 뜻하며</a:t>
+            </a:r>
+            <a:endParaRPr lang="en-US" altLang="ko-KR" dirty="0" smtClean="0"/>
+          </a:p>
+          <a:p>
+            <a:r>
+              <a:rPr lang="ko-KR" altLang="en-US" dirty="0" smtClean="0"/>
+              <a:t>오른쪽</a:t>
+            </a:r>
+            <a:r>
+              <a:rPr lang="ko-KR" altLang="en-US" baseline="0" dirty="0" smtClean="0"/>
+              <a:t> 아래의 그림과 같은 시간 연속적인 데이터를 의미합니다</a:t>
+            </a:r>
+            <a:r>
+              <a:rPr lang="en-US" altLang="ko-KR" baseline="0" dirty="0" smtClean="0"/>
+              <a:t>.</a:t>
+            </a:r>
+            <a:endParaRPr lang="en-US" altLang="ko-KR" dirty="0" smtClean="0"/>
+          </a:p>
+          <a:p>
+            <a:endParaRPr lang="en-US" altLang="ko-KR" dirty="0" smtClean="0"/>
+          </a:p>
+          <a:p>
+            <a:r>
+              <a:rPr lang="ko-KR" altLang="en-US" dirty="0" smtClean="0"/>
+              <a:t>논문의 제목으로 </a:t>
+            </a:r>
+            <a:r>
+              <a:rPr lang="ko-KR" altLang="en-US" dirty="0" err="1" smtClean="0"/>
+              <a:t>다변량</a:t>
+            </a:r>
+            <a:r>
+              <a:rPr lang="ko-KR" altLang="en-US" dirty="0" smtClean="0"/>
+              <a:t> </a:t>
+            </a:r>
+            <a:r>
+              <a:rPr lang="ko-KR" altLang="en-US" dirty="0" err="1" smtClean="0"/>
+              <a:t>시계열</a:t>
+            </a:r>
+            <a:r>
+              <a:rPr lang="ko-KR" altLang="en-US" dirty="0" smtClean="0"/>
+              <a:t> 데이터에서 비지도 학습을 통한 이상</a:t>
+            </a:r>
+            <a:r>
+              <a:rPr lang="ko-KR" altLang="en-US" baseline="0" dirty="0" smtClean="0"/>
+              <a:t> 관측 모델에 대한 연구라는 것을 먼저 알 수 있습니다</a:t>
+            </a:r>
+            <a:r>
+              <a:rPr lang="en-US" altLang="ko-KR" baseline="0" dirty="0" smtClean="0"/>
+              <a:t>.</a:t>
+            </a:r>
+          </a:p>
+          <a:p>
+            <a:endParaRPr lang="en-US" altLang="ko-KR" baseline="0" dirty="0" smtClean="0"/>
+          </a:p>
+          <a:p>
+            <a:endParaRPr lang="en-US" altLang="ko-KR" dirty="0" smtClean="0"/>
+          </a:p>
+          <a:p>
             <a:endParaRPr lang="ko-KR" altLang="en-US" dirty="0"/>
           </a:p>
         </p:txBody>
@@ -1599,7 +2486,426 @@
           <a:bodyPr/>
           <a:lstStyle/>
           <a:p>
-            <a:endParaRPr lang="ko-KR" altLang="en-US" dirty="0"/>
+            <a:r>
+              <a:rPr lang="en-US" altLang="ko-KR" dirty="0" smtClean="0"/>
+              <a:t>USAD</a:t>
+            </a:r>
+            <a:r>
+              <a:rPr lang="ko-KR" altLang="en-US" dirty="0" smtClean="0"/>
+              <a:t>의 작동 과정을 먼저 이야기하기전에 본 논문의 </a:t>
+            </a:r>
+            <a:r>
+              <a:rPr lang="en-US" altLang="ko-KR" dirty="0" smtClean="0"/>
+              <a:t>contribution</a:t>
+            </a:r>
+            <a:r>
+              <a:rPr lang="ko-KR" altLang="en-US" dirty="0" smtClean="0"/>
+              <a:t>을</a:t>
+            </a:r>
+            <a:r>
+              <a:rPr lang="en-US" altLang="ko-KR" dirty="0" smtClean="0"/>
+              <a:t> </a:t>
+            </a:r>
+            <a:r>
+              <a:rPr lang="ko-KR" altLang="en-US" dirty="0" smtClean="0"/>
+              <a:t>이해하기 위해서 </a:t>
+            </a:r>
+            <a:r>
+              <a:rPr lang="en-US" altLang="ko-KR" dirty="0" smtClean="0"/>
+              <a:t>auto encoder</a:t>
+            </a:r>
+            <a:r>
+              <a:rPr lang="ko-KR" altLang="en-US" dirty="0" smtClean="0"/>
+              <a:t>기반 </a:t>
+            </a:r>
+            <a:r>
+              <a:rPr lang="en-US" altLang="ko-KR" dirty="0" smtClean="0"/>
+              <a:t>anomaly</a:t>
+            </a:r>
+            <a:r>
+              <a:rPr lang="en-US" altLang="ko-KR" baseline="0" dirty="0" smtClean="0"/>
+              <a:t> detection</a:t>
+            </a:r>
+            <a:r>
+              <a:rPr lang="ko-KR" altLang="en-US" baseline="0" dirty="0" smtClean="0"/>
+              <a:t>와 </a:t>
+            </a:r>
+            <a:r>
+              <a:rPr lang="en-US" altLang="ko-KR" baseline="0" dirty="0" smtClean="0"/>
+              <a:t>GANs</a:t>
+            </a:r>
+            <a:r>
+              <a:rPr lang="ko-KR" altLang="en-US" baseline="0" dirty="0" smtClean="0"/>
+              <a:t>기반 </a:t>
+            </a:r>
+            <a:r>
+              <a:rPr lang="en-US" altLang="ko-KR" baseline="0" dirty="0" smtClean="0"/>
+              <a:t>anomaly detection</a:t>
+            </a:r>
+            <a:r>
+              <a:rPr lang="ko-KR" altLang="en-US" baseline="0" dirty="0" smtClean="0"/>
+              <a:t>의 장단점을 먼저 설명하겠습니다</a:t>
+            </a:r>
+            <a:r>
+              <a:rPr lang="en-US" altLang="ko-KR" baseline="0" dirty="0" smtClean="0"/>
+              <a:t>.</a:t>
+            </a:r>
+          </a:p>
+          <a:p>
+            <a:endParaRPr lang="en-US" altLang="ko-KR" baseline="0" dirty="0" smtClean="0"/>
+          </a:p>
+          <a:p>
+            <a:r>
+              <a:rPr lang="ko-KR" altLang="en-US" baseline="0" dirty="0" smtClean="0"/>
+              <a:t>먼저 </a:t>
+            </a:r>
+            <a:r>
+              <a:rPr lang="en-US" altLang="ko-KR" baseline="0" dirty="0" err="1" smtClean="0"/>
+              <a:t>autoencoder</a:t>
+            </a:r>
+            <a:r>
+              <a:rPr lang="en-US" altLang="ko-KR" baseline="0" dirty="0" smtClean="0"/>
+              <a:t> </a:t>
+            </a:r>
+            <a:r>
+              <a:rPr lang="ko-KR" altLang="en-US" baseline="0" dirty="0" smtClean="0"/>
+              <a:t>기반의 </a:t>
+            </a:r>
+            <a:r>
+              <a:rPr lang="en-US" altLang="ko-KR" baseline="0" dirty="0" smtClean="0"/>
+              <a:t>anomaly detection</a:t>
+            </a:r>
+            <a:r>
+              <a:rPr lang="ko-KR" altLang="en-US" baseline="0" dirty="0" smtClean="0"/>
+              <a:t>을 설명 드리겠습니다</a:t>
+            </a:r>
+            <a:r>
+              <a:rPr lang="en-US" altLang="ko-KR" baseline="0" dirty="0" smtClean="0"/>
+              <a:t>.</a:t>
+            </a:r>
+          </a:p>
+          <a:p>
+            <a:endParaRPr lang="en-US" altLang="ko-KR" baseline="0" dirty="0" smtClean="0"/>
+          </a:p>
+          <a:p>
+            <a:r>
+              <a:rPr lang="ko-KR" altLang="en-US" dirty="0" smtClean="0"/>
+              <a:t>먼저 </a:t>
+            </a:r>
+            <a:r>
+              <a:rPr lang="en-US" altLang="ko-KR" dirty="0" smtClean="0"/>
+              <a:t>anomaly detection</a:t>
+            </a:r>
+            <a:r>
+              <a:rPr lang="ko-KR" altLang="en-US" dirty="0" smtClean="0"/>
+              <a:t>은 학습 단계와 탐지 단계로 구분할 수 있으며</a:t>
+            </a:r>
+            <a:r>
+              <a:rPr lang="en-US" altLang="ko-KR" dirty="0" smtClean="0"/>
+              <a:t>.</a:t>
+            </a:r>
+          </a:p>
+          <a:p>
+            <a:endParaRPr lang="en-US" altLang="ko-KR" dirty="0" smtClean="0"/>
+          </a:p>
+          <a:p>
+            <a:r>
+              <a:rPr lang="en-US" altLang="ko-KR" dirty="0" smtClean="0"/>
+              <a:t>Auto encoder </a:t>
+            </a:r>
+            <a:r>
+              <a:rPr lang="ko-KR" altLang="en-US" dirty="0" smtClean="0"/>
+              <a:t>기반 모델의 학습 단계에서는 정상 데이터를 압축과</a:t>
+            </a:r>
+            <a:r>
+              <a:rPr lang="en-US" altLang="ko-KR" baseline="0" dirty="0" smtClean="0"/>
+              <a:t> </a:t>
+            </a:r>
+            <a:r>
+              <a:rPr lang="ko-KR" altLang="en-US" dirty="0" smtClean="0"/>
+              <a:t>복원 과정을 거치는데</a:t>
+            </a:r>
+            <a:r>
+              <a:rPr lang="en-US" altLang="ko-KR" dirty="0" smtClean="0"/>
+              <a:t>,</a:t>
+            </a:r>
+          </a:p>
+          <a:p>
+            <a:endParaRPr lang="en-US" altLang="ko-KR" dirty="0" smtClean="0"/>
+          </a:p>
+          <a:p>
+            <a:r>
+              <a:rPr lang="ko-KR" altLang="en-US" dirty="0" smtClean="0"/>
+              <a:t>이 때 복원된 </a:t>
+            </a:r>
+            <a:r>
+              <a:rPr lang="ko-KR" altLang="en-US" dirty="0" err="1" smtClean="0"/>
+              <a:t>시계열과</a:t>
+            </a:r>
+            <a:r>
+              <a:rPr lang="ko-KR" altLang="en-US" dirty="0" smtClean="0"/>
+              <a:t> 원본 </a:t>
+            </a:r>
+            <a:r>
+              <a:rPr lang="ko-KR" altLang="en-US" dirty="0" err="1" smtClean="0"/>
+              <a:t>시계열</a:t>
+            </a:r>
+            <a:r>
+              <a:rPr lang="ko-KR" altLang="en-US" dirty="0" smtClean="0"/>
+              <a:t> 간의 차이인 </a:t>
+            </a:r>
+            <a:r>
+              <a:rPr lang="en-US" altLang="ko-KR" dirty="0" smtClean="0"/>
+              <a:t>reconstruction error</a:t>
+            </a:r>
+            <a:r>
+              <a:rPr lang="ko-KR" altLang="en-US" dirty="0" smtClean="0"/>
+              <a:t>를 </a:t>
+            </a:r>
+            <a:r>
+              <a:rPr lang="en-US" altLang="ko-KR" dirty="0" smtClean="0"/>
+              <a:t>minimize </a:t>
+            </a:r>
+            <a:r>
+              <a:rPr lang="ko-KR" altLang="en-US" dirty="0" smtClean="0"/>
+              <a:t>하여 정상 데이터를 잘 복원하는 모델을 구축합니다</a:t>
+            </a:r>
+            <a:r>
+              <a:rPr lang="en-US" altLang="ko-KR" dirty="0" smtClean="0"/>
+              <a:t>.</a:t>
+            </a:r>
+          </a:p>
+          <a:p>
+            <a:endParaRPr lang="en-US" altLang="ko-KR" dirty="0" smtClean="0"/>
+          </a:p>
+          <a:p>
+            <a:r>
+              <a:rPr lang="ko-KR" altLang="en-US" dirty="0" smtClean="0"/>
+              <a:t>이처럼 정상 데이터만을 학습한 </a:t>
+            </a:r>
+            <a:r>
+              <a:rPr lang="en-US" altLang="ko-KR" dirty="0" smtClean="0"/>
+              <a:t>Auto encoder </a:t>
+            </a:r>
+            <a:r>
+              <a:rPr lang="ko-KR" altLang="en-US" dirty="0" smtClean="0"/>
+              <a:t>모델은 비정상 데이터를 입력하였을 경우 큰 값의 </a:t>
+            </a:r>
+            <a:r>
+              <a:rPr lang="en-US" altLang="ko-KR" dirty="0" smtClean="0"/>
+              <a:t>reconstruction error</a:t>
+            </a:r>
+            <a:r>
+              <a:rPr lang="ko-KR" altLang="en-US" dirty="0" smtClean="0"/>
+              <a:t>를 갖습니다</a:t>
+            </a:r>
+            <a:r>
+              <a:rPr lang="en-US" altLang="ko-KR" dirty="0" smtClean="0"/>
+              <a:t>.</a:t>
+            </a:r>
+          </a:p>
+          <a:p>
+            <a:endParaRPr lang="en-US" altLang="ko-KR" dirty="0" smtClean="0"/>
+          </a:p>
+          <a:p>
+            <a:r>
+              <a:rPr lang="ko-KR" altLang="en-US" dirty="0" smtClean="0"/>
+              <a:t>이러한 이유는 학습에서 보지 못한 </a:t>
+            </a:r>
+            <a:r>
+              <a:rPr lang="en-US" altLang="ko-KR" dirty="0" smtClean="0"/>
+              <a:t>data</a:t>
+            </a:r>
+            <a:r>
+              <a:rPr lang="ko-KR" altLang="en-US" dirty="0" smtClean="0"/>
+              <a:t>이기</a:t>
+            </a:r>
+            <a:r>
+              <a:rPr lang="ko-KR" altLang="en-US" baseline="0" dirty="0" smtClean="0"/>
+              <a:t> 때문에</a:t>
+            </a:r>
+            <a:r>
+              <a:rPr lang="ko-KR" altLang="en-US" dirty="0" smtClean="0"/>
+              <a:t> 제대로 복원하지 못하는 것인데</a:t>
+            </a:r>
+            <a:r>
+              <a:rPr lang="en-US" altLang="ko-KR" dirty="0" smtClean="0"/>
+              <a:t>, </a:t>
+            </a:r>
+            <a:r>
+              <a:rPr lang="ko-KR" altLang="en-US" dirty="0" smtClean="0"/>
+              <a:t>탐지 단계에서는 위 성질을 활용하여 정상과 이상 데이터가 혼재해 있는 데이터를 </a:t>
+            </a:r>
+            <a:endParaRPr lang="en-US" altLang="ko-KR" dirty="0" smtClean="0"/>
+          </a:p>
+          <a:p>
+            <a:r>
+              <a:rPr lang="en-US" altLang="ko-KR" dirty="0" smtClean="0"/>
+              <a:t>Auto encoder</a:t>
+            </a:r>
+            <a:r>
+              <a:rPr lang="ko-KR" altLang="en-US" dirty="0" smtClean="0"/>
+              <a:t>의 </a:t>
+            </a:r>
+            <a:r>
+              <a:rPr lang="en-US" altLang="ko-KR" dirty="0" smtClean="0"/>
+              <a:t>input</a:t>
+            </a:r>
+            <a:r>
+              <a:rPr lang="ko-KR" altLang="en-US" dirty="0" smtClean="0"/>
+              <a:t>으로 넣은 후 이를 복원하였을 때 발생한 </a:t>
+            </a:r>
+            <a:r>
+              <a:rPr lang="en-US" altLang="ko-KR" dirty="0" smtClean="0"/>
+              <a:t>reconstruction error</a:t>
+            </a:r>
+            <a:r>
+              <a:rPr lang="ko-KR" altLang="en-US" dirty="0" smtClean="0"/>
+              <a:t>를 사용하여 </a:t>
+            </a:r>
+            <a:r>
+              <a:rPr lang="en-US" altLang="ko-KR" dirty="0" smtClean="0"/>
+              <a:t>threshold</a:t>
+            </a:r>
+            <a:r>
+              <a:rPr lang="ko-KR" altLang="en-US" dirty="0" smtClean="0"/>
+              <a:t>를 넘기면 이상</a:t>
+            </a:r>
+            <a:r>
+              <a:rPr lang="en-US" altLang="ko-KR" dirty="0" smtClean="0"/>
+              <a:t>, </a:t>
+            </a:r>
+            <a:r>
+              <a:rPr lang="ko-KR" altLang="en-US" dirty="0" smtClean="0"/>
+              <a:t>넘기지 않으면 정상으로 판단합니다</a:t>
+            </a:r>
+            <a:r>
+              <a:rPr lang="en-US" altLang="ko-KR" dirty="0" smtClean="0"/>
+              <a:t>.</a:t>
+            </a:r>
+          </a:p>
+          <a:p>
+            <a:endParaRPr lang="en-US" altLang="ko-KR" dirty="0" smtClean="0"/>
+          </a:p>
+          <a:p>
+            <a:r>
+              <a:rPr lang="ko-KR" altLang="en-US" dirty="0" smtClean="0"/>
+              <a:t>이 때 이상 탐지의 기준이 되는 </a:t>
+            </a:r>
+            <a:r>
+              <a:rPr lang="en-US" altLang="ko-KR" dirty="0" smtClean="0"/>
+              <a:t>reconstruction error</a:t>
+            </a:r>
+            <a:r>
+              <a:rPr lang="ko-KR" altLang="en-US" dirty="0" smtClean="0"/>
+              <a:t>를 </a:t>
+            </a:r>
+            <a:r>
+              <a:rPr lang="en-US" altLang="ko-KR" dirty="0" smtClean="0"/>
+              <a:t>anomaly score</a:t>
+            </a:r>
+            <a:r>
+              <a:rPr lang="ko-KR" altLang="en-US" dirty="0" smtClean="0"/>
+              <a:t>라고 부릅니다</a:t>
+            </a:r>
+            <a:r>
+              <a:rPr lang="en-US" altLang="ko-KR" dirty="0" smtClean="0"/>
+              <a:t>.</a:t>
+            </a:r>
+          </a:p>
+          <a:p>
+            <a:endParaRPr lang="en-US" altLang="ko-KR" dirty="0" smtClean="0"/>
+          </a:p>
+          <a:p>
+            <a:r>
+              <a:rPr lang="en-US" altLang="ko-KR" dirty="0" smtClean="0"/>
+              <a:t>Auto encoder </a:t>
+            </a:r>
+            <a:r>
+              <a:rPr lang="ko-KR" altLang="en-US" dirty="0" smtClean="0"/>
+              <a:t>기반의 </a:t>
+            </a:r>
+            <a:r>
+              <a:rPr lang="en-US" altLang="ko-KR" dirty="0" smtClean="0"/>
+              <a:t>anomaly detection </a:t>
+            </a:r>
+            <a:r>
+              <a:rPr lang="ko-KR" altLang="en-US" dirty="0" smtClean="0"/>
+              <a:t>알고리즘의 경우 학습이 용이하다는 장점이 있지만 정상 데이터의 분포와 유사한 비정상 데이터가 들어올 경우 이를 잘 구별하지 못한다는 단점이 존재합니다</a:t>
+            </a:r>
+            <a:r>
+              <a:rPr lang="en-US" altLang="ko-KR" dirty="0" smtClean="0"/>
+              <a:t>.</a:t>
+            </a:r>
+          </a:p>
+          <a:p>
+            <a:endParaRPr lang="en-US" altLang="ko-KR" dirty="0" smtClean="0"/>
+          </a:p>
+          <a:p>
+            <a:r>
+              <a:rPr lang="ko-KR" altLang="en-US" dirty="0" smtClean="0"/>
+              <a:t>이는 </a:t>
+            </a:r>
+            <a:r>
+              <a:rPr lang="en-US" altLang="ko-KR" dirty="0" smtClean="0"/>
+              <a:t>Auto encoder</a:t>
+            </a:r>
+            <a:r>
+              <a:rPr lang="ko-KR" altLang="en-US" dirty="0" smtClean="0"/>
+              <a:t>의 압축 과정에서 복원에 불필요한 정보를 제거하기 때문인데 학습 단계에서 정상 데이터만을 사용한다는 특성과 맞물려 비정상을 탐지할 수 있는 </a:t>
+            </a:r>
+            <a:r>
+              <a:rPr lang="en-US" altLang="ko-KR" dirty="0" smtClean="0"/>
+              <a:t>abnormal information</a:t>
+            </a:r>
+            <a:r>
+              <a:rPr lang="ko-KR" altLang="en-US" dirty="0" smtClean="0"/>
+              <a:t>이 소거되는 특징이 있습니다</a:t>
+            </a:r>
+            <a:r>
+              <a:rPr lang="en-US" altLang="ko-KR" dirty="0" smtClean="0"/>
+              <a:t>.</a:t>
+            </a:r>
+          </a:p>
+          <a:p>
+            <a:endParaRPr lang="en-US" altLang="ko-KR" dirty="0" smtClean="0"/>
+          </a:p>
+          <a:p>
+            <a:r>
+              <a:rPr lang="ko-KR" altLang="en-US" dirty="0" smtClean="0"/>
+              <a:t>다시 말하면 정상 데이터만을 학습한 </a:t>
+            </a:r>
+            <a:r>
+              <a:rPr lang="en-US" altLang="ko-KR" dirty="0" smtClean="0"/>
+              <a:t>Auto encoder</a:t>
+            </a:r>
+            <a:r>
+              <a:rPr lang="ko-KR" altLang="en-US" dirty="0" smtClean="0"/>
+              <a:t>의 경우 비정상 데이터가 들어오더라도 최대한 정상처럼 복원하는 성질이 존재하기에 </a:t>
+            </a:r>
+            <a:r>
+              <a:rPr lang="ko-KR" altLang="en-US" b="1" dirty="0" smtClean="0"/>
+              <a:t>미세한 차이의 </a:t>
+            </a:r>
+            <a:r>
+              <a:rPr lang="en-US" altLang="ko-KR" b="1" dirty="0" smtClean="0"/>
+              <a:t>anomaly sample</a:t>
+            </a:r>
+            <a:r>
+              <a:rPr lang="ko-KR" altLang="en-US" b="1" dirty="0" smtClean="0"/>
+              <a:t>을 검출하지 못한다</a:t>
+            </a:r>
+            <a:r>
+              <a:rPr lang="ko-KR" altLang="en-US" dirty="0" smtClean="0"/>
+              <a:t>는 단점이 존재합니다</a:t>
+            </a:r>
+            <a:r>
+              <a:rPr lang="en-US" altLang="ko-KR" dirty="0" smtClean="0"/>
+              <a:t>.</a:t>
+            </a:r>
+          </a:p>
+          <a:p>
+            <a:endParaRPr lang="en-US" altLang="ko-KR" baseline="0" dirty="0" smtClean="0"/>
           </a:p>
         </p:txBody>
       </p:sp>
@@ -1694,6 +3000,271 @@
           <a:bodyPr/>
           <a:lstStyle/>
           <a:p>
+            <a:r>
+              <a:rPr lang="ko-KR" altLang="en-US" dirty="0" smtClean="0"/>
+              <a:t>다음으로 </a:t>
+            </a:r>
+            <a:r>
+              <a:rPr lang="en-US" altLang="ko-KR" dirty="0" smtClean="0"/>
+              <a:t>GANs</a:t>
+            </a:r>
+            <a:r>
+              <a:rPr lang="ko-KR" altLang="en-US" dirty="0" smtClean="0"/>
+              <a:t>기반의 </a:t>
+            </a:r>
+            <a:r>
+              <a:rPr lang="en-US" altLang="ko-KR" dirty="0" smtClean="0"/>
+              <a:t>anomaly detection</a:t>
+            </a:r>
+            <a:r>
+              <a:rPr lang="ko-KR" altLang="en-US" dirty="0" smtClean="0"/>
+              <a:t>에 대해서 </a:t>
+            </a:r>
+            <a:r>
+              <a:rPr lang="ko-KR" altLang="en-US" dirty="0" err="1" smtClean="0"/>
+              <a:t>설명드리겠습니다</a:t>
+            </a:r>
+            <a:r>
+              <a:rPr lang="en-US" altLang="ko-KR" dirty="0" smtClean="0"/>
+              <a:t>.</a:t>
+            </a:r>
+          </a:p>
+          <a:p>
+            <a:endParaRPr lang="en-US" altLang="ko-KR" dirty="0" smtClean="0"/>
+          </a:p>
+          <a:p>
+            <a:r>
+              <a:rPr lang="en-US" altLang="ko-KR" dirty="0" smtClean="0"/>
+              <a:t>GANs</a:t>
+            </a:r>
+            <a:r>
+              <a:rPr lang="ko-KR" altLang="en-US" dirty="0" smtClean="0"/>
+              <a:t>는 가상 데이터를 생성하는 </a:t>
+            </a:r>
+            <a:r>
+              <a:rPr lang="en-US" altLang="ko-KR" dirty="0" smtClean="0"/>
+              <a:t>generator</a:t>
+            </a:r>
+            <a:r>
+              <a:rPr lang="ko-KR" altLang="en-US" dirty="0" smtClean="0"/>
+              <a:t>와 실제와 가상 데이터를 구분하는 </a:t>
+            </a:r>
+            <a:r>
+              <a:rPr lang="en-US" altLang="ko-KR" dirty="0" smtClean="0"/>
+              <a:t>discriminator</a:t>
+            </a:r>
+            <a:r>
+              <a:rPr lang="ko-KR" altLang="en-US" dirty="0" smtClean="0"/>
+              <a:t>로 구성됩니다</a:t>
+            </a:r>
+            <a:r>
+              <a:rPr lang="en-US" altLang="ko-KR" dirty="0" smtClean="0"/>
+              <a:t>.</a:t>
+            </a:r>
+          </a:p>
+          <a:p>
+            <a:endParaRPr lang="en-US" altLang="ko-KR" dirty="0" smtClean="0"/>
+          </a:p>
+          <a:p>
+            <a:r>
+              <a:rPr lang="en-US" altLang="ko-KR" dirty="0" smtClean="0"/>
+              <a:t>GANs </a:t>
+            </a:r>
+            <a:r>
+              <a:rPr lang="ko-KR" altLang="en-US" dirty="0" smtClean="0"/>
+              <a:t>기반 </a:t>
+            </a:r>
+            <a:r>
+              <a:rPr lang="en-US" altLang="ko-KR" dirty="0" smtClean="0"/>
+              <a:t>anomaly detection</a:t>
+            </a:r>
+            <a:r>
+              <a:rPr lang="ko-KR" altLang="en-US" dirty="0" smtClean="0"/>
+              <a:t>은 실제 데이터를 </a:t>
+            </a:r>
+            <a:r>
+              <a:rPr lang="en-US" altLang="ko-KR" dirty="0" smtClean="0"/>
+              <a:t>normal</a:t>
+            </a:r>
+            <a:r>
+              <a:rPr lang="ko-KR" altLang="en-US" dirty="0" smtClean="0"/>
+              <a:t>로</a:t>
+            </a:r>
+            <a:r>
+              <a:rPr lang="en-US" altLang="ko-KR" dirty="0" smtClean="0"/>
+              <a:t>, </a:t>
+            </a:r>
+            <a:r>
+              <a:rPr lang="ko-KR" altLang="en-US" dirty="0" smtClean="0"/>
+              <a:t>가상 데이터를 </a:t>
+            </a:r>
+            <a:r>
+              <a:rPr lang="en-US" altLang="ko-KR" dirty="0" smtClean="0"/>
+              <a:t>abnormal</a:t>
+            </a:r>
+            <a:r>
+              <a:rPr lang="ko-KR" altLang="en-US" dirty="0" smtClean="0"/>
+              <a:t>로 판단하여 학습을 진행하며 전반적인 구조는 아래의 그림과 같습니다</a:t>
+            </a:r>
+            <a:endParaRPr lang="en-US" altLang="ko-KR" dirty="0" smtClean="0"/>
+          </a:p>
+          <a:p>
+            <a:endParaRPr lang="en-US" altLang="ko-KR" dirty="0" smtClean="0"/>
+          </a:p>
+          <a:p>
+            <a:r>
+              <a:rPr lang="en-US" altLang="ko-KR" dirty="0" smtClean="0"/>
+              <a:t>GANs </a:t>
+            </a:r>
+            <a:r>
+              <a:rPr lang="ko-KR" altLang="en-US" dirty="0" smtClean="0"/>
+              <a:t>기반 방법의 경우 </a:t>
+            </a:r>
+            <a:r>
+              <a:rPr lang="en-US" altLang="ko-KR" dirty="0" smtClean="0"/>
+              <a:t>input sequence</a:t>
+            </a:r>
+            <a:r>
+              <a:rPr lang="ko-KR" altLang="en-US" dirty="0" smtClean="0"/>
+              <a:t>의 압축 및 복원을 </a:t>
+            </a:r>
+            <a:r>
+              <a:rPr lang="en-US" altLang="ko-KR" dirty="0" smtClean="0"/>
+              <a:t>generator</a:t>
+            </a:r>
+            <a:r>
+              <a:rPr lang="ko-KR" altLang="en-US" dirty="0" smtClean="0"/>
+              <a:t>가 담당하며</a:t>
+            </a:r>
+            <a:r>
+              <a:rPr lang="en-US" altLang="ko-KR" dirty="0" smtClean="0"/>
+              <a:t>,</a:t>
+            </a:r>
+            <a:endParaRPr lang="en-US" altLang="ko-KR" baseline="0" dirty="0" smtClean="0"/>
+          </a:p>
+          <a:p>
+            <a:r>
+              <a:rPr lang="en-US" altLang="ko-KR" dirty="0" smtClean="0"/>
+              <a:t> </a:t>
+            </a:r>
+          </a:p>
+          <a:p>
+            <a:r>
+              <a:rPr lang="ko-KR" altLang="en-US" dirty="0" smtClean="0"/>
+              <a:t>이 때 </a:t>
+            </a:r>
+            <a:r>
+              <a:rPr lang="en-US" altLang="ko-KR" dirty="0" smtClean="0"/>
+              <a:t>generator</a:t>
+            </a:r>
+            <a:r>
+              <a:rPr lang="ko-KR" altLang="en-US" dirty="0" smtClean="0"/>
+              <a:t>의 목적은 </a:t>
+            </a:r>
+            <a:r>
+              <a:rPr lang="en-US" altLang="ko-KR" dirty="0" smtClean="0"/>
+              <a:t>discriminator</a:t>
+            </a:r>
+            <a:r>
+              <a:rPr lang="ko-KR" altLang="en-US" dirty="0" smtClean="0"/>
+              <a:t>를 속이는 것이기에 </a:t>
+            </a:r>
+            <a:r>
+              <a:rPr lang="en-US" altLang="ko-KR" dirty="0" smtClean="0"/>
+              <a:t>generator</a:t>
+            </a:r>
+            <a:r>
+              <a:rPr lang="ko-KR" altLang="en-US" dirty="0" smtClean="0"/>
+              <a:t>의 </a:t>
+            </a:r>
+            <a:r>
+              <a:rPr lang="en-US" altLang="ko-KR" dirty="0" smtClean="0"/>
+              <a:t>encoder, decoder</a:t>
+            </a:r>
+            <a:r>
+              <a:rPr lang="ko-KR" altLang="en-US" dirty="0" smtClean="0"/>
+              <a:t>가 실제</a:t>
+            </a:r>
+            <a:r>
+              <a:rPr lang="en-US" altLang="ko-KR" dirty="0" smtClean="0"/>
+              <a:t> </a:t>
+            </a:r>
+            <a:r>
+              <a:rPr lang="ko-KR" altLang="en-US" dirty="0" smtClean="0"/>
+              <a:t>정보 뿐 아니라 가상에 대한 정보를 포함하도록 강제됩니다</a:t>
+            </a:r>
+            <a:r>
+              <a:rPr lang="en-US" altLang="ko-KR" dirty="0" smtClean="0"/>
+              <a:t>.</a:t>
+            </a:r>
+          </a:p>
+          <a:p>
+            <a:endParaRPr lang="en-US" altLang="ko-KR" dirty="0" smtClean="0"/>
+          </a:p>
+          <a:p>
+            <a:r>
+              <a:rPr lang="ko-KR" altLang="en-US" dirty="0" smtClean="0"/>
+              <a:t>즉 </a:t>
+            </a:r>
+            <a:r>
+              <a:rPr lang="en-US" altLang="ko-KR" dirty="0" smtClean="0"/>
+              <a:t>discriminator</a:t>
+            </a:r>
+            <a:r>
+              <a:rPr lang="ko-KR" altLang="en-US" dirty="0" smtClean="0"/>
+              <a:t>의 도입으로 압축과 복원을 담당하는 </a:t>
+            </a:r>
+            <a:r>
+              <a:rPr lang="en-US" altLang="ko-KR" dirty="0" smtClean="0"/>
+              <a:t>encoder, decoder</a:t>
+            </a:r>
+            <a:r>
+              <a:rPr lang="ko-KR" altLang="en-US" dirty="0" smtClean="0"/>
+              <a:t>가 보다 자세하게 비정상 데이터를 구분할 수 있게 되어 기존 </a:t>
+            </a:r>
+            <a:r>
+              <a:rPr lang="en-US" altLang="ko-KR" dirty="0" smtClean="0"/>
+              <a:t>AE</a:t>
+            </a:r>
+            <a:r>
+              <a:rPr lang="ko-KR" altLang="en-US" dirty="0" smtClean="0"/>
+              <a:t>기반 모델의 단점을 보완하는 특징이 있습니다</a:t>
+            </a:r>
+            <a:r>
+              <a:rPr lang="en-US" altLang="ko-KR" dirty="0" smtClean="0"/>
+              <a:t>.</a:t>
+            </a:r>
+          </a:p>
+          <a:p>
+            <a:endParaRPr lang="en-US" altLang="ko-KR" dirty="0" smtClean="0"/>
+          </a:p>
+          <a:p>
+            <a:r>
+              <a:rPr lang="ko-KR" altLang="en-US" dirty="0" smtClean="0"/>
+              <a:t>다만 </a:t>
+            </a:r>
+            <a:r>
+              <a:rPr lang="en-US" altLang="ko-KR" dirty="0" smtClean="0"/>
+              <a:t>computer vision </a:t>
+            </a:r>
+            <a:r>
+              <a:rPr lang="ko-KR" altLang="en-US" dirty="0" smtClean="0"/>
+              <a:t>등에서 발생하는 </a:t>
+            </a:r>
+            <a:r>
+              <a:rPr lang="en-US" altLang="ko-KR" dirty="0" smtClean="0"/>
+              <a:t>GANs</a:t>
+            </a:r>
+            <a:r>
+              <a:rPr lang="ko-KR" altLang="en-US" dirty="0" smtClean="0"/>
+              <a:t>의 일반적인 문제점과 마찬가지로 안정적인 학습이 어렵다는 단점이 존재합니다</a:t>
+            </a:r>
+            <a:r>
+              <a:rPr lang="en-US" altLang="ko-KR" dirty="0" smtClean="0"/>
+              <a:t>.</a:t>
+            </a:r>
+          </a:p>
+          <a:p>
             <a:endParaRPr lang="ko-KR" altLang="en-US" dirty="0"/>
           </a:p>
         </p:txBody>
@@ -1789,6 +3360,355 @@
           <a:bodyPr/>
           <a:lstStyle/>
           <a:p>
+            <a:r>
+              <a:rPr lang="ko-KR" altLang="en-US" dirty="0" smtClean="0"/>
+              <a:t>다음으로는 </a:t>
+            </a:r>
+            <a:r>
+              <a:rPr lang="en-US" altLang="ko-KR" dirty="0" smtClean="0"/>
+              <a:t>USAD</a:t>
+            </a:r>
+            <a:r>
+              <a:rPr lang="ko-KR" altLang="en-US" dirty="0" smtClean="0"/>
+              <a:t>에 대한 설명을 하겠습니다</a:t>
+            </a:r>
+            <a:endParaRPr lang="en-US" altLang="ko-KR" baseline="0" dirty="0" smtClean="0"/>
+          </a:p>
+          <a:p>
+            <a:endParaRPr lang="en-US" altLang="ko-KR" baseline="0" dirty="0" smtClean="0"/>
+          </a:p>
+          <a:p>
+            <a:r>
+              <a:rPr lang="en-US" altLang="ko-KR" dirty="0" smtClean="0"/>
+              <a:t>USAD</a:t>
+            </a:r>
+            <a:r>
+              <a:rPr lang="ko-KR" altLang="en-US" dirty="0" smtClean="0"/>
+              <a:t>는 두 가지 방법의 장점을 모두 취하는 모델입니다</a:t>
+            </a:r>
+            <a:r>
+              <a:rPr lang="en-US" altLang="ko-KR" dirty="0" smtClean="0"/>
+              <a:t>. </a:t>
+            </a:r>
+          </a:p>
+          <a:p>
+            <a:endParaRPr lang="en-US" altLang="ko-KR" dirty="0" smtClean="0"/>
+          </a:p>
+          <a:p>
+            <a:r>
+              <a:rPr lang="ko-KR" altLang="en-US" dirty="0" smtClean="0"/>
+              <a:t>학습이 쉽고 안정적인 결과를 낼 수 있는 </a:t>
+            </a:r>
+            <a:r>
+              <a:rPr lang="en-US" altLang="ko-KR" dirty="0" smtClean="0"/>
+              <a:t>auto</a:t>
+            </a:r>
+            <a:r>
+              <a:rPr lang="en-US" altLang="ko-KR" baseline="0" dirty="0" smtClean="0"/>
+              <a:t> encoder</a:t>
+            </a:r>
+            <a:r>
+              <a:rPr lang="ko-KR" altLang="en-US" dirty="0" smtClean="0"/>
+              <a:t>의 장점과 </a:t>
+            </a:r>
+            <a:r>
+              <a:rPr lang="en-US" altLang="ko-KR" dirty="0" smtClean="0"/>
+              <a:t>discriminator</a:t>
+            </a:r>
+            <a:r>
+              <a:rPr lang="ko-KR" altLang="en-US" dirty="0" smtClean="0"/>
+              <a:t>의 도입으로 </a:t>
+            </a:r>
+            <a:r>
+              <a:rPr lang="en-US" altLang="ko-KR" dirty="0" smtClean="0"/>
+              <a:t>abnormal information</a:t>
+            </a:r>
+            <a:r>
+              <a:rPr lang="ko-KR" altLang="en-US" dirty="0" smtClean="0"/>
+              <a:t>을 포함할 수 있는 </a:t>
+            </a:r>
+            <a:r>
+              <a:rPr lang="en-US" altLang="ko-KR" dirty="0" smtClean="0"/>
+              <a:t>GANs</a:t>
+            </a:r>
+            <a:r>
+              <a:rPr lang="ko-KR" altLang="en-US" dirty="0" smtClean="0"/>
+              <a:t>의 장점을 결합하였습니다</a:t>
+            </a:r>
+            <a:r>
+              <a:rPr lang="en-US" altLang="ko-KR" dirty="0" smtClean="0"/>
+              <a:t>.</a:t>
+            </a:r>
+          </a:p>
+          <a:p>
+            <a:endParaRPr lang="en-US" altLang="ko-KR" dirty="0" smtClean="0"/>
+          </a:p>
+          <a:p>
+            <a:r>
+              <a:rPr lang="en-US" altLang="ko-KR" dirty="0" smtClean="0"/>
+              <a:t>Auto</a:t>
+            </a:r>
+            <a:r>
+              <a:rPr lang="en-US" altLang="ko-KR" baseline="0" dirty="0" smtClean="0"/>
+              <a:t> encoder</a:t>
+            </a:r>
+            <a:r>
+              <a:rPr lang="ko-KR" altLang="en-US" dirty="0" smtClean="0"/>
+              <a:t>를 사용하되 </a:t>
+            </a:r>
+            <a:r>
+              <a:rPr lang="en-US" altLang="ko-KR" dirty="0" smtClean="0"/>
+              <a:t>adversarial training</a:t>
+            </a:r>
+            <a:r>
+              <a:rPr lang="ko-KR" altLang="en-US" dirty="0" smtClean="0"/>
+              <a:t>을 적용하여 보다 상세한 </a:t>
+            </a:r>
+            <a:r>
+              <a:rPr lang="en-US" altLang="ko-KR" dirty="0" smtClean="0"/>
+              <a:t>anomaly detection</a:t>
+            </a:r>
+            <a:r>
+              <a:rPr lang="ko-KR" altLang="en-US" dirty="0" smtClean="0"/>
+              <a:t>을 추구하였습니다</a:t>
+            </a:r>
+            <a:r>
+              <a:rPr lang="en-US" altLang="ko-KR" dirty="0" smtClean="0"/>
+              <a:t>.</a:t>
+            </a:r>
+          </a:p>
+          <a:p>
+            <a:endParaRPr lang="en-US" altLang="ko-KR" dirty="0" smtClean="0"/>
+          </a:p>
+          <a:p>
+            <a:r>
+              <a:rPr lang="en-US" altLang="ko-KR" dirty="0" smtClean="0"/>
+              <a:t>USAD</a:t>
+            </a:r>
+            <a:r>
+              <a:rPr lang="ko-KR" altLang="en-US" dirty="0" smtClean="0"/>
+              <a:t>의 </a:t>
+            </a:r>
+            <a:r>
+              <a:rPr lang="en-US" altLang="ko-KR" dirty="0" smtClean="0"/>
+              <a:t>architecture</a:t>
+            </a:r>
+            <a:r>
+              <a:rPr lang="ko-KR" altLang="en-US" dirty="0" smtClean="0"/>
+              <a:t>는 </a:t>
+            </a:r>
+            <a:r>
+              <a:rPr lang="ko-KR" altLang="en-US" dirty="0" smtClean="0"/>
+              <a:t>아래의 그림과 같으며</a:t>
+            </a:r>
+            <a:r>
+              <a:rPr lang="en-US" altLang="ko-KR" dirty="0" smtClean="0"/>
+              <a:t>,</a:t>
+            </a:r>
+          </a:p>
+          <a:p>
+            <a:endParaRPr lang="en-US" altLang="ko-KR" dirty="0" smtClean="0"/>
+          </a:p>
+          <a:p>
+            <a:r>
+              <a:rPr lang="en-US" altLang="ko-KR" dirty="0" smtClean="0"/>
+              <a:t>Adversarial training</a:t>
+            </a:r>
+            <a:r>
+              <a:rPr lang="ko-KR" altLang="en-US" dirty="0" smtClean="0"/>
+              <a:t>을 적용하기 위해 </a:t>
+            </a:r>
+            <a:r>
+              <a:rPr lang="en-US" altLang="ko-KR" dirty="0" smtClean="0"/>
+              <a:t>2</a:t>
+            </a:r>
+            <a:r>
+              <a:rPr lang="ko-KR" altLang="en-US" dirty="0" smtClean="0"/>
+              <a:t>개의 </a:t>
+            </a:r>
+            <a:r>
+              <a:rPr lang="en-US" altLang="ko-KR" dirty="0" smtClean="0"/>
+              <a:t>decoder</a:t>
+            </a:r>
+            <a:r>
+              <a:rPr lang="ko-KR" altLang="en-US" dirty="0" smtClean="0"/>
+              <a:t>를 사용하였다는 점 외에는 기존의 </a:t>
+            </a:r>
+            <a:r>
+              <a:rPr lang="en-US" altLang="ko-KR" dirty="0" smtClean="0"/>
+              <a:t>Auto</a:t>
+            </a:r>
+            <a:r>
+              <a:rPr lang="en-US" altLang="ko-KR" baseline="0" dirty="0" smtClean="0"/>
+              <a:t> encoder</a:t>
+            </a:r>
+            <a:r>
+              <a:rPr lang="en-US" altLang="ko-KR" dirty="0" smtClean="0"/>
+              <a:t> </a:t>
+            </a:r>
+            <a:r>
+              <a:rPr lang="ko-KR" altLang="en-US" dirty="0" smtClean="0"/>
+              <a:t>기반의 </a:t>
+            </a:r>
+            <a:r>
+              <a:rPr lang="en-US" altLang="ko-KR" dirty="0" smtClean="0"/>
+              <a:t>anomaly detection</a:t>
+            </a:r>
+            <a:r>
+              <a:rPr lang="ko-KR" altLang="en-US" dirty="0" smtClean="0"/>
+              <a:t>과 동일한 구조를 </a:t>
+            </a:r>
+            <a:r>
+              <a:rPr lang="ko-KR" altLang="en-US" dirty="0" smtClean="0"/>
+              <a:t>갖습니다</a:t>
+            </a:r>
+            <a:r>
+              <a:rPr lang="en-US" altLang="ko-KR" dirty="0" smtClean="0"/>
+              <a:t>.</a:t>
+            </a:r>
+          </a:p>
+          <a:p>
+            <a:endParaRPr lang="en-US" altLang="ko-KR" dirty="0" smtClean="0"/>
+          </a:p>
+          <a:p>
+            <a:r>
+              <a:rPr lang="ko-KR" altLang="en-US" dirty="0" smtClean="0"/>
+              <a:t>두 </a:t>
+            </a:r>
+            <a:r>
+              <a:rPr lang="ko-KR" altLang="en-US" dirty="0" smtClean="0"/>
+              <a:t>개의 </a:t>
+            </a:r>
+            <a:r>
+              <a:rPr lang="en-US" altLang="ko-KR" dirty="0" smtClean="0"/>
+              <a:t>decoder</a:t>
+            </a:r>
+            <a:r>
+              <a:rPr lang="ko-KR" altLang="en-US" dirty="0" smtClean="0"/>
+              <a:t>는 각각 </a:t>
+            </a:r>
+            <a:r>
+              <a:rPr lang="en-US" altLang="ko-KR" dirty="0" smtClean="0"/>
+              <a:t>D_1</a:t>
+            </a:r>
+            <a:r>
+              <a:rPr lang="en-US" altLang="ko-KR" dirty="0" smtClean="0"/>
+              <a:t>, </a:t>
+            </a:r>
+            <a:r>
+              <a:rPr lang="en-US" altLang="ko-KR" dirty="0" smtClean="0"/>
+              <a:t>D_2</a:t>
+            </a:r>
+            <a:r>
+              <a:rPr lang="ko-KR" altLang="en-US" dirty="0" smtClean="0"/>
+              <a:t>로 </a:t>
+            </a:r>
+            <a:r>
+              <a:rPr lang="ko-KR" altLang="en-US" dirty="0" smtClean="0"/>
+              <a:t>표기되며 이들은 동일한 </a:t>
+            </a:r>
+            <a:r>
+              <a:rPr lang="en-US" altLang="ko-KR" dirty="0" smtClean="0"/>
+              <a:t>encoder network </a:t>
+            </a:r>
+            <a:r>
+              <a:rPr lang="en-US" altLang="ko-KR" dirty="0" smtClean="0"/>
+              <a:t>E </a:t>
+            </a:r>
+            <a:r>
+              <a:rPr lang="ko-KR" altLang="en-US" dirty="0" smtClean="0"/>
+              <a:t>를 사용한다</a:t>
+            </a:r>
+            <a:r>
+              <a:rPr lang="en-US" altLang="ko-KR" dirty="0" smtClean="0"/>
+              <a:t>.</a:t>
+            </a:r>
+          </a:p>
+          <a:p>
+            <a:endParaRPr lang="en-US" altLang="ko-KR" dirty="0" smtClean="0"/>
+          </a:p>
+          <a:p>
+            <a:r>
+              <a:rPr lang="en-US" altLang="ko-KR" dirty="0" smtClean="0"/>
+              <a:t>W</a:t>
+            </a:r>
+            <a:r>
+              <a:rPr lang="ko-KR" altLang="en-US" dirty="0" smtClean="0"/>
+              <a:t>를 </a:t>
+            </a:r>
+            <a:r>
+              <a:rPr lang="en-US" altLang="ko-KR" dirty="0" smtClean="0"/>
+              <a:t>training data </a:t>
+            </a:r>
+            <a:r>
+              <a:rPr lang="ko-KR" altLang="en-US" dirty="0" smtClean="0"/>
+              <a:t>안에 있는 </a:t>
+            </a:r>
+            <a:r>
+              <a:rPr lang="en-US" altLang="ko-KR" dirty="0" smtClean="0"/>
+              <a:t>sequence</a:t>
+            </a:r>
+            <a:r>
+              <a:rPr lang="ko-KR" altLang="en-US" dirty="0" smtClean="0"/>
+              <a:t>의 </a:t>
+            </a:r>
+            <a:r>
+              <a:rPr lang="en-US" altLang="ko-KR" dirty="0" smtClean="0"/>
+              <a:t>window</a:t>
+            </a:r>
+            <a:r>
+              <a:rPr lang="ko-KR" altLang="en-US" dirty="0" smtClean="0"/>
+              <a:t>라고 하였을 때 두 개의 </a:t>
+            </a:r>
+            <a:r>
+              <a:rPr lang="en-US" altLang="ko-KR" dirty="0" smtClean="0"/>
+              <a:t>Decoder</a:t>
+            </a:r>
+            <a:r>
+              <a:rPr lang="ko-KR" altLang="en-US" dirty="0" smtClean="0"/>
+              <a:t>에 따라 </a:t>
+            </a:r>
+            <a:r>
+              <a:rPr lang="en-US" altLang="ko-KR" dirty="0" smtClean="0"/>
+              <a:t>Auto</a:t>
+            </a:r>
+            <a:r>
+              <a:rPr lang="en-US" altLang="ko-KR" baseline="0" dirty="0" smtClean="0"/>
+              <a:t> encoder</a:t>
+            </a:r>
+            <a:r>
+              <a:rPr lang="ko-KR" altLang="en-US" dirty="0" smtClean="0"/>
+              <a:t>는 </a:t>
+            </a:r>
+            <a:r>
+              <a:rPr lang="ko-KR" altLang="en-US" dirty="0" smtClean="0"/>
+              <a:t>각각 </a:t>
+            </a:r>
+            <a:r>
+              <a:rPr lang="ko-KR" altLang="en-US" dirty="0" smtClean="0"/>
+              <a:t>왼쪽</a:t>
+            </a:r>
+            <a:r>
+              <a:rPr lang="ko-KR" altLang="en-US" baseline="0" dirty="0" smtClean="0"/>
+              <a:t> 아래</a:t>
+            </a:r>
+            <a:r>
+              <a:rPr lang="ko-KR" altLang="en-US" dirty="0" smtClean="0"/>
+              <a:t>와 </a:t>
+            </a:r>
+            <a:r>
+              <a:rPr lang="ko-KR" altLang="en-US" dirty="0" smtClean="0"/>
+              <a:t>같이 표기된다</a:t>
+            </a:r>
+            <a:r>
+              <a:rPr lang="en-US" altLang="ko-KR" dirty="0" smtClean="0"/>
+              <a:t>.</a:t>
+            </a:r>
+          </a:p>
+          <a:p>
+            <a:endParaRPr lang="en-US" altLang="ko-KR" dirty="0" smtClean="0"/>
+          </a:p>
+          <a:p>
             <a:endParaRPr lang="en-US" altLang="ko-KR" dirty="0"/>
           </a:p>
         </p:txBody>
@@ -1884,7 +3804,826 @@
           <a:bodyPr/>
           <a:lstStyle/>
           <a:p>
+            <a:pPr marL="0" marR="0" indent="0" algn="l" defTabSz="914400" rtl="0" eaLnBrk="1" fontAlgn="auto" latinLnBrk="1" hangingPunct="1">
+              <a:lnSpc>
+                <a:spcPct val="100000"/>
+              </a:lnSpc>
+              <a:spcBef>
+                <a:spcPts val="0"/>
+              </a:spcBef>
+              <a:spcAft>
+                <a:spcPts val="0"/>
+              </a:spcAft>
+              <a:buClrTx/>
+              <a:buSzTx/>
+              <a:buFontTx/>
+              <a:buNone/>
+              <a:tabLst/>
+              <a:defRPr/>
+            </a:pPr>
+            <a:r>
+              <a:rPr lang="ko-KR" altLang="en-US" dirty="0" smtClean="0"/>
+              <a:t>이제 </a:t>
+            </a:r>
+            <a:r>
+              <a:rPr lang="en-US" altLang="ko-KR" dirty="0" smtClean="0"/>
+              <a:t>USAD</a:t>
+            </a:r>
+            <a:r>
+              <a:rPr lang="ko-KR" altLang="en-US" dirty="0" smtClean="0"/>
+              <a:t>의 학습 단계와 탐지 단계에 </a:t>
+            </a:r>
+            <a:r>
+              <a:rPr lang="ko-KR" altLang="en-US" dirty="0" smtClean="0"/>
+              <a:t>대해서 </a:t>
+            </a:r>
+            <a:r>
+              <a:rPr lang="ko-KR" altLang="en-US" dirty="0" err="1" smtClean="0"/>
+              <a:t>설명드리겠습니다</a:t>
+            </a:r>
+            <a:r>
+              <a:rPr lang="en-US" altLang="ko-KR" dirty="0" smtClean="0"/>
+              <a:t>.</a:t>
+            </a:r>
+            <a:endParaRPr lang="en-US" altLang="ko-KR" dirty="0" smtClean="0"/>
+          </a:p>
+          <a:p>
+            <a:pPr marL="0" marR="0" indent="0" algn="l" defTabSz="914400" rtl="0" eaLnBrk="1" fontAlgn="auto" latinLnBrk="1" hangingPunct="1">
+              <a:lnSpc>
+                <a:spcPct val="100000"/>
+              </a:lnSpc>
+              <a:spcBef>
+                <a:spcPts val="0"/>
+              </a:spcBef>
+              <a:spcAft>
+                <a:spcPts val="0"/>
+              </a:spcAft>
+              <a:buClrTx/>
+              <a:buSzTx/>
+              <a:buFontTx/>
+              <a:buNone/>
+              <a:tabLst/>
+              <a:defRPr/>
+            </a:pPr>
+            <a:endParaRPr lang="en-US" altLang="ko-KR" dirty="0" smtClean="0"/>
+          </a:p>
+          <a:p>
+            <a:r>
+              <a:rPr lang="en-US" altLang="ko-KR" dirty="0" smtClean="0"/>
+              <a:t>USAD</a:t>
+            </a:r>
+            <a:r>
+              <a:rPr lang="ko-KR" altLang="en-US" dirty="0" smtClean="0"/>
+              <a:t>는 두 단계를 거쳐서 학습이 </a:t>
+            </a:r>
+            <a:r>
+              <a:rPr lang="ko-KR" altLang="en-US" dirty="0" smtClean="0"/>
+              <a:t>진행되며</a:t>
+            </a:r>
+            <a:r>
+              <a:rPr lang="en-US" altLang="ko-KR" dirty="0" smtClean="0"/>
+              <a:t>,</a:t>
+            </a:r>
+            <a:r>
+              <a:rPr lang="en-US" altLang="ko-KR" baseline="0" dirty="0" smtClean="0"/>
+              <a:t> </a:t>
+            </a:r>
+            <a:r>
+              <a:rPr lang="ko-KR" altLang="en-US" dirty="0" smtClean="0"/>
+              <a:t>첫 </a:t>
+            </a:r>
+            <a:r>
+              <a:rPr lang="ko-KR" altLang="en-US" dirty="0" smtClean="0"/>
+              <a:t>번째 단계는 </a:t>
+            </a:r>
+            <a:r>
+              <a:rPr lang="en-US" altLang="ko-KR" dirty="0" smtClean="0"/>
+              <a:t>auto</a:t>
+            </a:r>
+            <a:r>
+              <a:rPr lang="en-US" altLang="ko-KR" baseline="0" dirty="0" smtClean="0"/>
+              <a:t> encoder</a:t>
+            </a:r>
+            <a:r>
+              <a:rPr lang="en-US" altLang="ko-KR" dirty="0" smtClean="0"/>
+              <a:t> </a:t>
+            </a:r>
+            <a:r>
+              <a:rPr lang="en-US" altLang="ko-KR" dirty="0" smtClean="0"/>
+              <a:t>training </a:t>
+            </a:r>
+            <a:r>
+              <a:rPr lang="ko-KR" altLang="en-US" dirty="0" smtClean="0"/>
+              <a:t>단계로 기존의 </a:t>
+            </a:r>
+            <a:r>
+              <a:rPr lang="en-US" altLang="ko-KR" dirty="0" smtClean="0"/>
+              <a:t>auto encoder</a:t>
+            </a:r>
+            <a:r>
+              <a:rPr lang="ko-KR" altLang="en-US" dirty="0" smtClean="0"/>
+              <a:t>를 </a:t>
+            </a:r>
+            <a:r>
+              <a:rPr lang="ko-KR" altLang="en-US" dirty="0" smtClean="0"/>
+              <a:t>학습하는 것과 동일한 과정을 거친다</a:t>
+            </a:r>
+            <a:r>
+              <a:rPr lang="en-US" altLang="ko-KR" dirty="0" smtClean="0"/>
+              <a:t>.</a:t>
+            </a:r>
+          </a:p>
+          <a:p>
+            <a:r>
+              <a:rPr lang="ko-KR" altLang="en-US" dirty="0" smtClean="0"/>
+              <a:t>이를 수식으로 표현하면 </a:t>
+            </a:r>
+            <a:r>
+              <a:rPr lang="en-US" altLang="ko-KR" dirty="0" smtClean="0"/>
+              <a:t>1</a:t>
+            </a:r>
+            <a:r>
+              <a:rPr lang="ko-KR" altLang="en-US" dirty="0" smtClean="0"/>
+              <a:t>에</a:t>
+            </a:r>
+            <a:r>
+              <a:rPr lang="ko-KR" altLang="en-US" baseline="0" dirty="0" smtClean="0"/>
+              <a:t> 나와있는 두 가지의 수식으로 나타낼 수 있습니다</a:t>
+            </a:r>
+            <a:r>
+              <a:rPr lang="en-US" altLang="ko-KR" baseline="0" dirty="0" smtClean="0"/>
+              <a:t>.</a:t>
+            </a:r>
+            <a:endParaRPr lang="en-US" altLang="ko-KR" dirty="0" smtClean="0"/>
+          </a:p>
+          <a:p>
+            <a:pPr marL="0" marR="0" indent="0" algn="l" defTabSz="914400" rtl="0" eaLnBrk="1" fontAlgn="auto" latinLnBrk="1" hangingPunct="1">
+              <a:lnSpc>
+                <a:spcPct val="100000"/>
+              </a:lnSpc>
+              <a:spcBef>
+                <a:spcPts val="0"/>
+              </a:spcBef>
+              <a:spcAft>
+                <a:spcPts val="0"/>
+              </a:spcAft>
+              <a:buClrTx/>
+              <a:buSzTx/>
+              <a:buFontTx/>
+              <a:buNone/>
+              <a:tabLst/>
+              <a:defRPr/>
+            </a:pPr>
+            <a:endParaRPr lang="en-US" altLang="ko-KR" dirty="0" smtClean="0"/>
+          </a:p>
+          <a:p>
+            <a:r>
+              <a:rPr lang="ko-KR" altLang="en-US" dirty="0" smtClean="0"/>
+              <a:t>학습의 첫 번째 단계인 </a:t>
+            </a:r>
+            <a:r>
+              <a:rPr lang="en-US" altLang="ko-KR" dirty="0" smtClean="0"/>
+              <a:t>auto encoder </a:t>
+            </a:r>
+            <a:r>
+              <a:rPr lang="en-US" altLang="ko-KR" dirty="0" smtClean="0"/>
+              <a:t>training </a:t>
+            </a:r>
+            <a:r>
+              <a:rPr lang="ko-KR" altLang="en-US" dirty="0" smtClean="0"/>
+              <a:t>과정에서는 각각의 </a:t>
+            </a:r>
+            <a:r>
+              <a:rPr lang="en-US" altLang="ko-KR" dirty="0" smtClean="0"/>
+              <a:t>auto encoder</a:t>
+            </a:r>
+            <a:r>
+              <a:rPr lang="ko-KR" altLang="en-US" dirty="0" smtClean="0"/>
+              <a:t>가 </a:t>
+            </a:r>
+            <a:r>
+              <a:rPr lang="en-US" altLang="ko-KR" dirty="0" smtClean="0"/>
+              <a:t>training data</a:t>
+            </a:r>
+            <a:r>
+              <a:rPr lang="ko-KR" altLang="en-US" dirty="0" smtClean="0"/>
+              <a:t>에 속해있는 </a:t>
+            </a:r>
+            <a:r>
+              <a:rPr lang="en-US" altLang="ko-KR" dirty="0" smtClean="0"/>
+              <a:t>input W (real, normal)</a:t>
+            </a:r>
+            <a:r>
+              <a:rPr lang="ko-KR" altLang="en-US" dirty="0" smtClean="0"/>
+              <a:t>를 잘 복원하도록 학습을 </a:t>
+            </a:r>
+            <a:r>
+              <a:rPr lang="ko-KR" altLang="en-US" dirty="0" smtClean="0"/>
+              <a:t>진행합니다</a:t>
+            </a:r>
+            <a:r>
+              <a:rPr lang="en-US" altLang="ko-KR" dirty="0" smtClean="0"/>
+              <a:t>.</a:t>
+            </a:r>
             <a:endParaRPr lang="en-US" altLang="ko-KR" baseline="0" dirty="0" smtClean="0"/>
+          </a:p>
+          <a:p>
+            <a:endParaRPr lang="en-US" altLang="ko-KR" dirty="0" smtClean="0"/>
+          </a:p>
+          <a:p>
+            <a:pPr marL="0" marR="0" indent="0" algn="l" defTabSz="914400" rtl="0" eaLnBrk="1" fontAlgn="auto" latinLnBrk="1" hangingPunct="1">
+              <a:lnSpc>
+                <a:spcPct val="100000"/>
+              </a:lnSpc>
+              <a:spcBef>
+                <a:spcPts val="0"/>
+              </a:spcBef>
+              <a:spcAft>
+                <a:spcPts val="0"/>
+              </a:spcAft>
+              <a:buClrTx/>
+              <a:buSzTx/>
+              <a:buFontTx/>
+              <a:buNone/>
+              <a:tabLst/>
+              <a:defRPr/>
+            </a:pPr>
+            <a:r>
+              <a:rPr lang="ko-KR" altLang="en-US" dirty="0" smtClean="0"/>
+              <a:t>다음으로 </a:t>
+            </a:r>
+            <a:r>
+              <a:rPr lang="ko-KR" altLang="en-US" dirty="0" smtClean="0"/>
+              <a:t>두 번째 단계인 </a:t>
+            </a:r>
+            <a:r>
+              <a:rPr lang="en-US" altLang="ko-KR" dirty="0" smtClean="0"/>
+              <a:t>adversarial training </a:t>
+            </a:r>
+            <a:r>
+              <a:rPr lang="ko-KR" altLang="en-US" dirty="0" smtClean="0"/>
+              <a:t>과정에서는 각각의 </a:t>
+            </a:r>
+            <a:r>
+              <a:rPr lang="en-US" altLang="ko-KR" dirty="0" smtClean="0"/>
+              <a:t>auto encoder </a:t>
+            </a:r>
+            <a:r>
+              <a:rPr lang="en-US" altLang="ko-KR" dirty="0" smtClean="0"/>
+              <a:t>(AE_1, AE_2</a:t>
+            </a:r>
+            <a:r>
+              <a:rPr lang="en-US" altLang="ko-KR" dirty="0" smtClean="0"/>
+              <a:t>)</a:t>
+            </a:r>
+            <a:r>
+              <a:rPr lang="ko-KR" altLang="en-US" dirty="0" smtClean="0"/>
+              <a:t>는</a:t>
+            </a:r>
+            <a:endParaRPr lang="en-US" altLang="ko-KR" dirty="0" smtClean="0"/>
+          </a:p>
+          <a:p>
+            <a:r>
+              <a:rPr lang="ko-KR" altLang="en-US" dirty="0" smtClean="0"/>
+              <a:t>실제 데이터와 </a:t>
+            </a:r>
+            <a:r>
+              <a:rPr lang="en-US" altLang="ko-KR" dirty="0" smtClean="0"/>
+              <a:t>AE_1</a:t>
+            </a:r>
+            <a:r>
+              <a:rPr lang="ko-KR" altLang="en-US" dirty="0" smtClean="0"/>
+              <a:t>의 데이터를 구분하도록 </a:t>
+            </a:r>
+            <a:r>
+              <a:rPr lang="en-US" altLang="ko-KR" dirty="0" smtClean="0"/>
+              <a:t>AE_2</a:t>
+            </a:r>
+            <a:r>
+              <a:rPr lang="ko-KR" altLang="en-US" dirty="0" smtClean="0"/>
+              <a:t>를 교육하고 </a:t>
+            </a:r>
+            <a:r>
+              <a:rPr lang="en-US" altLang="ko-KR" dirty="0" smtClean="0"/>
+              <a:t>AE_1</a:t>
+            </a:r>
+            <a:r>
+              <a:rPr lang="ko-KR" altLang="en-US" dirty="0" smtClean="0"/>
+              <a:t>을 교육하여 </a:t>
+            </a:r>
+            <a:r>
+              <a:rPr lang="en-US" altLang="ko-KR" dirty="0" smtClean="0"/>
+              <a:t>AE_2</a:t>
+            </a:r>
+            <a:r>
+              <a:rPr lang="ko-KR" altLang="en-US" dirty="0" smtClean="0"/>
+              <a:t>를 속이기</a:t>
+            </a:r>
+            <a:r>
+              <a:rPr lang="ko-KR" altLang="en-US" baseline="0" dirty="0" smtClean="0"/>
+              <a:t> 위한</a:t>
+            </a:r>
+            <a:r>
+              <a:rPr lang="ko-KR" altLang="en-US" dirty="0" smtClean="0"/>
+              <a:t> 목적을 지닙니다</a:t>
+            </a:r>
+            <a:r>
+              <a:rPr lang="en-US" altLang="ko-KR" dirty="0" smtClean="0"/>
+              <a:t>.</a:t>
+            </a:r>
+          </a:p>
+          <a:p>
+            <a:endParaRPr lang="en-US" altLang="ko-KR" i="1" dirty="0" smtClean="0"/>
+          </a:p>
+          <a:p>
+            <a:r>
+              <a:rPr lang="en-US" altLang="ko-KR" i="1" dirty="0" smtClean="0"/>
+              <a:t>AE_2</a:t>
+            </a:r>
+            <a:r>
+              <a:rPr lang="ko-KR" altLang="en-US" dirty="0" smtClean="0"/>
+              <a:t>는 실제 데이터인 </a:t>
+            </a:r>
+            <a:r>
+              <a:rPr lang="en-US" altLang="ko-KR" dirty="0" smtClean="0"/>
+              <a:t>W</a:t>
+            </a:r>
+            <a:r>
+              <a:rPr lang="ko-KR" altLang="en-US" dirty="0" smtClean="0"/>
+              <a:t>와 </a:t>
+            </a:r>
+            <a:r>
+              <a:rPr lang="en-US" altLang="ko-KR" dirty="0" smtClean="0"/>
+              <a:t>AE_1</a:t>
+            </a:r>
+            <a:r>
+              <a:rPr lang="ko-KR" altLang="en-US" dirty="0" smtClean="0"/>
+              <a:t>로 </a:t>
+            </a:r>
+            <a:r>
+              <a:rPr lang="ko-KR" altLang="en-US" dirty="0" smtClean="0"/>
+              <a:t>부터 복원된 </a:t>
+            </a:r>
+            <a:r>
+              <a:rPr lang="ko-KR" altLang="en-US" dirty="0" smtClean="0"/>
+              <a:t>가상 데이터인 </a:t>
+            </a:r>
+            <a:r>
+              <a:rPr lang="en-US" altLang="ko-KR" dirty="0" smtClean="0"/>
+              <a:t>AE_1(W)</a:t>
+            </a:r>
+            <a:r>
+              <a:rPr lang="ko-KR" altLang="en-US" dirty="0" smtClean="0"/>
+              <a:t>를 </a:t>
+            </a:r>
+            <a:r>
+              <a:rPr lang="ko-KR" altLang="en-US" dirty="0" smtClean="0"/>
+              <a:t>구분하도록 </a:t>
+            </a:r>
+            <a:r>
+              <a:rPr lang="ko-KR" altLang="en-US" dirty="0" smtClean="0"/>
+              <a:t>학습하며</a:t>
+            </a:r>
+            <a:endParaRPr lang="en-US" altLang="ko-KR" dirty="0" smtClean="0"/>
+          </a:p>
+          <a:p>
+            <a:endParaRPr lang="en-US" altLang="ko-KR" dirty="0" smtClean="0"/>
+          </a:p>
+          <a:p>
+            <a:r>
+              <a:rPr lang="ko-KR" altLang="en-US" dirty="0" smtClean="0"/>
+              <a:t>반면 </a:t>
+            </a:r>
+            <a:r>
+              <a:rPr lang="en-US" altLang="ko-KR" dirty="0" smtClean="0"/>
+              <a:t>AE_1</a:t>
+            </a:r>
+            <a:r>
+              <a:rPr lang="ko-KR" altLang="en-US" dirty="0" smtClean="0"/>
+              <a:t>은 </a:t>
+            </a:r>
+            <a:r>
+              <a:rPr lang="en-US" altLang="ko-KR" dirty="0" smtClean="0"/>
+              <a:t>AE_2</a:t>
+            </a:r>
+            <a:r>
+              <a:rPr lang="ko-KR" altLang="en-US" dirty="0" smtClean="0"/>
+              <a:t>의 </a:t>
+            </a:r>
+            <a:r>
+              <a:rPr lang="en-US" altLang="ko-KR" dirty="0" smtClean="0"/>
+              <a:t>real</a:t>
+            </a:r>
+            <a:r>
+              <a:rPr lang="ko-KR" altLang="en-US" dirty="0" smtClean="0"/>
+              <a:t>과 </a:t>
+            </a:r>
+            <a:r>
+              <a:rPr lang="en-US" altLang="ko-KR" dirty="0" smtClean="0"/>
+              <a:t>fake</a:t>
+            </a:r>
+            <a:r>
+              <a:rPr lang="ko-KR" altLang="en-US" dirty="0" smtClean="0"/>
+              <a:t>에 대한 판별 성능을 저하시키는 것을 목적으로 학습이 </a:t>
+            </a:r>
+            <a:r>
+              <a:rPr lang="ko-KR" altLang="en-US" dirty="0" smtClean="0"/>
+              <a:t>진행됩니다</a:t>
+            </a:r>
+            <a:r>
+              <a:rPr lang="en-US" altLang="ko-KR" dirty="0" smtClean="0"/>
+              <a:t>.</a:t>
+            </a:r>
+          </a:p>
+          <a:p>
+            <a:endParaRPr lang="en-US" altLang="ko-KR" dirty="0" smtClean="0"/>
+          </a:p>
+          <a:p>
+            <a:r>
+              <a:rPr lang="ko-KR" altLang="en-US" dirty="0" smtClean="0"/>
+              <a:t>결론적으로 </a:t>
+            </a:r>
+            <a:r>
+              <a:rPr lang="en-US" altLang="ko-KR" dirty="0" smtClean="0"/>
+              <a:t>AE_1</a:t>
+            </a:r>
+            <a:r>
+              <a:rPr lang="ko-KR" altLang="en-US" dirty="0" smtClean="0"/>
+              <a:t>은 </a:t>
+            </a:r>
+            <a:r>
+              <a:rPr lang="en-US" altLang="ko-KR" dirty="0" smtClean="0"/>
+              <a:t>GANs</a:t>
+            </a:r>
+            <a:r>
+              <a:rPr lang="ko-KR" altLang="en-US" dirty="0" smtClean="0"/>
+              <a:t>에서 </a:t>
+            </a:r>
+            <a:r>
+              <a:rPr lang="ko-KR" altLang="en-US" dirty="0" smtClean="0"/>
+              <a:t>생성자의 </a:t>
+            </a:r>
+            <a:r>
+              <a:rPr lang="ko-KR" altLang="en-US" dirty="0" smtClean="0"/>
+              <a:t>역할을</a:t>
+            </a:r>
+            <a:r>
+              <a:rPr lang="en-US" altLang="ko-KR" dirty="0" smtClean="0"/>
+              <a:t>, </a:t>
+            </a:r>
+            <a:r>
+              <a:rPr lang="en-US" altLang="ko-KR" dirty="0" smtClean="0"/>
+              <a:t>AE_2</a:t>
+            </a:r>
+            <a:r>
+              <a:rPr lang="ko-KR" altLang="en-US" dirty="0" smtClean="0"/>
+              <a:t>는 </a:t>
+            </a:r>
+            <a:r>
+              <a:rPr lang="ko-KR" altLang="en-US" dirty="0" err="1" smtClean="0"/>
+              <a:t>판별자의</a:t>
+            </a:r>
+            <a:r>
+              <a:rPr lang="ko-KR" altLang="en-US" dirty="0" smtClean="0"/>
+              <a:t> </a:t>
+            </a:r>
+            <a:r>
+              <a:rPr lang="ko-KR" altLang="en-US" dirty="0" smtClean="0"/>
+              <a:t>역할을 수행한다</a:t>
+            </a:r>
+            <a:r>
+              <a:rPr lang="en-US" altLang="ko-KR" dirty="0" smtClean="0"/>
+              <a:t>.</a:t>
+            </a:r>
+          </a:p>
+          <a:p>
+            <a:endParaRPr lang="en-US" altLang="ko-KR" dirty="0" smtClean="0"/>
+          </a:p>
+          <a:p>
+            <a:r>
+              <a:rPr lang="en-US" altLang="ko-KR" dirty="0" smtClean="0"/>
+              <a:t>Adversarial </a:t>
+            </a:r>
+            <a:r>
+              <a:rPr lang="en-US" altLang="ko-KR" dirty="0" smtClean="0"/>
+              <a:t>training </a:t>
+            </a:r>
+            <a:r>
+              <a:rPr lang="ko-KR" altLang="en-US" dirty="0" smtClean="0"/>
+              <a:t>단계에서의 목적함수는 </a:t>
+            </a:r>
+            <a:r>
+              <a:rPr lang="ko-KR" altLang="en-US" dirty="0" smtClean="0"/>
+              <a:t>아래의 두</a:t>
+            </a:r>
+            <a:r>
+              <a:rPr lang="ko-KR" altLang="en-US" baseline="0" dirty="0" smtClean="0"/>
+              <a:t> 가지로 나타낼 수 있으며</a:t>
+            </a:r>
+            <a:endParaRPr lang="en-US" altLang="ko-KR" dirty="0" smtClean="0"/>
+          </a:p>
+          <a:p>
+            <a:pPr marL="0" marR="0" indent="0" algn="l" defTabSz="914400" rtl="0" eaLnBrk="1" fontAlgn="auto" latinLnBrk="1" hangingPunct="1">
+              <a:lnSpc>
+                <a:spcPct val="100000"/>
+              </a:lnSpc>
+              <a:spcBef>
+                <a:spcPts val="0"/>
+              </a:spcBef>
+              <a:spcAft>
+                <a:spcPts val="0"/>
+              </a:spcAft>
+              <a:buClrTx/>
+              <a:buSzTx/>
+              <a:buFontTx/>
+              <a:buNone/>
+              <a:tabLst/>
+              <a:defRPr/>
+            </a:pPr>
+            <a:endParaRPr lang="en-US" altLang="ko-KR" dirty="0" smtClean="0"/>
+          </a:p>
+          <a:p>
+            <a:r>
+              <a:rPr lang="ko-KR" altLang="en-US" dirty="0" smtClean="0"/>
+              <a:t>먼저 </a:t>
+            </a:r>
+            <a:r>
+              <a:rPr lang="ko-KR" altLang="en-US" dirty="0" err="1" smtClean="0"/>
+              <a:t>생성자</a:t>
+            </a:r>
+            <a:r>
+              <a:rPr lang="en-US" altLang="ko-KR" dirty="0" smtClean="0"/>
+              <a:t> </a:t>
+            </a:r>
+            <a:r>
+              <a:rPr lang="ko-KR" altLang="en-US" dirty="0" smtClean="0"/>
+              <a:t>역할을 수행하는 첫 번째 </a:t>
+            </a:r>
+            <a:r>
+              <a:rPr lang="en-US" altLang="ko-KR" dirty="0" smtClean="0"/>
+              <a:t>auto encoder</a:t>
+            </a:r>
+            <a:r>
+              <a:rPr lang="ko-KR" altLang="en-US" dirty="0" smtClean="0"/>
+              <a:t>는 </a:t>
+            </a:r>
+            <a:r>
+              <a:rPr lang="ko-KR" altLang="en-US" dirty="0" smtClean="0"/>
+              <a:t>실제 데이터</a:t>
+            </a:r>
+            <a:r>
+              <a:rPr lang="en-US" altLang="ko-KR" dirty="0" smtClean="0"/>
+              <a:t> W</a:t>
+            </a:r>
+            <a:r>
+              <a:rPr lang="ko-KR" altLang="en-US" dirty="0" smtClean="0"/>
+              <a:t>와 가상 데이터에 </a:t>
+            </a:r>
+            <a:r>
+              <a:rPr lang="ko-KR" altLang="en-US" dirty="0" smtClean="0"/>
+              <a:t>대한 </a:t>
+            </a:r>
+            <a:r>
+              <a:rPr lang="en-US" altLang="ko-KR" dirty="0" smtClean="0"/>
+              <a:t>AE_2</a:t>
+            </a:r>
+            <a:r>
+              <a:rPr lang="ko-KR" altLang="en-US" dirty="0" smtClean="0"/>
+              <a:t>의 결과인 </a:t>
+            </a:r>
+            <a:r>
+              <a:rPr lang="en-US" altLang="ko-KR" dirty="0" smtClean="0"/>
+              <a:t>AE_2(AE_1(W))</a:t>
+            </a:r>
+            <a:r>
+              <a:rPr lang="ko-KR" altLang="en-US" dirty="0" smtClean="0"/>
+              <a:t>간의 </a:t>
+            </a:r>
+            <a:r>
+              <a:rPr lang="ko-KR" altLang="en-US" dirty="0" smtClean="0"/>
+              <a:t>차이를 최소화 시켜야 </a:t>
+            </a:r>
+            <a:r>
+              <a:rPr lang="ko-KR" altLang="en-US" dirty="0" err="1" smtClean="0"/>
+              <a:t>판별자를</a:t>
+            </a:r>
+            <a:r>
+              <a:rPr lang="ko-KR" altLang="en-US" dirty="0" smtClean="0"/>
+              <a:t> </a:t>
+            </a:r>
+            <a:r>
+              <a:rPr lang="ko-KR" altLang="en-US" dirty="0" smtClean="0"/>
+              <a:t>속일 수 </a:t>
+            </a:r>
+            <a:r>
+              <a:rPr lang="ko-KR" altLang="en-US" dirty="0" smtClean="0"/>
+              <a:t>있습니다</a:t>
+            </a:r>
+            <a:r>
+              <a:rPr lang="en-US" altLang="ko-KR" dirty="0" smtClean="0"/>
+              <a:t>.</a:t>
+            </a:r>
+          </a:p>
+          <a:p>
+            <a:endParaRPr lang="en-US" altLang="ko-KR" dirty="0" smtClean="0"/>
+          </a:p>
+          <a:p>
+            <a:r>
+              <a:rPr lang="ko-KR" altLang="en-US" dirty="0" smtClean="0"/>
+              <a:t>반대로 </a:t>
+            </a:r>
+            <a:r>
+              <a:rPr lang="ko-KR" altLang="en-US" dirty="0" err="1" smtClean="0"/>
+              <a:t>판별자</a:t>
+            </a:r>
+            <a:r>
+              <a:rPr lang="en-US" altLang="ko-KR" dirty="0" smtClean="0"/>
+              <a:t> </a:t>
+            </a:r>
+            <a:r>
+              <a:rPr lang="ko-KR" altLang="en-US" dirty="0" smtClean="0"/>
+              <a:t>역할을 수행하는 두 번째 </a:t>
+            </a:r>
+            <a:r>
+              <a:rPr lang="en-US" altLang="ko-KR" dirty="0" smtClean="0"/>
+              <a:t>auto encoder</a:t>
+            </a:r>
+            <a:r>
+              <a:rPr lang="ko-KR" altLang="en-US" dirty="0" smtClean="0"/>
+              <a:t>는 </a:t>
+            </a:r>
+            <a:r>
+              <a:rPr lang="ko-KR" altLang="en-US" dirty="0" smtClean="0"/>
+              <a:t>가상 데이터가 입력으로 </a:t>
+            </a:r>
+            <a:r>
+              <a:rPr lang="ko-KR" altLang="en-US" dirty="0" smtClean="0"/>
+              <a:t>들어 왔을 때 </a:t>
+            </a:r>
+            <a:r>
+              <a:rPr lang="ko-KR" altLang="en-US" dirty="0" smtClean="0"/>
+              <a:t>실제 데이터와의 </a:t>
+            </a:r>
+            <a:r>
+              <a:rPr lang="ko-KR" altLang="en-US" dirty="0" smtClean="0"/>
+              <a:t>차이를 최대화 </a:t>
+            </a:r>
+            <a:r>
+              <a:rPr lang="ko-KR" altLang="en-US" dirty="0" smtClean="0"/>
+              <a:t>시켜야 실제</a:t>
+            </a:r>
+            <a:r>
+              <a:rPr lang="ko-KR" altLang="en-US" baseline="0" dirty="0" smtClean="0"/>
+              <a:t> 데이터</a:t>
+            </a:r>
+            <a:r>
+              <a:rPr lang="ko-KR" altLang="en-US" dirty="0" smtClean="0"/>
+              <a:t>와 가상</a:t>
+            </a:r>
+            <a:r>
+              <a:rPr lang="ko-KR" altLang="en-US" baseline="0" dirty="0" smtClean="0"/>
+              <a:t> 데이터를 </a:t>
+            </a:r>
+            <a:r>
+              <a:rPr lang="ko-KR" altLang="en-US" dirty="0" smtClean="0"/>
+              <a:t>잘 </a:t>
+            </a:r>
+            <a:r>
+              <a:rPr lang="ko-KR" altLang="en-US" dirty="0" smtClean="0"/>
+              <a:t>구별하고 있다고 볼 수 </a:t>
+            </a:r>
+            <a:r>
+              <a:rPr lang="ko-KR" altLang="en-US" dirty="0" smtClean="0"/>
+              <a:t>있으며</a:t>
+            </a:r>
+            <a:r>
+              <a:rPr lang="en-US" altLang="ko-KR" dirty="0" smtClean="0"/>
+              <a:t>,</a:t>
+            </a:r>
+          </a:p>
+          <a:p>
+            <a:endParaRPr lang="en-US" altLang="ko-KR" dirty="0" smtClean="0"/>
+          </a:p>
+          <a:p>
+            <a:r>
+              <a:rPr lang="ko-KR" altLang="en-US" dirty="0" smtClean="0"/>
+              <a:t>이는 더 높은 </a:t>
+            </a:r>
+            <a:r>
+              <a:rPr lang="en-US" altLang="ko-KR" b="1" dirty="0" smtClean="0"/>
+              <a:t>reconstruction error </a:t>
+            </a:r>
+            <a:r>
+              <a:rPr lang="ko-KR" altLang="en-US" b="1" dirty="0" smtClean="0"/>
+              <a:t>값이 나올수록 더 잘 구별하고 있다고 볼</a:t>
+            </a:r>
+            <a:r>
+              <a:rPr lang="ko-KR" altLang="en-US" b="1" baseline="0" dirty="0" smtClean="0"/>
+              <a:t> 수 있습니다</a:t>
+            </a:r>
+            <a:r>
+              <a:rPr lang="en-US" altLang="ko-KR" b="1" baseline="0" dirty="0" smtClean="0"/>
+              <a:t>.</a:t>
+            </a:r>
+            <a:endParaRPr lang="en-US" altLang="ko-KR" dirty="0" smtClean="0"/>
+          </a:p>
+          <a:p>
+            <a:endParaRPr lang="en-US" altLang="ko-KR" dirty="0" smtClean="0"/>
+          </a:p>
+          <a:p>
+            <a:r>
+              <a:rPr lang="ko-KR" altLang="en-US" dirty="0" smtClean="0"/>
+              <a:t>따라서 </a:t>
+            </a:r>
+            <a:r>
+              <a:rPr lang="en-US" altLang="ko-KR" dirty="0" smtClean="0"/>
+              <a:t>AE_1</a:t>
+            </a:r>
+            <a:r>
+              <a:rPr lang="ko-KR" altLang="en-US" b="1" dirty="0" smtClean="0"/>
+              <a:t>은 가상</a:t>
+            </a:r>
+            <a:r>
+              <a:rPr lang="ko-KR" altLang="en-US" b="1" baseline="0" dirty="0" smtClean="0"/>
+              <a:t> 데이터</a:t>
+            </a:r>
+            <a:r>
+              <a:rPr lang="ko-KR" altLang="en-US" b="1" dirty="0" smtClean="0"/>
+              <a:t>에 </a:t>
+            </a:r>
+            <a:r>
+              <a:rPr lang="ko-KR" altLang="en-US" b="1" dirty="0" smtClean="0"/>
+              <a:t>대한</a:t>
+            </a:r>
+            <a:r>
+              <a:rPr lang="ko-KR" altLang="en-US" dirty="0" smtClean="0"/>
+              <a:t> </a:t>
+            </a:r>
+            <a:r>
+              <a:rPr lang="en-US" altLang="ko-KR" dirty="0" smtClean="0"/>
+              <a:t>AE_2</a:t>
+            </a:r>
+            <a:r>
+              <a:rPr lang="ko-KR" altLang="en-US" b="1" dirty="0" smtClean="0"/>
+              <a:t>의 </a:t>
+            </a:r>
+            <a:r>
+              <a:rPr lang="en-US" altLang="ko-KR" b="1" dirty="0" smtClean="0"/>
+              <a:t>reconstruction error</a:t>
+            </a:r>
+            <a:r>
+              <a:rPr lang="ko-KR" altLang="en-US" b="1" dirty="0" smtClean="0"/>
+              <a:t>를 줄이도록 학습</a:t>
+            </a:r>
+            <a:r>
+              <a:rPr lang="ko-KR" altLang="en-US" dirty="0" smtClean="0"/>
+              <a:t>하고</a:t>
+            </a:r>
+            <a:r>
+              <a:rPr lang="en-US" altLang="ko-KR" dirty="0" smtClean="0"/>
+              <a:t>, </a:t>
+            </a:r>
+            <a:r>
+              <a:rPr lang="ko-KR" altLang="en-US" dirty="0" smtClean="0"/>
+              <a:t>반대로 </a:t>
+            </a:r>
+            <a:r>
+              <a:rPr lang="en-US" altLang="ko-KR" dirty="0" smtClean="0"/>
+              <a:t>AE_2</a:t>
+            </a:r>
+            <a:r>
+              <a:rPr lang="ko-KR" altLang="en-US" b="1" dirty="0" smtClean="0"/>
+              <a:t>는 가상 데이터에 </a:t>
+            </a:r>
+            <a:r>
+              <a:rPr lang="ko-KR" altLang="en-US" b="1" dirty="0" smtClean="0"/>
+              <a:t>대한 </a:t>
+            </a:r>
+            <a:r>
+              <a:rPr lang="en-US" altLang="ko-KR" b="1" dirty="0" smtClean="0"/>
+              <a:t>reconstruction error</a:t>
+            </a:r>
+            <a:r>
+              <a:rPr lang="ko-KR" altLang="en-US" b="1" dirty="0" smtClean="0"/>
+              <a:t>를 키우도록 </a:t>
+            </a:r>
+            <a:r>
+              <a:rPr lang="ko-KR" altLang="en-US" b="1" dirty="0" smtClean="0"/>
+              <a:t>학습</a:t>
+            </a:r>
+            <a:r>
+              <a:rPr lang="ko-KR" altLang="en-US" b="0" dirty="0" smtClean="0"/>
+              <a:t>합니</a:t>
+            </a:r>
+            <a:r>
+              <a:rPr lang="ko-KR" altLang="en-US" dirty="0" smtClean="0"/>
+              <a:t>다</a:t>
+            </a:r>
+            <a:r>
+              <a:rPr lang="en-US" altLang="ko-KR" dirty="0" smtClean="0"/>
+              <a:t>.</a:t>
+            </a:r>
+            <a:endParaRPr lang="en-US" altLang="ko-KR" dirty="0" smtClean="0"/>
           </a:p>
         </p:txBody>
       </p:sp>
@@ -1979,6 +4718,729 @@
           <a:bodyPr/>
           <a:lstStyle/>
           <a:p>
+            <a:endParaRPr lang="en-US" altLang="ko-KR" dirty="0" smtClean="0"/>
+          </a:p>
+          <a:p>
+            <a:r>
+              <a:rPr lang="ko-KR" altLang="en-US" dirty="0" smtClean="0"/>
+              <a:t>앞서 </a:t>
+            </a:r>
+            <a:r>
+              <a:rPr lang="ko-KR" altLang="en-US" dirty="0" err="1" smtClean="0"/>
+              <a:t>설명드린</a:t>
+            </a:r>
+            <a:r>
+              <a:rPr lang="ko-KR" altLang="en-US" dirty="0" smtClean="0"/>
+              <a:t> 두 </a:t>
+            </a:r>
+            <a:r>
+              <a:rPr lang="ko-KR" altLang="en-US" dirty="0" smtClean="0"/>
+              <a:t>가지 </a:t>
+            </a:r>
+            <a:r>
+              <a:rPr lang="en-US" altLang="ko-KR" dirty="0" smtClean="0"/>
+              <a:t>training phase</a:t>
+            </a:r>
+            <a:r>
+              <a:rPr lang="ko-KR" altLang="en-US" dirty="0" smtClean="0"/>
+              <a:t>를 하나의 </a:t>
+            </a:r>
+            <a:r>
+              <a:rPr lang="en-US" altLang="ko-KR" dirty="0" smtClean="0"/>
+              <a:t>loss function</a:t>
+            </a:r>
+            <a:r>
+              <a:rPr lang="ko-KR" altLang="en-US" dirty="0" smtClean="0"/>
+              <a:t>으로 표기하면 다음과 </a:t>
+            </a:r>
+            <a:r>
+              <a:rPr lang="ko-KR" altLang="en-US" dirty="0" smtClean="0"/>
+              <a:t>같으며</a:t>
+            </a:r>
+            <a:r>
+              <a:rPr lang="en-US" altLang="ko-KR" dirty="0" smtClean="0"/>
+              <a:t>,</a:t>
+            </a:r>
+            <a:r>
+              <a:rPr lang="en-US" altLang="ko-KR" baseline="0" dirty="0" smtClean="0"/>
+              <a:t> </a:t>
+            </a:r>
+            <a:r>
+              <a:rPr lang="ko-KR" altLang="en-US" dirty="0" smtClean="0"/>
+              <a:t>먼저 </a:t>
+            </a:r>
+            <a:r>
+              <a:rPr lang="ko-KR" altLang="en-US" dirty="0" smtClean="0"/>
+              <a:t>위 수식의 세부 </a:t>
+            </a:r>
+            <a:r>
+              <a:rPr lang="ko-KR" altLang="en-US" dirty="0" smtClean="0"/>
+              <a:t>항에 </a:t>
+            </a:r>
+            <a:r>
+              <a:rPr lang="ko-KR" altLang="en-US" dirty="0" smtClean="0"/>
+              <a:t>대해서 </a:t>
+            </a:r>
+            <a:r>
+              <a:rPr lang="ko-KR" altLang="en-US" dirty="0" err="1" smtClean="0"/>
+              <a:t>설명드리겠습니다</a:t>
+            </a:r>
+            <a:r>
+              <a:rPr lang="en-US" altLang="ko-KR" dirty="0" smtClean="0"/>
+              <a:t>.</a:t>
+            </a:r>
+          </a:p>
+          <a:p>
+            <a:endParaRPr lang="en-US" altLang="ko-KR" dirty="0" smtClean="0"/>
+          </a:p>
+          <a:p>
+            <a:r>
+              <a:rPr lang="ko-KR" altLang="en-US" dirty="0" smtClean="0"/>
+              <a:t>각각의 </a:t>
+            </a:r>
+            <a:r>
+              <a:rPr lang="en-US" altLang="ko-KR" dirty="0" smtClean="0"/>
+              <a:t>loss</a:t>
+            </a:r>
+            <a:r>
+              <a:rPr lang="ko-KR" altLang="en-US" dirty="0" smtClean="0"/>
+              <a:t>에서 앞의 </a:t>
+            </a:r>
+            <a:r>
+              <a:rPr lang="ko-KR" altLang="en-US" dirty="0" smtClean="0"/>
+              <a:t>항은 실제 데이터에 </a:t>
+            </a:r>
+            <a:r>
+              <a:rPr lang="ko-KR" altLang="en-US" dirty="0" smtClean="0"/>
+              <a:t>대한 </a:t>
+            </a:r>
+            <a:r>
+              <a:rPr lang="en-US" altLang="ko-KR" dirty="0" smtClean="0"/>
+              <a:t>reconstruction error</a:t>
+            </a:r>
+            <a:r>
+              <a:rPr lang="ko-KR" altLang="en-US" dirty="0" smtClean="0"/>
+              <a:t>로써 원본 데이터를 잘 복원하는 </a:t>
+            </a:r>
+            <a:r>
+              <a:rPr lang="en-US" altLang="ko-KR" dirty="0" smtClean="0"/>
+              <a:t>auto</a:t>
+            </a:r>
+            <a:r>
+              <a:rPr lang="en-US" altLang="ko-KR" baseline="0" dirty="0" smtClean="0"/>
+              <a:t> encoder</a:t>
+            </a:r>
+            <a:r>
+              <a:rPr lang="en-US" altLang="ko-KR" dirty="0" smtClean="0"/>
+              <a:t> </a:t>
+            </a:r>
+            <a:r>
+              <a:rPr lang="en-US" altLang="ko-KR" dirty="0" smtClean="0"/>
+              <a:t>training</a:t>
+            </a:r>
+            <a:r>
+              <a:rPr lang="ko-KR" altLang="en-US" dirty="0" smtClean="0"/>
+              <a:t>의 </a:t>
+            </a:r>
+            <a:r>
+              <a:rPr lang="en-US" altLang="ko-KR" dirty="0" smtClean="0"/>
+              <a:t>loss</a:t>
+            </a:r>
+            <a:r>
+              <a:rPr lang="ko-KR" altLang="en-US" dirty="0" smtClean="0"/>
+              <a:t>에 </a:t>
+            </a:r>
+            <a:r>
+              <a:rPr lang="ko-KR" altLang="en-US" dirty="0" smtClean="0"/>
+              <a:t>해당합니다</a:t>
+            </a:r>
+            <a:r>
+              <a:rPr lang="en-US" altLang="ko-KR" dirty="0" smtClean="0"/>
+              <a:t>.</a:t>
+            </a:r>
+          </a:p>
+          <a:p>
+            <a:endParaRPr lang="en-US" altLang="ko-KR" dirty="0" smtClean="0"/>
+          </a:p>
+          <a:p>
+            <a:r>
+              <a:rPr lang="en-US" altLang="ko-KR" dirty="0" smtClean="0"/>
+              <a:t>Auto</a:t>
+            </a:r>
+            <a:r>
+              <a:rPr lang="en-US" altLang="ko-KR" baseline="0" dirty="0" smtClean="0"/>
+              <a:t> encoder</a:t>
+            </a:r>
+            <a:r>
+              <a:rPr lang="en-US" altLang="ko-KR" dirty="0" smtClean="0"/>
+              <a:t> </a:t>
+            </a:r>
+            <a:r>
+              <a:rPr lang="en-US" altLang="ko-KR" dirty="0" smtClean="0"/>
+              <a:t>training term</a:t>
+            </a:r>
+            <a:r>
+              <a:rPr lang="ko-KR" altLang="en-US" dirty="0" smtClean="0"/>
+              <a:t>을 통해서 원래의 </a:t>
+            </a:r>
+            <a:r>
+              <a:rPr lang="en-US" altLang="ko-KR" dirty="0" smtClean="0"/>
+              <a:t>input</a:t>
+            </a:r>
+            <a:r>
+              <a:rPr lang="ko-KR" altLang="en-US" dirty="0" smtClean="0"/>
+              <a:t>을 잘 복원하도록 학습이 </a:t>
+            </a:r>
+            <a:r>
+              <a:rPr lang="ko-KR" altLang="en-US" dirty="0" smtClean="0"/>
+              <a:t>진행됩니다</a:t>
+            </a:r>
+            <a:r>
+              <a:rPr lang="en-US" altLang="ko-KR" dirty="0" smtClean="0"/>
+              <a:t>.</a:t>
+            </a:r>
+          </a:p>
+          <a:p>
+            <a:endParaRPr lang="en-US" altLang="ko-KR" dirty="0" smtClean="0"/>
+          </a:p>
+          <a:p>
+            <a:r>
+              <a:rPr lang="ko-KR" altLang="en-US" dirty="0" smtClean="0"/>
+              <a:t>다음으로 두 번째 </a:t>
+            </a:r>
+            <a:r>
+              <a:rPr lang="ko-KR" altLang="en-US" dirty="0" smtClean="0"/>
+              <a:t>항의 </a:t>
+            </a:r>
+            <a:r>
+              <a:rPr lang="ko-KR" altLang="en-US" dirty="0" smtClean="0"/>
+              <a:t>경우 </a:t>
+            </a:r>
+            <a:r>
+              <a:rPr lang="en-US" altLang="ko-KR" dirty="0" smtClean="0"/>
+              <a:t>adversarial training</a:t>
+            </a:r>
+            <a:r>
+              <a:rPr lang="ko-KR" altLang="en-US" dirty="0" smtClean="0"/>
+              <a:t>의 </a:t>
+            </a:r>
+            <a:r>
+              <a:rPr lang="en-US" altLang="ko-KR" dirty="0" smtClean="0"/>
+              <a:t>loss</a:t>
+            </a:r>
+            <a:r>
+              <a:rPr lang="ko-KR" altLang="en-US" dirty="0" smtClean="0"/>
+              <a:t>로 구성되어 있다</a:t>
+            </a:r>
+            <a:r>
+              <a:rPr lang="en-US" altLang="ko-KR" dirty="0" smtClean="0"/>
+              <a:t>.</a:t>
+            </a:r>
+          </a:p>
+          <a:p>
+            <a:endParaRPr lang="en-US" altLang="ko-KR" dirty="0" smtClean="0"/>
+          </a:p>
+          <a:p>
+            <a:r>
+              <a:rPr lang="ko-KR" altLang="en-US" dirty="0" smtClean="0"/>
+              <a:t>앞에서 </a:t>
+            </a:r>
+            <a:r>
+              <a:rPr lang="ko-KR" altLang="en-US" dirty="0" smtClean="0"/>
+              <a:t>살펴본 </a:t>
+            </a:r>
+            <a:r>
+              <a:rPr lang="en-US" altLang="ko-KR" dirty="0" smtClean="0"/>
+              <a:t>minimize, maximize term</a:t>
+            </a:r>
+            <a:r>
+              <a:rPr lang="ko-KR" altLang="en-US" dirty="0" smtClean="0"/>
+              <a:t>이 부호로써 각각 </a:t>
+            </a:r>
+            <a:r>
+              <a:rPr lang="en-US" altLang="ko-KR" dirty="0" smtClean="0"/>
+              <a:t>+,-</a:t>
+            </a:r>
+            <a:r>
+              <a:rPr lang="ko-KR" altLang="en-US" dirty="0" smtClean="0"/>
+              <a:t>로 표기가 된 것을 확인할 수 </a:t>
+            </a:r>
+            <a:r>
+              <a:rPr lang="ko-KR" altLang="en-US" dirty="0" smtClean="0"/>
+              <a:t>있습니다</a:t>
+            </a:r>
+            <a:r>
+              <a:rPr lang="en-US" altLang="ko-KR" dirty="0" smtClean="0"/>
+              <a:t>.</a:t>
+            </a:r>
+          </a:p>
+          <a:p>
+            <a:endParaRPr lang="en-US" altLang="ko-KR" dirty="0" smtClean="0"/>
+          </a:p>
+          <a:p>
+            <a:r>
+              <a:rPr lang="ko-KR" altLang="en-US" dirty="0" smtClean="0"/>
+              <a:t>마지막으로 </a:t>
+            </a:r>
+            <a:r>
+              <a:rPr lang="ko-KR" altLang="en-US" dirty="0" smtClean="0"/>
+              <a:t>두 </a:t>
+            </a:r>
+            <a:r>
+              <a:rPr lang="ko-KR" altLang="en-US" dirty="0" smtClean="0"/>
+              <a:t>항을 </a:t>
+            </a:r>
+            <a:r>
+              <a:rPr lang="ko-KR" altLang="en-US" dirty="0" smtClean="0"/>
+              <a:t>합할 때 곱해지는 분모의 </a:t>
+            </a:r>
+            <a:r>
+              <a:rPr lang="en-US" altLang="ko-KR" dirty="0" smtClean="0"/>
+              <a:t>n</a:t>
+            </a:r>
+            <a:r>
+              <a:rPr lang="ko-KR" altLang="en-US" dirty="0" smtClean="0"/>
+              <a:t>은 </a:t>
+            </a:r>
+            <a:r>
+              <a:rPr lang="ko-KR" altLang="en-US" dirty="0" smtClean="0"/>
+              <a:t>학습 중인 </a:t>
+            </a:r>
+            <a:r>
+              <a:rPr lang="en-US" altLang="ko-KR" dirty="0" smtClean="0"/>
+              <a:t>epoch</a:t>
+            </a:r>
+            <a:r>
+              <a:rPr lang="ko-KR" altLang="en-US" dirty="0" smtClean="0"/>
+              <a:t>을 뜻하여 학습 초반에는 </a:t>
+            </a:r>
+            <a:r>
+              <a:rPr lang="ko-KR" altLang="en-US" dirty="0" smtClean="0"/>
+              <a:t>실제 데이터에 </a:t>
+            </a:r>
+            <a:r>
+              <a:rPr lang="ko-KR" altLang="en-US" dirty="0" smtClean="0"/>
+              <a:t>대한 </a:t>
+            </a:r>
+            <a:r>
+              <a:rPr lang="en-US" altLang="ko-KR" dirty="0" smtClean="0"/>
+              <a:t>reconstruction error</a:t>
+            </a:r>
+            <a:r>
+              <a:rPr lang="ko-KR" altLang="en-US" dirty="0" smtClean="0"/>
+              <a:t>에 가중치를 주고 학습 후반에는 </a:t>
+            </a:r>
+            <a:r>
+              <a:rPr lang="en-US" altLang="ko-KR" dirty="0" smtClean="0"/>
+              <a:t>adversarial training</a:t>
+            </a:r>
+            <a:r>
+              <a:rPr lang="ko-KR" altLang="en-US" dirty="0" smtClean="0"/>
+              <a:t>에 가중치를 주는 역할을 한다</a:t>
+            </a:r>
+            <a:r>
+              <a:rPr lang="en-US" altLang="ko-KR" dirty="0" smtClean="0"/>
+              <a:t>.</a:t>
+            </a:r>
+          </a:p>
+          <a:p>
+            <a:endParaRPr lang="en-US" altLang="ko-KR" dirty="0" smtClean="0"/>
+          </a:p>
+          <a:p>
+            <a:r>
+              <a:rPr lang="ko-KR" altLang="en-US" dirty="0" smtClean="0"/>
+              <a:t>이제 각각의 </a:t>
+            </a:r>
+            <a:r>
+              <a:rPr lang="en-US" altLang="ko-KR" dirty="0" smtClean="0"/>
+              <a:t>auto</a:t>
+            </a:r>
+            <a:r>
+              <a:rPr lang="en-US" altLang="ko-KR" baseline="0" dirty="0" smtClean="0"/>
+              <a:t> encoder</a:t>
+            </a:r>
+            <a:r>
+              <a:rPr lang="en-US" altLang="ko-KR" dirty="0" smtClean="0"/>
+              <a:t> </a:t>
+            </a:r>
+            <a:r>
+              <a:rPr lang="ko-KR" altLang="en-US" dirty="0" smtClean="0"/>
+              <a:t>관점에서 </a:t>
+            </a:r>
+            <a:r>
+              <a:rPr lang="en-US" altLang="ko-KR" dirty="0" smtClean="0"/>
+              <a:t>loss</a:t>
+            </a:r>
+            <a:r>
+              <a:rPr lang="ko-KR" altLang="en-US" dirty="0" smtClean="0"/>
+              <a:t>를 이해해보자</a:t>
+            </a:r>
+            <a:r>
+              <a:rPr lang="en-US" altLang="ko-KR" dirty="0" smtClean="0"/>
+              <a:t>.</a:t>
+            </a:r>
+          </a:p>
+          <a:p>
+            <a:endParaRPr lang="en-US" altLang="ko-KR" dirty="0" smtClean="0"/>
+          </a:p>
+          <a:p>
+            <a:r>
+              <a:rPr lang="en-US" altLang="ko-KR" dirty="0" smtClean="0"/>
+              <a:t>AE_1</a:t>
+            </a:r>
+            <a:r>
+              <a:rPr lang="ko-KR" altLang="en-US" dirty="0" smtClean="0"/>
+              <a:t>에 </a:t>
+            </a:r>
+            <a:r>
+              <a:rPr lang="ko-KR" altLang="en-US" dirty="0" smtClean="0"/>
+              <a:t>적용되는 </a:t>
+            </a:r>
+            <a:r>
+              <a:rPr lang="en-US" altLang="ko-KR" dirty="0" smtClean="0"/>
+              <a:t>loss</a:t>
+            </a:r>
+            <a:r>
+              <a:rPr lang="ko-KR" altLang="en-US" dirty="0" smtClean="0"/>
+              <a:t>를 살펴보면 </a:t>
+            </a:r>
+            <a:r>
+              <a:rPr lang="ko-KR" altLang="en-US" dirty="0" smtClean="0"/>
+              <a:t>실제</a:t>
+            </a:r>
+            <a:r>
+              <a:rPr lang="en-US" altLang="ko-KR" dirty="0" smtClean="0"/>
+              <a:t> </a:t>
+            </a:r>
+            <a:r>
+              <a:rPr lang="ko-KR" altLang="en-US" dirty="0" smtClean="0"/>
+              <a:t>데이터에 </a:t>
+            </a:r>
+            <a:r>
+              <a:rPr lang="ko-KR" altLang="en-US" dirty="0" smtClean="0"/>
+              <a:t>대한 </a:t>
+            </a:r>
+            <a:r>
+              <a:rPr lang="en-US" altLang="ko-KR" dirty="0" smtClean="0"/>
+              <a:t>reconstruction error</a:t>
+            </a:r>
+            <a:r>
+              <a:rPr lang="ko-KR" altLang="en-US" dirty="0" smtClean="0"/>
+              <a:t>와 </a:t>
+            </a:r>
+            <a:r>
+              <a:rPr lang="ko-KR" altLang="en-US" dirty="0" smtClean="0"/>
+              <a:t>가상 데이터에 </a:t>
+            </a:r>
+            <a:r>
+              <a:rPr lang="ko-KR" altLang="en-US" dirty="0" smtClean="0"/>
+              <a:t>대한 </a:t>
+            </a:r>
+            <a:r>
+              <a:rPr lang="en-US" altLang="ko-KR" dirty="0" smtClean="0"/>
+              <a:t>AE_2</a:t>
+            </a:r>
+            <a:r>
+              <a:rPr lang="ko-KR" altLang="en-US" dirty="0" smtClean="0"/>
+              <a:t>의 </a:t>
+            </a:r>
+            <a:r>
+              <a:rPr lang="en-US" altLang="ko-KR" dirty="0" smtClean="0"/>
+              <a:t>reconstruction error</a:t>
+            </a:r>
+            <a:r>
+              <a:rPr lang="ko-KR" altLang="en-US" dirty="0" smtClean="0"/>
+              <a:t>가 모두 최소일 때 최소값을 </a:t>
+            </a:r>
+            <a:r>
+              <a:rPr lang="ko-KR" altLang="en-US" dirty="0" smtClean="0"/>
+              <a:t>갖습니다</a:t>
+            </a:r>
+            <a:r>
+              <a:rPr lang="en-US" altLang="ko-KR" dirty="0" smtClean="0"/>
+              <a:t>.</a:t>
+            </a:r>
+          </a:p>
+          <a:p>
+            <a:endParaRPr lang="en-US" altLang="ko-KR" dirty="0" smtClean="0"/>
+          </a:p>
+          <a:p>
+            <a:r>
+              <a:rPr lang="ko-KR" altLang="en-US" dirty="0" smtClean="0"/>
+              <a:t>이를 통해 </a:t>
+            </a:r>
+            <a:r>
+              <a:rPr lang="en-US" altLang="ko-KR" dirty="0" smtClean="0"/>
+              <a:t>AE_2</a:t>
+            </a:r>
+            <a:r>
+              <a:rPr lang="ko-KR" altLang="en-US" dirty="0" smtClean="0"/>
+              <a:t>가 가상 데이터에 </a:t>
+            </a:r>
+            <a:r>
+              <a:rPr lang="ko-KR" altLang="en-US" dirty="0" smtClean="0"/>
+              <a:t>대한 </a:t>
+            </a:r>
+            <a:r>
+              <a:rPr lang="ko-KR" altLang="en-US" dirty="0" err="1" smtClean="0"/>
+              <a:t>판별력이</a:t>
+            </a:r>
+            <a:r>
+              <a:rPr lang="ko-KR" altLang="en-US" dirty="0" smtClean="0"/>
+              <a:t> 떨어지는 것을 목표로 하는 것을 확인할 수 있다</a:t>
+            </a:r>
+            <a:r>
+              <a:rPr lang="en-US" altLang="ko-KR" dirty="0" smtClean="0"/>
+              <a:t>.</a:t>
+            </a:r>
+          </a:p>
+          <a:p>
+            <a:endParaRPr lang="en-US" altLang="ko-KR" dirty="0" smtClean="0"/>
+          </a:p>
+          <a:p>
+            <a:r>
+              <a:rPr lang="ko-KR" altLang="en-US" dirty="0" smtClean="0"/>
+              <a:t>반대로 </a:t>
+            </a:r>
+            <a:r>
+              <a:rPr lang="en-US" altLang="ko-KR" dirty="0" smtClean="0"/>
+              <a:t>AE_2</a:t>
+            </a:r>
+            <a:r>
+              <a:rPr lang="ko-KR" altLang="en-US" dirty="0" smtClean="0"/>
+              <a:t>에 </a:t>
+            </a:r>
+            <a:r>
+              <a:rPr lang="ko-KR" altLang="en-US" dirty="0" smtClean="0"/>
+              <a:t>적용되는 </a:t>
+            </a:r>
+            <a:r>
+              <a:rPr lang="en-US" altLang="ko-KR" dirty="0" smtClean="0"/>
+              <a:t>loss</a:t>
+            </a:r>
+            <a:r>
+              <a:rPr lang="ko-KR" altLang="en-US" dirty="0" smtClean="0"/>
+              <a:t>를 살펴보면 </a:t>
+            </a:r>
+            <a:r>
+              <a:rPr lang="ko-KR" altLang="en-US" dirty="0" smtClean="0"/>
+              <a:t>실제 데이터에 </a:t>
+            </a:r>
+            <a:r>
+              <a:rPr lang="ko-KR" altLang="en-US" dirty="0" smtClean="0"/>
+              <a:t>대한 </a:t>
+            </a:r>
+            <a:r>
+              <a:rPr lang="en-US" altLang="ko-KR" dirty="0" smtClean="0"/>
+              <a:t>reconstruction error</a:t>
+            </a:r>
+            <a:r>
+              <a:rPr lang="ko-KR" altLang="en-US" dirty="0" smtClean="0"/>
+              <a:t>가 최소이고</a:t>
+            </a:r>
+            <a:r>
+              <a:rPr lang="en-US" altLang="ko-KR" dirty="0" smtClean="0"/>
+              <a:t>, </a:t>
+            </a:r>
+            <a:r>
+              <a:rPr lang="ko-KR" altLang="en-US" dirty="0" smtClean="0"/>
+              <a:t>가상 데이터에 </a:t>
+            </a:r>
+            <a:r>
+              <a:rPr lang="ko-KR" altLang="en-US" dirty="0" smtClean="0"/>
+              <a:t>대한 </a:t>
+            </a:r>
+            <a:r>
+              <a:rPr lang="en-US" altLang="ko-KR" dirty="0" smtClean="0"/>
+              <a:t>AE_2</a:t>
+            </a:r>
+            <a:r>
+              <a:rPr lang="ko-KR" altLang="en-US" dirty="0" smtClean="0"/>
+              <a:t>의 </a:t>
+            </a:r>
+            <a:r>
+              <a:rPr lang="en-US" altLang="ko-KR" dirty="0" smtClean="0"/>
+              <a:t>reconstruction error</a:t>
+            </a:r>
+            <a:r>
+              <a:rPr lang="ko-KR" altLang="en-US" dirty="0" smtClean="0"/>
+              <a:t>가 최대일 때 최소값을 </a:t>
+            </a:r>
+            <a:r>
+              <a:rPr lang="ko-KR" altLang="en-US" dirty="0" smtClean="0"/>
+              <a:t>갖습니다</a:t>
+            </a:r>
+            <a:r>
+              <a:rPr lang="en-US" altLang="ko-KR" dirty="0" smtClean="0"/>
+              <a:t>.</a:t>
+            </a:r>
+          </a:p>
+          <a:p>
+            <a:endParaRPr lang="en-US" altLang="ko-KR" dirty="0" smtClean="0"/>
+          </a:p>
+          <a:p>
+            <a:r>
+              <a:rPr lang="ko-KR" altLang="en-US" dirty="0" smtClean="0"/>
+              <a:t>즉 가상 데이터가 </a:t>
+            </a:r>
+            <a:r>
+              <a:rPr lang="ko-KR" altLang="en-US" dirty="0" smtClean="0"/>
+              <a:t>들어왔을 때 </a:t>
+            </a:r>
+            <a:r>
+              <a:rPr lang="en-US" altLang="ko-KR" dirty="0" smtClean="0"/>
+              <a:t>anomaly</a:t>
+            </a:r>
+            <a:r>
+              <a:rPr lang="ko-KR" altLang="en-US" dirty="0" smtClean="0"/>
+              <a:t>가 들어왔다는 신호인 </a:t>
+            </a:r>
+            <a:r>
+              <a:rPr lang="en-US" altLang="ko-KR" dirty="0" smtClean="0"/>
+              <a:t>reconstruction error</a:t>
+            </a:r>
+            <a:r>
+              <a:rPr lang="ko-KR" altLang="en-US" dirty="0" smtClean="0"/>
+              <a:t>를 크게 내뱉도록 학습이 </a:t>
+            </a:r>
+            <a:r>
+              <a:rPr lang="ko-KR" altLang="en-US" dirty="0" smtClean="0"/>
+              <a:t>진행됩니다</a:t>
+            </a:r>
+            <a:r>
+              <a:rPr lang="en-US" altLang="ko-KR" dirty="0" smtClean="0"/>
+              <a:t>.</a:t>
+            </a:r>
+          </a:p>
+          <a:p>
+            <a:endParaRPr lang="en-US" altLang="ko-KR" dirty="0" smtClean="0"/>
+          </a:p>
+          <a:p>
+            <a:r>
+              <a:rPr lang="en-US" altLang="ko-KR" dirty="0" smtClean="0"/>
+              <a:t>GANs </a:t>
+            </a:r>
+            <a:r>
+              <a:rPr lang="ko-KR" altLang="en-US" dirty="0" smtClean="0"/>
+              <a:t>기반 </a:t>
+            </a:r>
+            <a:r>
+              <a:rPr lang="en-US" altLang="ko-KR" dirty="0" smtClean="0"/>
+              <a:t>anomaly detection</a:t>
+            </a:r>
+            <a:r>
+              <a:rPr lang="ko-KR" altLang="en-US" dirty="0" smtClean="0"/>
+              <a:t>에서 </a:t>
+            </a:r>
+            <a:r>
+              <a:rPr lang="ko-KR" altLang="en-US" dirty="0" smtClean="0"/>
+              <a:t>실제 데이터는 </a:t>
+            </a:r>
+            <a:r>
+              <a:rPr lang="en-US" altLang="ko-KR" dirty="0" smtClean="0"/>
+              <a:t>normal, </a:t>
+            </a:r>
+            <a:r>
+              <a:rPr lang="ko-KR" altLang="en-US" dirty="0" smtClean="0"/>
+              <a:t>가상 데이터는 </a:t>
+            </a:r>
+            <a:r>
+              <a:rPr lang="en-US" altLang="ko-KR" dirty="0" smtClean="0"/>
+              <a:t>abnormal</a:t>
+            </a:r>
+            <a:r>
+              <a:rPr lang="ko-KR" altLang="en-US" dirty="0" smtClean="0"/>
+              <a:t>로 사용하는 것을 감안하면 </a:t>
+            </a:r>
+            <a:r>
+              <a:rPr lang="en-US" altLang="ko-KR" dirty="0" smtClean="0"/>
+              <a:t>AE_2</a:t>
+            </a:r>
+            <a:r>
+              <a:rPr lang="ko-KR" altLang="en-US" dirty="0" smtClean="0"/>
+              <a:t>는 </a:t>
+            </a:r>
+            <a:r>
+              <a:rPr lang="ko-KR" altLang="en-US" dirty="0" smtClean="0"/>
+              <a:t>결국 </a:t>
+            </a:r>
+            <a:r>
+              <a:rPr lang="en-US" altLang="ko-KR" b="1" dirty="0" smtClean="0"/>
+              <a:t>normal</a:t>
+            </a:r>
+            <a:r>
+              <a:rPr lang="ko-KR" altLang="en-US" b="1" dirty="0" smtClean="0"/>
+              <a:t>과 </a:t>
+            </a:r>
+            <a:r>
+              <a:rPr lang="en-US" altLang="ko-KR" b="1" dirty="0" smtClean="0"/>
+              <a:t>abnormal</a:t>
+            </a:r>
+            <a:r>
+              <a:rPr lang="ko-KR" altLang="en-US" b="1" dirty="0" smtClean="0"/>
+              <a:t>의 미세한 차이를 극대화</a:t>
+            </a:r>
+            <a:r>
+              <a:rPr lang="ko-KR" altLang="en-US" dirty="0" smtClean="0"/>
+              <a:t>시키는 역할을 하게 </a:t>
+            </a:r>
+            <a:r>
+              <a:rPr lang="ko-KR" altLang="en-US" dirty="0" smtClean="0"/>
+              <a:t>됩니다</a:t>
+            </a:r>
+            <a:r>
+              <a:rPr lang="en-US" altLang="ko-KR" dirty="0" smtClean="0"/>
+              <a:t>.</a:t>
+            </a:r>
+          </a:p>
+          <a:p>
+            <a:endParaRPr lang="en-US" altLang="ko-KR" dirty="0" smtClean="0"/>
+          </a:p>
+          <a:p>
+            <a:r>
+              <a:rPr lang="ko-KR" altLang="en-US" dirty="0" smtClean="0"/>
+              <a:t>이러한 이유로 기존의 </a:t>
+            </a:r>
+            <a:r>
+              <a:rPr lang="en-US" altLang="ko-KR" dirty="0" smtClean="0"/>
+              <a:t>auto</a:t>
+            </a:r>
+            <a:r>
+              <a:rPr lang="en-US" altLang="ko-KR" baseline="0" dirty="0" smtClean="0"/>
+              <a:t> encoder</a:t>
+            </a:r>
+            <a:r>
+              <a:rPr lang="en-US" altLang="ko-KR" dirty="0" smtClean="0"/>
+              <a:t> </a:t>
+            </a:r>
+            <a:r>
+              <a:rPr lang="ko-KR" altLang="en-US" dirty="0" smtClean="0"/>
+              <a:t>기반 </a:t>
+            </a:r>
+            <a:r>
+              <a:rPr lang="en-US" altLang="ko-KR" dirty="0" smtClean="0"/>
+              <a:t>anomaly detection </a:t>
+            </a:r>
+            <a:r>
+              <a:rPr lang="en-US" altLang="ko-KR" dirty="0" smtClean="0"/>
+              <a:t>model</a:t>
+            </a:r>
+            <a:r>
+              <a:rPr lang="ko-KR" altLang="en-US" dirty="0" smtClean="0"/>
+              <a:t>보다 </a:t>
+            </a:r>
+            <a:r>
+              <a:rPr lang="ko-KR" altLang="en-US" dirty="0" smtClean="0"/>
+              <a:t>높은 성능을 </a:t>
+            </a:r>
+            <a:r>
+              <a:rPr lang="ko-KR" altLang="en-US" dirty="0" smtClean="0"/>
+              <a:t>보입니다</a:t>
+            </a:r>
+            <a:r>
+              <a:rPr lang="en-US" altLang="ko-KR" dirty="0" smtClean="0"/>
+              <a:t>.</a:t>
+            </a:r>
             <a:endParaRPr lang="ko-KR" altLang="en-US" dirty="0"/>
           </a:p>
         </p:txBody>
@@ -2075,6 +5537,488 @@
             <p:txBody>
               <a:bodyPr/>
               <a:lstStyle/>
+              <a:p>
+                <a:r>
+                  <a:rPr lang="ko-KR" altLang="en-US" dirty="0" smtClean="0"/>
+                  <a:t>학습이 완료된 </a:t>
+                </a:r>
+                <a:r>
+                  <a:rPr lang="en-US" altLang="ko-KR" dirty="0" smtClean="0"/>
+                  <a:t>USAD</a:t>
+                </a:r>
+                <a:r>
+                  <a:rPr lang="ko-KR" altLang="en-US" dirty="0" smtClean="0"/>
+                  <a:t>를 사용하여 실제 </a:t>
+                </a:r>
+                <a:r>
+                  <a:rPr lang="en-US" altLang="ko-KR" dirty="0" smtClean="0"/>
+                  <a:t>anomaly detection</a:t>
+                </a:r>
+                <a:r>
+                  <a:rPr lang="ko-KR" altLang="en-US" dirty="0" smtClean="0"/>
+                  <a:t>을 수행하는 과정을 </a:t>
+                </a:r>
+                <a:r>
+                  <a:rPr lang="ko-KR" altLang="en-US" dirty="0" smtClean="0"/>
+                  <a:t>알아보겠습니다</a:t>
+                </a:r>
+                <a:r>
+                  <a:rPr lang="en-US" altLang="ko-KR" dirty="0" smtClean="0"/>
+                  <a:t>. </a:t>
+                </a:r>
+                <a:endParaRPr lang="en-US" altLang="ko-KR" dirty="0" smtClean="0"/>
+              </a:p>
+              <a:p>
+                <a:endParaRPr lang="en-US" altLang="ko-KR" dirty="0" smtClean="0"/>
+              </a:p>
+              <a:p>
+                <a:r>
+                  <a:rPr lang="ko-KR" altLang="en-US" dirty="0" smtClean="0"/>
+                  <a:t>먼저 </a:t>
+                </a:r>
+                <a:r>
+                  <a:rPr lang="en-US" altLang="ko-KR" dirty="0" smtClean="0"/>
+                  <a:t>USAD</a:t>
+                </a:r>
+                <a:r>
+                  <a:rPr lang="ko-KR" altLang="en-US" dirty="0" smtClean="0"/>
+                  <a:t>의 </a:t>
+                </a:r>
+                <a:r>
+                  <a:rPr lang="en-US" altLang="ko-KR" dirty="0" smtClean="0"/>
+                  <a:t>anomaly score </a:t>
+                </a:r>
+                <a:r>
+                  <a:rPr lang="ko-KR" altLang="en-US" dirty="0" smtClean="0"/>
+                  <a:t>산출 공식은 </a:t>
+                </a:r>
+                <a:r>
+                  <a:rPr lang="ko-KR" altLang="en-US" dirty="0" smtClean="0"/>
+                  <a:t>위의 수식과 같습니다</a:t>
+                </a:r>
+                <a:r>
+                  <a:rPr lang="en-US" altLang="ko-KR" dirty="0" smtClean="0"/>
+                  <a:t>.</a:t>
+                </a:r>
+              </a:p>
+              <a:p>
+                <a:endParaRPr lang="en-US" altLang="ko-KR" baseline="0" dirty="0" smtClean="0"/>
+              </a:p>
+              <a:p>
+                <a:r>
+                  <a:rPr lang="en-US" altLang="ko-KR" i="1" dirty="0" smtClean="0"/>
+                  <a:t>hat W</a:t>
+                </a:r>
+                <a:r>
+                  <a:rPr lang="ko-KR" altLang="en-US" dirty="0" smtClean="0"/>
+                  <a:t>은 </a:t>
+                </a:r>
+                <a:r>
+                  <a:rPr lang="en-US" altLang="ko-KR" dirty="0" smtClean="0"/>
+                  <a:t>unseen data, </a:t>
+                </a:r>
+                <a:r>
+                  <a:rPr lang="ko-KR" altLang="en-US" dirty="0" smtClean="0"/>
+                  <a:t>즉 </a:t>
+                </a:r>
+                <a:r>
+                  <a:rPr lang="en-US" altLang="ko-KR" dirty="0" smtClean="0"/>
+                  <a:t>train data</a:t>
+                </a:r>
+                <a:r>
+                  <a:rPr lang="ko-KR" altLang="en-US" dirty="0" smtClean="0"/>
+                  <a:t>에 존재하지 않은 새로운 </a:t>
+                </a:r>
+                <a:r>
+                  <a:rPr lang="en-US" altLang="ko-KR" dirty="0" smtClean="0"/>
+                  <a:t>sequence</a:t>
+                </a:r>
+                <a:r>
+                  <a:rPr lang="ko-KR" altLang="en-US" dirty="0" smtClean="0"/>
+                  <a:t>의 </a:t>
+                </a:r>
+                <a:r>
+                  <a:rPr lang="en-US" altLang="ko-KR" dirty="0" smtClean="0"/>
+                  <a:t>window</a:t>
+                </a:r>
+                <a:r>
+                  <a:rPr lang="ko-KR" altLang="en-US" dirty="0" smtClean="0"/>
+                  <a:t>를 뜻하며 </a:t>
+                </a:r>
+                <a:r>
+                  <a:rPr lang="en-US" altLang="ko-KR" dirty="0" smtClean="0"/>
+                  <a:t>normal</a:t>
+                </a:r>
+                <a:r>
+                  <a:rPr lang="ko-KR" altLang="en-US" dirty="0" smtClean="0"/>
+                  <a:t>과 </a:t>
+                </a:r>
+                <a:r>
+                  <a:rPr lang="en-US" altLang="ko-KR" dirty="0" smtClean="0"/>
+                  <a:t>abnormal</a:t>
+                </a:r>
+                <a:r>
+                  <a:rPr lang="ko-KR" altLang="en-US" dirty="0" smtClean="0"/>
+                  <a:t>이 </a:t>
+                </a:r>
+                <a:r>
+                  <a:rPr lang="ko-KR" altLang="en-US" dirty="0" err="1" smtClean="0"/>
+                  <a:t>혼재되어있습니다</a:t>
+                </a:r>
+                <a:r>
+                  <a:rPr lang="en-US" altLang="ko-KR" dirty="0" smtClean="0"/>
+                  <a:t>.</a:t>
+                </a:r>
+              </a:p>
+              <a:p>
+                <a:endParaRPr lang="en-US" altLang="ko-KR" dirty="0" smtClean="0"/>
+              </a:p>
+              <a:p>
+                <a:r>
+                  <a:rPr lang="en-US" altLang="ko-KR" dirty="0" smtClean="0"/>
+                  <a:t>USAD</a:t>
+                </a:r>
+                <a:r>
+                  <a:rPr lang="ko-KR" altLang="en-US" dirty="0" smtClean="0"/>
+                  <a:t>의 </a:t>
+                </a:r>
+                <a:r>
+                  <a:rPr lang="en-US" altLang="ko-KR" dirty="0" smtClean="0"/>
+                  <a:t>anomaly score</a:t>
+                </a:r>
+                <a:r>
+                  <a:rPr lang="ko-KR" altLang="en-US" dirty="0" smtClean="0"/>
+                  <a:t>는 </a:t>
+                </a:r>
+                <a:r>
+                  <a:rPr lang="en-US" altLang="ko-KR" dirty="0" smtClean="0"/>
+                  <a:t>input</a:t>
+                </a:r>
+                <a:r>
+                  <a:rPr lang="ko-KR" altLang="en-US" dirty="0" smtClean="0"/>
+                  <a:t>과 </a:t>
+                </a:r>
+                <a:r>
+                  <a:rPr lang="en-US" altLang="ko-KR" dirty="0" smtClean="0"/>
+                  <a:t>AE_1</a:t>
+                </a:r>
+                <a:r>
+                  <a:rPr lang="ko-KR" altLang="en-US" dirty="0" smtClean="0"/>
+                  <a:t>의 </a:t>
+                </a:r>
+                <a:r>
+                  <a:rPr lang="en-US" altLang="ko-KR" dirty="0" smtClean="0"/>
+                  <a:t>reconstruction error</a:t>
+                </a:r>
+                <a:r>
+                  <a:rPr lang="ko-KR" altLang="en-US" dirty="0" smtClean="0"/>
+                  <a:t>와 더불어 </a:t>
+                </a:r>
+                <a:r>
+                  <a:rPr lang="ko-KR" altLang="en-US" dirty="0" smtClean="0"/>
+                  <a:t>입력과 가상 데이터에 </a:t>
+                </a:r>
+                <a:r>
+                  <a:rPr lang="ko-KR" altLang="en-US" dirty="0" smtClean="0"/>
+                  <a:t>대한 </a:t>
+                </a:r>
+                <a:r>
+                  <a:rPr lang="en-US" altLang="ko-KR" dirty="0" smtClean="0"/>
+                  <a:t>AE_2</a:t>
+                </a:r>
+                <a:r>
+                  <a:rPr lang="ko-KR" altLang="en-US" dirty="0" smtClean="0"/>
+                  <a:t>의 </a:t>
+                </a:r>
+                <a:r>
+                  <a:rPr lang="en-US" altLang="ko-KR" dirty="0" smtClean="0"/>
+                  <a:t>reconstruction error</a:t>
+                </a:r>
+                <a:r>
+                  <a:rPr lang="ko-KR" altLang="en-US" dirty="0" smtClean="0"/>
+                  <a:t>의 </a:t>
+                </a:r>
+                <a:r>
+                  <a:rPr lang="ko-KR" altLang="en-US" dirty="0" err="1" smtClean="0"/>
+                  <a:t>가중합으로</a:t>
+                </a:r>
+                <a:r>
+                  <a:rPr lang="ko-KR" altLang="en-US" dirty="0" smtClean="0"/>
+                  <a:t> 산출할 수 </a:t>
+                </a:r>
+                <a:r>
+                  <a:rPr lang="ko-KR" altLang="en-US" dirty="0" smtClean="0"/>
+                  <a:t>있습니다</a:t>
+                </a:r>
+                <a:r>
+                  <a:rPr lang="en-US" altLang="ko-KR" dirty="0" smtClean="0"/>
+                  <a:t>.</a:t>
+                </a:r>
+              </a:p>
+              <a:p>
+                <a:endParaRPr lang="en-US" altLang="ko-KR" dirty="0" smtClean="0"/>
+              </a:p>
+              <a:p>
+                <a:r>
+                  <a:rPr lang="en-US" altLang="ko-KR" dirty="0" smtClean="0"/>
+                  <a:t>USAD</a:t>
+                </a:r>
+                <a:r>
+                  <a:rPr lang="ko-KR" altLang="en-US" dirty="0" smtClean="0"/>
+                  <a:t>의 </a:t>
+                </a:r>
+                <a:r>
+                  <a:rPr lang="en-US" altLang="ko-KR" dirty="0" smtClean="0"/>
+                  <a:t>anomaly score</a:t>
+                </a:r>
+                <a:r>
+                  <a:rPr lang="ko-KR" altLang="en-US" dirty="0" smtClean="0"/>
+                  <a:t>는 </a:t>
+                </a:r>
+                <a:r>
+                  <a:rPr lang="ko-KR" altLang="en-US" dirty="0" err="1" smtClean="0"/>
+                  <a:t>뒷</a:t>
+                </a:r>
+                <a:r>
+                  <a:rPr lang="ko-KR" altLang="en-US" dirty="0" smtClean="0"/>
+                  <a:t> </a:t>
+                </a:r>
+                <a:r>
+                  <a:rPr lang="ko-KR" altLang="en-US" dirty="0" smtClean="0"/>
+                  <a:t>항에 </a:t>
+                </a:r>
+                <a:r>
+                  <a:rPr lang="ko-KR" altLang="en-US" dirty="0" smtClean="0"/>
+                  <a:t>해당하는 </a:t>
+                </a:r>
+                <a:r>
+                  <a:rPr lang="ko-KR" altLang="en-US" dirty="0" smtClean="0"/>
+                  <a:t>가상</a:t>
+                </a:r>
+                <a:r>
+                  <a:rPr lang="ko-KR" altLang="en-US" baseline="0" dirty="0" smtClean="0"/>
+                  <a:t> 데이터에</a:t>
+                </a:r>
+                <a:r>
+                  <a:rPr lang="ko-KR" altLang="en-US" dirty="0" smtClean="0"/>
+                  <a:t> </a:t>
+                </a:r>
+                <a:r>
+                  <a:rPr lang="ko-KR" altLang="en-US" dirty="0" smtClean="0"/>
+                  <a:t>대한 </a:t>
+                </a:r>
+                <a:r>
+                  <a:rPr lang="en-US" altLang="ko-KR" dirty="0" smtClean="0"/>
+                  <a:t>AE_2</a:t>
+                </a:r>
+                <a:r>
+                  <a:rPr lang="ko-KR" altLang="en-US" dirty="0" smtClean="0"/>
+                  <a:t>의 </a:t>
+                </a:r>
+                <a:r>
+                  <a:rPr lang="en-US" altLang="ko-KR" dirty="0" smtClean="0"/>
+                  <a:t>reconstruction error</a:t>
+                </a:r>
+                <a:r>
+                  <a:rPr lang="ko-KR" altLang="en-US" dirty="0" smtClean="0"/>
+                  <a:t>를 사용하여 정상과 매우 유사한 분포를 지닌 비정상 데이터가 들어오더라도 이를 탐지할 수 </a:t>
+                </a:r>
+                <a:r>
+                  <a:rPr lang="ko-KR" altLang="en-US" dirty="0" smtClean="0"/>
+                  <a:t>있게 됩니다</a:t>
+                </a:r>
+                <a:r>
+                  <a:rPr lang="en-US" altLang="ko-KR" dirty="0" smtClean="0"/>
+                  <a:t>.</a:t>
+                </a:r>
+              </a:p>
+              <a:p>
+                <a:endParaRPr lang="en-US" altLang="ko-KR" dirty="0" smtClean="0"/>
+              </a:p>
+              <a:p>
+                <a:r>
+                  <a:rPr lang="ko-KR" altLang="en-US" dirty="0" smtClean="0"/>
+                  <a:t>두 가지 </a:t>
+                </a:r>
+                <a:r>
+                  <a:rPr lang="ko-KR" altLang="en-US" dirty="0" smtClean="0"/>
+                  <a:t>항을 </a:t>
+                </a:r>
+                <a:r>
+                  <a:rPr lang="ko-KR" altLang="en-US" dirty="0" smtClean="0"/>
+                  <a:t>결합할 때 사용되는 </a:t>
+                </a:r>
+                <a:r>
+                  <a:rPr lang="en-US" altLang="ko-KR" dirty="0" smtClean="0"/>
+                  <a:t>hyper-parameter</a:t>
+                </a:r>
+                <a:r>
+                  <a:rPr lang="ko-KR" altLang="en-US" dirty="0" smtClean="0"/>
+                  <a:t>인 </a:t>
+                </a:r>
+                <a:r>
+                  <a:rPr lang="en-US" altLang="ko-KR" dirty="0" smtClean="0"/>
+                  <a:t>alpha</a:t>
+                </a:r>
+                <a:r>
+                  <a:rPr lang="ko-KR" altLang="en-US" dirty="0" smtClean="0"/>
+                  <a:t>와 </a:t>
+                </a:r>
+                <a:r>
+                  <a:rPr lang="en-US" altLang="ko-KR" dirty="0" smtClean="0"/>
+                  <a:t>beta </a:t>
+                </a:r>
+                <a:r>
+                  <a:rPr lang="ko-KR" altLang="en-US" dirty="0" smtClean="0"/>
+                  <a:t>합은 </a:t>
+                </a:r>
+                <a:r>
+                  <a:rPr lang="en-US" altLang="ko-KR" dirty="0" smtClean="0"/>
+                  <a:t>1</a:t>
+                </a:r>
+                <a:r>
+                  <a:rPr lang="ko-KR" altLang="en-US" dirty="0" smtClean="0"/>
+                  <a:t>로 설정이 되며 </a:t>
+                </a:r>
+                <a:r>
+                  <a:rPr lang="en-US" altLang="ko-KR" dirty="0" smtClean="0"/>
+                  <a:t>parameter setting</a:t>
+                </a:r>
+                <a:r>
+                  <a:rPr lang="ko-KR" altLang="en-US" dirty="0" smtClean="0"/>
+                  <a:t>에 따라 </a:t>
+                </a:r>
+                <a:r>
+                  <a:rPr lang="ko-KR" altLang="en-US" dirty="0" smtClean="0"/>
+                  <a:t>오른쪽 표와 같은 </a:t>
+                </a:r>
+                <a:r>
+                  <a:rPr lang="ko-KR" altLang="en-US" dirty="0" smtClean="0"/>
+                  <a:t>결과를 얻을 수 </a:t>
+                </a:r>
+                <a:r>
+                  <a:rPr lang="ko-KR" altLang="en-US" dirty="0" smtClean="0"/>
+                  <a:t>있습니다</a:t>
+                </a:r>
+                <a:r>
+                  <a:rPr lang="en-US" altLang="ko-KR" dirty="0" smtClean="0"/>
+                  <a:t>.</a:t>
+                </a:r>
+              </a:p>
+              <a:p>
+                <a:endParaRPr lang="en-US" altLang="ko-KR" baseline="0" dirty="0" smtClean="0"/>
+              </a:p>
+              <a:p>
+                <a:r>
+                  <a:rPr lang="en-US" altLang="ko-KR" dirty="0" smtClean="0"/>
+                  <a:t>beta</a:t>
+                </a:r>
+                <a:r>
+                  <a:rPr lang="ko-KR" altLang="en-US" dirty="0" smtClean="0"/>
+                  <a:t>가 </a:t>
+                </a:r>
+                <a:r>
+                  <a:rPr lang="ko-KR" altLang="en-US" dirty="0" smtClean="0"/>
+                  <a:t>커진다는 것은 정상 분포와 약간만 달라지더라도 큰 </a:t>
+                </a:r>
+                <a:r>
+                  <a:rPr lang="en-US" altLang="ko-KR" dirty="0" smtClean="0"/>
+                  <a:t>anomaly score</a:t>
+                </a:r>
+                <a:r>
+                  <a:rPr lang="ko-KR" altLang="en-US" dirty="0" smtClean="0"/>
+                  <a:t>를 발생시키기 때문에 </a:t>
+                </a:r>
+                <a:r>
+                  <a:rPr lang="en-US" altLang="ko-KR" dirty="0" smtClean="0"/>
+                  <a:t>detection</a:t>
+                </a:r>
+                <a:r>
+                  <a:rPr lang="ko-KR" altLang="en-US" dirty="0" smtClean="0"/>
+                  <a:t>의 횟수는 증가하고</a:t>
+                </a:r>
+                <a:r>
+                  <a:rPr lang="en-US" altLang="ko-KR" dirty="0" smtClean="0"/>
+                  <a:t>, </a:t>
+                </a:r>
+                <a:r>
+                  <a:rPr lang="ko-KR" altLang="en-US" dirty="0" smtClean="0"/>
+                  <a:t>이에 따라 </a:t>
+                </a:r>
+                <a:r>
+                  <a:rPr lang="en-US" altLang="ko-KR" dirty="0" smtClean="0"/>
+                  <a:t>detection sensitivity</a:t>
+                </a:r>
+                <a:r>
+                  <a:rPr lang="ko-KR" altLang="en-US" dirty="0" smtClean="0"/>
+                  <a:t>가 높아지게 </a:t>
+                </a:r>
+                <a:r>
+                  <a:rPr lang="ko-KR" altLang="en-US" dirty="0" smtClean="0"/>
+                  <a:t>됩니다</a:t>
+                </a:r>
+                <a:r>
+                  <a:rPr lang="en-US" altLang="ko-KR" dirty="0" smtClean="0"/>
+                  <a:t>.</a:t>
+                </a:r>
+              </a:p>
+              <a:p>
+                <a:endParaRPr lang="en-US" altLang="ko-KR" dirty="0" smtClean="0"/>
+              </a:p>
+              <a:p>
+                <a:r>
+                  <a:rPr lang="ko-KR" altLang="en-US" dirty="0" smtClean="0"/>
+                  <a:t>반대로 </a:t>
+                </a:r>
+                <a:r>
+                  <a:rPr lang="ko-KR" altLang="en-US" dirty="0" smtClean="0"/>
+                  <a:t>실제 데이터에 </a:t>
+                </a:r>
+                <a:r>
+                  <a:rPr lang="ko-KR" altLang="en-US" dirty="0" smtClean="0"/>
+                  <a:t>대한 </a:t>
+                </a:r>
+                <a:r>
+                  <a:rPr lang="en-US" altLang="ko-KR" dirty="0" smtClean="0"/>
+                  <a:t>reconstruction error</a:t>
+                </a:r>
+                <a:r>
+                  <a:rPr lang="ko-KR" altLang="en-US" dirty="0" smtClean="0"/>
+                  <a:t>를 더욱 크게 반영할 경우 미세한 </a:t>
+                </a:r>
+                <a:r>
+                  <a:rPr lang="en-US" altLang="ko-KR" dirty="0" smtClean="0"/>
+                  <a:t>anomaly detection</a:t>
+                </a:r>
+                <a:r>
+                  <a:rPr lang="ko-KR" altLang="en-US" dirty="0" smtClean="0"/>
+                  <a:t>은 불가하여 </a:t>
+                </a:r>
+                <a:r>
+                  <a:rPr lang="en-US" altLang="ko-KR" dirty="0" smtClean="0"/>
+                  <a:t>detection </a:t>
+                </a:r>
+                <a:r>
+                  <a:rPr lang="ko-KR" altLang="en-US" dirty="0" smtClean="0"/>
+                  <a:t>수는 감소하고 </a:t>
+                </a:r>
+                <a:r>
+                  <a:rPr lang="en-US" altLang="ko-KR" dirty="0" smtClean="0"/>
+                  <a:t>detection sensitivity</a:t>
+                </a:r>
+                <a:r>
+                  <a:rPr lang="ko-KR" altLang="en-US" dirty="0" smtClean="0"/>
+                  <a:t>는 낮아지게 </a:t>
+                </a:r>
+                <a:r>
+                  <a:rPr lang="ko-KR" altLang="en-US" dirty="0" smtClean="0"/>
+                  <a:t>됩니다</a:t>
+                </a:r>
+                <a:r>
+                  <a:rPr lang="en-US" altLang="ko-KR" dirty="0" smtClean="0"/>
+                  <a:t>.</a:t>
+                </a:r>
+              </a:p>
               <a:p>
                 <a:endParaRPr lang="en-US" altLang="ko-KR" baseline="0" dirty="0" smtClean="0"/>
               </a:p>
@@ -4308,8 +8252,8 @@
         </p:nvSpPr>
         <p:spPr>
           <a:xfrm>
-            <a:off x="1441450" y="2061018"/>
-            <a:ext cx="17509473" cy="2800767"/>
+            <a:off x="1441450" y="1907764"/>
+            <a:ext cx="17509473" cy="3046988"/>
           </a:xfrm>
           <a:prstGeom prst="rect">
             <a:avLst/>
@@ -4322,6 +8266,11 @@
           </a:bodyPr>
           <a:lstStyle/>
           <a:p>
+            <a:pPr>
+              <a:lnSpc>
+                <a:spcPct val="150000"/>
+              </a:lnSpc>
+            </a:pPr>
             <a:r>
               <a:rPr lang="en-US" altLang="ko-KR" sz="3200" dirty="0" smtClean="0"/>
               <a:t>5</a:t>
@@ -4614,7 +8563,7 @@
         <p:spPr>
           <a:xfrm>
             <a:off x="1441450" y="5175918"/>
-            <a:ext cx="15156713" cy="2062103"/>
+            <a:ext cx="15618378" cy="2308324"/>
           </a:xfrm>
           <a:prstGeom prst="rect">
             <a:avLst/>
@@ -4627,12 +8576,18 @@
           </a:bodyPr>
           <a:lstStyle/>
           <a:p>
+            <a:pPr>
+              <a:lnSpc>
+                <a:spcPct val="150000"/>
+              </a:lnSpc>
+            </a:pPr>
             <a:r>
               <a:rPr lang="en-US" altLang="ko-KR" sz="3200" dirty="0"/>
               <a:t>Feasibility study : Orange’s dataset</a:t>
             </a:r>
           </a:p>
           <a:p>
+            <a:pPr lvl="1"/>
             <a:r>
               <a:rPr lang="ko-KR" altLang="en-US" sz="2400" dirty="0" smtClean="0"/>
               <a:t>웹</a:t>
@@ -4656,6 +8611,7 @@
             <a:endParaRPr lang="en-US" altLang="ko-KR" sz="2400" dirty="0" smtClean="0"/>
           </a:p>
           <a:p>
+            <a:pPr lvl="1"/>
             <a:r>
               <a:rPr lang="ko-KR" altLang="en-US" sz="2400" dirty="0" smtClean="0"/>
               <a:t>약 </a:t>
@@ -4679,6 +8635,7 @@
             <a:endParaRPr lang="en-US" altLang="ko-KR" sz="2400" dirty="0" smtClean="0"/>
           </a:p>
           <a:p>
+            <a:pPr lvl="1"/>
             <a:r>
               <a:rPr lang="ko-KR" altLang="en-US" sz="2400" dirty="0" smtClean="0"/>
               <a:t>훈련 세트는 회사에 큰 사고가 없는 연속된 날을 선택</a:t>
@@ -4689,6 +8646,7 @@
             </a:r>
           </a:p>
           <a:p>
+            <a:pPr lvl="1"/>
             <a:r>
               <a:rPr lang="ko-KR" altLang="en-US" sz="2400" dirty="0" smtClean="0"/>
               <a:t>테스트 세트는 중요한 기간에 해당하는 </a:t>
@@ -6335,7 +10293,7 @@
         <p:spPr>
           <a:xfrm>
             <a:off x="1289050" y="2017976"/>
-            <a:ext cx="11924290" cy="668388"/>
+            <a:ext cx="12006044" cy="738664"/>
           </a:xfrm>
           <a:prstGeom prst="rect">
             <a:avLst/>
@@ -6356,12 +10314,12 @@
               <a:buChar char="•"/>
             </a:pPr>
             <a:r>
-              <a:rPr lang="ko-KR" altLang="en-US" sz="2800" dirty="0" err="1"/>
-              <a:t>알고리즘별</a:t>
+              <a:rPr lang="ko-KR" altLang="en-US" sz="2800" dirty="0" smtClean="0"/>
+              <a:t>알고리즘 별 </a:t>
             </a:r>
             <a:r>
               <a:rPr lang="ko-KR" altLang="en-US" sz="2800" dirty="0"/>
-              <a:t> 전체 </a:t>
+              <a:t>전체 </a:t>
             </a:r>
             <a:r>
               <a:rPr lang="en-US" altLang="ko-KR" sz="2800" dirty="0"/>
@@ -6652,7 +10610,7 @@
           </p:cNvPicPr>
           <p:nvPr/>
         </p:nvPicPr>
-        <p:blipFill>
+        <p:blipFill rotWithShape="1">
           <a:blip r:embed="rId5">
             <a:extLst>
               <a:ext uri="{28A0092B-C50C-407E-A947-70E740481C1C}">
@@ -6660,14 +10618,13 @@
               </a:ext>
             </a:extLst>
           </a:blip>
-          <a:stretch>
-            <a:fillRect/>
-          </a:stretch>
+          <a:srcRect r="49499"/>
+          <a:stretch/>
         </p:blipFill>
         <p:spPr>
           <a:xfrm>
-            <a:off x="1610924" y="3019011"/>
-            <a:ext cx="16563975" cy="2886075"/>
+            <a:off x="6013450" y="3258251"/>
+            <a:ext cx="8364926" cy="2886075"/>
           </a:xfrm>
           <a:prstGeom prst="rect">
             <a:avLst/>
@@ -6722,6 +10679,35 @@
           </a:p>
         </p:txBody>
       </p:sp>
+      <p:pic>
+        <p:nvPicPr>
+          <p:cNvPr id="8" name="그림 7"/>
+          <p:cNvPicPr>
+            <a:picLocks noChangeAspect="1"/>
+          </p:cNvPicPr>
+          <p:nvPr/>
+        </p:nvPicPr>
+        <p:blipFill rotWithShape="1">
+          <a:blip r:embed="rId5">
+            <a:extLst>
+              <a:ext uri="{28A0092B-C50C-407E-A947-70E740481C1C}">
+                <a14:useLocalDpi xmlns:a14="http://schemas.microsoft.com/office/drawing/2010/main" val="0"/>
+              </a:ext>
+            </a:extLst>
+          </a:blip>
+          <a:srcRect l="50604"/>
+          <a:stretch/>
+        </p:blipFill>
+        <p:spPr>
+          <a:xfrm>
+            <a:off x="6013450" y="6416675"/>
+            <a:ext cx="8181975" cy="2886075"/>
+          </a:xfrm>
+          <a:prstGeom prst="rect">
+            <a:avLst/>
+          </a:prstGeom>
+        </p:spPr>
+      </p:pic>
     </p:spTree>
     <p:extLst>
       <p:ext uri="{BB962C8B-B14F-4D97-AF65-F5344CB8AC3E}">
@@ -7588,7 +11574,7 @@
               <a:rPr lang="en-US" altLang="ko-KR" sz="3600" dirty="0" smtClean="0">
                 <a:latin typeface="나눔고딕OTF ExtraBold"/>
               </a:rPr>
-              <a:t>Pre-view</a:t>
+              <a:t>Background</a:t>
             </a:r>
             <a:endParaRPr lang="ko-KR" altLang="en-US" sz="3600" dirty="0">
               <a:latin typeface="나눔고딕OTF ExtraBold"/>
@@ -9469,6 +13455,192 @@
           </a:p>
         </p:txBody>
       </p:sp>
+      <mc:AlternateContent xmlns:mc="http://schemas.openxmlformats.org/markup-compatibility/2006" xmlns:a14="http://schemas.microsoft.com/office/drawing/2010/main">
+        <mc:Choice Requires="a14">
+          <p:sp>
+            <p:nvSpPr>
+              <p:cNvPr id="4" name="TextBox 3"/>
+              <p:cNvSpPr txBox="1"/>
+              <p:nvPr/>
+            </p:nvSpPr>
+            <p:spPr>
+              <a:xfrm>
+                <a:off x="13176250" y="7023152"/>
+                <a:ext cx="6492226" cy="571438"/>
+              </a:xfrm>
+              <a:prstGeom prst="rect">
+                <a:avLst/>
+              </a:prstGeom>
+              <a:noFill/>
+            </p:spPr>
+            <p:txBody>
+              <a:bodyPr wrap="none" lIns="0" tIns="0" rIns="0" bIns="0" rtlCol="0">
+                <a:spAutoFit/>
+              </a:bodyPr>
+              <a:lstStyle/>
+              <a:p>
+                <a:pPr/>
+                <a14:m>
+                  <m:oMathPara xmlns:m="http://schemas.openxmlformats.org/officeDocument/2006/math">
+                    <m:oMathParaPr>
+                      <m:jc m:val="centerGroup"/>
+                    </m:oMathParaPr>
+                    <m:oMath xmlns:m="http://schemas.openxmlformats.org/officeDocument/2006/math">
+                      <m:r>
+                        <a:rPr lang="en-US" altLang="ko-KR" sz="2800" b="0" i="1" smtClean="0">
+                          <a:latin typeface="Cambria Math" panose="02040503050406030204" pitchFamily="18" charset="0"/>
+                        </a:rPr>
+                        <m:t>𝑅𝑒𝑐𝑜𝑛𝑠𝑡𝑟𝑢𝑐𝑡𝑖𝑜𝑛</m:t>
+                      </m:r>
+                      <m:r>
+                        <a:rPr lang="en-US" altLang="ko-KR" sz="2800" b="0" i="1" smtClean="0">
+                          <a:latin typeface="Cambria Math" panose="02040503050406030204" pitchFamily="18" charset="0"/>
+                        </a:rPr>
+                        <m:t> </m:t>
+                      </m:r>
+                      <m:r>
+                        <a:rPr lang="en-US" altLang="ko-KR" sz="2800" b="0" i="1" smtClean="0">
+                          <a:latin typeface="Cambria Math" panose="02040503050406030204" pitchFamily="18" charset="0"/>
+                        </a:rPr>
+                        <m:t>𝑒𝑟𝑟𝑜𝑟</m:t>
+                      </m:r>
+                      <m:r>
+                        <a:rPr lang="en-US" altLang="ko-KR" sz="2800" i="1" smtClean="0">
+                          <a:latin typeface="Cambria Math" panose="02040503050406030204" pitchFamily="18" charset="0"/>
+                        </a:rPr>
+                        <m:t>=</m:t>
+                      </m:r>
+                      <m:sSup>
+                        <m:sSupPr>
+                          <m:ctrlPr>
+                            <a:rPr lang="en-US" altLang="ko-KR" sz="2800" i="1" smtClean="0">
+                              <a:latin typeface="Cambria Math" panose="02040503050406030204" pitchFamily="18" charset="0"/>
+                            </a:rPr>
+                          </m:ctrlPr>
+                        </m:sSupPr>
+                        <m:e>
+                          <m:d>
+                            <m:dPr>
+                              <m:begChr m:val="‖"/>
+                              <m:endChr m:val="‖"/>
+                              <m:ctrlPr>
+                                <a:rPr lang="en-US" altLang="ko-KR" sz="2800" i="1" smtClean="0">
+                                  <a:latin typeface="Cambria Math" panose="02040503050406030204" pitchFamily="18" charset="0"/>
+                                </a:rPr>
+                              </m:ctrlPr>
+                            </m:dPr>
+                            <m:e>
+                              <m:r>
+                                <a:rPr lang="en-US" altLang="ko-KR" sz="2800" b="0" i="1" smtClean="0">
+                                  <a:latin typeface="Cambria Math" panose="02040503050406030204" pitchFamily="18" charset="0"/>
+                                </a:rPr>
+                                <m:t>𝑥</m:t>
+                              </m:r>
+                              <m:r>
+                                <a:rPr lang="en-US" altLang="ko-KR" sz="2800" b="0" i="1" smtClean="0">
+                                  <a:latin typeface="Cambria Math" panose="02040503050406030204" pitchFamily="18" charset="0"/>
+                                </a:rPr>
+                                <m:t>−</m:t>
+                              </m:r>
+                              <m:r>
+                                <a:rPr lang="en-US" altLang="ko-KR" sz="2800" b="0" i="1" smtClean="0">
+                                  <a:latin typeface="Cambria Math" panose="02040503050406030204" pitchFamily="18" charset="0"/>
+                                </a:rPr>
+                                <m:t>𝐷</m:t>
+                              </m:r>
+                              <m:d>
+                                <m:dPr>
+                                  <m:ctrlPr>
+                                    <a:rPr lang="en-US" altLang="ko-KR" sz="2800" b="0" i="1" smtClean="0">
+                                      <a:latin typeface="Cambria Math" panose="02040503050406030204" pitchFamily="18" charset="0"/>
+                                    </a:rPr>
+                                  </m:ctrlPr>
+                                </m:dPr>
+                                <m:e>
+                                  <m:r>
+                                    <a:rPr lang="en-US" altLang="ko-KR" sz="2800" b="0" i="1" smtClean="0">
+                                      <a:latin typeface="Cambria Math" panose="02040503050406030204" pitchFamily="18" charset="0"/>
+                                    </a:rPr>
+                                    <m:t>𝐸</m:t>
+                                  </m:r>
+                                  <m:d>
+                                    <m:dPr>
+                                      <m:ctrlPr>
+                                        <a:rPr lang="en-US" altLang="ko-KR" sz="2800" b="0" i="1" smtClean="0">
+                                          <a:latin typeface="Cambria Math" panose="02040503050406030204" pitchFamily="18" charset="0"/>
+                                        </a:rPr>
+                                      </m:ctrlPr>
+                                    </m:dPr>
+                                    <m:e>
+                                      <m:r>
+                                        <a:rPr lang="en-US" altLang="ko-KR" sz="2800" b="0" i="1" smtClean="0">
+                                          <a:latin typeface="Cambria Math" panose="02040503050406030204" pitchFamily="18" charset="0"/>
+                                        </a:rPr>
+                                        <m:t>𝑥</m:t>
+                                      </m:r>
+                                    </m:e>
+                                  </m:d>
+                                </m:e>
+                              </m:d>
+                            </m:e>
+                          </m:d>
+                        </m:e>
+                        <m:sup>
+                          <m:r>
+                            <a:rPr lang="en-US" altLang="ko-KR" sz="2800" b="0" i="1" smtClean="0">
+                              <a:latin typeface="Cambria Math" panose="02040503050406030204" pitchFamily="18" charset="0"/>
+                            </a:rPr>
+                            <m:t>2</m:t>
+                          </m:r>
+                        </m:sup>
+                      </m:sSup>
+                    </m:oMath>
+                  </m:oMathPara>
+                </a14:m>
+                <a:endParaRPr lang="ko-KR" altLang="en-US" sz="2800" dirty="0"/>
+              </a:p>
+            </p:txBody>
+          </p:sp>
+        </mc:Choice>
+        <mc:Fallback xmlns="">
+          <p:sp>
+            <p:nvSpPr>
+              <p:cNvPr id="4" name="TextBox 3"/>
+              <p:cNvSpPr txBox="1">
+                <a:spLocks noRot="1" noChangeAspect="1" noMove="1" noResize="1" noEditPoints="1" noAdjustHandles="1" noChangeArrowheads="1" noChangeShapeType="1" noTextEdit="1"/>
+              </p:cNvSpPr>
+              <p:nvPr/>
+            </p:nvSpPr>
+            <p:spPr>
+              <a:xfrm>
+                <a:off x="13176250" y="7023152"/>
+                <a:ext cx="6492226" cy="571438"/>
+              </a:xfrm>
+              <a:prstGeom prst="rect">
+                <a:avLst/>
+              </a:prstGeom>
+              <a:blipFill>
+                <a:blip r:embed="rId8"/>
+                <a:stretch>
+                  <a:fillRect/>
+                </a:stretch>
+              </a:blipFill>
+            </p:spPr>
+            <p:txBody>
+              <a:bodyPr/>
+              <a:lstStyle/>
+              <a:p>
+                <a:r>
+                  <a:rPr lang="ko-KR" altLang="en-US">
+                    <a:noFill/>
+                  </a:rPr>
+                  <a:t> </a:t>
+                </a:r>
+              </a:p>
+            </p:txBody>
+          </p:sp>
+        </mc:Fallback>
+      </mc:AlternateContent>
     </p:spTree>
     <p:extLst>
       <p:ext uri="{BB962C8B-B14F-4D97-AF65-F5344CB8AC3E}">
@@ -13351,8 +17523,8 @@
           </p:sp>
         </mc:Fallback>
       </mc:AlternateContent>
-      <mc:AlternateContent xmlns:mc="http://schemas.openxmlformats.org/markup-compatibility/2006" xmlns:a14="http://schemas.microsoft.com/office/drawing/2010/main">
-        <mc:Choice Requires="a14">
+      <mc:AlternateContent xmlns:mc="http://schemas.openxmlformats.org/markup-compatibility/2006">
+        <mc:Choice xmlns:a14="http://schemas.microsoft.com/office/drawing/2010/main" Requires="a14">
           <p:sp>
             <p:nvSpPr>
               <p:cNvPr id="14" name="TextBox 13"/>
@@ -13362,7 +17534,7 @@
             <p:spPr>
               <a:xfrm>
                 <a:off x="7183170" y="9285660"/>
-                <a:ext cx="4648200" cy="754053"/>
+                <a:ext cx="4773880" cy="737959"/>
               </a:xfrm>
               <a:prstGeom prst="rect">
                 <a:avLst/>
@@ -13401,13 +17573,10 @@
                             </m:limLowPr>
                             <m:e>
                               <m:r>
-                                <m:rPr>
-                                  <m:sty m:val="p"/>
-                                </m:rPr>
-                                <a:rPr lang="en-US" altLang="ko-KR" sz="3200" b="0" i="0" smtClean="0">
+                                <a:rPr lang="en-US" altLang="ko-KR" sz="3200" b="0" i="1" smtClean="0">
                                   <a:latin typeface="Cambria Math" panose="02040503050406030204" pitchFamily="18" charset="0"/>
                                 </a:rPr>
-                                <m:t>min</m:t>
+                                <m:t>𝑚𝑎𝑥</m:t>
                               </m:r>
                             </m:e>
                             <m:lim>
@@ -13572,7 +17741,7 @@
             </p:txBody>
           </p:sp>
         </mc:Choice>
-        <mc:Fallback xmlns="">
+        <mc:Fallback>
           <p:sp>
             <p:nvSpPr>
               <p:cNvPr id="14" name="TextBox 13"/>
@@ -13584,7 +17753,7 @@
             <p:spPr>
               <a:xfrm>
                 <a:off x="7183170" y="9285660"/>
-                <a:ext cx="4648200" cy="754053"/>
+                <a:ext cx="4773880" cy="737959"/>
               </a:xfrm>
               <a:prstGeom prst="rect">
                 <a:avLst/>
@@ -13592,7 +17761,7 @@
               <a:blipFill>
                 <a:blip r:embed="rId8"/>
                 <a:stretch>
-                  <a:fillRect/>
+                  <a:fillRect b="-826"/>
                 </a:stretch>
               </a:blipFill>
             </p:spPr>
@@ -13657,183 +17826,390 @@
             </a:pPr>
             <a:r>
               <a:rPr lang="en-US" altLang="ko-KR" sz="2800" dirty="0" smtClean="0"/>
-              <a:t>1. </a:t>
-            </a:r>
-            <a:r>
-              <a:rPr lang="en-US" altLang="ko-KR" sz="2800" dirty="0" err="1" smtClean="0"/>
-              <a:t>Autoencoder</a:t>
-            </a:r>
-            <a:r>
-              <a:rPr lang="en-US" altLang="ko-KR" sz="2800" dirty="0" smtClean="0"/>
-              <a:t> training</a:t>
+              <a:t>1. Auto encoder training</a:t>
             </a:r>
             <a:endParaRPr lang="ko-KR" altLang="en-US" sz="2800" dirty="0"/>
           </a:p>
         </p:txBody>
       </p:sp>
-      <p:sp>
-        <p:nvSpPr>
-          <p:cNvPr id="21" name="TextBox 20"/>
-          <p:cNvSpPr txBox="1"/>
-          <p:nvPr/>
-        </p:nvSpPr>
-        <p:spPr>
-          <a:xfrm>
-            <a:off x="1289050" y="5204044"/>
-            <a:ext cx="15470389" cy="4616648"/>
-          </a:xfrm>
-          <a:prstGeom prst="rect">
-            <a:avLst/>
-          </a:prstGeom>
-          <a:noFill/>
-        </p:spPr>
-        <p:txBody>
-          <a:bodyPr wrap="none" rtlCol="0">
-            <a:spAutoFit/>
-          </a:bodyPr>
-          <a:lstStyle/>
-          <a:p>
-            <a:pPr lvl="1">
-              <a:lnSpc>
-                <a:spcPct val="150000"/>
-              </a:lnSpc>
-            </a:pPr>
-            <a:r>
-              <a:rPr lang="en-US" altLang="ko-KR" sz="2800" dirty="0" smtClean="0"/>
-              <a:t>2. Adversarial training</a:t>
-            </a:r>
-          </a:p>
-          <a:p>
-            <a:pPr marL="1200150" lvl="2" indent="-285750">
-              <a:lnSpc>
-                <a:spcPct val="150000"/>
-              </a:lnSpc>
-              <a:buFont typeface="Arial" panose="020B0604020202020204" pitchFamily="34" charset="0"/>
-              <a:buChar char="•"/>
-            </a:pPr>
-            <a:r>
-              <a:rPr lang="en-US" altLang="ko-KR" sz="2800" dirty="0"/>
-              <a:t>Train </a:t>
-            </a:r>
-            <a:r>
-              <a:rPr lang="ko-KR" altLang="en-US" sz="2800" dirty="0"/>
-              <a:t>𝐴𝐸</a:t>
-            </a:r>
-            <a:r>
-              <a:rPr lang="en-US" altLang="ko-KR" sz="2800" dirty="0"/>
-              <a:t>2 to distinguish the real data from the data coming from </a:t>
-            </a:r>
-            <a:r>
-              <a:rPr lang="ko-KR" altLang="en-US" sz="2800" dirty="0"/>
-              <a:t>𝐴𝐸</a:t>
-            </a:r>
-            <a:r>
-              <a:rPr lang="en-US" altLang="ko-KR" sz="2800" dirty="0"/>
-              <a:t>1, and train </a:t>
-            </a:r>
-            <a:r>
-              <a:rPr lang="ko-KR" altLang="en-US" sz="2800" dirty="0"/>
-              <a:t>𝐴𝐸</a:t>
-            </a:r>
-            <a:r>
-              <a:rPr lang="en-US" altLang="ko-KR" sz="2800" dirty="0"/>
-              <a:t>1 to fool </a:t>
-            </a:r>
-            <a:r>
-              <a:rPr lang="ko-KR" altLang="en-US" sz="2800" dirty="0"/>
-              <a:t>𝐴𝐸</a:t>
-            </a:r>
-            <a:r>
-              <a:rPr lang="en-US" altLang="ko-KR" sz="2800" dirty="0" smtClean="0"/>
-              <a:t>2</a:t>
-            </a:r>
-          </a:p>
-          <a:p>
-            <a:pPr marL="1200150" lvl="2" indent="-285750">
-              <a:lnSpc>
-                <a:spcPct val="150000"/>
-              </a:lnSpc>
-              <a:buFont typeface="Arial" panose="020B0604020202020204" pitchFamily="34" charset="0"/>
-              <a:buChar char="•"/>
-            </a:pPr>
-            <a:r>
-              <a:rPr lang="en-US" altLang="ko-KR" sz="2800" dirty="0"/>
-              <a:t>The objective of </a:t>
-            </a:r>
-            <a:r>
-              <a:rPr lang="ko-KR" altLang="en-US" sz="2800" dirty="0"/>
-              <a:t>𝐴𝐸</a:t>
-            </a:r>
-            <a:r>
-              <a:rPr lang="en-US" altLang="ko-KR" sz="2800" dirty="0"/>
-              <a:t>1 is to minimize the difference between W and the output of </a:t>
-            </a:r>
-            <a:r>
-              <a:rPr lang="ko-KR" altLang="en-US" sz="2800" dirty="0"/>
-              <a:t>𝐴𝐸</a:t>
-            </a:r>
-            <a:r>
-              <a:rPr lang="en-US" altLang="ko-KR" sz="2800" dirty="0" smtClean="0"/>
-              <a:t>2</a:t>
-            </a:r>
-          </a:p>
-          <a:p>
-            <a:pPr marL="285750" indent="-285750">
-              <a:lnSpc>
-                <a:spcPct val="150000"/>
-              </a:lnSpc>
-              <a:buFont typeface="Arial" panose="020B0604020202020204" pitchFamily="34" charset="0"/>
-              <a:buChar char="•"/>
-            </a:pPr>
-            <a:endParaRPr lang="en-US" altLang="ko-KR" sz="2800" dirty="0" smtClean="0"/>
-          </a:p>
-          <a:p>
-            <a:pPr marL="285750" indent="-285750">
-              <a:lnSpc>
-                <a:spcPct val="150000"/>
-              </a:lnSpc>
-              <a:buFont typeface="Arial" panose="020B0604020202020204" pitchFamily="34" charset="0"/>
-              <a:buChar char="•"/>
-            </a:pPr>
-            <a:endParaRPr lang="en-US" altLang="ko-KR" sz="2800" dirty="0"/>
-          </a:p>
-          <a:p>
-            <a:pPr marL="1200150" lvl="2" indent="-285750">
-              <a:lnSpc>
-                <a:spcPct val="150000"/>
-              </a:lnSpc>
-              <a:buFont typeface="Arial" panose="020B0604020202020204" pitchFamily="34" charset="0"/>
-              <a:buChar char="•"/>
-            </a:pPr>
-            <a:r>
-              <a:rPr lang="en-US" altLang="ko-KR" sz="2800" dirty="0" smtClean="0"/>
-              <a:t>The </a:t>
-            </a:r>
-            <a:r>
-              <a:rPr lang="en-US" altLang="ko-KR" sz="2800" dirty="0"/>
-              <a:t>objective of </a:t>
-            </a:r>
-            <a:r>
-              <a:rPr lang="ko-KR" altLang="en-US" sz="2800" dirty="0"/>
-              <a:t>𝐴𝐸</a:t>
-            </a:r>
-            <a:r>
-              <a:rPr lang="en-US" altLang="ko-KR" sz="2800" dirty="0"/>
-              <a:t>2 is to maximize this difference</a:t>
-            </a:r>
-          </a:p>
-          <a:p>
-            <a:pPr marL="285750" indent="-285750">
-              <a:lnSpc>
-                <a:spcPct val="150000"/>
-              </a:lnSpc>
-              <a:buFont typeface="Arial" panose="020B0604020202020204" pitchFamily="34" charset="0"/>
-              <a:buChar char="•"/>
-            </a:pPr>
-            <a:endParaRPr lang="en-US" altLang="ko-KR" sz="2800" dirty="0"/>
-          </a:p>
-        </p:txBody>
-      </p:sp>
+      <mc:AlternateContent xmlns:mc="http://schemas.openxmlformats.org/markup-compatibility/2006" xmlns:a14="http://schemas.microsoft.com/office/drawing/2010/main">
+        <mc:Choice Requires="a14">
+          <p:sp>
+            <p:nvSpPr>
+              <p:cNvPr id="21" name="TextBox 20"/>
+              <p:cNvSpPr txBox="1"/>
+              <p:nvPr/>
+            </p:nvSpPr>
+            <p:spPr>
+              <a:xfrm>
+                <a:off x="1289050" y="5204044"/>
+                <a:ext cx="15581381" cy="4616648"/>
+              </a:xfrm>
+              <a:prstGeom prst="rect">
+                <a:avLst/>
+              </a:prstGeom>
+              <a:noFill/>
+            </p:spPr>
+            <p:txBody>
+              <a:bodyPr wrap="none" rtlCol="0">
+                <a:spAutoFit/>
+              </a:bodyPr>
+              <a:lstStyle/>
+              <a:p>
+                <a:pPr lvl="1">
+                  <a:lnSpc>
+                    <a:spcPct val="150000"/>
+                  </a:lnSpc>
+                </a:pPr>
+                <a:r>
+                  <a:rPr lang="en-US" altLang="ko-KR" sz="2800" dirty="0" smtClean="0"/>
+                  <a:t>2. Adversarial training</a:t>
+                </a:r>
+              </a:p>
+              <a:p>
+                <a:pPr marL="1200150" lvl="2" indent="-285750">
+                  <a:lnSpc>
+                    <a:spcPct val="150000"/>
+                  </a:lnSpc>
+                  <a:buFont typeface="Arial" panose="020B0604020202020204" pitchFamily="34" charset="0"/>
+                  <a:buChar char="•"/>
+                </a:pPr>
+                <a:r>
+                  <a:rPr lang="en-US" altLang="ko-KR" sz="2800" dirty="0" smtClean="0"/>
+                  <a:t>Train </a:t>
+                </a:r>
+                <a14:m>
+                  <m:oMath xmlns:m="http://schemas.openxmlformats.org/officeDocument/2006/math">
+                    <m:sSub>
+                      <m:sSubPr>
+                        <m:ctrlPr>
+                          <a:rPr lang="en-US" altLang="ko-KR" sz="2800" i="1" smtClean="0">
+                            <a:latin typeface="Cambria Math" panose="02040503050406030204" pitchFamily="18" charset="0"/>
+                          </a:rPr>
+                        </m:ctrlPr>
+                      </m:sSubPr>
+                      <m:e>
+                        <m:r>
+                          <a:rPr lang="en-US" altLang="ko-KR" sz="2800" b="0" i="1" smtClean="0">
+                            <a:latin typeface="Cambria Math" panose="02040503050406030204" pitchFamily="18" charset="0"/>
+                          </a:rPr>
+                          <m:t>𝐴𝐸</m:t>
+                        </m:r>
+                      </m:e>
+                      <m:sub>
+                        <m:r>
+                          <a:rPr lang="en-US" altLang="ko-KR" sz="2800" b="0" i="1" smtClean="0">
+                            <a:latin typeface="Cambria Math" panose="02040503050406030204" pitchFamily="18" charset="0"/>
+                          </a:rPr>
+                          <m:t>2</m:t>
+                        </m:r>
+                      </m:sub>
+                    </m:sSub>
+                  </m:oMath>
+                </a14:m>
+                <a:r>
+                  <a:rPr lang="en-US" altLang="ko-KR" sz="2800" dirty="0" smtClean="0"/>
+                  <a:t>to distinguish the real data from the data coming from </a:t>
+                </a:r>
+                <a14:m>
+                  <m:oMath xmlns:m="http://schemas.openxmlformats.org/officeDocument/2006/math">
+                    <m:sSub>
+                      <m:sSubPr>
+                        <m:ctrlPr>
+                          <a:rPr lang="en-US" altLang="ko-KR" sz="2800" i="1">
+                            <a:latin typeface="Cambria Math" panose="02040503050406030204" pitchFamily="18" charset="0"/>
+                          </a:rPr>
+                        </m:ctrlPr>
+                      </m:sSubPr>
+                      <m:e>
+                        <m:r>
+                          <a:rPr lang="en-US" altLang="ko-KR" sz="2800" i="1">
+                            <a:latin typeface="Cambria Math" panose="02040503050406030204" pitchFamily="18" charset="0"/>
+                          </a:rPr>
+                          <m:t>𝐴𝐸</m:t>
+                        </m:r>
+                      </m:e>
+                      <m:sub>
+                        <m:r>
+                          <a:rPr lang="en-US" altLang="ko-KR" sz="2800" i="1">
+                            <a:latin typeface="Cambria Math" panose="02040503050406030204" pitchFamily="18" charset="0"/>
+                          </a:rPr>
+                          <m:t>1</m:t>
+                        </m:r>
+                      </m:sub>
+                    </m:sSub>
+                  </m:oMath>
+                </a14:m>
+                <a:r>
+                  <a:rPr lang="en-US" altLang="ko-KR" sz="2800" dirty="0" smtClean="0"/>
+                  <a:t>, and train </a:t>
+                </a:r>
+                <a14:m>
+                  <m:oMath xmlns:m="http://schemas.openxmlformats.org/officeDocument/2006/math">
+                    <m:sSub>
+                      <m:sSubPr>
+                        <m:ctrlPr>
+                          <a:rPr lang="en-US" altLang="ko-KR" sz="2800" i="1">
+                            <a:latin typeface="Cambria Math" panose="02040503050406030204" pitchFamily="18" charset="0"/>
+                          </a:rPr>
+                        </m:ctrlPr>
+                      </m:sSubPr>
+                      <m:e>
+                        <m:r>
+                          <a:rPr lang="en-US" altLang="ko-KR" sz="2800" i="1">
+                            <a:latin typeface="Cambria Math" panose="02040503050406030204" pitchFamily="18" charset="0"/>
+                          </a:rPr>
+                          <m:t>𝐴𝐸</m:t>
+                        </m:r>
+                      </m:e>
+                      <m:sub>
+                        <m:r>
+                          <a:rPr lang="en-US" altLang="ko-KR" sz="2800" i="1">
+                            <a:latin typeface="Cambria Math" panose="02040503050406030204" pitchFamily="18" charset="0"/>
+                          </a:rPr>
+                          <m:t>1</m:t>
+                        </m:r>
+                      </m:sub>
+                    </m:sSub>
+                  </m:oMath>
+                </a14:m>
+                <a:r>
+                  <a:rPr lang="en-US" altLang="ko-KR" sz="2800" dirty="0" smtClean="0"/>
+                  <a:t> to fool </a:t>
+                </a:r>
+                <a14:m>
+                  <m:oMath xmlns:m="http://schemas.openxmlformats.org/officeDocument/2006/math">
+                    <m:sSub>
+                      <m:sSubPr>
+                        <m:ctrlPr>
+                          <a:rPr lang="en-US" altLang="ko-KR" sz="2800" i="1">
+                            <a:latin typeface="Cambria Math" panose="02040503050406030204" pitchFamily="18" charset="0"/>
+                          </a:rPr>
+                        </m:ctrlPr>
+                      </m:sSubPr>
+                      <m:e>
+                        <m:r>
+                          <a:rPr lang="en-US" altLang="ko-KR" sz="2800" i="1">
+                            <a:latin typeface="Cambria Math" panose="02040503050406030204" pitchFamily="18" charset="0"/>
+                          </a:rPr>
+                          <m:t>𝐴𝐸</m:t>
+                        </m:r>
+                      </m:e>
+                      <m:sub>
+                        <m:r>
+                          <a:rPr lang="en-US" altLang="ko-KR" sz="2800" i="1">
+                            <a:latin typeface="Cambria Math" panose="02040503050406030204" pitchFamily="18" charset="0"/>
+                          </a:rPr>
+                          <m:t>2</m:t>
+                        </m:r>
+                      </m:sub>
+                    </m:sSub>
+                  </m:oMath>
+                </a14:m>
+                <a:endParaRPr lang="en-US" altLang="ko-KR" sz="2800" dirty="0" smtClean="0"/>
+              </a:p>
+              <a:p>
+                <a:pPr marL="1200150" lvl="2" indent="-285750">
+                  <a:lnSpc>
+                    <a:spcPct val="150000"/>
+                  </a:lnSpc>
+                  <a:buFont typeface="Arial" panose="020B0604020202020204" pitchFamily="34" charset="0"/>
+                  <a:buChar char="•"/>
+                </a:pPr>
+                <a:r>
+                  <a:rPr lang="en-US" altLang="ko-KR" sz="2800" dirty="0" smtClean="0"/>
+                  <a:t>The </a:t>
+                </a:r>
+                <a:r>
+                  <a:rPr lang="en-US" altLang="ko-KR" sz="2800" dirty="0"/>
+                  <a:t>objective of </a:t>
+                </a:r>
+                <a14:m>
+                  <m:oMath xmlns:m="http://schemas.openxmlformats.org/officeDocument/2006/math">
+                    <m:sSub>
+                      <m:sSubPr>
+                        <m:ctrlPr>
+                          <a:rPr lang="en-US" altLang="ko-KR" sz="2800" i="1">
+                            <a:latin typeface="Cambria Math" panose="02040503050406030204" pitchFamily="18" charset="0"/>
+                          </a:rPr>
+                        </m:ctrlPr>
+                      </m:sSubPr>
+                      <m:e>
+                        <m:r>
+                          <a:rPr lang="en-US" altLang="ko-KR" sz="2800" i="1">
+                            <a:latin typeface="Cambria Math" panose="02040503050406030204" pitchFamily="18" charset="0"/>
+                          </a:rPr>
+                          <m:t>𝐴𝐸</m:t>
+                        </m:r>
+                      </m:e>
+                      <m:sub>
+                        <m:r>
+                          <a:rPr lang="en-US" altLang="ko-KR" sz="2800" b="0" i="1" smtClean="0">
+                            <a:latin typeface="Cambria Math" panose="02040503050406030204" pitchFamily="18" charset="0"/>
+                          </a:rPr>
+                          <m:t>1</m:t>
+                        </m:r>
+                      </m:sub>
+                    </m:sSub>
+                  </m:oMath>
+                </a14:m>
+                <a:r>
+                  <a:rPr lang="en-US" altLang="ko-KR" sz="2800" dirty="0"/>
+                  <a:t> is to minimize the difference between W and the output of </a:t>
+                </a:r>
+                <a14:m>
+                  <m:oMath xmlns:m="http://schemas.openxmlformats.org/officeDocument/2006/math">
+                    <m:sSub>
+                      <m:sSubPr>
+                        <m:ctrlPr>
+                          <a:rPr lang="en-US" altLang="ko-KR" sz="2800" i="1">
+                            <a:latin typeface="Cambria Math" panose="02040503050406030204" pitchFamily="18" charset="0"/>
+                          </a:rPr>
+                        </m:ctrlPr>
+                      </m:sSubPr>
+                      <m:e>
+                        <m:r>
+                          <a:rPr lang="en-US" altLang="ko-KR" sz="2800" i="1">
+                            <a:latin typeface="Cambria Math" panose="02040503050406030204" pitchFamily="18" charset="0"/>
+                          </a:rPr>
+                          <m:t>𝐴𝐸</m:t>
+                        </m:r>
+                      </m:e>
+                      <m:sub>
+                        <m:r>
+                          <a:rPr lang="en-US" altLang="ko-KR" sz="2800" i="1">
+                            <a:latin typeface="Cambria Math" panose="02040503050406030204" pitchFamily="18" charset="0"/>
+                          </a:rPr>
+                          <m:t>2</m:t>
+                        </m:r>
+                      </m:sub>
+                    </m:sSub>
+                  </m:oMath>
+                </a14:m>
+                <a:endParaRPr lang="en-US" altLang="ko-KR" sz="2800" dirty="0" smtClean="0"/>
+              </a:p>
+              <a:p>
+                <a:pPr marL="285750" indent="-285750">
+                  <a:lnSpc>
+                    <a:spcPct val="150000"/>
+                  </a:lnSpc>
+                  <a:buFont typeface="Arial" panose="020B0604020202020204" pitchFamily="34" charset="0"/>
+                  <a:buChar char="•"/>
+                </a:pPr>
+                <a:endParaRPr lang="en-US" altLang="ko-KR" sz="2800" dirty="0" smtClean="0"/>
+              </a:p>
+              <a:p>
+                <a:pPr marL="285750" indent="-285750">
+                  <a:lnSpc>
+                    <a:spcPct val="150000"/>
+                  </a:lnSpc>
+                  <a:buFont typeface="Arial" panose="020B0604020202020204" pitchFamily="34" charset="0"/>
+                  <a:buChar char="•"/>
+                </a:pPr>
+                <a:endParaRPr lang="en-US" altLang="ko-KR" sz="2800" dirty="0"/>
+              </a:p>
+              <a:p>
+                <a:pPr marL="1200150" lvl="2" indent="-285750">
+                  <a:lnSpc>
+                    <a:spcPct val="150000"/>
+                  </a:lnSpc>
+                  <a:buFont typeface="Arial" panose="020B0604020202020204" pitchFamily="34" charset="0"/>
+                  <a:buChar char="•"/>
+                </a:pPr>
+                <a:r>
+                  <a:rPr lang="en-US" altLang="ko-KR" sz="2800" dirty="0" smtClean="0"/>
+                  <a:t>The </a:t>
+                </a:r>
+                <a:r>
+                  <a:rPr lang="en-US" altLang="ko-KR" sz="2800" dirty="0"/>
+                  <a:t>objective of </a:t>
+                </a:r>
+                <a14:m>
+                  <m:oMath xmlns:m="http://schemas.openxmlformats.org/officeDocument/2006/math">
+                    <m:sSub>
+                      <m:sSubPr>
+                        <m:ctrlPr>
+                          <a:rPr lang="en-US" altLang="ko-KR" sz="2800" i="1">
+                            <a:latin typeface="Cambria Math" panose="02040503050406030204" pitchFamily="18" charset="0"/>
+                          </a:rPr>
+                        </m:ctrlPr>
+                      </m:sSubPr>
+                      <m:e>
+                        <m:r>
+                          <a:rPr lang="en-US" altLang="ko-KR" sz="2800" i="1">
+                            <a:latin typeface="Cambria Math" panose="02040503050406030204" pitchFamily="18" charset="0"/>
+                          </a:rPr>
+                          <m:t>𝐴𝐸</m:t>
+                        </m:r>
+                      </m:e>
+                      <m:sub>
+                        <m:r>
+                          <a:rPr lang="en-US" altLang="ko-KR" sz="2800" i="1">
+                            <a:latin typeface="Cambria Math" panose="02040503050406030204" pitchFamily="18" charset="0"/>
+                          </a:rPr>
+                          <m:t>2</m:t>
+                        </m:r>
+                      </m:sub>
+                    </m:sSub>
+                  </m:oMath>
+                </a14:m>
+                <a:r>
+                  <a:rPr lang="en-US" altLang="ko-KR" sz="2800" dirty="0"/>
+                  <a:t> is to maximize this difference</a:t>
+                </a:r>
+              </a:p>
+              <a:p>
+                <a:pPr marL="285750" indent="-285750">
+                  <a:lnSpc>
+                    <a:spcPct val="150000"/>
+                  </a:lnSpc>
+                  <a:buFont typeface="Arial" panose="020B0604020202020204" pitchFamily="34" charset="0"/>
+                  <a:buChar char="•"/>
+                </a:pPr>
+                <a:endParaRPr lang="en-US" altLang="ko-KR" sz="2800" dirty="0"/>
+              </a:p>
+            </p:txBody>
+          </p:sp>
+        </mc:Choice>
+        <mc:Fallback xmlns="">
+          <p:sp>
+            <p:nvSpPr>
+              <p:cNvPr id="21" name="TextBox 20"/>
+              <p:cNvSpPr txBox="1">
+                <a:spLocks noRot="1" noChangeAspect="1" noMove="1" noResize="1" noEditPoints="1" noAdjustHandles="1" noChangeArrowheads="1" noChangeShapeType="1" noTextEdit="1"/>
+              </p:cNvSpPr>
+              <p:nvPr/>
+            </p:nvSpPr>
+            <p:spPr>
+              <a:xfrm>
+                <a:off x="1289050" y="5204044"/>
+                <a:ext cx="15581381" cy="4616648"/>
+              </a:xfrm>
+              <a:prstGeom prst="rect">
+                <a:avLst/>
+              </a:prstGeom>
+              <a:blipFill>
+                <a:blip r:embed="rId9"/>
+                <a:stretch>
+                  <a:fillRect/>
+                </a:stretch>
+              </a:blipFill>
+            </p:spPr>
+            <p:txBody>
+              <a:bodyPr/>
+              <a:lstStyle/>
+              <a:p>
+                <a:r>
+                  <a:rPr lang="ko-KR" altLang="en-US">
+                    <a:noFill/>
+                  </a:rPr>
+                  <a:t> </a:t>
+                </a:r>
+              </a:p>
+            </p:txBody>
+          </p:sp>
+        </mc:Fallback>
+      </mc:AlternateContent>
     </p:spTree>
     <p:extLst>
       <p:ext uri="{BB962C8B-B14F-4D97-AF65-F5344CB8AC3E}">
@@ -14451,8 +18827,8 @@
           </p:sp>
         </mc:Fallback>
       </mc:AlternateContent>
-      <mc:AlternateContent xmlns:mc="http://schemas.openxmlformats.org/markup-compatibility/2006" xmlns:a14="http://schemas.microsoft.com/office/drawing/2010/main">
-        <mc:Choice Requires="a14">
+      <mc:AlternateContent xmlns:mc="http://schemas.openxmlformats.org/markup-compatibility/2006">
+        <mc:Choice xmlns:a14="http://schemas.microsoft.com/office/drawing/2010/main" Requires="a14">
           <p:sp>
             <p:nvSpPr>
               <p:cNvPr id="7" name="TextBox 6"/>
@@ -14647,7 +19023,7 @@
                         <a:rPr lang="en-US" altLang="ko-KR" sz="3200" b="0" i="1" smtClean="0">
                           <a:latin typeface="Cambria Math" panose="02040503050406030204" pitchFamily="18" charset="0"/>
                         </a:rPr>
-                        <m:t>+</m:t>
+                        <m:t>−</m:t>
                       </m:r>
                       <m:d>
                         <m:dPr>
@@ -14821,7 +19197,7 @@
             </p:txBody>
           </p:sp>
         </mc:Choice>
-        <mc:Fallback xmlns="">
+        <mc:Fallback>
           <p:sp>
             <p:nvSpPr>
               <p:cNvPr id="7" name="TextBox 6"/>
@@ -15429,281 +19805,503 @@
           </p:sp>
         </mc:Fallback>
       </mc:AlternateContent>
-      <p:sp>
-        <p:nvSpPr>
-          <p:cNvPr id="38" name="TextBox 37"/>
-          <p:cNvSpPr txBox="1"/>
-          <p:nvPr/>
-        </p:nvSpPr>
-        <p:spPr>
-          <a:xfrm>
-            <a:off x="1303082" y="6662565"/>
-            <a:ext cx="17674454" cy="3323987"/>
-          </a:xfrm>
-          <a:prstGeom prst="rect">
-            <a:avLst/>
-          </a:prstGeom>
-          <a:noFill/>
-        </p:spPr>
-        <p:txBody>
-          <a:bodyPr wrap="none" rtlCol="0">
-            <a:spAutoFit/>
-          </a:bodyPr>
-          <a:lstStyle/>
-          <a:p>
-            <a:pPr marL="285750" indent="-285750">
-              <a:lnSpc>
-                <a:spcPct val="150000"/>
-              </a:lnSpc>
-              <a:buFont typeface="Arial" panose="020B0604020202020204" pitchFamily="34" charset="0"/>
-              <a:buChar char="•"/>
-            </a:pPr>
-            <a:r>
-              <a:rPr lang="ko-KR" altLang="en-US" sz="2800" dirty="0"/>
-              <a:t>𝐴𝐸</a:t>
-            </a:r>
-            <a:r>
-              <a:rPr lang="en-US" altLang="ko-KR" sz="2800" dirty="0"/>
-              <a:t>1</a:t>
-            </a:r>
-            <a:r>
-              <a:rPr lang="ko-KR" altLang="en-US" sz="2800" dirty="0"/>
-              <a:t>의 경우 </a:t>
-            </a:r>
-            <a:r>
-              <a:rPr lang="en-US" altLang="ko-KR" sz="2800" dirty="0"/>
-              <a:t>real</a:t>
-            </a:r>
-            <a:r>
-              <a:rPr lang="ko-KR" altLang="en-US" sz="2800" dirty="0"/>
-              <a:t>에 대한 </a:t>
-            </a:r>
-            <a:r>
-              <a:rPr lang="en-US" altLang="ko-KR" sz="2800" dirty="0"/>
-              <a:t>reconstruction error</a:t>
-            </a:r>
-            <a:r>
-              <a:rPr lang="ko-KR" altLang="en-US" sz="2800" dirty="0"/>
-              <a:t>와 </a:t>
-            </a:r>
-            <a:r>
-              <a:rPr lang="en-US" altLang="ko-KR" sz="2800" dirty="0"/>
-              <a:t>fake</a:t>
-            </a:r>
-            <a:r>
-              <a:rPr lang="ko-KR" altLang="en-US" sz="2800" dirty="0"/>
-              <a:t>에 대한 𝐴𝐸</a:t>
-            </a:r>
-            <a:r>
-              <a:rPr lang="en-US" altLang="ko-KR" sz="2800" dirty="0"/>
-              <a:t>2</a:t>
-            </a:r>
-            <a:r>
-              <a:rPr lang="ko-KR" altLang="en-US" sz="2800" dirty="0"/>
-              <a:t>의 </a:t>
-            </a:r>
-            <a:r>
-              <a:rPr lang="en-US" altLang="ko-KR" sz="2800" dirty="0"/>
-              <a:t>reconstruction error </a:t>
-            </a:r>
-            <a:r>
-              <a:rPr lang="ko-KR" altLang="en-US" sz="2800" dirty="0"/>
-              <a:t>둘 모두 최소일 때 </a:t>
-            </a:r>
-            <a:r>
-              <a:rPr lang="ko-KR" altLang="en-US" sz="2800" dirty="0" smtClean="0"/>
-              <a:t>최소</a:t>
-            </a:r>
-            <a:endParaRPr lang="en-US" altLang="ko-KR" sz="2800" dirty="0" smtClean="0"/>
-          </a:p>
-          <a:p>
-            <a:pPr marL="285750" indent="-285750">
-              <a:lnSpc>
-                <a:spcPct val="150000"/>
-              </a:lnSpc>
-              <a:buFont typeface="Arial" panose="020B0604020202020204" pitchFamily="34" charset="0"/>
-              <a:buChar char="•"/>
-            </a:pPr>
-            <a:r>
-              <a:rPr lang="ko-KR" altLang="en-US" sz="2800" dirty="0" smtClean="0"/>
-              <a:t>𝐴𝐸</a:t>
-            </a:r>
-            <a:r>
-              <a:rPr lang="en-US" altLang="ko-KR" sz="2800" dirty="0"/>
-              <a:t>2</a:t>
-            </a:r>
-            <a:r>
-              <a:rPr lang="ko-KR" altLang="en-US" sz="2800" dirty="0"/>
-              <a:t>의 경우 </a:t>
-            </a:r>
-            <a:r>
-              <a:rPr lang="en-US" altLang="ko-KR" sz="2800" dirty="0"/>
-              <a:t>real</a:t>
-            </a:r>
-            <a:r>
-              <a:rPr lang="ko-KR" altLang="en-US" sz="2800" dirty="0"/>
-              <a:t>에 대한 </a:t>
-            </a:r>
-            <a:r>
-              <a:rPr lang="en-US" altLang="ko-KR" sz="2800" dirty="0"/>
-              <a:t>reconstruction error</a:t>
-            </a:r>
-            <a:r>
-              <a:rPr lang="ko-KR" altLang="en-US" sz="2800" dirty="0"/>
-              <a:t>가 최소이고 </a:t>
-            </a:r>
-            <a:r>
-              <a:rPr lang="en-US" altLang="ko-KR" sz="2800" dirty="0"/>
-              <a:t>fake</a:t>
-            </a:r>
-            <a:r>
-              <a:rPr lang="ko-KR" altLang="en-US" sz="2800" dirty="0"/>
-              <a:t>에 대한 𝐴𝐸</a:t>
-            </a:r>
-            <a:r>
-              <a:rPr lang="en-US" altLang="ko-KR" sz="2800" dirty="0"/>
-              <a:t>2</a:t>
-            </a:r>
-            <a:r>
-              <a:rPr lang="ko-KR" altLang="en-US" sz="2800" dirty="0"/>
-              <a:t>의 </a:t>
-            </a:r>
-            <a:r>
-              <a:rPr lang="en-US" altLang="ko-KR" sz="2800" dirty="0"/>
-              <a:t>reconstruction error</a:t>
-            </a:r>
-            <a:r>
-              <a:rPr lang="ko-KR" altLang="en-US" sz="2800" dirty="0"/>
-              <a:t>가 최대일 때 최소</a:t>
-            </a:r>
-          </a:p>
-          <a:p>
-            <a:pPr marL="285750" indent="-285750">
-              <a:lnSpc>
-                <a:spcPct val="150000"/>
-              </a:lnSpc>
-              <a:buFont typeface="Arial" panose="020B0604020202020204" pitchFamily="34" charset="0"/>
-              <a:buChar char="•"/>
-            </a:pPr>
-            <a:r>
-              <a:rPr lang="ko-KR" altLang="en-US" sz="2800" dirty="0" smtClean="0"/>
-              <a:t>정리하면 </a:t>
-            </a:r>
-            <a:r>
-              <a:rPr lang="ko-KR" altLang="en-US" sz="2800" dirty="0"/>
-              <a:t>𝐴𝐸</a:t>
-            </a:r>
-            <a:r>
-              <a:rPr lang="en-US" altLang="ko-KR" sz="2800" dirty="0"/>
-              <a:t>1</a:t>
-            </a:r>
-            <a:r>
-              <a:rPr lang="ko-KR" altLang="en-US" sz="2800" dirty="0"/>
-              <a:t>는 𝐴𝐸</a:t>
-            </a:r>
-            <a:r>
-              <a:rPr lang="en-US" altLang="ko-KR" sz="2800" dirty="0"/>
-              <a:t>2</a:t>
-            </a:r>
-            <a:r>
-              <a:rPr lang="ko-KR" altLang="en-US" sz="2800" dirty="0"/>
-              <a:t>가 </a:t>
-            </a:r>
-            <a:r>
-              <a:rPr lang="en-US" altLang="ko-KR" sz="2800" dirty="0"/>
-              <a:t>fake</a:t>
-            </a:r>
-            <a:r>
-              <a:rPr lang="ko-KR" altLang="en-US" sz="2800" dirty="0"/>
-              <a:t>와 </a:t>
-            </a:r>
-            <a:r>
-              <a:rPr lang="en-US" altLang="ko-KR" sz="2800" dirty="0"/>
-              <a:t>real</a:t>
-            </a:r>
-            <a:r>
-              <a:rPr lang="ko-KR" altLang="en-US" sz="2800" dirty="0"/>
-              <a:t>을 구분하지 못하게 만들고</a:t>
-            </a:r>
-            <a:r>
-              <a:rPr lang="en-US" altLang="ko-KR" sz="2800" dirty="0"/>
-              <a:t>, </a:t>
-            </a:r>
-            <a:r>
-              <a:rPr lang="ko-KR" altLang="en-US" sz="2800" dirty="0"/>
-              <a:t>𝐴𝐸</a:t>
-            </a:r>
-            <a:r>
-              <a:rPr lang="en-US" altLang="ko-KR" sz="2800" dirty="0"/>
-              <a:t>2</a:t>
-            </a:r>
-            <a:r>
-              <a:rPr lang="ko-KR" altLang="en-US" sz="2800" dirty="0"/>
-              <a:t>는 </a:t>
-            </a:r>
-            <a:r>
-              <a:rPr lang="en-US" altLang="ko-KR" sz="2800" dirty="0"/>
-              <a:t>fake</a:t>
-            </a:r>
-            <a:r>
-              <a:rPr lang="ko-KR" altLang="en-US" sz="2800" dirty="0"/>
-              <a:t>이 들어왔을 때 </a:t>
-            </a:r>
-            <a:r>
-              <a:rPr lang="en-US" altLang="ko-KR" sz="2800" dirty="0" smtClean="0"/>
-              <a:t/>
-            </a:r>
-            <a:br>
-              <a:rPr lang="en-US" altLang="ko-KR" sz="2800" dirty="0" smtClean="0"/>
-            </a:br>
-            <a:r>
-              <a:rPr lang="en-US" altLang="ko-KR" sz="2800" dirty="0" smtClean="0"/>
-              <a:t>reconstruction </a:t>
-            </a:r>
-            <a:r>
-              <a:rPr lang="en-US" altLang="ko-KR" sz="2800" dirty="0"/>
-              <a:t>error</a:t>
-            </a:r>
-            <a:r>
-              <a:rPr lang="ko-KR" altLang="en-US" sz="2800" dirty="0"/>
-              <a:t>를 </a:t>
-            </a:r>
-            <a:r>
-              <a:rPr lang="ko-KR" altLang="en-US" sz="2800" dirty="0" smtClean="0"/>
-              <a:t>크게 </a:t>
-            </a:r>
-            <a:r>
-              <a:rPr lang="ko-KR" altLang="en-US" sz="2800" dirty="0"/>
-              <a:t>만들도록 학습</a:t>
-            </a:r>
-          </a:p>
-          <a:p>
-            <a:pPr marL="285750" indent="-285750">
-              <a:lnSpc>
-                <a:spcPct val="150000"/>
-              </a:lnSpc>
-              <a:buFont typeface="Arial" panose="020B0604020202020204" pitchFamily="34" charset="0"/>
-              <a:buChar char="•"/>
-            </a:pPr>
-            <a:r>
-              <a:rPr lang="ko-KR" altLang="en-US" sz="2800" dirty="0" smtClean="0"/>
-              <a:t>즉 </a:t>
-            </a:r>
-            <a:r>
-              <a:rPr lang="ko-KR" altLang="en-US" sz="2800" dirty="0"/>
-              <a:t>𝐴𝐸</a:t>
-            </a:r>
-            <a:r>
-              <a:rPr lang="en-US" altLang="ko-KR" sz="2800" dirty="0"/>
-              <a:t>2</a:t>
-            </a:r>
-            <a:r>
-              <a:rPr lang="ko-KR" altLang="en-US" sz="2800" dirty="0"/>
-              <a:t>는 정상 데이터와 비정상 데이터의 미세한 차이를 극대화 시키는 역할을 함</a:t>
-            </a:r>
-          </a:p>
-        </p:txBody>
-      </p:sp>
+      <mc:AlternateContent xmlns:mc="http://schemas.openxmlformats.org/markup-compatibility/2006" xmlns:a14="http://schemas.microsoft.com/office/drawing/2010/main">
+        <mc:Choice Requires="a14">
+          <p:sp>
+            <p:nvSpPr>
+              <p:cNvPr id="38" name="TextBox 37"/>
+              <p:cNvSpPr txBox="1"/>
+              <p:nvPr/>
+            </p:nvSpPr>
+            <p:spPr>
+              <a:xfrm>
+                <a:off x="1303082" y="6662565"/>
+                <a:ext cx="17674454" cy="3323987"/>
+              </a:xfrm>
+              <a:prstGeom prst="rect">
+                <a:avLst/>
+              </a:prstGeom>
+              <a:noFill/>
+            </p:spPr>
+            <p:txBody>
+              <a:bodyPr wrap="none" rtlCol="0">
+                <a:spAutoFit/>
+              </a:bodyPr>
+              <a:lstStyle/>
+              <a:p>
+                <a:pPr marL="285750" indent="-285750">
+                  <a:lnSpc>
+                    <a:spcPct val="150000"/>
+                  </a:lnSpc>
+                  <a:buFont typeface="Arial" panose="020B0604020202020204" pitchFamily="34" charset="0"/>
+                  <a:buChar char="•"/>
+                </a:pPr>
+                <a14:m>
+                  <m:oMath xmlns:m="http://schemas.openxmlformats.org/officeDocument/2006/math">
+                    <m:sSub>
+                      <m:sSubPr>
+                        <m:ctrlPr>
+                          <a:rPr lang="en-US" altLang="ko-KR" sz="2800" i="1" smtClean="0">
+                            <a:latin typeface="Cambria Math" panose="02040503050406030204" pitchFamily="18" charset="0"/>
+                          </a:rPr>
+                        </m:ctrlPr>
+                      </m:sSubPr>
+                      <m:e>
+                        <m:r>
+                          <a:rPr lang="en-US" altLang="ko-KR" sz="2800" i="1">
+                            <a:latin typeface="Cambria Math" panose="02040503050406030204" pitchFamily="18" charset="0"/>
+                          </a:rPr>
+                          <m:t>𝐴𝐸</m:t>
+                        </m:r>
+                      </m:e>
+                      <m:sub>
+                        <m:r>
+                          <a:rPr lang="en-US" altLang="ko-KR" sz="2800" i="1">
+                            <a:latin typeface="Cambria Math" panose="02040503050406030204" pitchFamily="18" charset="0"/>
+                          </a:rPr>
+                          <m:t>1</m:t>
+                        </m:r>
+                      </m:sub>
+                    </m:sSub>
+                  </m:oMath>
+                </a14:m>
+                <a:r>
+                  <a:rPr lang="ko-KR" altLang="en-US" sz="2800" dirty="0"/>
+                  <a:t>의 경우 </a:t>
+                </a:r>
+                <a:r>
+                  <a:rPr lang="en-US" altLang="ko-KR" sz="2800" dirty="0"/>
+                  <a:t>real</a:t>
+                </a:r>
+                <a:r>
+                  <a:rPr lang="ko-KR" altLang="en-US" sz="2800" dirty="0"/>
+                  <a:t>에 대한 </a:t>
+                </a:r>
+                <a:r>
+                  <a:rPr lang="en-US" altLang="ko-KR" sz="2800" dirty="0"/>
+                  <a:t>reconstruction error</a:t>
+                </a:r>
+                <a:r>
+                  <a:rPr lang="ko-KR" altLang="en-US" sz="2800" dirty="0"/>
+                  <a:t>와 </a:t>
+                </a:r>
+                <a:r>
+                  <a:rPr lang="en-US" altLang="ko-KR" sz="2800" dirty="0"/>
+                  <a:t>fake</a:t>
+                </a:r>
+                <a:r>
+                  <a:rPr lang="ko-KR" altLang="en-US" sz="2800" dirty="0"/>
+                  <a:t>에 대한 </a:t>
+                </a:r>
+                <a14:m>
+                  <m:oMath xmlns:m="http://schemas.openxmlformats.org/officeDocument/2006/math">
+                    <m:sSub>
+                      <m:sSubPr>
+                        <m:ctrlPr>
+                          <a:rPr lang="en-US" altLang="ko-KR" sz="2800" i="1">
+                            <a:latin typeface="Cambria Math" panose="02040503050406030204" pitchFamily="18" charset="0"/>
+                          </a:rPr>
+                        </m:ctrlPr>
+                      </m:sSubPr>
+                      <m:e>
+                        <m:r>
+                          <a:rPr lang="en-US" altLang="ko-KR" sz="2800" i="1">
+                            <a:latin typeface="Cambria Math" panose="02040503050406030204" pitchFamily="18" charset="0"/>
+                          </a:rPr>
+                          <m:t>𝐴𝐸</m:t>
+                        </m:r>
+                      </m:e>
+                      <m:sub>
+                        <m:r>
+                          <a:rPr lang="en-US" altLang="ko-KR" sz="2800" b="0" i="1" smtClean="0">
+                            <a:latin typeface="Cambria Math" panose="02040503050406030204" pitchFamily="18" charset="0"/>
+                          </a:rPr>
+                          <m:t>2</m:t>
+                        </m:r>
+                      </m:sub>
+                    </m:sSub>
+                  </m:oMath>
+                </a14:m>
+                <a:r>
+                  <a:rPr lang="ko-KR" altLang="en-US" sz="2800" dirty="0"/>
+                  <a:t>의 </a:t>
+                </a:r>
+                <a:r>
+                  <a:rPr lang="en-US" altLang="ko-KR" sz="2800" dirty="0"/>
+                  <a:t>reconstruction error </a:t>
+                </a:r>
+                <a:r>
+                  <a:rPr lang="ko-KR" altLang="en-US" sz="2800" dirty="0"/>
+                  <a:t>둘 모두 최소일 때 </a:t>
+                </a:r>
+                <a:r>
+                  <a:rPr lang="ko-KR" altLang="en-US" sz="2800" dirty="0" smtClean="0"/>
+                  <a:t>최소</a:t>
+                </a:r>
+                <a:endParaRPr lang="en-US" altLang="ko-KR" sz="2800" dirty="0" smtClean="0"/>
+              </a:p>
+              <a:p>
+                <a:pPr marL="285750" indent="-285750">
+                  <a:lnSpc>
+                    <a:spcPct val="150000"/>
+                  </a:lnSpc>
+                  <a:buFont typeface="Arial" panose="020B0604020202020204" pitchFamily="34" charset="0"/>
+                  <a:buChar char="•"/>
+                </a:pPr>
+                <a14:m>
+                  <m:oMath xmlns:m="http://schemas.openxmlformats.org/officeDocument/2006/math">
+                    <m:sSub>
+                      <m:sSubPr>
+                        <m:ctrlPr>
+                          <a:rPr lang="en-US" altLang="ko-KR" sz="2800" i="1">
+                            <a:latin typeface="Cambria Math" panose="02040503050406030204" pitchFamily="18" charset="0"/>
+                          </a:rPr>
+                        </m:ctrlPr>
+                      </m:sSubPr>
+                      <m:e>
+                        <m:r>
+                          <a:rPr lang="en-US" altLang="ko-KR" sz="2800" i="1">
+                            <a:latin typeface="Cambria Math" panose="02040503050406030204" pitchFamily="18" charset="0"/>
+                          </a:rPr>
+                          <m:t>𝐴𝐸</m:t>
+                        </m:r>
+                      </m:e>
+                      <m:sub>
+                        <m:r>
+                          <a:rPr lang="en-US" altLang="ko-KR" sz="2800" i="1">
+                            <a:latin typeface="Cambria Math" panose="02040503050406030204" pitchFamily="18" charset="0"/>
+                          </a:rPr>
+                          <m:t>2</m:t>
+                        </m:r>
+                      </m:sub>
+                    </m:sSub>
+                  </m:oMath>
+                </a14:m>
+                <a:r>
+                  <a:rPr lang="ko-KR" altLang="en-US" sz="2800" dirty="0"/>
+                  <a:t>의 경우 </a:t>
+                </a:r>
+                <a:r>
+                  <a:rPr lang="en-US" altLang="ko-KR" sz="2800" dirty="0"/>
+                  <a:t>real</a:t>
+                </a:r>
+                <a:r>
+                  <a:rPr lang="ko-KR" altLang="en-US" sz="2800" dirty="0"/>
+                  <a:t>에 대한 </a:t>
+                </a:r>
+                <a:r>
+                  <a:rPr lang="en-US" altLang="ko-KR" sz="2800" dirty="0"/>
+                  <a:t>reconstruction error</a:t>
+                </a:r>
+                <a:r>
+                  <a:rPr lang="ko-KR" altLang="en-US" sz="2800" dirty="0"/>
+                  <a:t>가 최소이고 </a:t>
+                </a:r>
+                <a:r>
+                  <a:rPr lang="en-US" altLang="ko-KR" sz="2800" dirty="0"/>
+                  <a:t>fake</a:t>
+                </a:r>
+                <a:r>
+                  <a:rPr lang="ko-KR" altLang="en-US" sz="2800" dirty="0"/>
+                  <a:t>에 대한 </a:t>
+                </a:r>
+                <a14:m>
+                  <m:oMath xmlns:m="http://schemas.openxmlformats.org/officeDocument/2006/math">
+                    <m:sSub>
+                      <m:sSubPr>
+                        <m:ctrlPr>
+                          <a:rPr lang="en-US" altLang="ko-KR" sz="2800" i="1">
+                            <a:latin typeface="Cambria Math" panose="02040503050406030204" pitchFamily="18" charset="0"/>
+                          </a:rPr>
+                        </m:ctrlPr>
+                      </m:sSubPr>
+                      <m:e>
+                        <m:r>
+                          <a:rPr lang="en-US" altLang="ko-KR" sz="2800" i="1">
+                            <a:latin typeface="Cambria Math" panose="02040503050406030204" pitchFamily="18" charset="0"/>
+                          </a:rPr>
+                          <m:t>𝐴𝐸</m:t>
+                        </m:r>
+                      </m:e>
+                      <m:sub>
+                        <m:r>
+                          <a:rPr lang="en-US" altLang="ko-KR" sz="2800" i="1">
+                            <a:latin typeface="Cambria Math" panose="02040503050406030204" pitchFamily="18" charset="0"/>
+                          </a:rPr>
+                          <m:t>2</m:t>
+                        </m:r>
+                      </m:sub>
+                    </m:sSub>
+                  </m:oMath>
+                </a14:m>
+                <a:r>
+                  <a:rPr lang="ko-KR" altLang="en-US" sz="2800" dirty="0"/>
+                  <a:t>의 </a:t>
+                </a:r>
+                <a:r>
+                  <a:rPr lang="en-US" altLang="ko-KR" sz="2800" dirty="0"/>
+                  <a:t>reconstruction error</a:t>
+                </a:r>
+                <a:r>
+                  <a:rPr lang="ko-KR" altLang="en-US" sz="2800" dirty="0"/>
+                  <a:t>가 최대일 때 최소</a:t>
+                </a:r>
+              </a:p>
+              <a:p>
+                <a:pPr marL="285750" indent="-285750">
+                  <a:lnSpc>
+                    <a:spcPct val="150000"/>
+                  </a:lnSpc>
+                  <a:buFont typeface="Arial" panose="020B0604020202020204" pitchFamily="34" charset="0"/>
+                  <a:buChar char="•"/>
+                </a:pPr>
+                <a:r>
+                  <a:rPr lang="ko-KR" altLang="en-US" sz="2800" dirty="0" smtClean="0"/>
+                  <a:t>정리하면 </a:t>
+                </a:r>
+                <a14:m>
+                  <m:oMath xmlns:m="http://schemas.openxmlformats.org/officeDocument/2006/math">
+                    <m:sSub>
+                      <m:sSubPr>
+                        <m:ctrlPr>
+                          <a:rPr lang="en-US" altLang="ko-KR" sz="2800" i="1">
+                            <a:latin typeface="Cambria Math" panose="02040503050406030204" pitchFamily="18" charset="0"/>
+                          </a:rPr>
+                        </m:ctrlPr>
+                      </m:sSubPr>
+                      <m:e>
+                        <m:r>
+                          <a:rPr lang="en-US" altLang="ko-KR" sz="2800" i="1">
+                            <a:latin typeface="Cambria Math" panose="02040503050406030204" pitchFamily="18" charset="0"/>
+                          </a:rPr>
+                          <m:t>𝐴𝐸</m:t>
+                        </m:r>
+                      </m:e>
+                      <m:sub>
+                        <m:r>
+                          <a:rPr lang="en-US" altLang="ko-KR" sz="2800" i="1">
+                            <a:latin typeface="Cambria Math" panose="02040503050406030204" pitchFamily="18" charset="0"/>
+                          </a:rPr>
+                          <m:t>1</m:t>
+                        </m:r>
+                      </m:sub>
+                    </m:sSub>
+                  </m:oMath>
+                </a14:m>
+                <a:r>
+                  <a:rPr lang="ko-KR" altLang="en-US" sz="2800" dirty="0"/>
+                  <a:t>는 </a:t>
+                </a:r>
+                <a14:m>
+                  <m:oMath xmlns:m="http://schemas.openxmlformats.org/officeDocument/2006/math">
+                    <m:sSub>
+                      <m:sSubPr>
+                        <m:ctrlPr>
+                          <a:rPr lang="en-US" altLang="ko-KR" sz="2800" i="1">
+                            <a:latin typeface="Cambria Math" panose="02040503050406030204" pitchFamily="18" charset="0"/>
+                          </a:rPr>
+                        </m:ctrlPr>
+                      </m:sSubPr>
+                      <m:e>
+                        <m:r>
+                          <a:rPr lang="en-US" altLang="ko-KR" sz="2800" i="1">
+                            <a:latin typeface="Cambria Math" panose="02040503050406030204" pitchFamily="18" charset="0"/>
+                          </a:rPr>
+                          <m:t>𝐴𝐸</m:t>
+                        </m:r>
+                      </m:e>
+                      <m:sub>
+                        <m:r>
+                          <a:rPr lang="en-US" altLang="ko-KR" sz="2800" i="1">
+                            <a:latin typeface="Cambria Math" panose="02040503050406030204" pitchFamily="18" charset="0"/>
+                          </a:rPr>
+                          <m:t>2</m:t>
+                        </m:r>
+                      </m:sub>
+                    </m:sSub>
+                  </m:oMath>
+                </a14:m>
+                <a:r>
+                  <a:rPr lang="ko-KR" altLang="en-US" sz="2800" dirty="0"/>
+                  <a:t>가 </a:t>
+                </a:r>
+                <a:r>
+                  <a:rPr lang="en-US" altLang="ko-KR" sz="2800" dirty="0"/>
+                  <a:t>fake</a:t>
+                </a:r>
+                <a:r>
+                  <a:rPr lang="ko-KR" altLang="en-US" sz="2800" dirty="0"/>
+                  <a:t>와 </a:t>
+                </a:r>
+                <a:r>
+                  <a:rPr lang="en-US" altLang="ko-KR" sz="2800" dirty="0"/>
+                  <a:t>real</a:t>
+                </a:r>
+                <a:r>
+                  <a:rPr lang="ko-KR" altLang="en-US" sz="2800" dirty="0"/>
+                  <a:t>을 구분하지 못하게 만들고</a:t>
+                </a:r>
+                <a:r>
+                  <a:rPr lang="en-US" altLang="ko-KR" sz="2800" dirty="0"/>
+                  <a:t>, </a:t>
+                </a:r>
+                <a14:m>
+                  <m:oMath xmlns:m="http://schemas.openxmlformats.org/officeDocument/2006/math">
+                    <m:sSub>
+                      <m:sSubPr>
+                        <m:ctrlPr>
+                          <a:rPr lang="en-US" altLang="ko-KR" sz="2800" i="1">
+                            <a:latin typeface="Cambria Math" panose="02040503050406030204" pitchFamily="18" charset="0"/>
+                          </a:rPr>
+                        </m:ctrlPr>
+                      </m:sSubPr>
+                      <m:e>
+                        <m:r>
+                          <a:rPr lang="en-US" altLang="ko-KR" sz="2800" i="1">
+                            <a:latin typeface="Cambria Math" panose="02040503050406030204" pitchFamily="18" charset="0"/>
+                          </a:rPr>
+                          <m:t>𝐴𝐸</m:t>
+                        </m:r>
+                      </m:e>
+                      <m:sub>
+                        <m:r>
+                          <a:rPr lang="en-US" altLang="ko-KR" sz="2800" i="1">
+                            <a:latin typeface="Cambria Math" panose="02040503050406030204" pitchFamily="18" charset="0"/>
+                          </a:rPr>
+                          <m:t>2</m:t>
+                        </m:r>
+                      </m:sub>
+                    </m:sSub>
+                  </m:oMath>
+                </a14:m>
+                <a:r>
+                  <a:rPr lang="ko-KR" altLang="en-US" sz="2800" dirty="0"/>
+                  <a:t>는 </a:t>
+                </a:r>
+                <a:r>
+                  <a:rPr lang="en-US" altLang="ko-KR" sz="2800" dirty="0"/>
+                  <a:t>fake</a:t>
+                </a:r>
+                <a:r>
+                  <a:rPr lang="ko-KR" altLang="en-US" sz="2800" dirty="0"/>
+                  <a:t>이 들어왔을 때 </a:t>
+                </a:r>
+                <a:r>
+                  <a:rPr lang="en-US" altLang="ko-KR" sz="2800" dirty="0" smtClean="0"/>
+                  <a:t/>
+                </a:r>
+                <a:br>
+                  <a:rPr lang="en-US" altLang="ko-KR" sz="2800" dirty="0" smtClean="0"/>
+                </a:br>
+                <a:r>
+                  <a:rPr lang="en-US" altLang="ko-KR" sz="2800" dirty="0" smtClean="0"/>
+                  <a:t>reconstruction </a:t>
+                </a:r>
+                <a:r>
+                  <a:rPr lang="en-US" altLang="ko-KR" sz="2800" dirty="0"/>
+                  <a:t>error</a:t>
+                </a:r>
+                <a:r>
+                  <a:rPr lang="ko-KR" altLang="en-US" sz="2800" dirty="0"/>
+                  <a:t>를 </a:t>
+                </a:r>
+                <a:r>
+                  <a:rPr lang="ko-KR" altLang="en-US" sz="2800" dirty="0" smtClean="0"/>
+                  <a:t>크게 </a:t>
+                </a:r>
+                <a:r>
+                  <a:rPr lang="ko-KR" altLang="en-US" sz="2800" dirty="0"/>
+                  <a:t>만들도록 학습</a:t>
+                </a:r>
+              </a:p>
+              <a:p>
+                <a:pPr marL="285750" indent="-285750">
+                  <a:lnSpc>
+                    <a:spcPct val="150000"/>
+                  </a:lnSpc>
+                  <a:buFont typeface="Arial" panose="020B0604020202020204" pitchFamily="34" charset="0"/>
+                  <a:buChar char="•"/>
+                </a:pPr>
+                <a:r>
+                  <a:rPr lang="ko-KR" altLang="en-US" sz="2800" dirty="0" smtClean="0"/>
+                  <a:t>즉 </a:t>
+                </a:r>
+                <a14:m>
+                  <m:oMath xmlns:m="http://schemas.openxmlformats.org/officeDocument/2006/math">
+                    <m:sSub>
+                      <m:sSubPr>
+                        <m:ctrlPr>
+                          <a:rPr lang="en-US" altLang="ko-KR" sz="2800" i="1">
+                            <a:latin typeface="Cambria Math" panose="02040503050406030204" pitchFamily="18" charset="0"/>
+                          </a:rPr>
+                        </m:ctrlPr>
+                      </m:sSubPr>
+                      <m:e>
+                        <m:r>
+                          <a:rPr lang="en-US" altLang="ko-KR" sz="2800" i="1">
+                            <a:latin typeface="Cambria Math" panose="02040503050406030204" pitchFamily="18" charset="0"/>
+                          </a:rPr>
+                          <m:t>𝐴𝐸</m:t>
+                        </m:r>
+                      </m:e>
+                      <m:sub>
+                        <m:r>
+                          <a:rPr lang="en-US" altLang="ko-KR" sz="2800" i="1">
+                            <a:latin typeface="Cambria Math" panose="02040503050406030204" pitchFamily="18" charset="0"/>
+                          </a:rPr>
+                          <m:t>2</m:t>
+                        </m:r>
+                      </m:sub>
+                    </m:sSub>
+                  </m:oMath>
+                </a14:m>
+                <a:r>
+                  <a:rPr lang="ko-KR" altLang="en-US" sz="2800" dirty="0"/>
+                  <a:t>는 정상 데이터와 비정상 데이터의 미세한 차이를 극대화 시키는 역할을 함</a:t>
+                </a:r>
+              </a:p>
+            </p:txBody>
+          </p:sp>
+        </mc:Choice>
+        <mc:Fallback xmlns="">
+          <p:sp>
+            <p:nvSpPr>
+              <p:cNvPr id="38" name="TextBox 37"/>
+              <p:cNvSpPr txBox="1">
+                <a:spLocks noRot="1" noChangeAspect="1" noMove="1" noResize="1" noEditPoints="1" noAdjustHandles="1" noChangeArrowheads="1" noChangeShapeType="1" noTextEdit="1"/>
+              </p:cNvSpPr>
+              <p:nvPr/>
+            </p:nvSpPr>
+            <p:spPr>
+              <a:xfrm>
+                <a:off x="1303082" y="6662565"/>
+                <a:ext cx="17674454" cy="3323987"/>
+              </a:xfrm>
+              <a:prstGeom prst="rect">
+                <a:avLst/>
+              </a:prstGeom>
+              <a:blipFill>
+                <a:blip r:embed="rId10"/>
+                <a:stretch>
+                  <a:fillRect l="-621" b="-1835"/>
+                </a:stretch>
+              </a:blipFill>
+            </p:spPr>
+            <p:txBody>
+              <a:bodyPr/>
+              <a:lstStyle/>
+              <a:p>
+                <a:r>
+                  <a:rPr lang="ko-KR" altLang="en-US">
+                    <a:noFill/>
+                  </a:rPr>
+                  <a:t> </a:t>
+                </a:r>
+              </a:p>
+            </p:txBody>
+          </p:sp>
+        </mc:Fallback>
+      </mc:AlternateContent>
     </p:spTree>
     <p:extLst>
       <p:ext uri="{BB962C8B-B14F-4D97-AF65-F5344CB8AC3E}">
@@ -15922,7 +20520,7 @@
             </p:nvSpPr>
             <p:spPr>
               <a:xfrm>
-                <a:off x="5480050" y="3825875"/>
+                <a:off x="5480050" y="3097484"/>
                 <a:ext cx="10286999" cy="801117"/>
               </a:xfrm>
               <a:prstGeom prst="rect">
@@ -16277,7 +20875,7 @@
             </p:nvSpPr>
             <p:spPr>
               <a:xfrm>
-                <a:off x="5480050" y="3825875"/>
+                <a:off x="5480050" y="3097484"/>
                 <a:ext cx="10286999" cy="801117"/>
               </a:xfrm>
               <a:prstGeom prst="rect">
@@ -16316,13 +20914,13 @@
               <p:nvPr>
                 <p:extLst>
                   <p:ext uri="{D42A27DB-BD31-4B8C-83A1-F6EECF244321}">
-                    <p14:modId xmlns:p14="http://schemas.microsoft.com/office/powerpoint/2010/main" val="2021759304"/>
+                    <p14:modId xmlns:p14="http://schemas.microsoft.com/office/powerpoint/2010/main" val="2427319838"/>
                   </p:ext>
                 </p:extLst>
               </p:nvPr>
             </p:nvGraphicFramePr>
             <p:xfrm>
-              <a:off x="10966450" y="6973869"/>
+              <a:off x="10966450" y="6151845"/>
               <a:ext cx="8229600" cy="1371600"/>
             </p:xfrm>
             <a:graphic>
@@ -16577,13 +21175,13 @@
               <p:nvPr>
                 <p:extLst>
                   <p:ext uri="{D42A27DB-BD31-4B8C-83A1-F6EECF244321}">
-                    <p14:modId xmlns:p14="http://schemas.microsoft.com/office/powerpoint/2010/main" val="2021759304"/>
+                    <p14:modId xmlns:p14="http://schemas.microsoft.com/office/powerpoint/2010/main" val="2427319838"/>
                   </p:ext>
                 </p:extLst>
               </p:nvPr>
             </p:nvGraphicFramePr>
             <p:xfrm>
-              <a:off x="10966450" y="6973869"/>
+              <a:off x="10966450" y="6151845"/>
               <a:ext cx="8229600" cy="1371600"/>
             </p:xfrm>
             <a:graphic>
@@ -16806,7 +21404,7 @@
         </p:blipFill>
         <p:spPr>
           <a:xfrm>
-            <a:off x="1087634" y="6111875"/>
+            <a:off x="1087634" y="5289851"/>
             <a:ext cx="9296399" cy="3962400"/>
           </a:xfrm>
           <a:prstGeom prst="rect">
@@ -16823,7 +21421,7 @@
         <p:spPr>
           <a:xfrm>
             <a:off x="1289050" y="2017976"/>
-            <a:ext cx="10084107" cy="668388"/>
+            <a:ext cx="10165860" cy="738664"/>
           </a:xfrm>
           <a:prstGeom prst="rect">
             <a:avLst/>
@@ -16860,12 +21458,12 @@
               <a:t>anomaly score </a:t>
             </a:r>
             <a:r>
-              <a:rPr lang="ko-KR" altLang="en-US" sz="2800" dirty="0" err="1"/>
-              <a:t>산출식은</a:t>
+              <a:rPr lang="ko-KR" altLang="en-US" sz="2800" dirty="0" smtClean="0"/>
+              <a:t>산출 식은 </a:t>
             </a:r>
             <a:r>
               <a:rPr lang="ko-KR" altLang="en-US" sz="2800" dirty="0"/>
-              <a:t> 다음과 같음</a:t>
+              <a:t>다음과 같음</a:t>
             </a:r>
           </a:p>
         </p:txBody>
@@ -16878,7 +21476,7 @@
         </p:nvSpPr>
         <p:spPr>
           <a:xfrm>
-            <a:off x="1289049" y="5033241"/>
+            <a:off x="1289050" y="4231250"/>
             <a:ext cx="12967589" cy="668388"/>
           </a:xfrm>
           <a:prstGeom prst="rect">
@@ -16924,7 +21522,7 @@
             </p:nvSpPr>
             <p:spPr>
               <a:xfrm>
-                <a:off x="2513560" y="10099056"/>
+                <a:off x="2513560" y="9277032"/>
                 <a:ext cx="6343436" cy="492443"/>
               </a:xfrm>
               <a:prstGeom prst="rect">
@@ -17006,7 +21604,7 @@
             </p:nvSpPr>
             <p:spPr>
               <a:xfrm>
-                <a:off x="2513560" y="10099056"/>
+                <a:off x="2513560" y="9277032"/>
                 <a:ext cx="6343436" cy="492443"/>
               </a:xfrm>
               <a:prstGeom prst="rect">
@@ -17044,7 +21642,7 @@
             </p:nvSpPr>
             <p:spPr>
               <a:xfrm>
-                <a:off x="11880850" y="8585838"/>
+                <a:off x="11880850" y="7763814"/>
                 <a:ext cx="6400800" cy="492443"/>
               </a:xfrm>
               <a:prstGeom prst="rect">
@@ -17138,7 +21736,7 @@
             </p:nvSpPr>
             <p:spPr>
               <a:xfrm>
-                <a:off x="11880850" y="8585838"/>
+                <a:off x="11880850" y="7763814"/>
                 <a:ext cx="6400800" cy="492443"/>
               </a:xfrm>
               <a:prstGeom prst="rect">

--- a/Announcement/USAD.pptx
+++ b/Announcement/USAD.pptx
@@ -246,7 +246,7 @@
               <a:pPr lvl="0">
                 <a:defRPr/>
               </a:pPr>
-              <a:t>2021-12-07</a:t>
+              <a:t>2021-12-08</a:t>
             </a:fld>
             <a:endParaRPr lang="ko-KR" altLang="en-US"/>
           </a:p>
@@ -759,22 +759,17 @@
             </a:r>
             <a:r>
               <a:rPr lang="ko-KR" altLang="en-US" dirty="0" smtClean="0"/>
-              <a:t>을 활용하여 성능을 </a:t>
-            </a:r>
-            <a:r>
-              <a:rPr lang="ko-KR" altLang="en-US" dirty="0" smtClean="0"/>
-              <a:t>검증하였습니다</a:t>
+              <a:t>을 활용하여 성능을 검증하였습니다</a:t>
             </a:r>
             <a:r>
               <a:rPr lang="en-US" altLang="ko-KR" dirty="0" smtClean="0"/>
               <a:t>. </a:t>
             </a:r>
+          </a:p>
+          <a:p>
             <a:endParaRPr lang="en-US" altLang="ko-KR" dirty="0" smtClean="0"/>
           </a:p>
           <a:p>
-            <a:endParaRPr lang="en-US" altLang="ko-KR" dirty="0" smtClean="0"/>
-          </a:p>
-          <a:p>
             <a:r>
               <a:rPr lang="en-US" altLang="ko-KR" dirty="0" smtClean="0"/>
               <a:t>5</a:t>
@@ -789,11 +784,7 @@
             </a:r>
             <a:r>
               <a:rPr lang="ko-KR" altLang="en-US" dirty="0" smtClean="0"/>
-              <a:t>은 다음과 </a:t>
-            </a:r>
-            <a:r>
-              <a:rPr lang="ko-KR" altLang="en-US" dirty="0" smtClean="0"/>
-              <a:t>같으며</a:t>
+              <a:t>은 다음과 같으며</a:t>
             </a:r>
             <a:r>
               <a:rPr lang="en-US" altLang="ko-KR" dirty="0" smtClean="0"/>
@@ -803,12 +794,211 @@
               <a:rPr lang="en-US" altLang="ko-KR" baseline="0" dirty="0" smtClean="0"/>
               <a:t> </a:t>
             </a:r>
+            <a:r>
+              <a:rPr lang="en-US" altLang="ko-KR" baseline="0" dirty="0" smtClean="0"/>
+              <a:t>Swat</a:t>
+            </a:r>
+            <a:r>
+              <a:rPr lang="ko-KR" altLang="en-US" baseline="0" dirty="0" smtClean="0"/>
+              <a:t>는 </a:t>
+            </a:r>
+            <a:r>
+              <a:rPr lang="ko-KR" altLang="en-US" baseline="0" dirty="0" err="1" smtClean="0"/>
+              <a:t>여과수를</a:t>
+            </a:r>
+            <a:r>
+              <a:rPr lang="ko-KR" altLang="en-US" baseline="0" dirty="0" smtClean="0"/>
+              <a:t> 생산하는 실제 산업용 공장에서의 </a:t>
+            </a:r>
+            <a:r>
+              <a:rPr lang="en-US" altLang="ko-KR" baseline="0" dirty="0" smtClean="0"/>
+              <a:t>11</a:t>
+            </a:r>
+            <a:r>
+              <a:rPr lang="ko-KR" altLang="en-US" baseline="0" dirty="0" smtClean="0"/>
+              <a:t>일간의 기록이며</a:t>
+            </a:r>
+            <a:r>
+              <a:rPr lang="en-US" altLang="ko-KR" baseline="0" dirty="0" smtClean="0"/>
+              <a:t>,</a:t>
+            </a:r>
           </a:p>
           <a:p>
             <a:endParaRPr lang="en-US" altLang="ko-KR" baseline="0" dirty="0" smtClean="0"/>
           </a:p>
           <a:p>
-            <a:endParaRPr lang="ko-KR" altLang="en-US" dirty="0"/>
+            <a:r>
+              <a:rPr lang="en-US" altLang="ko-KR" baseline="0" dirty="0" smtClean="0"/>
+              <a:t>WADI</a:t>
+            </a:r>
+            <a:r>
+              <a:rPr lang="ko-KR" altLang="en-US" baseline="0" dirty="0" smtClean="0"/>
+              <a:t>는 </a:t>
+            </a:r>
+            <a:r>
+              <a:rPr lang="en-US" altLang="ko-KR" baseline="0" dirty="0" smtClean="0"/>
+              <a:t>swat</a:t>
+            </a:r>
+            <a:r>
+              <a:rPr lang="ko-KR" altLang="en-US" baseline="0" dirty="0" smtClean="0"/>
+              <a:t>의 확장으로 물 분배 데이터 세트를 의미하며</a:t>
+            </a:r>
+            <a:r>
+              <a:rPr lang="en-US" altLang="ko-KR" baseline="0" dirty="0" smtClean="0"/>
+              <a:t>, </a:t>
+            </a:r>
+            <a:r>
+              <a:rPr lang="ko-KR" altLang="en-US" baseline="0" dirty="0" smtClean="0"/>
+              <a:t>총 </a:t>
+            </a:r>
+            <a:r>
+              <a:rPr lang="en-US" altLang="ko-KR" baseline="0" dirty="0" smtClean="0"/>
+              <a:t>16</a:t>
+            </a:r>
+            <a:r>
+              <a:rPr lang="ko-KR" altLang="en-US" baseline="0" dirty="0" smtClean="0"/>
+              <a:t>일간의 기록입니다</a:t>
+            </a:r>
+            <a:r>
+              <a:rPr lang="en-US" altLang="ko-KR" baseline="0" dirty="0" smtClean="0"/>
+              <a:t>.</a:t>
+            </a:r>
+          </a:p>
+          <a:p>
+            <a:endParaRPr lang="en-US" altLang="ko-KR" baseline="0" dirty="0" smtClean="0"/>
+          </a:p>
+          <a:p>
+            <a:r>
+              <a:rPr lang="en-US" altLang="ko-KR" baseline="0" dirty="0" smtClean="0"/>
+              <a:t>SMD</a:t>
+            </a:r>
+            <a:r>
+              <a:rPr lang="ko-KR" altLang="en-US" baseline="0" dirty="0" smtClean="0"/>
+              <a:t>는 인터넷 회사에서 </a:t>
+            </a:r>
+            <a:r>
+              <a:rPr lang="en-US" altLang="ko-KR" baseline="0" dirty="0" smtClean="0"/>
+              <a:t>5</a:t>
+            </a:r>
+            <a:r>
+              <a:rPr lang="ko-KR" altLang="en-US" baseline="0" dirty="0" smtClean="0"/>
+              <a:t>주간 </a:t>
+            </a:r>
+            <a:r>
+              <a:rPr lang="en-US" altLang="ko-KR" baseline="0" dirty="0" smtClean="0"/>
+              <a:t>28</a:t>
+            </a:r>
+            <a:r>
+              <a:rPr lang="ko-KR" altLang="en-US" baseline="0" dirty="0" smtClean="0"/>
+              <a:t>개의 서버 시스템에서 가져온 데이터이며</a:t>
+            </a:r>
+            <a:r>
+              <a:rPr lang="en-US" altLang="ko-KR" baseline="0" dirty="0" smtClean="0"/>
+              <a:t>, SMAP, MSL</a:t>
+            </a:r>
+            <a:r>
+              <a:rPr lang="ko-KR" altLang="en-US" baseline="0" dirty="0" smtClean="0"/>
+              <a:t>은 나사에서 제공되는 화성 탐사와 관련된 데이터 입니다</a:t>
+            </a:r>
+            <a:r>
+              <a:rPr lang="en-US" altLang="ko-KR" baseline="0" dirty="0" smtClean="0"/>
+              <a:t>.</a:t>
+            </a:r>
+          </a:p>
+          <a:p>
+            <a:endParaRPr lang="en-US" altLang="ko-KR" baseline="0" dirty="0" smtClean="0"/>
+          </a:p>
+          <a:p>
+            <a:r>
+              <a:rPr lang="ko-KR" altLang="en-US" baseline="0" dirty="0" smtClean="0"/>
+              <a:t>타당성 조사를 위해서 </a:t>
+            </a:r>
+            <a:r>
+              <a:rPr lang="en-US" altLang="ko-KR" baseline="0" dirty="0" smtClean="0"/>
+              <a:t>Orange</a:t>
+            </a:r>
+            <a:r>
+              <a:rPr lang="ko-KR" altLang="en-US" baseline="0" dirty="0" smtClean="0"/>
+              <a:t>의 데이터세트를 사용하였으며</a:t>
+            </a:r>
+            <a:r>
+              <a:rPr lang="en-US" altLang="ko-KR" baseline="0" dirty="0" smtClean="0"/>
+              <a:t>, </a:t>
+            </a:r>
+            <a:r>
+              <a:rPr lang="ko-KR" altLang="en-US" baseline="0" dirty="0" smtClean="0"/>
+              <a:t>약 </a:t>
+            </a:r>
+            <a:r>
+              <a:rPr lang="en-US" altLang="ko-KR" baseline="0" dirty="0" smtClean="0"/>
+              <a:t>32</a:t>
+            </a:r>
+            <a:r>
+              <a:rPr lang="ko-KR" altLang="en-US" baseline="0" dirty="0" smtClean="0"/>
+              <a:t>일의 학습 데이터와 </a:t>
+            </a:r>
+            <a:r>
+              <a:rPr lang="en-US" altLang="ko-KR" baseline="0" dirty="0" smtClean="0"/>
+              <a:t>60</a:t>
+            </a:r>
+            <a:r>
+              <a:rPr lang="ko-KR" altLang="en-US" baseline="0" dirty="0" smtClean="0"/>
+              <a:t>일의 테스트 데이터 세트로 구성하였으며</a:t>
+            </a:r>
+            <a:r>
+              <a:rPr lang="en-US" altLang="ko-KR" baseline="0" dirty="0" smtClean="0"/>
+              <a:t>,</a:t>
+            </a:r>
+          </a:p>
+          <a:p>
+            <a:endParaRPr lang="en-US" altLang="ko-KR" baseline="0" dirty="0" smtClean="0"/>
+          </a:p>
+          <a:p>
+            <a:r>
+              <a:rPr lang="ko-KR" altLang="en-US" baseline="0" dirty="0" smtClean="0"/>
+              <a:t>테스트 데이터 세트는 중요한 기간에 해당하는 </a:t>
+            </a:r>
+            <a:r>
+              <a:rPr lang="en-US" altLang="ko-KR" baseline="0" dirty="0" smtClean="0"/>
+              <a:t>60</a:t>
+            </a:r>
+            <a:r>
+              <a:rPr lang="ko-KR" altLang="en-US" baseline="0" dirty="0" smtClean="0"/>
+              <a:t>일을 선택하였고</a:t>
+            </a:r>
+            <a:r>
+              <a:rPr lang="en-US" altLang="ko-KR" baseline="0" dirty="0" smtClean="0"/>
+              <a:t>, </a:t>
+            </a:r>
+            <a:r>
+              <a:rPr lang="ko-KR" altLang="en-US" baseline="0" dirty="0" smtClean="0"/>
+              <a:t>이상 현상은 사고 보고서를 기반으로 전문가가 직접 </a:t>
+            </a:r>
+            <a:r>
+              <a:rPr lang="ko-KR" altLang="en-US" baseline="0" dirty="0" err="1" smtClean="0"/>
+              <a:t>라벨링을</a:t>
+            </a:r>
+            <a:r>
+              <a:rPr lang="ko-KR" altLang="en-US" baseline="0" dirty="0" smtClean="0"/>
+              <a:t> 진행하였습니다</a:t>
+            </a:r>
+            <a:r>
+              <a:rPr lang="en-US" altLang="ko-KR" baseline="0" dirty="0" smtClean="0"/>
+              <a:t>.</a:t>
+            </a:r>
+          </a:p>
+          <a:p>
+            <a:endParaRPr lang="en-US" altLang="ko-KR" baseline="0" dirty="0" smtClean="0"/>
+          </a:p>
+          <a:p>
+            <a:r>
+              <a:rPr lang="ko-KR" altLang="en-US" baseline="0" dirty="0" smtClean="0"/>
+              <a:t>오른쪽 아래의 표에 도표로 세부사항들이 나와있습니다</a:t>
+            </a:r>
+            <a:r>
+              <a:rPr lang="en-US" altLang="ko-KR" baseline="0" dirty="0" smtClean="0"/>
+              <a:t>.</a:t>
+            </a:r>
           </a:p>
         </p:txBody>
       </p:sp>
@@ -905,7 +1095,28 @@
           <a:p>
             <a:r>
               <a:rPr lang="ko-KR" altLang="en-US" dirty="0" smtClean="0"/>
-              <a:t>각각의 데이터</a:t>
+              <a:t>다음으로는 평가 지표에 대해서 </a:t>
+            </a:r>
+            <a:r>
+              <a:rPr lang="ko-KR" altLang="en-US" dirty="0" err="1" smtClean="0"/>
+              <a:t>설명드리겠습니다</a:t>
+            </a:r>
+            <a:r>
+              <a:rPr lang="en-US" altLang="ko-KR" dirty="0" smtClean="0"/>
+              <a:t>.</a:t>
+            </a:r>
+          </a:p>
+          <a:p>
+            <a:endParaRPr lang="en-US" altLang="ko-KR" dirty="0" smtClean="0"/>
+          </a:p>
+          <a:p>
+            <a:r>
+              <a:rPr lang="ko-KR" altLang="en-US" dirty="0" smtClean="0"/>
+              <a:t>각각의 </a:t>
+            </a:r>
+            <a:r>
+              <a:rPr lang="ko-KR" altLang="en-US" dirty="0" smtClean="0"/>
+              <a:t>데이터</a:t>
             </a:r>
             <a:r>
               <a:rPr lang="ko-KR" altLang="en-US" baseline="0" dirty="0" smtClean="0"/>
@@ -913,15 +1124,7 @@
             </a:r>
             <a:r>
               <a:rPr lang="ko-KR" altLang="en-US" dirty="0" smtClean="0"/>
-              <a:t>에 </a:t>
-            </a:r>
-            <a:r>
-              <a:rPr lang="ko-KR" altLang="en-US" dirty="0" smtClean="0"/>
-              <a:t>대한 평가 지표는 </a:t>
-            </a:r>
-            <a:r>
-              <a:rPr lang="ko-KR" altLang="en-US" dirty="0" smtClean="0"/>
-              <a:t>정밀도</a:t>
+              <a:t>에 대한 평가 지표는 정밀도</a:t>
             </a:r>
             <a:r>
               <a:rPr lang="en-US" altLang="ko-KR" dirty="0" smtClean="0"/>
@@ -933,11 +1136,7 @@
             </a:r>
             <a:r>
               <a:rPr lang="en-US" altLang="ko-KR" dirty="0" smtClean="0"/>
-              <a:t>, </a:t>
-            </a:r>
-            <a:r>
-              <a:rPr lang="en-US" altLang="ko-KR" dirty="0" smtClean="0"/>
-              <a:t>F1 score, F1 star</a:t>
+              <a:t>, F1 score, F1 star</a:t>
             </a:r>
             <a:r>
               <a:rPr lang="ko-KR" altLang="en-US" dirty="0" smtClean="0"/>
@@ -949,11 +1148,7 @@
             </a:r>
             <a:r>
               <a:rPr lang="ko-KR" altLang="en-US" dirty="0" smtClean="0"/>
-              <a:t>의 경우 </a:t>
-            </a:r>
-            <a:r>
-              <a:rPr lang="ko-KR" altLang="en-US" dirty="0" smtClean="0"/>
-              <a:t>정밀도와 </a:t>
+              <a:t>의 경우 정밀도와 </a:t>
             </a:r>
             <a:r>
               <a:rPr lang="ko-KR" altLang="en-US" dirty="0" err="1" smtClean="0"/>
@@ -961,15 +1156,7 @@
             </a:r>
             <a:r>
               <a:rPr lang="ko-KR" altLang="en-US" dirty="0" smtClean="0"/>
-              <a:t> </a:t>
-            </a:r>
-            <a:r>
-              <a:rPr lang="ko-KR" altLang="en-US" dirty="0" smtClean="0"/>
-              <a:t>평균을 사용하여 도출된 </a:t>
-            </a:r>
-            <a:r>
-              <a:rPr lang="ko-KR" altLang="en-US" dirty="0" smtClean="0"/>
-              <a:t>값입니다</a:t>
+              <a:t> 평균을 사용하여 도출된 값입니다</a:t>
             </a:r>
             <a:r>
               <a:rPr lang="en-US" altLang="ko-KR" dirty="0" smtClean="0"/>
@@ -1091,22 +1278,17 @@
             </a:r>
             <a:r>
               <a:rPr lang="ko-KR" altLang="en-US" dirty="0" smtClean="0"/>
-              <a:t>에 대한 비교 모델과의 성능 </a:t>
-            </a:r>
-            <a:r>
-              <a:rPr lang="ko-KR" altLang="en-US" dirty="0" smtClean="0"/>
-              <a:t>비교표입니다</a:t>
+              <a:t>에 대한 비교 모델과의 성능 비교표입니다</a:t>
             </a:r>
             <a:r>
               <a:rPr lang="en-US" altLang="ko-KR" dirty="0" smtClean="0"/>
               <a:t>.</a:t>
             </a:r>
+          </a:p>
+          <a:p>
             <a:endParaRPr lang="en-US" altLang="ko-KR" dirty="0" smtClean="0"/>
           </a:p>
           <a:p>
-            <a:endParaRPr lang="en-US" altLang="ko-KR" dirty="0" smtClean="0"/>
-          </a:p>
-          <a:p>
             <a:r>
               <a:rPr lang="ko-KR" altLang="en-US" dirty="0" smtClean="0"/>
               <a:t>첫 번째 표의 </a:t>
@@ -1120,8 +1302,16 @@
               <a:t>는 </a:t>
             </a:r>
             <a:r>
-              <a:rPr lang="en-US" altLang="ko-KR" dirty="0" smtClean="0"/>
-              <a:t>point-adjust </a:t>
+              <a:rPr lang="ko-KR" altLang="en-US" dirty="0" smtClean="0"/>
+              <a:t>포인트 </a:t>
+            </a:r>
+            <a:r>
+              <a:rPr lang="ko-KR" altLang="en-US" dirty="0" err="1" smtClean="0"/>
+              <a:t>어드저스트</a:t>
+            </a:r>
+            <a:r>
+              <a:rPr lang="en-US" altLang="ko-KR" dirty="0" smtClean="0"/>
+              <a:t> </a:t>
             </a:r>
             <a:r>
               <a:rPr lang="ko-KR" altLang="en-US" dirty="0" smtClean="0"/>
@@ -1274,34 +1464,42 @@
             </a:r>
             <a:r>
               <a:rPr lang="ko-KR" altLang="en-US" dirty="0" smtClean="0"/>
-              <a:t>가지 </a:t>
-            </a:r>
-            <a:r>
-              <a:rPr lang="ko-KR" altLang="en-US" dirty="0" smtClean="0"/>
-              <a:t>데이터 세트에 </a:t>
-            </a:r>
-            <a:r>
-              <a:rPr lang="ko-KR" altLang="en-US" dirty="0" smtClean="0"/>
-              <a:t>대한 </a:t>
-            </a:r>
-            <a:r>
-              <a:rPr lang="ko-KR" altLang="en-US" dirty="0" smtClean="0"/>
-              <a:t>알고리즘 별 </a:t>
-            </a:r>
-            <a:r>
-              <a:rPr lang="en-US" altLang="ko-KR" dirty="0" smtClean="0"/>
-              <a:t>average performance (standard deviation)</a:t>
-            </a:r>
-            <a:r>
-              <a:rPr lang="ko-KR" altLang="en-US" dirty="0" smtClean="0"/>
-              <a:t>을 기록한 </a:t>
-            </a:r>
-            <a:r>
-              <a:rPr lang="ko-KR" altLang="en-US" dirty="0" smtClean="0"/>
-              <a:t>표 입니다</a:t>
-            </a:r>
-            <a:r>
-              <a:rPr lang="en-US" altLang="ko-KR" dirty="0" smtClean="0"/>
+              <a:t>가지 데이터 세트에 대한 알고리즘 별 </a:t>
+            </a:r>
+            <a:r>
+              <a:rPr lang="ko-KR" altLang="en-US" dirty="0" smtClean="0"/>
+              <a:t>평균</a:t>
+            </a:r>
+            <a:r>
+              <a:rPr lang="ko-KR" altLang="en-US" baseline="0" dirty="0" smtClean="0"/>
+              <a:t> 성능</a:t>
+            </a:r>
+            <a:r>
+              <a:rPr lang="ko-KR" altLang="en-US" dirty="0" smtClean="0"/>
+              <a:t>을 </a:t>
+            </a:r>
+            <a:r>
+              <a:rPr lang="ko-KR" altLang="en-US" dirty="0" smtClean="0"/>
+              <a:t>기록한 표 </a:t>
+            </a:r>
+            <a:r>
+              <a:rPr lang="ko-KR" altLang="en-US" dirty="0" smtClean="0"/>
+              <a:t>이며</a:t>
+            </a:r>
+            <a:r>
+              <a:rPr lang="en-US" altLang="ko-KR" dirty="0" smtClean="0"/>
+              <a:t>,</a:t>
+            </a:r>
+            <a:r>
+              <a:rPr lang="en-US" altLang="ko-KR" baseline="0" dirty="0" smtClean="0"/>
+              <a:t> </a:t>
+            </a:r>
+            <a:r>
+              <a:rPr lang="ko-KR" altLang="en-US" baseline="0" dirty="0" smtClean="0"/>
+              <a:t>가로는 표준 편차를 의미합니다</a:t>
+            </a:r>
+            <a:r>
+              <a:rPr lang="en-US" altLang="ko-KR" baseline="0" dirty="0" smtClean="0"/>
               <a:t>.</a:t>
             </a:r>
             <a:endParaRPr lang="en-US" altLang="ko-KR" dirty="0" smtClean="0"/>
@@ -1320,22 +1518,17 @@
             </a:r>
             <a:r>
               <a:rPr lang="ko-KR" altLang="en-US" dirty="0" smtClean="0"/>
-              <a:t>가 좋은 성능을 보여주는 것을 확인할 수 </a:t>
-            </a:r>
-            <a:r>
-              <a:rPr lang="ko-KR" altLang="en-US" dirty="0" smtClean="0"/>
-              <a:t>있습니다</a:t>
+              <a:t>가 좋은 성능을 보여주는 것을 확인할 수 있습니다</a:t>
             </a:r>
             <a:r>
               <a:rPr lang="en-US" altLang="ko-KR" dirty="0" smtClean="0"/>
               <a:t>. </a:t>
             </a:r>
+          </a:p>
+          <a:p>
             <a:endParaRPr lang="en-US" altLang="ko-KR" dirty="0" smtClean="0"/>
           </a:p>
           <a:p>
-            <a:endParaRPr lang="en-US" altLang="ko-KR" dirty="0" smtClean="0"/>
-          </a:p>
-          <a:p>
             <a:r>
               <a:rPr lang="ko-KR" altLang="en-US" dirty="0" smtClean="0"/>
               <a:t>특히 </a:t>
@@ -1346,11 +1539,7 @@
             </a:r>
             <a:r>
               <a:rPr lang="ko-KR" altLang="en-US" dirty="0" smtClean="0"/>
-              <a:t>를 </a:t>
-            </a:r>
-            <a:r>
-              <a:rPr lang="ko-KR" altLang="en-US" dirty="0" smtClean="0"/>
-              <a:t>활용한 </a:t>
+              <a:t>를 활용한 </a:t>
             </a:r>
             <a:r>
               <a:rPr lang="en-US" altLang="ko-KR" dirty="0" smtClean="0"/>
@@ -1358,11 +1547,7 @@
             </a:r>
             <a:r>
               <a:rPr lang="ko-KR" altLang="en-US" dirty="0" smtClean="0"/>
-              <a:t>과 비교하면 월등한 성능을 </a:t>
-            </a:r>
-            <a:r>
-              <a:rPr lang="ko-KR" altLang="en-US" dirty="0" smtClean="0"/>
-              <a:t>보여줍니다</a:t>
+              <a:t>과 비교하면 월등한 성능을 보여줍니다</a:t>
             </a:r>
             <a:r>
               <a:rPr lang="en-US" altLang="ko-KR" dirty="0" smtClean="0"/>
@@ -1416,11 +1601,7 @@
             </a:r>
             <a:r>
               <a:rPr lang="ko-KR" altLang="en-US" dirty="0" smtClean="0"/>
-              <a:t>값이 </a:t>
-            </a:r>
-            <a:r>
-              <a:rPr lang="ko-KR" altLang="en-US" dirty="0" smtClean="0"/>
-              <a:t>커짐에 따라 </a:t>
+              <a:t>값이 커짐에 따라 </a:t>
             </a:r>
             <a:r>
               <a:rPr lang="en-US" altLang="ko-KR" dirty="0" smtClean="0"/>
@@ -1428,11 +1609,7 @@
             </a:r>
             <a:r>
               <a:rPr lang="ko-KR" altLang="en-US" dirty="0" smtClean="0"/>
-              <a:t>의 수가 많아짐을 확인할 수 </a:t>
-            </a:r>
-            <a:r>
-              <a:rPr lang="ko-KR" altLang="en-US" dirty="0" smtClean="0"/>
-              <a:t>있습니다</a:t>
+              <a:t>의 수가 많아짐을 확인할 수 있습니다</a:t>
             </a:r>
             <a:r>
               <a:rPr lang="en-US" altLang="ko-KR" dirty="0" smtClean="0"/>
@@ -1533,6 +1710,42 @@
           <a:bodyPr/>
           <a:lstStyle/>
           <a:p>
+            <a:r>
+              <a:rPr lang="ko-KR" altLang="en-US" dirty="0" smtClean="0"/>
+              <a:t>다음은 다운 샘플링</a:t>
+            </a:r>
+            <a:r>
+              <a:rPr lang="en-US" altLang="ko-KR" dirty="0" smtClean="0"/>
+              <a:t>,</a:t>
+            </a:r>
+            <a:r>
+              <a:rPr lang="en-US" altLang="ko-KR" baseline="0" dirty="0" smtClean="0"/>
+              <a:t> </a:t>
+            </a:r>
+            <a:r>
+              <a:rPr lang="ko-KR" altLang="en-US" baseline="0" dirty="0" smtClean="0"/>
+              <a:t>윈도우 사이즈</a:t>
+            </a:r>
+            <a:r>
+              <a:rPr lang="en-US" altLang="ko-KR" baseline="0" dirty="0" smtClean="0"/>
+              <a:t>, </a:t>
+            </a:r>
+            <a:r>
+              <a:rPr lang="ko-KR" altLang="en-US" baseline="0" dirty="0" smtClean="0"/>
+              <a:t>잠재 공간의 차원</a:t>
+            </a:r>
+            <a:r>
+              <a:rPr lang="en-US" altLang="ko-KR" baseline="0" dirty="0" smtClean="0"/>
+              <a:t>, </a:t>
+            </a:r>
+            <a:r>
+              <a:rPr lang="ko-KR" altLang="en-US" baseline="0" dirty="0" smtClean="0"/>
+              <a:t>이상 징후의 백분율에 따른 연구 결과 입니다</a:t>
+            </a:r>
+            <a:r>
+              <a:rPr lang="en-US" altLang="ko-KR" baseline="0" dirty="0" smtClean="0"/>
+              <a:t>.</a:t>
+            </a:r>
             <a:endParaRPr lang="ko-KR" altLang="en-US" dirty="0"/>
           </a:p>
         </p:txBody>
@@ -1641,24 +1854,24 @@
               <a:t>에서 </a:t>
             </a:r>
             <a:r>
+              <a:rPr lang="ko-KR" altLang="en-US" sz="800" dirty="0" smtClean="0"/>
+              <a:t>적대적 훈련의 </a:t>
+            </a:r>
+            <a:r>
+              <a:rPr lang="ko-KR" altLang="en-US" sz="800" dirty="0" smtClean="0"/>
+              <a:t>효과를 확인하기 위한 </a:t>
+            </a:r>
+            <a:r>
+              <a:rPr lang="ko-KR" altLang="en-US" sz="800" dirty="0" smtClean="0"/>
+              <a:t>절제 연구</a:t>
+            </a:r>
+            <a:r>
               <a:rPr lang="en-US" altLang="ko-KR" sz="800" dirty="0" smtClean="0"/>
-              <a:t>adversarial training</a:t>
+              <a:t> </a:t>
             </a:r>
             <a:r>
               <a:rPr lang="ko-KR" altLang="en-US" sz="800" dirty="0" smtClean="0"/>
-              <a:t>의 효과를 확인하기 위한 </a:t>
-            </a:r>
-            <a:r>
-              <a:rPr lang="en-US" altLang="ko-KR" sz="800" dirty="0" smtClean="0"/>
-              <a:t>ablation study </a:t>
-            </a:r>
-            <a:r>
-              <a:rPr lang="ko-KR" altLang="en-US" sz="800" dirty="0" smtClean="0"/>
-              <a:t>결과는 다음과 </a:t>
-            </a:r>
-            <a:r>
-              <a:rPr lang="ko-KR" altLang="en-US" sz="800" dirty="0" smtClean="0"/>
-              <a:t>같습니다</a:t>
+              <a:t>결과는 다음과 같습니다</a:t>
             </a:r>
             <a:r>
               <a:rPr lang="en-US" altLang="ko-KR" sz="800" dirty="0" smtClean="0"/>
@@ -1675,15 +1888,7 @@
             </a:r>
             <a:r>
               <a:rPr lang="ko-KR" altLang="en-US" sz="800" dirty="0" smtClean="0"/>
-              <a:t>가지 </a:t>
-            </a:r>
-            <a:r>
-              <a:rPr lang="ko-KR" altLang="en-US" sz="800" dirty="0" smtClean="0"/>
-              <a:t>데이터 세트에 </a:t>
-            </a:r>
-            <a:r>
-              <a:rPr lang="ko-KR" altLang="en-US" sz="800" dirty="0" smtClean="0"/>
-              <a:t>대해서 순수 </a:t>
+              <a:t>가지 데이터 세트에 대해서 순수 </a:t>
             </a:r>
             <a:r>
               <a:rPr lang="en-US" altLang="ko-KR" sz="800" dirty="0" smtClean="0"/>
@@ -1699,15 +1904,7 @@
             </a:r>
             <a:r>
               <a:rPr lang="ko-KR" altLang="en-US" sz="800" dirty="0" smtClean="0"/>
-              <a:t>와 </a:t>
-            </a:r>
-            <a:r>
-              <a:rPr lang="ko-KR" altLang="en-US" sz="800" dirty="0" smtClean="0"/>
-              <a:t>결합했을 때 가장 좋은 성능을 보인 것을 확인할 수 </a:t>
-            </a:r>
-            <a:r>
-              <a:rPr lang="ko-KR" altLang="en-US" sz="800" dirty="0" smtClean="0"/>
-              <a:t>있습니다</a:t>
+              <a:t>와 결합했을 때 가장 좋은 성능을 보인 것을 확인할 수 있습니다</a:t>
             </a:r>
             <a:r>
               <a:rPr lang="en-US" altLang="ko-KR" sz="800" dirty="0" smtClean="0"/>
@@ -2227,12 +2424,8 @@
               <a:t>대부분은 </a:t>
             </a:r>
             <a:r>
-              <a:rPr lang="en-US" altLang="ko-KR" baseline="0" dirty="0" smtClean="0"/>
-              <a:t>real world</a:t>
-            </a:r>
-            <a:r>
               <a:rPr lang="ko-KR" altLang="en-US" baseline="0" dirty="0" smtClean="0"/>
-              <a:t>에서는 </a:t>
+              <a:t>현실에서는 </a:t>
             </a:r>
             <a:r>
               <a:rPr lang="en-US" altLang="ko-KR" baseline="0" dirty="0" smtClean="0"/>
@@ -2298,6 +2491,9 @@
             <a:endParaRPr lang="en-US" altLang="ko-KR" dirty="0" smtClean="0"/>
           </a:p>
           <a:p>
+            <a:endParaRPr lang="en-US" altLang="ko-KR" dirty="0" smtClean="0"/>
+          </a:p>
+          <a:p>
             <a:r>
               <a:rPr lang="en-US" altLang="ko-KR" dirty="0" smtClean="0"/>
               <a:t>Anomaly detection task</a:t>
@@ -2337,13 +2533,20 @@
             <a:endParaRPr lang="en-US" altLang="ko-KR" dirty="0" smtClean="0"/>
           </a:p>
           <a:p>
+            <a:endParaRPr lang="en-US" altLang="ko-KR" dirty="0" smtClean="0"/>
+          </a:p>
+          <a:p>
             <a:r>
               <a:rPr lang="ko-KR" altLang="en-US" dirty="0" smtClean="0"/>
               <a:t>오른쪽</a:t>
             </a:r>
             <a:r>
               <a:rPr lang="ko-KR" altLang="en-US" baseline="0" dirty="0" smtClean="0"/>
-              <a:t> 아래의 그림과 같은 시간 연속적인 데이터를 의미합니다</a:t>
+              <a:t> </a:t>
+            </a:r>
+            <a:r>
+              <a:rPr lang="ko-KR" altLang="en-US" baseline="0" dirty="0" smtClean="0"/>
+              <a:t>아래의 그림과 같은 시간 연속적인 데이터를 의미합니다</a:t>
             </a:r>
             <a:r>
               <a:rPr lang="en-US" altLang="ko-KR" baseline="0" dirty="0" smtClean="0"/>
@@ -2560,12 +2763,16 @@
               <a:t>먼저 </a:t>
             </a:r>
             <a:r>
-              <a:rPr lang="en-US" altLang="ko-KR" baseline="0" dirty="0" err="1" smtClean="0"/>
-              <a:t>autoencoder</a:t>
-            </a:r>
-            <a:r>
               <a:rPr lang="en-US" altLang="ko-KR" baseline="0" dirty="0" smtClean="0"/>
+              <a:t>auto</a:t>
+            </a:r>
+            <a:r>
+              <a:rPr lang="ko-KR" altLang="en-US" baseline="0" dirty="0" smtClean="0"/>
               <a:t> </a:t>
+            </a:r>
+            <a:r>
+              <a:rPr lang="en-US" altLang="ko-KR" baseline="0" dirty="0" smtClean="0"/>
+              <a:t>encoder </a:t>
             </a:r>
             <a:r>
               <a:rPr lang="ko-KR" altLang="en-US" baseline="0" dirty="0" smtClean="0"/>
@@ -3495,11 +3702,7 @@
             </a:r>
             <a:r>
               <a:rPr lang="ko-KR" altLang="en-US" dirty="0" smtClean="0"/>
-              <a:t>는 </a:t>
-            </a:r>
-            <a:r>
-              <a:rPr lang="ko-KR" altLang="en-US" dirty="0" smtClean="0"/>
-              <a:t>아래의 그림과 같으며</a:t>
+              <a:t>는 아래의 그림과 같으며</a:t>
             </a:r>
             <a:r>
               <a:rPr lang="en-US" altLang="ko-KR" dirty="0" smtClean="0"/>
@@ -3556,11 +3759,7 @@
             </a:r>
             <a:r>
               <a:rPr lang="ko-KR" altLang="en-US" dirty="0" smtClean="0"/>
-              <a:t>과 동일한 구조를 </a:t>
-            </a:r>
-            <a:r>
-              <a:rPr lang="ko-KR" altLang="en-US" dirty="0" smtClean="0"/>
-              <a:t>갖습니다</a:t>
+              <a:t>과 동일한 구조를 갖습니다</a:t>
             </a:r>
             <a:r>
               <a:rPr lang="en-US" altLang="ko-KR" dirty="0" smtClean="0"/>
@@ -3573,11 +3772,7 @@
           <a:p>
             <a:r>
               <a:rPr lang="ko-KR" altLang="en-US" dirty="0" smtClean="0"/>
-              <a:t>두 </a:t>
-            </a:r>
-            <a:r>
-              <a:rPr lang="ko-KR" altLang="en-US" dirty="0" smtClean="0"/>
-              <a:t>개의 </a:t>
+              <a:t>두 개의 </a:t>
             </a:r>
             <a:r>
               <a:rPr lang="en-US" altLang="ko-KR" dirty="0" smtClean="0"/>
@@ -3589,31 +3784,15 @@
             </a:r>
             <a:r>
               <a:rPr lang="en-US" altLang="ko-KR" dirty="0" smtClean="0"/>
-              <a:t>D_1</a:t>
-            </a:r>
-            <a:r>
-              <a:rPr lang="en-US" altLang="ko-KR" dirty="0" smtClean="0"/>
-              <a:t>, </a:t>
-            </a:r>
-            <a:r>
-              <a:rPr lang="en-US" altLang="ko-KR" dirty="0" smtClean="0"/>
-              <a:t>D_2</a:t>
-            </a:r>
-            <a:r>
-              <a:rPr lang="ko-KR" altLang="en-US" dirty="0" smtClean="0"/>
-              <a:t>로 </a:t>
-            </a:r>
-            <a:r>
-              <a:rPr lang="ko-KR" altLang="en-US" dirty="0" smtClean="0"/>
-              <a:t>표기되며 이들은 동일한 </a:t>
-            </a:r>
-            <a:r>
-              <a:rPr lang="en-US" altLang="ko-KR" dirty="0" smtClean="0"/>
-              <a:t>encoder network </a:t>
-            </a:r>
-            <a:r>
-              <a:rPr lang="en-US" altLang="ko-KR" dirty="0" smtClean="0"/>
-              <a:t>E </a:t>
+              <a:t>D_1, D_2</a:t>
+            </a:r>
+            <a:r>
+              <a:rPr lang="ko-KR" altLang="en-US" dirty="0" smtClean="0"/>
+              <a:t>로 표기되며 이들은 동일한 </a:t>
+            </a:r>
+            <a:r>
+              <a:rPr lang="en-US" altLang="ko-KR" dirty="0" smtClean="0"/>
+              <a:t>encoder network E </a:t>
             </a:r>
             <a:r>
               <a:rPr lang="ko-KR" altLang="en-US" dirty="0" smtClean="0"/>
@@ -3678,15 +3857,7 @@
             </a:r>
             <a:r>
               <a:rPr lang="ko-KR" altLang="en-US" dirty="0" smtClean="0"/>
-              <a:t>는 </a:t>
-            </a:r>
-            <a:r>
-              <a:rPr lang="ko-KR" altLang="en-US" dirty="0" smtClean="0"/>
-              <a:t>각각 </a:t>
-            </a:r>
-            <a:r>
-              <a:rPr lang="ko-KR" altLang="en-US" dirty="0" smtClean="0"/>
-              <a:t>왼쪽</a:t>
+              <a:t>는 각각 왼쪽</a:t>
             </a:r>
             <a:r>
               <a:rPr lang="ko-KR" altLang="en-US" baseline="0" dirty="0" smtClean="0"/>
@@ -3694,11 +3865,7 @@
             </a:r>
             <a:r>
               <a:rPr lang="ko-KR" altLang="en-US" dirty="0" smtClean="0"/>
-              <a:t>와 </a:t>
-            </a:r>
-            <a:r>
-              <a:rPr lang="ko-KR" altLang="en-US" dirty="0" smtClean="0"/>
-              <a:t>같이 표기된다</a:t>
+              <a:t>와 같이 표기된다</a:t>
             </a:r>
             <a:r>
               <a:rPr lang="en-US" altLang="ko-KR" dirty="0" smtClean="0"/>
@@ -3831,11 +3998,7 @@
             </a:r>
             <a:r>
               <a:rPr lang="ko-KR" altLang="en-US" dirty="0" smtClean="0"/>
-              <a:t>의 학습 단계와 탐지 단계에 </a:t>
-            </a:r>
-            <a:r>
-              <a:rPr lang="ko-KR" altLang="en-US" dirty="0" smtClean="0"/>
-              <a:t>대해서 </a:t>
+              <a:t>의 학습 단계와 탐지 단계에 대해서 </a:t>
             </a:r>
             <a:r>
               <a:rPr lang="ko-KR" altLang="en-US" dirty="0" err="1" smtClean="0"/>
@@ -3845,7 +4008,6 @@
               <a:rPr lang="en-US" altLang="ko-KR" dirty="0" smtClean="0"/>
               <a:t>.</a:t>
             </a:r>
-            <a:endParaRPr lang="en-US" altLang="ko-KR" dirty="0" smtClean="0"/>
           </a:p>
           <a:p>
             <a:pPr marL="0" marR="0" indent="0" algn="l" defTabSz="914400" rtl="0" eaLnBrk="1" fontAlgn="auto" latinLnBrk="1" hangingPunct="1">
@@ -3874,11 +4036,7 @@
             </a:r>
             <a:r>
               <a:rPr lang="ko-KR" altLang="en-US" dirty="0" smtClean="0"/>
-              <a:t>는 두 단계를 거쳐서 학습이 </a:t>
-            </a:r>
-            <a:r>
-              <a:rPr lang="ko-KR" altLang="en-US" dirty="0" smtClean="0"/>
-              <a:t>진행되며</a:t>
+              <a:t>는 두 단계를 거쳐서 학습이 진행되며</a:t>
             </a:r>
             <a:r>
               <a:rPr lang="en-US" altLang="ko-KR" dirty="0" smtClean="0"/>
@@ -3890,11 +4048,7 @@
             </a:r>
             <a:r>
               <a:rPr lang="ko-KR" altLang="en-US" dirty="0" smtClean="0"/>
-              <a:t>첫 </a:t>
-            </a:r>
-            <a:r>
-              <a:rPr lang="ko-KR" altLang="en-US" dirty="0" smtClean="0"/>
-              <a:t>번째 단계는 </a:t>
+              <a:t>첫 번째 단계는 </a:t>
             </a:r>
             <a:r>
               <a:rPr lang="en-US" altLang="ko-KR" dirty="0" smtClean="0"/>
@@ -3906,11 +4060,7 @@
             </a:r>
             <a:r>
               <a:rPr lang="en-US" altLang="ko-KR" dirty="0" smtClean="0"/>
-              <a:t> </a:t>
-            </a:r>
-            <a:r>
-              <a:rPr lang="en-US" altLang="ko-KR" dirty="0" smtClean="0"/>
-              <a:t>training </a:t>
+              <a:t> training </a:t>
             </a:r>
             <a:r>
               <a:rPr lang="ko-KR" altLang="en-US" dirty="0" smtClean="0"/>
@@ -3922,11 +4072,7 @@
             </a:r>
             <a:r>
               <a:rPr lang="ko-KR" altLang="en-US" dirty="0" smtClean="0"/>
-              <a:t>를 </a:t>
-            </a:r>
-            <a:r>
-              <a:rPr lang="ko-KR" altLang="en-US" dirty="0" smtClean="0"/>
-              <a:t>학습하는 것과 동일한 과정을 거친다</a:t>
+              <a:t>를 학습하는 것과 동일한 과정을 거친다</a:t>
             </a:r>
             <a:r>
               <a:rPr lang="en-US" altLang="ko-KR" dirty="0" smtClean="0"/>
@@ -3983,11 +4129,7 @@
             </a:r>
             <a:r>
               <a:rPr lang="en-US" altLang="ko-KR" dirty="0" smtClean="0"/>
-              <a:t>auto encoder </a:t>
-            </a:r>
-            <a:r>
-              <a:rPr lang="en-US" altLang="ko-KR" dirty="0" smtClean="0"/>
-              <a:t>training </a:t>
+              <a:t>auto encoder training </a:t>
             </a:r>
             <a:r>
               <a:rPr lang="ko-KR" altLang="en-US" dirty="0" smtClean="0"/>
@@ -4015,11 +4157,7 @@
             </a:r>
             <a:r>
               <a:rPr lang="ko-KR" altLang="en-US" dirty="0" smtClean="0"/>
-              <a:t>를 잘 복원하도록 학습을 </a:t>
-            </a:r>
-            <a:r>
-              <a:rPr lang="ko-KR" altLang="en-US" dirty="0" smtClean="0"/>
-              <a:t>진행합니다</a:t>
+              <a:t>를 잘 복원하도록 학습을 진행합니다</a:t>
             </a:r>
             <a:r>
               <a:rPr lang="en-US" altLang="ko-KR" dirty="0" smtClean="0"/>
@@ -4050,11 +4188,7 @@
             </a:pPr>
             <a:r>
               <a:rPr lang="ko-KR" altLang="en-US" dirty="0" smtClean="0"/>
-              <a:t>다음으로 </a:t>
-            </a:r>
-            <a:r>
-              <a:rPr lang="ko-KR" altLang="en-US" dirty="0" smtClean="0"/>
-              <a:t>두 번째 단계인 </a:t>
+              <a:t>다음으로 두 번째 단계인 </a:t>
             </a:r>
             <a:r>
               <a:rPr lang="en-US" altLang="ko-KR" dirty="0" smtClean="0"/>
@@ -4066,259 +4200,11 @@
             </a:r>
             <a:r>
               <a:rPr lang="en-US" altLang="ko-KR" dirty="0" smtClean="0"/>
-              <a:t>auto encoder </a:t>
-            </a:r>
-            <a:r>
-              <a:rPr lang="en-US" altLang="ko-KR" dirty="0" smtClean="0"/>
-              <a:t>(AE_1, AE_2</a:t>
-            </a:r>
-            <a:r>
-              <a:rPr lang="en-US" altLang="ko-KR" dirty="0" smtClean="0"/>
-              <a:t>)</a:t>
+              <a:t>auto encoder (AE_1, AE_2)</a:t>
             </a:r>
             <a:r>
               <a:rPr lang="ko-KR" altLang="en-US" dirty="0" smtClean="0"/>
               <a:t>는</a:t>
-            </a:r>
-            <a:endParaRPr lang="en-US" altLang="ko-KR" dirty="0" smtClean="0"/>
-          </a:p>
-          <a:p>
-            <a:r>
-              <a:rPr lang="ko-KR" altLang="en-US" dirty="0" smtClean="0"/>
-              <a:t>실제 데이터와 </a:t>
-            </a:r>
-            <a:r>
-              <a:rPr lang="en-US" altLang="ko-KR" dirty="0" smtClean="0"/>
-              <a:t>AE_1</a:t>
-            </a:r>
-            <a:r>
-              <a:rPr lang="ko-KR" altLang="en-US" dirty="0" smtClean="0"/>
-              <a:t>의 데이터를 구분하도록 </a:t>
-            </a:r>
-            <a:r>
-              <a:rPr lang="en-US" altLang="ko-KR" dirty="0" smtClean="0"/>
-              <a:t>AE_2</a:t>
-            </a:r>
-            <a:r>
-              <a:rPr lang="ko-KR" altLang="en-US" dirty="0" smtClean="0"/>
-              <a:t>를 교육하고 </a:t>
-            </a:r>
-            <a:r>
-              <a:rPr lang="en-US" altLang="ko-KR" dirty="0" smtClean="0"/>
-              <a:t>AE_1</a:t>
-            </a:r>
-            <a:r>
-              <a:rPr lang="ko-KR" altLang="en-US" dirty="0" smtClean="0"/>
-              <a:t>을 교육하여 </a:t>
-            </a:r>
-            <a:r>
-              <a:rPr lang="en-US" altLang="ko-KR" dirty="0" smtClean="0"/>
-              <a:t>AE_2</a:t>
-            </a:r>
-            <a:r>
-              <a:rPr lang="ko-KR" altLang="en-US" dirty="0" smtClean="0"/>
-              <a:t>를 속이기</a:t>
-            </a:r>
-            <a:r>
-              <a:rPr lang="ko-KR" altLang="en-US" baseline="0" dirty="0" smtClean="0"/>
-              <a:t> 위한</a:t>
-            </a:r>
-            <a:r>
-              <a:rPr lang="ko-KR" altLang="en-US" dirty="0" smtClean="0"/>
-              <a:t> 목적을 지닙니다</a:t>
-            </a:r>
-            <a:r>
-              <a:rPr lang="en-US" altLang="ko-KR" dirty="0" smtClean="0"/>
-              <a:t>.</a:t>
-            </a:r>
-          </a:p>
-          <a:p>
-            <a:endParaRPr lang="en-US" altLang="ko-KR" i="1" dirty="0" smtClean="0"/>
-          </a:p>
-          <a:p>
-            <a:r>
-              <a:rPr lang="en-US" altLang="ko-KR" i="1" dirty="0" smtClean="0"/>
-              <a:t>AE_2</a:t>
-            </a:r>
-            <a:r>
-              <a:rPr lang="ko-KR" altLang="en-US" dirty="0" smtClean="0"/>
-              <a:t>는 실제 데이터인 </a:t>
-            </a:r>
-            <a:r>
-              <a:rPr lang="en-US" altLang="ko-KR" dirty="0" smtClean="0"/>
-              <a:t>W</a:t>
-            </a:r>
-            <a:r>
-              <a:rPr lang="ko-KR" altLang="en-US" dirty="0" smtClean="0"/>
-              <a:t>와 </a:t>
-            </a:r>
-            <a:r>
-              <a:rPr lang="en-US" altLang="ko-KR" dirty="0" smtClean="0"/>
-              <a:t>AE_1</a:t>
-            </a:r>
-            <a:r>
-              <a:rPr lang="ko-KR" altLang="en-US" dirty="0" smtClean="0"/>
-              <a:t>로 </a:t>
-            </a:r>
-            <a:r>
-              <a:rPr lang="ko-KR" altLang="en-US" dirty="0" smtClean="0"/>
-              <a:t>부터 복원된 </a:t>
-            </a:r>
-            <a:r>
-              <a:rPr lang="ko-KR" altLang="en-US" dirty="0" smtClean="0"/>
-              <a:t>가상 데이터인 </a:t>
-            </a:r>
-            <a:r>
-              <a:rPr lang="en-US" altLang="ko-KR" dirty="0" smtClean="0"/>
-              <a:t>AE_1(W)</a:t>
-            </a:r>
-            <a:r>
-              <a:rPr lang="ko-KR" altLang="en-US" dirty="0" smtClean="0"/>
-              <a:t>를 </a:t>
-            </a:r>
-            <a:r>
-              <a:rPr lang="ko-KR" altLang="en-US" dirty="0" smtClean="0"/>
-              <a:t>구분하도록 </a:t>
-            </a:r>
-            <a:r>
-              <a:rPr lang="ko-KR" altLang="en-US" dirty="0" smtClean="0"/>
-              <a:t>학습하며</a:t>
-            </a:r>
-            <a:endParaRPr lang="en-US" altLang="ko-KR" dirty="0" smtClean="0"/>
-          </a:p>
-          <a:p>
-            <a:endParaRPr lang="en-US" altLang="ko-KR" dirty="0" smtClean="0"/>
-          </a:p>
-          <a:p>
-            <a:r>
-              <a:rPr lang="ko-KR" altLang="en-US" dirty="0" smtClean="0"/>
-              <a:t>반면 </a:t>
-            </a:r>
-            <a:r>
-              <a:rPr lang="en-US" altLang="ko-KR" dirty="0" smtClean="0"/>
-              <a:t>AE_1</a:t>
-            </a:r>
-            <a:r>
-              <a:rPr lang="ko-KR" altLang="en-US" dirty="0" smtClean="0"/>
-              <a:t>은 </a:t>
-            </a:r>
-            <a:r>
-              <a:rPr lang="en-US" altLang="ko-KR" dirty="0" smtClean="0"/>
-              <a:t>AE_2</a:t>
-            </a:r>
-            <a:r>
-              <a:rPr lang="ko-KR" altLang="en-US" dirty="0" smtClean="0"/>
-              <a:t>의 </a:t>
-            </a:r>
-            <a:r>
-              <a:rPr lang="en-US" altLang="ko-KR" dirty="0" smtClean="0"/>
-              <a:t>real</a:t>
-            </a:r>
-            <a:r>
-              <a:rPr lang="ko-KR" altLang="en-US" dirty="0" smtClean="0"/>
-              <a:t>과 </a:t>
-            </a:r>
-            <a:r>
-              <a:rPr lang="en-US" altLang="ko-KR" dirty="0" smtClean="0"/>
-              <a:t>fake</a:t>
-            </a:r>
-            <a:r>
-              <a:rPr lang="ko-KR" altLang="en-US" dirty="0" smtClean="0"/>
-              <a:t>에 대한 판별 성능을 저하시키는 것을 목적으로 학습이 </a:t>
-            </a:r>
-            <a:r>
-              <a:rPr lang="ko-KR" altLang="en-US" dirty="0" smtClean="0"/>
-              <a:t>진행됩니다</a:t>
-            </a:r>
-            <a:r>
-              <a:rPr lang="en-US" altLang="ko-KR" dirty="0" smtClean="0"/>
-              <a:t>.</a:t>
-            </a:r>
-          </a:p>
-          <a:p>
-            <a:endParaRPr lang="en-US" altLang="ko-KR" dirty="0" smtClean="0"/>
-          </a:p>
-          <a:p>
-            <a:r>
-              <a:rPr lang="ko-KR" altLang="en-US" dirty="0" smtClean="0"/>
-              <a:t>결론적으로 </a:t>
-            </a:r>
-            <a:r>
-              <a:rPr lang="en-US" altLang="ko-KR" dirty="0" smtClean="0"/>
-              <a:t>AE_1</a:t>
-            </a:r>
-            <a:r>
-              <a:rPr lang="ko-KR" altLang="en-US" dirty="0" smtClean="0"/>
-              <a:t>은 </a:t>
-            </a:r>
-            <a:r>
-              <a:rPr lang="en-US" altLang="ko-KR" dirty="0" smtClean="0"/>
-              <a:t>GANs</a:t>
-            </a:r>
-            <a:r>
-              <a:rPr lang="ko-KR" altLang="en-US" dirty="0" smtClean="0"/>
-              <a:t>에서 </a:t>
-            </a:r>
-            <a:r>
-              <a:rPr lang="ko-KR" altLang="en-US" dirty="0" smtClean="0"/>
-              <a:t>생성자의 </a:t>
-            </a:r>
-            <a:r>
-              <a:rPr lang="ko-KR" altLang="en-US" dirty="0" smtClean="0"/>
-              <a:t>역할을</a:t>
-            </a:r>
-            <a:r>
-              <a:rPr lang="en-US" altLang="ko-KR" dirty="0" smtClean="0"/>
-              <a:t>, </a:t>
-            </a:r>
-            <a:r>
-              <a:rPr lang="en-US" altLang="ko-KR" dirty="0" smtClean="0"/>
-              <a:t>AE_2</a:t>
-            </a:r>
-            <a:r>
-              <a:rPr lang="ko-KR" altLang="en-US" dirty="0" smtClean="0"/>
-              <a:t>는 </a:t>
-            </a:r>
-            <a:r>
-              <a:rPr lang="ko-KR" altLang="en-US" dirty="0" err="1" smtClean="0"/>
-              <a:t>판별자의</a:t>
-            </a:r>
-            <a:r>
-              <a:rPr lang="ko-KR" altLang="en-US" dirty="0" smtClean="0"/>
-              <a:t> </a:t>
-            </a:r>
-            <a:r>
-              <a:rPr lang="ko-KR" altLang="en-US" dirty="0" smtClean="0"/>
-              <a:t>역할을 수행한다</a:t>
-            </a:r>
-            <a:r>
-              <a:rPr lang="en-US" altLang="ko-KR" dirty="0" smtClean="0"/>
-              <a:t>.</a:t>
-            </a:r>
-          </a:p>
-          <a:p>
-            <a:endParaRPr lang="en-US" altLang="ko-KR" dirty="0" smtClean="0"/>
-          </a:p>
-          <a:p>
-            <a:r>
-              <a:rPr lang="en-US" altLang="ko-KR" dirty="0" smtClean="0"/>
-              <a:t>Adversarial </a:t>
-            </a:r>
-            <a:r>
-              <a:rPr lang="en-US" altLang="ko-KR" dirty="0" smtClean="0"/>
-              <a:t>training </a:t>
-            </a:r>
-            <a:r>
-              <a:rPr lang="ko-KR" altLang="en-US" dirty="0" smtClean="0"/>
-              <a:t>단계에서의 목적함수는 </a:t>
-            </a:r>
-            <a:r>
-              <a:rPr lang="ko-KR" altLang="en-US" dirty="0" smtClean="0"/>
-              <a:t>아래의 두</a:t>
-            </a:r>
-            <a:r>
-              <a:rPr lang="ko-KR" altLang="en-US" baseline="0" dirty="0" smtClean="0"/>
-              <a:t> 가지로 나타낼 수 있으며</a:t>
             </a:r>
             <a:endParaRPr lang="en-US" altLang="ko-KR" dirty="0" smtClean="0"/>
           </a:p>
@@ -4345,6 +4231,222 @@
           <a:p>
             <a:r>
               <a:rPr lang="ko-KR" altLang="en-US" dirty="0" smtClean="0"/>
+              <a:t>실제 데이터와 </a:t>
+            </a:r>
+            <a:r>
+              <a:rPr lang="en-US" altLang="ko-KR" dirty="0" smtClean="0"/>
+              <a:t>AE_1</a:t>
+            </a:r>
+            <a:r>
+              <a:rPr lang="ko-KR" altLang="en-US" dirty="0" smtClean="0"/>
+              <a:t>의 데이터를 구분하도록 </a:t>
+            </a:r>
+            <a:r>
+              <a:rPr lang="en-US" altLang="ko-KR" dirty="0" smtClean="0"/>
+              <a:t>AE_2</a:t>
+            </a:r>
+            <a:r>
+              <a:rPr lang="ko-KR" altLang="en-US" dirty="0" smtClean="0"/>
+              <a:t>를 교육하고 </a:t>
+            </a:r>
+            <a:r>
+              <a:rPr lang="en-US" altLang="ko-KR" dirty="0" smtClean="0"/>
+              <a:t>AE_1</a:t>
+            </a:r>
+            <a:r>
+              <a:rPr lang="ko-KR" altLang="en-US" dirty="0" smtClean="0"/>
+              <a:t>을 교육하여 </a:t>
+            </a:r>
+            <a:r>
+              <a:rPr lang="en-US" altLang="ko-KR" dirty="0" smtClean="0"/>
+              <a:t>AE_2</a:t>
+            </a:r>
+            <a:r>
+              <a:rPr lang="ko-KR" altLang="en-US" dirty="0" smtClean="0"/>
+              <a:t>를 속이기</a:t>
+            </a:r>
+            <a:r>
+              <a:rPr lang="ko-KR" altLang="en-US" baseline="0" dirty="0" smtClean="0"/>
+              <a:t> 위한</a:t>
+            </a:r>
+            <a:r>
+              <a:rPr lang="ko-KR" altLang="en-US" dirty="0" smtClean="0"/>
+              <a:t> 목적을 지닙니다</a:t>
+            </a:r>
+            <a:r>
+              <a:rPr lang="en-US" altLang="ko-KR" dirty="0" smtClean="0"/>
+              <a:t>.</a:t>
+            </a:r>
+          </a:p>
+          <a:p>
+            <a:endParaRPr lang="en-US" altLang="ko-KR" i="1" dirty="0" smtClean="0"/>
+          </a:p>
+          <a:p>
+            <a:r>
+              <a:rPr lang="en-US" altLang="ko-KR" i="1" dirty="0" smtClean="0"/>
+              <a:t>AE_2</a:t>
+            </a:r>
+            <a:r>
+              <a:rPr lang="ko-KR" altLang="en-US" dirty="0" smtClean="0"/>
+              <a:t>는 실제 데이터인 </a:t>
+            </a:r>
+            <a:r>
+              <a:rPr lang="en-US" altLang="ko-KR" dirty="0" smtClean="0"/>
+              <a:t>W</a:t>
+            </a:r>
+            <a:r>
+              <a:rPr lang="ko-KR" altLang="en-US" dirty="0" smtClean="0"/>
+              <a:t>와 </a:t>
+            </a:r>
+            <a:r>
+              <a:rPr lang="en-US" altLang="ko-KR" dirty="0" smtClean="0"/>
+              <a:t>AE_1</a:t>
+            </a:r>
+            <a:r>
+              <a:rPr lang="ko-KR" altLang="en-US" dirty="0" smtClean="0"/>
+              <a:t>로 부터 복원된 가상 데이터인 </a:t>
+            </a:r>
+            <a:r>
+              <a:rPr lang="en-US" altLang="ko-KR" dirty="0" smtClean="0"/>
+              <a:t>AE_1(W)</a:t>
+            </a:r>
+            <a:r>
+              <a:rPr lang="ko-KR" altLang="en-US" dirty="0" smtClean="0"/>
+              <a:t>를 구분하도록 학습하며</a:t>
+            </a:r>
+            <a:endParaRPr lang="en-US" altLang="ko-KR" dirty="0" smtClean="0"/>
+          </a:p>
+          <a:p>
+            <a:endParaRPr lang="en-US" altLang="ko-KR" dirty="0" smtClean="0"/>
+          </a:p>
+          <a:p>
+            <a:r>
+              <a:rPr lang="ko-KR" altLang="en-US" dirty="0" smtClean="0"/>
+              <a:t>반면 </a:t>
+            </a:r>
+            <a:r>
+              <a:rPr lang="en-US" altLang="ko-KR" dirty="0" smtClean="0"/>
+              <a:t>AE_1</a:t>
+            </a:r>
+            <a:r>
+              <a:rPr lang="ko-KR" altLang="en-US" dirty="0" smtClean="0"/>
+              <a:t>은 </a:t>
+            </a:r>
+            <a:r>
+              <a:rPr lang="en-US" altLang="ko-KR" dirty="0" smtClean="0"/>
+              <a:t>AE_2</a:t>
+            </a:r>
+            <a:r>
+              <a:rPr lang="ko-KR" altLang="en-US" dirty="0" smtClean="0"/>
+              <a:t>의 </a:t>
+            </a:r>
+            <a:r>
+              <a:rPr lang="en-US" altLang="ko-KR" dirty="0" smtClean="0"/>
+              <a:t>real</a:t>
+            </a:r>
+            <a:r>
+              <a:rPr lang="ko-KR" altLang="en-US" dirty="0" smtClean="0"/>
+              <a:t>과 </a:t>
+            </a:r>
+            <a:r>
+              <a:rPr lang="en-US" altLang="ko-KR" dirty="0" smtClean="0"/>
+              <a:t>fake</a:t>
+            </a:r>
+            <a:r>
+              <a:rPr lang="ko-KR" altLang="en-US" dirty="0" smtClean="0"/>
+              <a:t>에 대한 판별 성능을 저하시키는 것을 목적으로 학습이 진행됩니다</a:t>
+            </a:r>
+            <a:r>
+              <a:rPr lang="en-US" altLang="ko-KR" dirty="0" smtClean="0"/>
+              <a:t>.</a:t>
+            </a:r>
+          </a:p>
+          <a:p>
+            <a:endParaRPr lang="en-US" altLang="ko-KR" dirty="0" smtClean="0"/>
+          </a:p>
+          <a:p>
+            <a:r>
+              <a:rPr lang="ko-KR" altLang="en-US" dirty="0" smtClean="0"/>
+              <a:t>결론적으로 </a:t>
+            </a:r>
+            <a:r>
+              <a:rPr lang="en-US" altLang="ko-KR" dirty="0" smtClean="0"/>
+              <a:t>AE_1</a:t>
+            </a:r>
+            <a:r>
+              <a:rPr lang="ko-KR" altLang="en-US" dirty="0" smtClean="0"/>
+              <a:t>은 </a:t>
+            </a:r>
+            <a:r>
+              <a:rPr lang="en-US" altLang="ko-KR" dirty="0" smtClean="0"/>
+              <a:t>GANs</a:t>
+            </a:r>
+            <a:r>
+              <a:rPr lang="ko-KR" altLang="en-US" dirty="0" smtClean="0"/>
+              <a:t>에서 생성자의 역할을</a:t>
+            </a:r>
+            <a:r>
+              <a:rPr lang="en-US" altLang="ko-KR" dirty="0" smtClean="0"/>
+              <a:t>, AE_2</a:t>
+            </a:r>
+            <a:r>
+              <a:rPr lang="ko-KR" altLang="en-US" dirty="0" smtClean="0"/>
+              <a:t>는 </a:t>
+            </a:r>
+            <a:r>
+              <a:rPr lang="ko-KR" altLang="en-US" dirty="0" err="1" smtClean="0"/>
+              <a:t>판별자의</a:t>
+            </a:r>
+            <a:r>
+              <a:rPr lang="ko-KR" altLang="en-US" dirty="0" smtClean="0"/>
+              <a:t> 역할을 수행한다</a:t>
+            </a:r>
+            <a:r>
+              <a:rPr lang="en-US" altLang="ko-KR" dirty="0" smtClean="0"/>
+              <a:t>.</a:t>
+            </a:r>
+          </a:p>
+          <a:p>
+            <a:endParaRPr lang="en-US" altLang="ko-KR" dirty="0" smtClean="0"/>
+          </a:p>
+          <a:p>
+            <a:r>
+              <a:rPr lang="en-US" altLang="ko-KR" dirty="0" smtClean="0"/>
+              <a:t>Adversarial training </a:t>
+            </a:r>
+            <a:r>
+              <a:rPr lang="ko-KR" altLang="en-US" dirty="0" smtClean="0"/>
+              <a:t>단계에서의 목적함수는 아래의 두</a:t>
+            </a:r>
+            <a:r>
+              <a:rPr lang="ko-KR" altLang="en-US" baseline="0" dirty="0" smtClean="0"/>
+              <a:t> 가지로 나타낼 수 있으며</a:t>
+            </a:r>
+            <a:endParaRPr lang="en-US" altLang="ko-KR" dirty="0" smtClean="0"/>
+          </a:p>
+          <a:p>
+            <a:pPr marL="0" marR="0" indent="0" algn="l" defTabSz="914400" rtl="0" eaLnBrk="1" fontAlgn="auto" latinLnBrk="1" hangingPunct="1">
+              <a:lnSpc>
+                <a:spcPct val="100000"/>
+              </a:lnSpc>
+              <a:spcBef>
+                <a:spcPts val="0"/>
+              </a:spcBef>
+              <a:spcAft>
+                <a:spcPts val="0"/>
+              </a:spcAft>
+              <a:buClrTx/>
+              <a:buSzTx/>
+              <a:buFontTx/>
+              <a:buNone/>
+              <a:tabLst/>
+              <a:defRPr/>
+            </a:pPr>
+            <a:endParaRPr lang="en-US" altLang="ko-KR" dirty="0" smtClean="0"/>
+          </a:p>
+          <a:p>
+            <a:r>
+              <a:rPr lang="ko-KR" altLang="en-US" dirty="0" smtClean="0"/>
               <a:t>먼저 </a:t>
             </a:r>
             <a:r>
@@ -4365,11 +4467,7 @@
             </a:r>
             <a:r>
               <a:rPr lang="ko-KR" altLang="en-US" dirty="0" smtClean="0"/>
-              <a:t>는 </a:t>
-            </a:r>
-            <a:r>
-              <a:rPr lang="ko-KR" altLang="en-US" dirty="0" smtClean="0"/>
-              <a:t>실제 데이터</a:t>
+              <a:t>는 실제 데이터</a:t>
             </a:r>
             <a:r>
               <a:rPr lang="en-US" altLang="ko-KR" dirty="0" smtClean="0"/>
@@ -4377,11 +4475,7 @@
             </a:r>
             <a:r>
               <a:rPr lang="ko-KR" altLang="en-US" dirty="0" smtClean="0"/>
-              <a:t>와 가상 데이터에 </a:t>
-            </a:r>
-            <a:r>
-              <a:rPr lang="ko-KR" altLang="en-US" dirty="0" smtClean="0"/>
-              <a:t>대한 </a:t>
+              <a:t>와 가상 데이터에 대한 </a:t>
             </a:r>
             <a:r>
               <a:rPr lang="en-US" altLang="ko-KR" dirty="0" smtClean="0"/>
@@ -4397,11 +4491,7 @@
             </a:r>
             <a:r>
               <a:rPr lang="ko-KR" altLang="en-US" dirty="0" smtClean="0"/>
-              <a:t>간의 </a:t>
-            </a:r>
-            <a:r>
-              <a:rPr lang="ko-KR" altLang="en-US" dirty="0" smtClean="0"/>
-              <a:t>차이를 최소화 시켜야 </a:t>
+              <a:t>간의 차이를 최소화 시켜야 </a:t>
             </a:r>
             <a:r>
               <a:rPr lang="ko-KR" altLang="en-US" dirty="0" err="1" smtClean="0"/>
@@ -4409,15 +4499,7 @@
             </a:r>
             <a:r>
               <a:rPr lang="ko-KR" altLang="en-US" dirty="0" smtClean="0"/>
-              <a:t> </a:t>
-            </a:r>
-            <a:r>
-              <a:rPr lang="ko-KR" altLang="en-US" dirty="0" smtClean="0"/>
-              <a:t>속일 수 </a:t>
-            </a:r>
-            <a:r>
-              <a:rPr lang="ko-KR" altLang="en-US" dirty="0" smtClean="0"/>
-              <a:t>있습니다</a:t>
+              <a:t> 속일 수 있습니다</a:t>
             </a:r>
             <a:r>
               <a:rPr lang="en-US" altLang="ko-KR" dirty="0" smtClean="0"/>
@@ -4450,27 +4532,7 @@
             </a:r>
             <a:r>
               <a:rPr lang="ko-KR" altLang="en-US" dirty="0" smtClean="0"/>
-              <a:t>는 </a:t>
-            </a:r>
-            <a:r>
-              <a:rPr lang="ko-KR" altLang="en-US" dirty="0" smtClean="0"/>
-              <a:t>가상 데이터가 입력으로 </a:t>
-            </a:r>
-            <a:r>
-              <a:rPr lang="ko-KR" altLang="en-US" dirty="0" smtClean="0"/>
-              <a:t>들어 왔을 때 </a:t>
-            </a:r>
-            <a:r>
-              <a:rPr lang="ko-KR" altLang="en-US" dirty="0" smtClean="0"/>
-              <a:t>실제 데이터와의 </a:t>
-            </a:r>
-            <a:r>
-              <a:rPr lang="ko-KR" altLang="en-US" dirty="0" smtClean="0"/>
-              <a:t>차이를 최대화 </a:t>
-            </a:r>
-            <a:r>
-              <a:rPr lang="ko-KR" altLang="en-US" dirty="0" smtClean="0"/>
-              <a:t>시켜야 실제</a:t>
+              <a:t>는 가상 데이터가 입력으로 들어 왔을 때 실제 데이터와의 차이를 최대화 시켜야 실제</a:t>
             </a:r>
             <a:r>
               <a:rPr lang="ko-KR" altLang="en-US" baseline="0" dirty="0" smtClean="0"/>
@@ -4486,15 +4548,7 @@
             </a:r>
             <a:r>
               <a:rPr lang="ko-KR" altLang="en-US" dirty="0" smtClean="0"/>
-              <a:t>잘 </a:t>
-            </a:r>
-            <a:r>
-              <a:rPr lang="ko-KR" altLang="en-US" dirty="0" smtClean="0"/>
-              <a:t>구별하고 있다고 볼 수 </a:t>
-            </a:r>
-            <a:r>
-              <a:rPr lang="ko-KR" altLang="en-US" dirty="0" smtClean="0"/>
-              <a:t>있으며</a:t>
+              <a:t>잘 구별하고 있다고 볼 수 있으며</a:t>
             </a:r>
             <a:r>
               <a:rPr lang="en-US" altLang="ko-KR" dirty="0" smtClean="0"/>
@@ -4549,11 +4603,7 @@
             </a:r>
             <a:r>
               <a:rPr lang="ko-KR" altLang="en-US" b="1" dirty="0" smtClean="0"/>
-              <a:t>에 </a:t>
-            </a:r>
-            <a:r>
-              <a:rPr lang="ko-KR" altLang="en-US" b="1" dirty="0" smtClean="0"/>
-              <a:t>대한</a:t>
+              <a:t>에 대한</a:t>
             </a:r>
             <a:r>
               <a:rPr lang="ko-KR" altLang="en-US" dirty="0" smtClean="0"/>
@@ -4593,11 +4643,7 @@
             </a:r>
             <a:r>
               <a:rPr lang="ko-KR" altLang="en-US" b="1" dirty="0" smtClean="0"/>
-              <a:t>는 가상 데이터에 </a:t>
-            </a:r>
-            <a:r>
-              <a:rPr lang="ko-KR" altLang="en-US" b="1" dirty="0" smtClean="0"/>
-              <a:t>대한 </a:t>
+              <a:t>는 가상 데이터에 대한 </a:t>
             </a:r>
             <a:r>
               <a:rPr lang="en-US" altLang="ko-KR" b="1" dirty="0" smtClean="0"/>
@@ -4605,11 +4651,7 @@
             </a:r>
             <a:r>
               <a:rPr lang="ko-KR" altLang="en-US" b="1" dirty="0" smtClean="0"/>
-              <a:t>를 키우도록 </a:t>
-            </a:r>
-            <a:r>
-              <a:rPr lang="ko-KR" altLang="en-US" b="1" dirty="0" smtClean="0"/>
-              <a:t>학습</a:t>
+              <a:t>를 키우도록 학습</a:t>
             </a:r>
             <a:r>
               <a:rPr lang="ko-KR" altLang="en-US" b="0" dirty="0" smtClean="0"/>
@@ -4623,7 +4665,6 @@
               <a:rPr lang="en-US" altLang="ko-KR" dirty="0" smtClean="0"/>
               <a:t>.</a:t>
             </a:r>
-            <a:endParaRPr lang="en-US" altLang="ko-KR" dirty="0" smtClean="0"/>
           </a:p>
         </p:txBody>
       </p:sp>
@@ -4731,11 +4772,7 @@
             </a:r>
             <a:r>
               <a:rPr lang="ko-KR" altLang="en-US" dirty="0" smtClean="0"/>
-              <a:t> 두 </a:t>
-            </a:r>
-            <a:r>
-              <a:rPr lang="ko-KR" altLang="en-US" dirty="0" smtClean="0"/>
-              <a:t>가지 </a:t>
+              <a:t> 두 가지 </a:t>
             </a:r>
             <a:r>
               <a:rPr lang="en-US" altLang="ko-KR" dirty="0" smtClean="0"/>
@@ -4751,11 +4788,7 @@
             </a:r>
             <a:r>
               <a:rPr lang="ko-KR" altLang="en-US" dirty="0" smtClean="0"/>
-              <a:t>으로 표기하면 다음과 </a:t>
-            </a:r>
-            <a:r>
-              <a:rPr lang="ko-KR" altLang="en-US" dirty="0" smtClean="0"/>
-              <a:t>같으며</a:t>
+              <a:t>으로 표기하면 다음과 같으며</a:t>
             </a:r>
             <a:r>
               <a:rPr lang="en-US" altLang="ko-KR" dirty="0" smtClean="0"/>
@@ -4767,19 +4800,7 @@
             </a:r>
             <a:r>
               <a:rPr lang="ko-KR" altLang="en-US" dirty="0" smtClean="0"/>
-              <a:t>먼저 </a:t>
-            </a:r>
-            <a:r>
-              <a:rPr lang="ko-KR" altLang="en-US" dirty="0" smtClean="0"/>
-              <a:t>위 수식의 세부 </a:t>
-            </a:r>
-            <a:r>
-              <a:rPr lang="ko-KR" altLang="en-US" dirty="0" smtClean="0"/>
-              <a:t>항에 </a:t>
-            </a:r>
-            <a:r>
-              <a:rPr lang="ko-KR" altLang="en-US" dirty="0" smtClean="0"/>
-              <a:t>대해서 </a:t>
+              <a:t>먼저 위 수식의 세부 항에 대해서 </a:t>
             </a:r>
             <a:r>
               <a:rPr lang="ko-KR" altLang="en-US" dirty="0" err="1" smtClean="0"/>
@@ -4804,15 +4825,7 @@
             </a:r>
             <a:r>
               <a:rPr lang="ko-KR" altLang="en-US" dirty="0" smtClean="0"/>
-              <a:t>에서 앞의 </a:t>
-            </a:r>
-            <a:r>
-              <a:rPr lang="ko-KR" altLang="en-US" dirty="0" smtClean="0"/>
-              <a:t>항은 실제 데이터에 </a:t>
-            </a:r>
-            <a:r>
-              <a:rPr lang="ko-KR" altLang="en-US" dirty="0" smtClean="0"/>
-              <a:t>대한 </a:t>
+              <a:t>에서 앞의 항은 실제 데이터에 대한 </a:t>
             </a:r>
             <a:r>
               <a:rPr lang="en-US" altLang="ko-KR" dirty="0" smtClean="0"/>
@@ -4832,11 +4845,7 @@
             </a:r>
             <a:r>
               <a:rPr lang="en-US" altLang="ko-KR" dirty="0" smtClean="0"/>
-              <a:t> </a:t>
-            </a:r>
-            <a:r>
-              <a:rPr lang="en-US" altLang="ko-KR" dirty="0" smtClean="0"/>
-              <a:t>training</a:t>
+              <a:t> training</a:t>
             </a:r>
             <a:r>
               <a:rPr lang="ko-KR" altLang="en-US" dirty="0" smtClean="0"/>
@@ -4848,11 +4857,7 @@
             </a:r>
             <a:r>
               <a:rPr lang="ko-KR" altLang="en-US" dirty="0" smtClean="0"/>
-              <a:t>에 </a:t>
-            </a:r>
-            <a:r>
-              <a:rPr lang="ko-KR" altLang="en-US" dirty="0" smtClean="0"/>
-              <a:t>해당합니다</a:t>
+              <a:t>에 해당합니다</a:t>
             </a:r>
             <a:r>
               <a:rPr lang="en-US" altLang="ko-KR" dirty="0" smtClean="0"/>
@@ -4873,11 +4878,7 @@
             </a:r>
             <a:r>
               <a:rPr lang="en-US" altLang="ko-KR" dirty="0" smtClean="0"/>
-              <a:t> </a:t>
-            </a:r>
-            <a:r>
-              <a:rPr lang="en-US" altLang="ko-KR" dirty="0" smtClean="0"/>
-              <a:t>training term</a:t>
+              <a:t> training term</a:t>
             </a:r>
             <a:r>
               <a:rPr lang="ko-KR" altLang="en-US" dirty="0" smtClean="0"/>
@@ -4889,11 +4890,7 @@
             </a:r>
             <a:r>
               <a:rPr lang="ko-KR" altLang="en-US" dirty="0" smtClean="0"/>
-              <a:t>을 잘 복원하도록 학습이 </a:t>
-            </a:r>
-            <a:r>
-              <a:rPr lang="ko-KR" altLang="en-US" dirty="0" smtClean="0"/>
-              <a:t>진행됩니다</a:t>
+              <a:t>을 잘 복원하도록 학습이 진행됩니다</a:t>
             </a:r>
             <a:r>
               <a:rPr lang="en-US" altLang="ko-KR" dirty="0" smtClean="0"/>
@@ -4906,15 +4903,7 @@
           <a:p>
             <a:r>
               <a:rPr lang="ko-KR" altLang="en-US" dirty="0" smtClean="0"/>
-              <a:t>다음으로 두 번째 </a:t>
-            </a:r>
-            <a:r>
-              <a:rPr lang="ko-KR" altLang="en-US" dirty="0" smtClean="0"/>
-              <a:t>항의 </a:t>
-            </a:r>
-            <a:r>
-              <a:rPr lang="ko-KR" altLang="en-US" dirty="0" smtClean="0"/>
-              <a:t>경우 </a:t>
+              <a:t>다음으로 두 번째 항의 경우 </a:t>
             </a:r>
             <a:r>
               <a:rPr lang="en-US" altLang="ko-KR" dirty="0" smtClean="0"/>
@@ -4943,11 +4932,7 @@
           <a:p>
             <a:r>
               <a:rPr lang="ko-KR" altLang="en-US" dirty="0" smtClean="0"/>
-              <a:t>앞에서 </a:t>
-            </a:r>
-            <a:r>
-              <a:rPr lang="ko-KR" altLang="en-US" dirty="0" smtClean="0"/>
-              <a:t>살펴본 </a:t>
+              <a:t>앞에서 살펴본 </a:t>
             </a:r>
             <a:r>
               <a:rPr lang="en-US" altLang="ko-KR" dirty="0" smtClean="0"/>
@@ -4963,11 +4948,7 @@
             </a:r>
             <a:r>
               <a:rPr lang="ko-KR" altLang="en-US" dirty="0" smtClean="0"/>
-              <a:t>로 표기가 된 것을 확인할 수 </a:t>
-            </a:r>
-            <a:r>
-              <a:rPr lang="ko-KR" altLang="en-US" dirty="0" smtClean="0"/>
-              <a:t>있습니다</a:t>
+              <a:t>로 표기가 된 것을 확인할 수 있습니다</a:t>
             </a:r>
             <a:r>
               <a:rPr lang="en-US" altLang="ko-KR" dirty="0" smtClean="0"/>
@@ -4980,19 +4961,7 @@
           <a:p>
             <a:r>
               <a:rPr lang="ko-KR" altLang="en-US" dirty="0" smtClean="0"/>
-              <a:t>마지막으로 </a:t>
-            </a:r>
-            <a:r>
-              <a:rPr lang="ko-KR" altLang="en-US" dirty="0" smtClean="0"/>
-              <a:t>두 </a:t>
-            </a:r>
-            <a:r>
-              <a:rPr lang="ko-KR" altLang="en-US" dirty="0" smtClean="0"/>
-              <a:t>항을 </a:t>
-            </a:r>
-            <a:r>
-              <a:rPr lang="ko-KR" altLang="en-US" dirty="0" smtClean="0"/>
-              <a:t>합할 때 곱해지는 분모의 </a:t>
+              <a:t>마지막으로 두 항을 합할 때 곱해지는 분모의 </a:t>
             </a:r>
             <a:r>
               <a:rPr lang="en-US" altLang="ko-KR" dirty="0" smtClean="0"/>
@@ -5000,11 +4969,7 @@
             </a:r>
             <a:r>
               <a:rPr lang="ko-KR" altLang="en-US" dirty="0" smtClean="0"/>
-              <a:t>은 </a:t>
-            </a:r>
-            <a:r>
-              <a:rPr lang="ko-KR" altLang="en-US" dirty="0" smtClean="0"/>
-              <a:t>학습 중인 </a:t>
+              <a:t>은 학습 중인 </a:t>
             </a:r>
             <a:r>
               <a:rPr lang="en-US" altLang="ko-KR" dirty="0" smtClean="0"/>
@@ -5012,15 +4977,7 @@
             </a:r>
             <a:r>
               <a:rPr lang="ko-KR" altLang="en-US" dirty="0" smtClean="0"/>
-              <a:t>을 뜻하여 학습 초반에는 </a:t>
-            </a:r>
-            <a:r>
-              <a:rPr lang="ko-KR" altLang="en-US" dirty="0" smtClean="0"/>
-              <a:t>실제 데이터에 </a:t>
-            </a:r>
-            <a:r>
-              <a:rPr lang="ko-KR" altLang="en-US" dirty="0" smtClean="0"/>
-              <a:t>대한 </a:t>
+              <a:t>을 뜻하여 학습 초반에는 실제 데이터에 대한 </a:t>
             </a:r>
             <a:r>
               <a:rPr lang="en-US" altLang="ko-KR" dirty="0" smtClean="0"/>
@@ -5036,7 +4993,11 @@
             </a:r>
             <a:r>
               <a:rPr lang="ko-KR" altLang="en-US" dirty="0" smtClean="0"/>
-              <a:t>에 가중치를 주는 역할을 한다</a:t>
+              <a:t>에 가중치를 주는 역할을 </a:t>
+            </a:r>
+            <a:r>
+              <a:rPr lang="ko-KR" altLang="en-US" dirty="0" smtClean="0"/>
+              <a:t>합니다</a:t>
             </a:r>
             <a:r>
               <a:rPr lang="en-US" altLang="ko-KR" dirty="0" smtClean="0"/>
@@ -5073,28 +5034,29 @@
             </a:r>
             <a:r>
               <a:rPr lang="ko-KR" altLang="en-US" dirty="0" smtClean="0"/>
-              <a:t>를 이해해보자</a:t>
-            </a:r>
-            <a:r>
-              <a:rPr lang="en-US" altLang="ko-KR" dirty="0" smtClean="0"/>
+              <a:t>를</a:t>
+            </a:r>
+            <a:r>
+              <a:rPr lang="ko-KR" altLang="en-US" baseline="0" dirty="0" smtClean="0"/>
+              <a:t> 설명하겠습니다</a:t>
+            </a:r>
+            <a:r>
+              <a:rPr lang="en-US" altLang="ko-KR" baseline="0" dirty="0" smtClean="0"/>
               <a:t>.</a:t>
             </a:r>
-          </a:p>
-          <a:p>
             <a:endParaRPr lang="en-US" altLang="ko-KR" dirty="0" smtClean="0"/>
           </a:p>
           <a:p>
+            <a:endParaRPr lang="en-US" altLang="ko-KR" dirty="0" smtClean="0"/>
+          </a:p>
+          <a:p>
             <a:r>
               <a:rPr lang="en-US" altLang="ko-KR" dirty="0" smtClean="0"/>
               <a:t>AE_1</a:t>
             </a:r>
             <a:r>
               <a:rPr lang="ko-KR" altLang="en-US" dirty="0" smtClean="0"/>
-              <a:t>에 </a:t>
-            </a:r>
-            <a:r>
-              <a:rPr lang="ko-KR" altLang="en-US" dirty="0" smtClean="0"/>
-              <a:t>적용되는 </a:t>
+              <a:t>에 적용되는 </a:t>
             </a:r>
             <a:r>
               <a:rPr lang="en-US" altLang="ko-KR" dirty="0" smtClean="0"/>
@@ -5102,11 +5064,7 @@
             </a:r>
             <a:r>
               <a:rPr lang="ko-KR" altLang="en-US" dirty="0" smtClean="0"/>
-              <a:t>를 살펴보면 </a:t>
-            </a:r>
-            <a:r>
-              <a:rPr lang="ko-KR" altLang="en-US" dirty="0" smtClean="0"/>
-              <a:t>실제</a:t>
+              <a:t>를 살펴보면 실제</a:t>
             </a:r>
             <a:r>
               <a:rPr lang="en-US" altLang="ko-KR" dirty="0" smtClean="0"/>
@@ -5114,11 +5072,7 @@
             </a:r>
             <a:r>
               <a:rPr lang="ko-KR" altLang="en-US" dirty="0" smtClean="0"/>
-              <a:t>데이터에 </a:t>
-            </a:r>
-            <a:r>
-              <a:rPr lang="ko-KR" altLang="en-US" dirty="0" smtClean="0"/>
-              <a:t>대한 </a:t>
+              <a:t>데이터에 대한 </a:t>
             </a:r>
             <a:r>
               <a:rPr lang="en-US" altLang="ko-KR" dirty="0" smtClean="0"/>
@@ -5126,15 +5080,7 @@
             </a:r>
             <a:r>
               <a:rPr lang="ko-KR" altLang="en-US" dirty="0" smtClean="0"/>
-              <a:t>와 </a:t>
-            </a:r>
-            <a:r>
-              <a:rPr lang="ko-KR" altLang="en-US" dirty="0" smtClean="0"/>
-              <a:t>가상 데이터에 </a:t>
-            </a:r>
-            <a:r>
-              <a:rPr lang="ko-KR" altLang="en-US" dirty="0" smtClean="0"/>
-              <a:t>대한 </a:t>
+              <a:t>와 가상 데이터에 대한 </a:t>
             </a:r>
             <a:r>
               <a:rPr lang="en-US" altLang="ko-KR" dirty="0" smtClean="0"/>
@@ -5150,11 +5096,7 @@
             </a:r>
             <a:r>
               <a:rPr lang="ko-KR" altLang="en-US" dirty="0" smtClean="0"/>
-              <a:t>가 모두 최소일 때 최소값을 </a:t>
-            </a:r>
-            <a:r>
-              <a:rPr lang="ko-KR" altLang="en-US" dirty="0" smtClean="0"/>
-              <a:t>갖습니다</a:t>
+              <a:t>가 모두 최소일 때 최소값을 갖습니다</a:t>
             </a:r>
             <a:r>
               <a:rPr lang="en-US" altLang="ko-KR" dirty="0" smtClean="0"/>
@@ -5175,11 +5117,7 @@
             </a:r>
             <a:r>
               <a:rPr lang="ko-KR" altLang="en-US" dirty="0" smtClean="0"/>
-              <a:t>가 가상 데이터에 </a:t>
-            </a:r>
-            <a:r>
-              <a:rPr lang="ko-KR" altLang="en-US" dirty="0" smtClean="0"/>
-              <a:t>대한 </a:t>
+              <a:t>가 가상 데이터에 대한 </a:t>
             </a:r>
             <a:r>
               <a:rPr lang="ko-KR" altLang="en-US" dirty="0" err="1" smtClean="0"/>
@@ -5187,7 +5125,11 @@
             </a:r>
             <a:r>
               <a:rPr lang="ko-KR" altLang="en-US" dirty="0" smtClean="0"/>
-              <a:t> 떨어지는 것을 목표로 하는 것을 확인할 수 있다</a:t>
+              <a:t> 떨어지는 것을 목표로 하는 것을 확인할 수 </a:t>
+            </a:r>
+            <a:r>
+              <a:rPr lang="ko-KR" altLang="en-US" dirty="0" smtClean="0"/>
+              <a:t>있습니다</a:t>
             </a:r>
             <a:r>
               <a:rPr lang="en-US" altLang="ko-KR" dirty="0" smtClean="0"/>
@@ -5208,11 +5150,7 @@
             </a:r>
             <a:r>
               <a:rPr lang="ko-KR" altLang="en-US" dirty="0" smtClean="0"/>
-              <a:t>에 </a:t>
-            </a:r>
-            <a:r>
-              <a:rPr lang="ko-KR" altLang="en-US" dirty="0" smtClean="0"/>
-              <a:t>적용되는 </a:t>
+              <a:t>에 적용되는 </a:t>
             </a:r>
             <a:r>
               <a:rPr lang="en-US" altLang="ko-KR" dirty="0" smtClean="0"/>
@@ -5220,15 +5158,7 @@
             </a:r>
             <a:r>
               <a:rPr lang="ko-KR" altLang="en-US" dirty="0" smtClean="0"/>
-              <a:t>를 살펴보면 </a:t>
-            </a:r>
-            <a:r>
-              <a:rPr lang="ko-KR" altLang="en-US" dirty="0" smtClean="0"/>
-              <a:t>실제 데이터에 </a:t>
-            </a:r>
-            <a:r>
-              <a:rPr lang="ko-KR" altLang="en-US" dirty="0" smtClean="0"/>
-              <a:t>대한 </a:t>
+              <a:t>를 살펴보면 실제 데이터에 대한 </a:t>
             </a:r>
             <a:r>
               <a:rPr lang="en-US" altLang="ko-KR" dirty="0" smtClean="0"/>
@@ -5244,11 +5174,7 @@
             </a:r>
             <a:r>
               <a:rPr lang="ko-KR" altLang="en-US" dirty="0" smtClean="0"/>
-              <a:t>가상 데이터에 </a:t>
-            </a:r>
-            <a:r>
-              <a:rPr lang="ko-KR" altLang="en-US" dirty="0" smtClean="0"/>
-              <a:t>대한 </a:t>
+              <a:t>가상 데이터에 대한 </a:t>
             </a:r>
             <a:r>
               <a:rPr lang="en-US" altLang="ko-KR" dirty="0" smtClean="0"/>
@@ -5264,11 +5190,7 @@
             </a:r>
             <a:r>
               <a:rPr lang="ko-KR" altLang="en-US" dirty="0" smtClean="0"/>
-              <a:t>가 최대일 때 최소값을 </a:t>
-            </a:r>
-            <a:r>
-              <a:rPr lang="ko-KR" altLang="en-US" dirty="0" smtClean="0"/>
-              <a:t>갖습니다</a:t>
+              <a:t>가 최대일 때 최소값을 갖습니다</a:t>
             </a:r>
             <a:r>
               <a:rPr lang="en-US" altLang="ko-KR" dirty="0" smtClean="0"/>
@@ -5281,11 +5203,7 @@
           <a:p>
             <a:r>
               <a:rPr lang="ko-KR" altLang="en-US" dirty="0" smtClean="0"/>
-              <a:t>즉 가상 데이터가 </a:t>
-            </a:r>
-            <a:r>
-              <a:rPr lang="ko-KR" altLang="en-US" dirty="0" smtClean="0"/>
-              <a:t>들어왔을 때 </a:t>
+              <a:t>즉 가상 데이터가 들어왔을 때 </a:t>
             </a:r>
             <a:r>
               <a:rPr lang="en-US" altLang="ko-KR" dirty="0" smtClean="0"/>
@@ -5301,11 +5219,7 @@
             </a:r>
             <a:r>
               <a:rPr lang="ko-KR" altLang="en-US" dirty="0" smtClean="0"/>
-              <a:t>를 크게 내뱉도록 학습이 </a:t>
-            </a:r>
-            <a:r>
-              <a:rPr lang="ko-KR" altLang="en-US" dirty="0" smtClean="0"/>
-              <a:t>진행됩니다</a:t>
+              <a:t>를 크게 내뱉도록 학습이 진행됩니다</a:t>
             </a:r>
             <a:r>
               <a:rPr lang="en-US" altLang="ko-KR" dirty="0" smtClean="0"/>
@@ -5330,11 +5244,7 @@
             </a:r>
             <a:r>
               <a:rPr lang="ko-KR" altLang="en-US" dirty="0" smtClean="0"/>
-              <a:t>에서 </a:t>
-            </a:r>
-            <a:r>
-              <a:rPr lang="ko-KR" altLang="en-US" dirty="0" smtClean="0"/>
-              <a:t>실제 데이터는 </a:t>
+              <a:t>에서 실제 데이터는 </a:t>
             </a:r>
             <a:r>
               <a:rPr lang="en-US" altLang="ko-KR" dirty="0" smtClean="0"/>
@@ -5358,11 +5268,7 @@
             </a:r>
             <a:r>
               <a:rPr lang="ko-KR" altLang="en-US" dirty="0" smtClean="0"/>
-              <a:t>는 </a:t>
-            </a:r>
-            <a:r>
-              <a:rPr lang="ko-KR" altLang="en-US" dirty="0" smtClean="0"/>
-              <a:t>결국 </a:t>
+              <a:t>는 결국 </a:t>
             </a:r>
             <a:r>
               <a:rPr lang="en-US" altLang="ko-KR" b="1" dirty="0" smtClean="0"/>
@@ -5382,11 +5288,7 @@
             </a:r>
             <a:r>
               <a:rPr lang="ko-KR" altLang="en-US" dirty="0" smtClean="0"/>
-              <a:t>시키는 역할을 하게 </a:t>
-            </a:r>
-            <a:r>
-              <a:rPr lang="ko-KR" altLang="en-US" dirty="0" smtClean="0"/>
-              <a:t>됩니다</a:t>
+              <a:t>시키는 역할을 하게 됩니다</a:t>
             </a:r>
             <a:r>
               <a:rPr lang="en-US" altLang="ko-KR" dirty="0" smtClean="0"/>
@@ -5419,23 +5321,11 @@
             </a:r>
             <a:r>
               <a:rPr lang="en-US" altLang="ko-KR" dirty="0" smtClean="0"/>
-              <a:t>anomaly detection </a:t>
-            </a:r>
-            <a:r>
-              <a:rPr lang="en-US" altLang="ko-KR" dirty="0" smtClean="0"/>
-              <a:t>model</a:t>
-            </a:r>
-            <a:r>
-              <a:rPr lang="ko-KR" altLang="en-US" dirty="0" smtClean="0"/>
-              <a:t>보다 </a:t>
-            </a:r>
-            <a:r>
-              <a:rPr lang="ko-KR" altLang="en-US" dirty="0" smtClean="0"/>
-              <a:t>높은 성능을 </a:t>
-            </a:r>
-            <a:r>
-              <a:rPr lang="ko-KR" altLang="en-US" dirty="0" smtClean="0"/>
-              <a:t>보입니다</a:t>
+              <a:t>anomaly detection model</a:t>
+            </a:r>
+            <a:r>
+              <a:rPr lang="ko-KR" altLang="en-US" dirty="0" smtClean="0"/>
+              <a:t>보다 높은 성능을 보입니다</a:t>
             </a:r>
             <a:r>
               <a:rPr lang="en-US" altLang="ko-KR" dirty="0" smtClean="0"/>
@@ -5556,17 +5446,12 @@
                 </a:r>
                 <a:r>
                   <a:rPr lang="ko-KR" altLang="en-US" dirty="0" smtClean="0"/>
-                  <a:t>을 수행하는 과정을 </a:t>
-                </a:r>
-                <a:r>
-                  <a:rPr lang="ko-KR" altLang="en-US" dirty="0" smtClean="0"/>
-                  <a:t>알아보겠습니다</a:t>
+                  <a:t>을 수행하는 과정을 알아보겠습니다</a:t>
                 </a:r>
                 <a:r>
                   <a:rPr lang="en-US" altLang="ko-KR" dirty="0" smtClean="0"/>
                   <a:t>. </a:t>
                 </a:r>
-                <a:endParaRPr lang="en-US" altLang="ko-KR" dirty="0" smtClean="0"/>
               </a:p>
               <a:p>
                 <a:endParaRPr lang="en-US" altLang="ko-KR" dirty="0" smtClean="0"/>
@@ -5590,11 +5475,7 @@
                 </a:r>
                 <a:r>
                   <a:rPr lang="ko-KR" altLang="en-US" dirty="0" smtClean="0"/>
-                  <a:t>산출 공식은 </a:t>
-                </a:r>
-                <a:r>
-                  <a:rPr lang="ko-KR" altLang="en-US" dirty="0" smtClean="0"/>
-                  <a:t>위의 수식과 같습니다</a:t>
+                  <a:t>산출 공식은 위의 수식과 같습니다</a:t>
                 </a:r>
                 <a:r>
                   <a:rPr lang="en-US" altLang="ko-KR" dirty="0" smtClean="0"/>
@@ -5712,15 +5593,7 @@
                 </a:r>
                 <a:r>
                   <a:rPr lang="ko-KR" altLang="en-US" dirty="0" smtClean="0"/>
-                  <a:t>와 더불어 </a:t>
-                </a:r>
-                <a:r>
-                  <a:rPr lang="ko-KR" altLang="en-US" dirty="0" smtClean="0"/>
-                  <a:t>입력과 가상 데이터에 </a:t>
-                </a:r>
-                <a:r>
-                  <a:rPr lang="ko-KR" altLang="en-US" dirty="0" smtClean="0"/>
-                  <a:t>대한 </a:t>
+                  <a:t>와 더불어 입력과 가상 데이터에 대한 </a:t>
                 </a:r>
                 <a:r>
                   <a:rPr lang="en-US" altLang="ko-KR" dirty="0" smtClean="0"/>
@@ -5744,11 +5617,7 @@
                 </a:r>
                 <a:r>
                   <a:rPr lang="ko-KR" altLang="en-US" dirty="0" smtClean="0"/>
-                  <a:t> 산출할 수 </a:t>
-                </a:r>
-                <a:r>
-                  <a:rPr lang="ko-KR" altLang="en-US" dirty="0" smtClean="0"/>
-                  <a:t>있습니다</a:t>
+                  <a:t> 산출할 수 있습니다</a:t>
                 </a:r>
                 <a:r>
                   <a:rPr lang="en-US" altLang="ko-KR" dirty="0" smtClean="0"/>
@@ -5781,19 +5650,7 @@
                 </a:r>
                 <a:r>
                   <a:rPr lang="ko-KR" altLang="en-US" dirty="0" smtClean="0"/>
-                  <a:t> </a:t>
-                </a:r>
-                <a:r>
-                  <a:rPr lang="ko-KR" altLang="en-US" dirty="0" smtClean="0"/>
-                  <a:t>항에 </a:t>
-                </a:r>
-                <a:r>
-                  <a:rPr lang="ko-KR" altLang="en-US" dirty="0" smtClean="0"/>
-                  <a:t>해당하는 </a:t>
-                </a:r>
-                <a:r>
-                  <a:rPr lang="ko-KR" altLang="en-US" dirty="0" smtClean="0"/>
-                  <a:t>가상</a:t>
+                  <a:t> 항에 해당하는 가상</a:t>
                 </a:r>
                 <a:r>
                   <a:rPr lang="ko-KR" altLang="en-US" baseline="0" dirty="0" smtClean="0"/>
@@ -5801,11 +5658,7 @@
                 </a:r>
                 <a:r>
                   <a:rPr lang="ko-KR" altLang="en-US" dirty="0" smtClean="0"/>
-                  <a:t> </a:t>
-                </a:r>
-                <a:r>
-                  <a:rPr lang="ko-KR" altLang="en-US" dirty="0" smtClean="0"/>
-                  <a:t>대한 </a:t>
+                  <a:t> 대한 </a:t>
                 </a:r>
                 <a:r>
                   <a:rPr lang="en-US" altLang="ko-KR" dirty="0" smtClean="0"/>
@@ -5821,11 +5674,7 @@
                 </a:r>
                 <a:r>
                   <a:rPr lang="ko-KR" altLang="en-US" dirty="0" smtClean="0"/>
-                  <a:t>를 사용하여 정상과 매우 유사한 분포를 지닌 비정상 데이터가 들어오더라도 이를 탐지할 수 </a:t>
-                </a:r>
-                <a:r>
-                  <a:rPr lang="ko-KR" altLang="en-US" dirty="0" smtClean="0"/>
-                  <a:t>있게 됩니다</a:t>
+                  <a:t>를 사용하여 정상과 매우 유사한 분포를 지닌 비정상 데이터가 들어오더라도 이를 탐지할 수 있게 됩니다</a:t>
                 </a:r>
                 <a:r>
                   <a:rPr lang="en-US" altLang="ko-KR" dirty="0" smtClean="0"/>
@@ -5838,15 +5687,7 @@
               <a:p>
                 <a:r>
                   <a:rPr lang="ko-KR" altLang="en-US" dirty="0" smtClean="0"/>
-                  <a:t>두 가지 </a:t>
-                </a:r>
-                <a:r>
-                  <a:rPr lang="ko-KR" altLang="en-US" dirty="0" smtClean="0"/>
-                  <a:t>항을 </a:t>
-                </a:r>
-                <a:r>
-                  <a:rPr lang="ko-KR" altLang="en-US" dirty="0" smtClean="0"/>
-                  <a:t>결합할 때 사용되는 </a:t>
+                  <a:t>두 가지 항을 결합할 때 사용되는 </a:t>
                 </a:r>
                 <a:r>
                   <a:rPr lang="en-US" altLang="ko-KR" dirty="0" smtClean="0"/>
@@ -5886,19 +5727,7 @@
                 </a:r>
                 <a:r>
                   <a:rPr lang="ko-KR" altLang="en-US" dirty="0" smtClean="0"/>
-                  <a:t>에 따라 </a:t>
-                </a:r>
-                <a:r>
-                  <a:rPr lang="ko-KR" altLang="en-US" dirty="0" smtClean="0"/>
-                  <a:t>오른쪽 표와 같은 </a:t>
-                </a:r>
-                <a:r>
-                  <a:rPr lang="ko-KR" altLang="en-US" dirty="0" smtClean="0"/>
-                  <a:t>결과를 얻을 수 </a:t>
-                </a:r>
-                <a:r>
-                  <a:rPr lang="ko-KR" altLang="en-US" dirty="0" smtClean="0"/>
-                  <a:t>있습니다</a:t>
+                  <a:t>에 따라 오른쪽 표와 같은 결과를 얻을 수 있습니다</a:t>
                 </a:r>
                 <a:r>
                   <a:rPr lang="en-US" altLang="ko-KR" dirty="0" smtClean="0"/>
@@ -5915,11 +5744,7 @@
                 </a:r>
                 <a:r>
                   <a:rPr lang="ko-KR" altLang="en-US" dirty="0" smtClean="0"/>
-                  <a:t>가 </a:t>
-                </a:r>
-                <a:r>
-                  <a:rPr lang="ko-KR" altLang="en-US" dirty="0" smtClean="0"/>
-                  <a:t>커진다는 것은 정상 분포와 약간만 달라지더라도 큰 </a:t>
+                  <a:t>가 커진다는 것은 정상 분포와 약간만 달라지더라도 큰 </a:t>
                 </a:r>
                 <a:r>
                   <a:rPr lang="en-US" altLang="ko-KR" dirty="0" smtClean="0"/>
@@ -5951,11 +5776,7 @@
                 </a:r>
                 <a:r>
                   <a:rPr lang="ko-KR" altLang="en-US" dirty="0" smtClean="0"/>
-                  <a:t>가 높아지게 </a:t>
-                </a:r>
-                <a:r>
-                  <a:rPr lang="ko-KR" altLang="en-US" dirty="0" smtClean="0"/>
-                  <a:t>됩니다</a:t>
+                  <a:t>가 높아지게 됩니다</a:t>
                 </a:r>
                 <a:r>
                   <a:rPr lang="en-US" altLang="ko-KR" dirty="0" smtClean="0"/>
@@ -5968,15 +5789,7 @@
               <a:p>
                 <a:r>
                   <a:rPr lang="ko-KR" altLang="en-US" dirty="0" smtClean="0"/>
-                  <a:t>반대로 </a:t>
-                </a:r>
-                <a:r>
-                  <a:rPr lang="ko-KR" altLang="en-US" dirty="0" smtClean="0"/>
-                  <a:t>실제 데이터에 </a:t>
-                </a:r>
-                <a:r>
-                  <a:rPr lang="ko-KR" altLang="en-US" dirty="0" smtClean="0"/>
-                  <a:t>대한 </a:t>
+                  <a:t>반대로 실제 데이터에 대한 </a:t>
                 </a:r>
                 <a:r>
                   <a:rPr lang="en-US" altLang="ko-KR" dirty="0" smtClean="0"/>
@@ -6008,11 +5821,7 @@
                 </a:r>
                 <a:r>
                   <a:rPr lang="ko-KR" altLang="en-US" dirty="0" smtClean="0"/>
-                  <a:t>는 낮아지게 </a:t>
-                </a:r>
-                <a:r>
-                  <a:rPr lang="ko-KR" altLang="en-US" dirty="0" smtClean="0"/>
-                  <a:t>됩니다</a:t>
+                  <a:t>는 낮아지게 됩니다</a:t>
                 </a:r>
                 <a:r>
                   <a:rPr lang="en-US" altLang="ko-KR" dirty="0" smtClean="0"/>
@@ -6629,7 +6438,7 @@
           <a:p>
             <a:fld id="{1D8BD707-D9CF-40AE-B4C6-C98DA3205C09}" type="datetimeFigureOut">
               <a:rPr lang="en-US"/>
-              <a:t>12/7/2021</a:t>
+              <a:t>12/8/2021</a:t>
             </a:fld>
             <a:endParaRPr lang="en-US"/>
           </a:p>
@@ -6804,7 +6613,7 @@
           <a:p>
             <a:fld id="{1D8BD707-D9CF-40AE-B4C6-C98DA3205C09}" type="datetimeFigureOut">
               <a:rPr lang="en-US"/>
-              <a:t>12/7/2021</a:t>
+              <a:t>12/8/2021</a:t>
             </a:fld>
             <a:endParaRPr lang="en-US"/>
           </a:p>
@@ -7018,7 +6827,7 @@
           <a:p>
             <a:fld id="{1D8BD707-D9CF-40AE-B4C6-C98DA3205C09}" type="datetimeFigureOut">
               <a:rPr lang="en-US"/>
-              <a:t>12/7/2021</a:t>
+              <a:t>12/8/2021</a:t>
             </a:fld>
             <a:endParaRPr lang="en-US"/>
           </a:p>
@@ -7166,7 +6975,7 @@
           <a:p>
             <a:fld id="{1D8BD707-D9CF-40AE-B4C6-C98DA3205C09}" type="datetimeFigureOut">
               <a:rPr lang="en-US"/>
-              <a:t>12/7/2021</a:t>
+              <a:t>12/8/2021</a:t>
             </a:fld>
             <a:endParaRPr lang="en-US"/>
           </a:p>
@@ -7285,7 +7094,7 @@
           <a:p>
             <a:fld id="{1D8BD707-D9CF-40AE-B4C6-C98DA3205C09}" type="datetimeFigureOut">
               <a:rPr lang="en-US"/>
-              <a:t>12/7/2021</a:t>
+              <a:t>12/8/2021</a:t>
             </a:fld>
             <a:endParaRPr lang="en-US"/>
           </a:p>
@@ -7508,7 +7317,7 @@
           <a:p>
             <a:fld id="{1D8BD707-D9CF-40AE-B4C6-C98DA3205C09}" type="datetimeFigureOut">
               <a:rPr lang="en-US"/>
-              <a:t>12/7/2021</a:t>
+              <a:t>12/8/2021</a:t>
             </a:fld>
             <a:endParaRPr lang="en-US"/>
           </a:p>
@@ -8050,7 +7859,7 @@
     <mc:Choice Requires="p14">
       <p:transition/>
     </mc:Choice>
-    <mc:Fallback xmlns="" xmlns:c="http://schemas.openxmlformats.org/drawingml/2006/chart" xmlns:dgm="http://schemas.openxmlformats.org/drawingml/2006/diagram" xmlns:dsp="http://schemas.microsoft.com/office/drawing/2008/diagram">
+    <mc:Fallback xmlns:dsp="http://schemas.microsoft.com/office/drawing/2008/diagram" xmlns:dgm="http://schemas.openxmlformats.org/drawingml/2006/diagram" xmlns:c="http://schemas.openxmlformats.org/drawingml/2006/chart" xmlns="">
       <p:transition/>
     </mc:Fallback>
   </mc:AlternateContent>
@@ -8704,6 +8513,29 @@
           </a:prstGeom>
         </p:spPr>
       </p:pic>
+      <p:pic>
+        <p:nvPicPr>
+          <p:cNvPr id="4" name="그림 3"/>
+          <p:cNvPicPr>
+            <a:picLocks noChangeAspect="1"/>
+          </p:cNvPicPr>
+          <p:nvPr/>
+        </p:nvPicPr>
+        <p:blipFill rotWithShape="1">
+          <a:blip r:embed="rId6"/>
+          <a:srcRect b="53305"/>
+          <a:stretch/>
+        </p:blipFill>
+        <p:spPr>
+          <a:xfrm>
+            <a:off x="9431425" y="7760096"/>
+            <a:ext cx="3135225" cy="2841668"/>
+          </a:xfrm>
+          <a:prstGeom prst="rect">
+            <a:avLst/>
+          </a:prstGeom>
+        </p:spPr>
+      </p:pic>
     </p:spTree>
     <p:extLst>
       <p:ext uri="{BB962C8B-B14F-4D97-AF65-F5344CB8AC3E}">
@@ -8718,7 +8550,7 @@
     <mc:Choice Requires="p14">
       <p:transition/>
     </mc:Choice>
-    <mc:Fallback xmlns="" xmlns:c="http://schemas.openxmlformats.org/drawingml/2006/chart" xmlns:dgm="http://schemas.openxmlformats.org/drawingml/2006/diagram" xmlns:dsp="http://schemas.microsoft.com/office/drawing/2008/diagram">
+    <mc:Fallback xmlns:dsp="http://schemas.microsoft.com/office/drawing/2008/diagram" xmlns:dgm="http://schemas.openxmlformats.org/drawingml/2006/diagram" xmlns:c="http://schemas.openxmlformats.org/drawingml/2006/chart" xmlns="">
       <p:transition/>
     </mc:Fallback>
   </mc:AlternateContent>
@@ -9743,7 +9575,7 @@
     <mc:Choice Requires="p14">
       <p:transition/>
     </mc:Choice>
-    <mc:Fallback xmlns="" xmlns:c="http://schemas.openxmlformats.org/drawingml/2006/chart" xmlns:dgm="http://schemas.openxmlformats.org/drawingml/2006/diagram" xmlns:dsp="http://schemas.microsoft.com/office/drawing/2008/diagram">
+    <mc:Fallback xmlns:dsp="http://schemas.microsoft.com/office/drawing/2008/diagram" xmlns:dgm="http://schemas.openxmlformats.org/drawingml/2006/diagram" xmlns:c="http://schemas.openxmlformats.org/drawingml/2006/chart" xmlns="">
       <p:transition/>
     </mc:Fallback>
   </mc:AlternateContent>
@@ -9965,7 +9797,7 @@
         </p:blipFill>
         <p:spPr>
           <a:xfrm>
-            <a:off x="3211752" y="3026474"/>
+            <a:off x="3211752" y="3373126"/>
             <a:ext cx="13990760" cy="6381750"/>
           </a:xfrm>
           <a:prstGeom prst="rect">
@@ -9982,7 +9814,7 @@
         <p:spPr>
           <a:xfrm>
             <a:off x="1289050" y="2017976"/>
-            <a:ext cx="17836165" cy="671851"/>
+            <a:ext cx="17836165" cy="1384995"/>
           </a:xfrm>
           <a:prstGeom prst="rect">
             <a:avLst/>
@@ -10004,7 +9836,54 @@
             </a:pPr>
             <a:r>
               <a:rPr lang="en-US" altLang="ko-KR" sz="2800" dirty="0"/>
-              <a:t>Point-adjust : detect each observation/time-point independently and assigns a label to single time-point (without/with)</a:t>
+              <a:t>Point-adjust : detect each observation/time-point independently and assigns a label to single time-point (without/with</a:t>
+            </a:r>
+            <a:r>
+              <a:rPr lang="en-US" altLang="ko-KR" sz="2800" dirty="0"/>
+              <a:t>)</a:t>
+            </a:r>
+            <a:br>
+              <a:rPr lang="en-US" altLang="ko-KR" sz="2800" dirty="0"/>
+            </a:br>
+            <a:r>
+              <a:rPr lang="en-US" altLang="ko-KR" sz="2800" dirty="0" smtClean="0"/>
+              <a:t>		   : </a:t>
+            </a:r>
+            <a:r>
+              <a:rPr lang="ko-KR" altLang="en-US" sz="2800" dirty="0"/>
+              <a:t>각 관찰</a:t>
+            </a:r>
+            <a:r>
+              <a:rPr lang="en-US" altLang="ko-KR" sz="2800" dirty="0"/>
+              <a:t>/</a:t>
+            </a:r>
+            <a:r>
+              <a:rPr lang="ko-KR" altLang="en-US" sz="2800" dirty="0"/>
+              <a:t>시점을 독립적으로 감지하고 단일 시점에 레이블을 </a:t>
+            </a:r>
+            <a:r>
+              <a:rPr lang="ko-KR" altLang="en-US" sz="2800" dirty="0" smtClean="0"/>
+              <a:t>할당</a:t>
+            </a:r>
+            <a:r>
+              <a:rPr lang="en-US" altLang="ko-KR" sz="2800" dirty="0" smtClean="0"/>
+              <a:t>(</a:t>
+            </a:r>
+            <a:r>
+              <a:rPr lang="ko-KR" altLang="en-US" sz="2800" dirty="0" smtClean="0"/>
+              <a:t>미포함</a:t>
+            </a:r>
+            <a:r>
+              <a:rPr lang="en-US" altLang="ko-KR" sz="2800" dirty="0" smtClean="0"/>
+              <a:t>/</a:t>
+            </a:r>
+            <a:r>
+              <a:rPr lang="ko-KR" altLang="en-US" sz="2800" dirty="0"/>
+              <a:t>포함</a:t>
+            </a:r>
+            <a:r>
+              <a:rPr lang="en-US" altLang="ko-KR" sz="2800" dirty="0"/>
+              <a:t>).</a:t>
             </a:r>
             <a:endParaRPr lang="ko-KR" altLang="en-US" sz="2800" dirty="0"/>
           </a:p>
@@ -10024,7 +9903,7 @@
     <mc:Choice Requires="p14">
       <p:transition/>
     </mc:Choice>
-    <mc:Fallback xmlns="" xmlns:c="http://schemas.openxmlformats.org/drawingml/2006/chart" xmlns:dgm="http://schemas.openxmlformats.org/drawingml/2006/diagram" xmlns:dsp="http://schemas.microsoft.com/office/drawing/2008/diagram">
+    <mc:Fallback xmlns:dsp="http://schemas.microsoft.com/office/drawing/2008/diagram" xmlns:dgm="http://schemas.openxmlformats.org/drawingml/2006/diagram" xmlns:c="http://schemas.openxmlformats.org/drawingml/2006/chart" xmlns="">
       <p:transition/>
     </mc:Fallback>
   </mc:AlternateContent>
@@ -10388,6 +10267,52 @@
           </a:p>
         </p:txBody>
       </p:sp>
+      <p:sp>
+        <p:nvSpPr>
+          <p:cNvPr id="2" name="직사각형 1"/>
+          <p:cNvSpPr/>
+          <p:nvPr/>
+        </p:nvSpPr>
+        <p:spPr>
+          <a:xfrm>
+            <a:off x="9442450" y="7254875"/>
+            <a:ext cx="2971800" cy="2819400"/>
+          </a:xfrm>
+          <a:prstGeom prst="rect">
+            <a:avLst/>
+          </a:prstGeom>
+          <a:noFill/>
+          <a:ln w="38100">
+            <a:solidFill>
+              <a:srgbClr val="FF0000"/>
+            </a:solidFill>
+          </a:ln>
+        </p:spPr>
+        <p:style>
+          <a:lnRef idx="2">
+            <a:schemeClr val="accent1">
+              <a:shade val="50000"/>
+            </a:schemeClr>
+          </a:lnRef>
+          <a:fillRef idx="1">
+            <a:schemeClr val="accent1"/>
+          </a:fillRef>
+          <a:effectRef idx="0">
+            <a:schemeClr val="accent1"/>
+          </a:effectRef>
+          <a:fontRef idx="minor">
+            <a:schemeClr val="lt1"/>
+          </a:fontRef>
+        </p:style>
+        <p:txBody>
+          <a:bodyPr rtlCol="0" anchor="ctr"/>
+          <a:lstStyle/>
+          <a:p>
+            <a:pPr algn="ctr"/>
+            <a:endParaRPr lang="ko-KR" altLang="en-US"/>
+          </a:p>
+        </p:txBody>
+      </p:sp>
     </p:spTree>
     <p:extLst>
       <p:ext uri="{BB962C8B-B14F-4D97-AF65-F5344CB8AC3E}">
@@ -10402,7 +10327,7 @@
     <mc:Choice Requires="p14">
       <p:transition/>
     </mc:Choice>
-    <mc:Fallback xmlns="" xmlns:c="http://schemas.openxmlformats.org/drawingml/2006/chart" xmlns:dgm="http://schemas.openxmlformats.org/drawingml/2006/diagram" xmlns:dsp="http://schemas.microsoft.com/office/drawing/2008/diagram">
+    <mc:Fallback xmlns:dsp="http://schemas.microsoft.com/office/drawing/2008/diagram" xmlns:dgm="http://schemas.openxmlformats.org/drawingml/2006/diagram" xmlns:c="http://schemas.openxmlformats.org/drawingml/2006/chart" xmlns="">
       <p:transition/>
     </mc:Fallback>
   </mc:AlternateContent>
@@ -10722,7 +10647,7 @@
     <mc:Choice Requires="p14">
       <p:transition/>
     </mc:Choice>
-    <mc:Fallback xmlns="" xmlns:c="http://schemas.openxmlformats.org/drawingml/2006/chart" xmlns:dgm="http://schemas.openxmlformats.org/drawingml/2006/diagram" xmlns:dsp="http://schemas.microsoft.com/office/drawing/2008/diagram">
+    <mc:Fallback xmlns:dsp="http://schemas.microsoft.com/office/drawing/2008/diagram" xmlns:dgm="http://schemas.openxmlformats.org/drawingml/2006/diagram" xmlns:c="http://schemas.openxmlformats.org/drawingml/2006/chart" xmlns="">
       <p:transition/>
     </mc:Fallback>
   </mc:AlternateContent>
@@ -11007,7 +10932,7 @@
     <mc:Choice Requires="p14">
       <p:transition/>
     </mc:Choice>
-    <mc:Fallback xmlns="" xmlns:c="http://schemas.openxmlformats.org/drawingml/2006/chart" xmlns:dgm="http://schemas.openxmlformats.org/drawingml/2006/diagram" xmlns:dsp="http://schemas.microsoft.com/office/drawing/2008/diagram">
+    <mc:Fallback xmlns:dsp="http://schemas.microsoft.com/office/drawing/2008/diagram" xmlns:dgm="http://schemas.openxmlformats.org/drawingml/2006/diagram" xmlns:c="http://schemas.openxmlformats.org/drawingml/2006/chart" xmlns="">
       <p:transition/>
     </mc:Fallback>
   </mc:AlternateContent>
@@ -11159,7 +11084,7 @@
     <mc:Choice Requires="p14">
       <p:transition/>
     </mc:Choice>
-    <mc:Fallback xmlns="" xmlns:c="http://schemas.openxmlformats.org/drawingml/2006/chart" xmlns:dgm="http://schemas.openxmlformats.org/drawingml/2006/diagram" xmlns:dsp="http://schemas.microsoft.com/office/drawing/2008/diagram">
+    <mc:Fallback xmlns:dsp="http://schemas.microsoft.com/office/drawing/2008/diagram" xmlns:dgm="http://schemas.openxmlformats.org/drawingml/2006/diagram" xmlns:c="http://schemas.openxmlformats.org/drawingml/2006/chart" xmlns="">
       <p:transition/>
     </mc:Fallback>
   </mc:AlternateContent>
@@ -11455,7 +11380,7 @@
     <mc:Choice Requires="p14">
       <p:transition/>
     </mc:Choice>
-    <mc:Fallback xmlns="" xmlns:c="http://schemas.openxmlformats.org/drawingml/2006/chart" xmlns:dgm="http://schemas.openxmlformats.org/drawingml/2006/diagram" xmlns:dsp="http://schemas.microsoft.com/office/drawing/2008/diagram">
+    <mc:Fallback xmlns:dsp="http://schemas.microsoft.com/office/drawing/2008/diagram" xmlns:dgm="http://schemas.openxmlformats.org/drawingml/2006/diagram" xmlns:c="http://schemas.openxmlformats.org/drawingml/2006/chart" xmlns="">
       <p:transition/>
     </mc:Fallback>
   </mc:AlternateContent>
@@ -12353,7 +12278,7 @@
     <mc:Choice Requires="p14">
       <p:transition/>
     </mc:Choice>
-    <mc:Fallback xmlns="" xmlns:c="http://schemas.openxmlformats.org/drawingml/2006/chart" xmlns:dgm="http://schemas.openxmlformats.org/drawingml/2006/diagram" xmlns:dsp="http://schemas.microsoft.com/office/drawing/2008/diagram">
+    <mc:Fallback xmlns:dsp="http://schemas.microsoft.com/office/drawing/2008/diagram" xmlns:dgm="http://schemas.openxmlformats.org/drawingml/2006/diagram" xmlns:c="http://schemas.openxmlformats.org/drawingml/2006/chart" xmlns="">
       <p:transition/>
     </mc:Fallback>
   </mc:AlternateContent>
@@ -13655,7 +13580,7 @@
     <mc:Choice Requires="p14">
       <p:transition/>
     </mc:Choice>
-    <mc:Fallback xmlns="" xmlns:c="http://schemas.openxmlformats.org/drawingml/2006/chart" xmlns:dgm="http://schemas.openxmlformats.org/drawingml/2006/diagram" xmlns:dsp="http://schemas.microsoft.com/office/drawing/2008/diagram">
+    <mc:Fallback xmlns:dsp="http://schemas.microsoft.com/office/drawing/2008/diagram" xmlns:dgm="http://schemas.openxmlformats.org/drawingml/2006/diagram" xmlns:c="http://schemas.openxmlformats.org/drawingml/2006/chart" xmlns="">
       <p:transition/>
     </mc:Fallback>
   </mc:AlternateContent>
@@ -15270,7 +15195,7 @@
     <mc:Choice Requires="p14">
       <p:transition/>
     </mc:Choice>
-    <mc:Fallback xmlns="" xmlns:c="http://schemas.openxmlformats.org/drawingml/2006/chart" xmlns:dgm="http://schemas.openxmlformats.org/drawingml/2006/diagram" xmlns:dsp="http://schemas.microsoft.com/office/drawing/2008/diagram">
+    <mc:Fallback xmlns:dsp="http://schemas.microsoft.com/office/drawing/2008/diagram" xmlns:dgm="http://schemas.openxmlformats.org/drawingml/2006/diagram" xmlns:c="http://schemas.openxmlformats.org/drawingml/2006/chart" xmlns="">
       <p:transition/>
     </mc:Fallback>
   </mc:AlternateContent>
@@ -16641,7 +16566,7 @@
     <mc:Choice Requires="p14">
       <p:transition/>
     </mc:Choice>
-    <mc:Fallback xmlns="" xmlns:c="http://schemas.openxmlformats.org/drawingml/2006/chart" xmlns:dgm="http://schemas.openxmlformats.org/drawingml/2006/diagram" xmlns:dsp="http://schemas.microsoft.com/office/drawing/2008/diagram">
+    <mc:Fallback xmlns:dsp="http://schemas.microsoft.com/office/drawing/2008/diagram" xmlns:dgm="http://schemas.openxmlformats.org/drawingml/2006/diagram" xmlns:c="http://schemas.openxmlformats.org/drawingml/2006/chart" xmlns="">
       <p:transition/>
     </mc:Fallback>
   </mc:AlternateContent>
@@ -17523,8 +17448,8 @@
           </p:sp>
         </mc:Fallback>
       </mc:AlternateContent>
-      <mc:AlternateContent xmlns:mc="http://schemas.openxmlformats.org/markup-compatibility/2006">
-        <mc:Choice xmlns:a14="http://schemas.microsoft.com/office/drawing/2010/main" Requires="a14">
+      <mc:AlternateContent xmlns:mc="http://schemas.openxmlformats.org/markup-compatibility/2006" xmlns:a14="http://schemas.microsoft.com/office/drawing/2010/main">
+        <mc:Choice Requires="a14">
           <p:sp>
             <p:nvSpPr>
               <p:cNvPr id="14" name="TextBox 13"/>
@@ -17741,7 +17666,7 @@
             </p:txBody>
           </p:sp>
         </mc:Choice>
-        <mc:Fallback>
+        <mc:Fallback xmlns="">
           <p:sp>
             <p:nvSpPr>
               <p:cNvPr id="14" name="TextBox 13"/>
@@ -18224,7 +18149,7 @@
     <mc:Choice Requires="p14">
       <p:transition/>
     </mc:Choice>
-    <mc:Fallback xmlns="" xmlns:c="http://schemas.openxmlformats.org/drawingml/2006/chart" xmlns:dgm="http://schemas.openxmlformats.org/drawingml/2006/diagram" xmlns:dsp="http://schemas.microsoft.com/office/drawing/2008/diagram">
+    <mc:Fallback xmlns:dsp="http://schemas.microsoft.com/office/drawing/2008/diagram" xmlns:dgm="http://schemas.openxmlformats.org/drawingml/2006/diagram" xmlns:c="http://schemas.openxmlformats.org/drawingml/2006/chart" xmlns="">
       <p:transition/>
     </mc:Fallback>
   </mc:AlternateContent>
@@ -18827,8 +18752,8 @@
           </p:sp>
         </mc:Fallback>
       </mc:AlternateContent>
-      <mc:AlternateContent xmlns:mc="http://schemas.openxmlformats.org/markup-compatibility/2006">
-        <mc:Choice xmlns:a14="http://schemas.microsoft.com/office/drawing/2010/main" Requires="a14">
+      <mc:AlternateContent xmlns:mc="http://schemas.openxmlformats.org/markup-compatibility/2006" xmlns:a14="http://schemas.microsoft.com/office/drawing/2010/main">
+        <mc:Choice Requires="a14">
           <p:sp>
             <p:nvSpPr>
               <p:cNvPr id="7" name="TextBox 6"/>
@@ -19197,7 +19122,7 @@
             </p:txBody>
           </p:sp>
         </mc:Choice>
-        <mc:Fallback>
+        <mc:Fallback xmlns="">
           <p:sp>
             <p:nvSpPr>
               <p:cNvPr id="7" name="TextBox 6"/>
@@ -20316,7 +20241,7 @@
     <mc:Choice Requires="p14">
       <p:transition/>
     </mc:Choice>
-    <mc:Fallback xmlns="" xmlns:c="http://schemas.openxmlformats.org/drawingml/2006/chart" xmlns:dgm="http://schemas.openxmlformats.org/drawingml/2006/diagram" xmlns:dsp="http://schemas.microsoft.com/office/drawing/2008/diagram">
+    <mc:Fallback xmlns:dsp="http://schemas.microsoft.com/office/drawing/2008/diagram" xmlns:dgm="http://schemas.openxmlformats.org/drawingml/2006/diagram" xmlns:c="http://schemas.openxmlformats.org/drawingml/2006/chart" xmlns="">
       <p:transition/>
     </mc:Fallback>
   </mc:AlternateContent>
@@ -21778,7 +21703,7 @@
     <mc:Choice Requires="p14">
       <p:transition/>
     </mc:Choice>
-    <mc:Fallback xmlns="" xmlns:c="http://schemas.openxmlformats.org/drawingml/2006/chart" xmlns:dgm="http://schemas.openxmlformats.org/drawingml/2006/diagram" xmlns:dsp="http://schemas.microsoft.com/office/drawing/2008/diagram">
+    <mc:Fallback xmlns:dsp="http://schemas.microsoft.com/office/drawing/2008/diagram" xmlns:dgm="http://schemas.openxmlformats.org/drawingml/2006/diagram" xmlns:c="http://schemas.openxmlformats.org/drawingml/2006/chart" xmlns="">
       <p:transition/>
     </mc:Fallback>
   </mc:AlternateContent>

--- a/Announcement/USAD.pptx
+++ b/Announcement/USAD.pptx
@@ -246,7 +246,7 @@
               <a:pPr lvl="0">
                 <a:defRPr/>
               </a:pPr>
-              <a:t>2021-12-08</a:t>
+              <a:t>2021-12-09</a:t>
             </a:fld>
             <a:endParaRPr lang="ko-KR" altLang="en-US"/>
           </a:p>
@@ -792,11 +792,7 @@
             </a:r>
             <a:r>
               <a:rPr lang="en-US" altLang="ko-KR" baseline="0" dirty="0" smtClean="0"/>
-              <a:t> </a:t>
-            </a:r>
-            <a:r>
-              <a:rPr lang="en-US" altLang="ko-KR" baseline="0" dirty="0" smtClean="0"/>
-              <a:t>Swat</a:t>
+              <a:t> Swat</a:t>
             </a:r>
             <a:r>
               <a:rPr lang="ko-KR" altLang="en-US" baseline="0" dirty="0" smtClean="0"/>
@@ -1112,11 +1108,7 @@
           <a:p>
             <a:r>
               <a:rPr lang="ko-KR" altLang="en-US" dirty="0" smtClean="0"/>
-              <a:t>각각의 </a:t>
-            </a:r>
-            <a:r>
-              <a:rPr lang="ko-KR" altLang="en-US" dirty="0" smtClean="0"/>
-              <a:t>데이터</a:t>
+              <a:t>각각의 데이터</a:t>
             </a:r>
             <a:r>
               <a:rPr lang="ko-KR" altLang="en-US" baseline="0" dirty="0" smtClean="0"/>
@@ -1299,11 +1291,7 @@
             </a:r>
             <a:r>
               <a:rPr lang="ko-KR" altLang="en-US" dirty="0" smtClean="0"/>
-              <a:t>는 </a:t>
-            </a:r>
-            <a:r>
-              <a:rPr lang="ko-KR" altLang="en-US" dirty="0" smtClean="0"/>
-              <a:t>포인트 </a:t>
+              <a:t>는 포인트 </a:t>
             </a:r>
             <a:r>
               <a:rPr lang="ko-KR" altLang="en-US" dirty="0" err="1" smtClean="0"/>
@@ -1464,11 +1452,7 @@
             </a:r>
             <a:r>
               <a:rPr lang="ko-KR" altLang="en-US" dirty="0" smtClean="0"/>
-              <a:t>가지 데이터 세트에 대한 알고리즘 별 </a:t>
-            </a:r>
-            <a:r>
-              <a:rPr lang="ko-KR" altLang="en-US" dirty="0" smtClean="0"/>
-              <a:t>평균</a:t>
+              <a:t>가지 데이터 세트에 대한 알고리즘 별 평균</a:t>
             </a:r>
             <a:r>
               <a:rPr lang="ko-KR" altLang="en-US" baseline="0" dirty="0" smtClean="0"/>
@@ -1476,15 +1460,7 @@
             </a:r>
             <a:r>
               <a:rPr lang="ko-KR" altLang="en-US" dirty="0" smtClean="0"/>
-              <a:t>을 </a:t>
-            </a:r>
-            <a:r>
-              <a:rPr lang="ko-KR" altLang="en-US" dirty="0" smtClean="0"/>
-              <a:t>기록한 표 </a:t>
-            </a:r>
-            <a:r>
-              <a:rPr lang="ko-KR" altLang="en-US" dirty="0" smtClean="0"/>
-              <a:t>이며</a:t>
+              <a:t>을 기록한 표 이며</a:t>
             </a:r>
             <a:r>
               <a:rPr lang="en-US" altLang="ko-KR" dirty="0" smtClean="0"/>
@@ -1851,19 +1827,7 @@
             </a:r>
             <a:r>
               <a:rPr lang="ko-KR" altLang="en-US" sz="800" dirty="0" smtClean="0"/>
-              <a:t>에서 </a:t>
-            </a:r>
-            <a:r>
-              <a:rPr lang="ko-KR" altLang="en-US" sz="800" dirty="0" smtClean="0"/>
-              <a:t>적대적 훈련의 </a:t>
-            </a:r>
-            <a:r>
-              <a:rPr lang="ko-KR" altLang="en-US" sz="800" dirty="0" smtClean="0"/>
-              <a:t>효과를 확인하기 위한 </a:t>
-            </a:r>
-            <a:r>
-              <a:rPr lang="ko-KR" altLang="en-US" sz="800" dirty="0" smtClean="0"/>
-              <a:t>절제 연구</a:t>
+              <a:t>에서 적대적 훈련의 효과를 확인하기 위한 절제 연구</a:t>
             </a:r>
             <a:r>
               <a:rPr lang="en-US" altLang="ko-KR" sz="800" dirty="0" smtClean="0"/>
@@ -2421,11 +2385,7 @@
           <a:p>
             <a:r>
               <a:rPr lang="ko-KR" altLang="en-US" baseline="0" dirty="0" smtClean="0"/>
-              <a:t>대부분은 </a:t>
-            </a:r>
-            <a:r>
-              <a:rPr lang="ko-KR" altLang="en-US" baseline="0" dirty="0" smtClean="0"/>
-              <a:t>현실에서는 </a:t>
+              <a:t>대부분은 현실에서는 </a:t>
             </a:r>
             <a:r>
               <a:rPr lang="en-US" altLang="ko-KR" baseline="0" dirty="0" smtClean="0"/>
@@ -2542,11 +2502,7 @@
             </a:r>
             <a:r>
               <a:rPr lang="ko-KR" altLang="en-US" baseline="0" dirty="0" smtClean="0"/>
-              <a:t> </a:t>
-            </a:r>
-            <a:r>
-              <a:rPr lang="ko-KR" altLang="en-US" baseline="0" dirty="0" smtClean="0"/>
-              <a:t>아래의 그림과 같은 시간 연속적인 데이터를 의미합니다</a:t>
+              <a:t> 아래의 그림과 같은 시간 연속적인 데이터를 의미합니다</a:t>
             </a:r>
             <a:r>
               <a:rPr lang="en-US" altLang="ko-KR" baseline="0" dirty="0" smtClean="0"/>
@@ -4993,11 +4949,7 @@
             </a:r>
             <a:r>
               <a:rPr lang="ko-KR" altLang="en-US" dirty="0" smtClean="0"/>
-              <a:t>에 가중치를 주는 역할을 </a:t>
-            </a:r>
-            <a:r>
-              <a:rPr lang="ko-KR" altLang="en-US" dirty="0" smtClean="0"/>
-              <a:t>합니다</a:t>
+              <a:t>에 가중치를 주는 역할을 합니다</a:t>
             </a:r>
             <a:r>
               <a:rPr lang="en-US" altLang="ko-KR" dirty="0" smtClean="0"/>
@@ -5125,11 +5077,7 @@
             </a:r>
             <a:r>
               <a:rPr lang="ko-KR" altLang="en-US" dirty="0" smtClean="0"/>
-              <a:t> 떨어지는 것을 목표로 하는 것을 확인할 수 </a:t>
-            </a:r>
-            <a:r>
-              <a:rPr lang="ko-KR" altLang="en-US" dirty="0" smtClean="0"/>
-              <a:t>있습니다</a:t>
+              <a:t> 떨어지는 것을 목표로 하는 것을 확인할 수 있습니다</a:t>
             </a:r>
             <a:r>
               <a:rPr lang="en-US" altLang="ko-KR" dirty="0" smtClean="0"/>
@@ -6438,7 +6386,7 @@
           <a:p>
             <a:fld id="{1D8BD707-D9CF-40AE-B4C6-C98DA3205C09}" type="datetimeFigureOut">
               <a:rPr lang="en-US"/>
-              <a:t>12/8/2021</a:t>
+              <a:t>12/9/2021</a:t>
             </a:fld>
             <a:endParaRPr lang="en-US"/>
           </a:p>
@@ -6613,7 +6561,7 @@
           <a:p>
             <a:fld id="{1D8BD707-D9CF-40AE-B4C6-C98DA3205C09}" type="datetimeFigureOut">
               <a:rPr lang="en-US"/>
-              <a:t>12/8/2021</a:t>
+              <a:t>12/9/2021</a:t>
             </a:fld>
             <a:endParaRPr lang="en-US"/>
           </a:p>
@@ -6827,7 +6775,7 @@
           <a:p>
             <a:fld id="{1D8BD707-D9CF-40AE-B4C6-C98DA3205C09}" type="datetimeFigureOut">
               <a:rPr lang="en-US"/>
-              <a:t>12/8/2021</a:t>
+              <a:t>12/9/2021</a:t>
             </a:fld>
             <a:endParaRPr lang="en-US"/>
           </a:p>
@@ -6975,7 +6923,7 @@
           <a:p>
             <a:fld id="{1D8BD707-D9CF-40AE-B4C6-C98DA3205C09}" type="datetimeFigureOut">
               <a:rPr lang="en-US"/>
-              <a:t>12/8/2021</a:t>
+              <a:t>12/9/2021</a:t>
             </a:fld>
             <a:endParaRPr lang="en-US"/>
           </a:p>
@@ -7094,7 +7042,7 @@
           <a:p>
             <a:fld id="{1D8BD707-D9CF-40AE-B4C6-C98DA3205C09}" type="datetimeFigureOut">
               <a:rPr lang="en-US"/>
-              <a:t>12/8/2021</a:t>
+              <a:t>12/9/2021</a:t>
             </a:fld>
             <a:endParaRPr lang="en-US"/>
           </a:p>
@@ -7317,7 +7265,7 @@
           <a:p>
             <a:fld id="{1D8BD707-D9CF-40AE-B4C6-C98DA3205C09}" type="datetimeFigureOut">
               <a:rPr lang="en-US"/>
-              <a:t>12/8/2021</a:t>
+              <a:t>12/9/2021</a:t>
             </a:fld>
             <a:endParaRPr lang="en-US"/>
           </a:p>
@@ -7859,7 +7807,7 @@
     <mc:Choice Requires="p14">
       <p:transition/>
     </mc:Choice>
-    <mc:Fallback xmlns:dsp="http://schemas.microsoft.com/office/drawing/2008/diagram" xmlns:dgm="http://schemas.openxmlformats.org/drawingml/2006/diagram" xmlns:c="http://schemas.openxmlformats.org/drawingml/2006/chart" xmlns="">
+    <mc:Fallback xmlns="" xmlns:c="http://schemas.openxmlformats.org/drawingml/2006/chart" xmlns:dgm="http://schemas.openxmlformats.org/drawingml/2006/diagram" xmlns:dsp="http://schemas.microsoft.com/office/drawing/2008/diagram">
       <p:transition/>
     </mc:Fallback>
   </mc:AlternateContent>
@@ -8550,7 +8498,7 @@
     <mc:Choice Requires="p14">
       <p:transition/>
     </mc:Choice>
-    <mc:Fallback xmlns:dsp="http://schemas.microsoft.com/office/drawing/2008/diagram" xmlns:dgm="http://schemas.openxmlformats.org/drawingml/2006/diagram" xmlns:c="http://schemas.openxmlformats.org/drawingml/2006/chart" xmlns="">
+    <mc:Fallback xmlns="" xmlns:c="http://schemas.openxmlformats.org/drawingml/2006/chart" xmlns:dgm="http://schemas.openxmlformats.org/drawingml/2006/diagram" xmlns:dsp="http://schemas.microsoft.com/office/drawing/2008/diagram">
       <p:transition/>
     </mc:Fallback>
   </mc:AlternateContent>
@@ -9575,7 +9523,7 @@
     <mc:Choice Requires="p14">
       <p:transition/>
     </mc:Choice>
-    <mc:Fallback xmlns:dsp="http://schemas.microsoft.com/office/drawing/2008/diagram" xmlns:dgm="http://schemas.openxmlformats.org/drawingml/2006/diagram" xmlns:c="http://schemas.openxmlformats.org/drawingml/2006/chart" xmlns="">
+    <mc:Fallback xmlns="" xmlns:c="http://schemas.openxmlformats.org/drawingml/2006/chart" xmlns:dgm="http://schemas.openxmlformats.org/drawingml/2006/diagram" xmlns:dsp="http://schemas.microsoft.com/office/drawing/2008/diagram">
       <p:transition/>
     </mc:Fallback>
   </mc:AlternateContent>
@@ -9836,11 +9784,7 @@
             </a:pPr>
             <a:r>
               <a:rPr lang="en-US" altLang="ko-KR" sz="2800" dirty="0"/>
-              <a:t>Point-adjust : detect each observation/time-point independently and assigns a label to single time-point (without/with</a:t>
-            </a:r>
-            <a:r>
-              <a:rPr lang="en-US" altLang="ko-KR" sz="2800" dirty="0"/>
-              <a:t>)</a:t>
+              <a:t>Point-adjust : detect each observation/time-point independently and assigns a label to single time-point (without/with)</a:t>
             </a:r>
             <a:br>
               <a:rPr lang="en-US" altLang="ko-KR" sz="2800" dirty="0"/>
@@ -9903,7 +9847,7 @@
     <mc:Choice Requires="p14">
       <p:transition/>
     </mc:Choice>
-    <mc:Fallback xmlns:dsp="http://schemas.microsoft.com/office/drawing/2008/diagram" xmlns:dgm="http://schemas.openxmlformats.org/drawingml/2006/diagram" xmlns:c="http://schemas.openxmlformats.org/drawingml/2006/chart" xmlns="">
+    <mc:Fallback xmlns="" xmlns:c="http://schemas.openxmlformats.org/drawingml/2006/chart" xmlns:dgm="http://schemas.openxmlformats.org/drawingml/2006/diagram" xmlns:dsp="http://schemas.microsoft.com/office/drawing/2008/diagram">
       <p:transition/>
     </mc:Fallback>
   </mc:AlternateContent>
@@ -10327,7 +10271,7 @@
     <mc:Choice Requires="p14">
       <p:transition/>
     </mc:Choice>
-    <mc:Fallback xmlns:dsp="http://schemas.microsoft.com/office/drawing/2008/diagram" xmlns:dgm="http://schemas.openxmlformats.org/drawingml/2006/diagram" xmlns:c="http://schemas.openxmlformats.org/drawingml/2006/chart" xmlns="">
+    <mc:Fallback xmlns="" xmlns:c="http://schemas.openxmlformats.org/drawingml/2006/chart" xmlns:dgm="http://schemas.openxmlformats.org/drawingml/2006/diagram" xmlns:dsp="http://schemas.microsoft.com/office/drawing/2008/diagram">
       <p:transition/>
     </mc:Fallback>
   </mc:AlternateContent>
@@ -10647,7 +10591,7 @@
     <mc:Choice Requires="p14">
       <p:transition/>
     </mc:Choice>
-    <mc:Fallback xmlns:dsp="http://schemas.microsoft.com/office/drawing/2008/diagram" xmlns:dgm="http://schemas.openxmlformats.org/drawingml/2006/diagram" xmlns:c="http://schemas.openxmlformats.org/drawingml/2006/chart" xmlns="">
+    <mc:Fallback xmlns="" xmlns:c="http://schemas.openxmlformats.org/drawingml/2006/chart" xmlns:dgm="http://schemas.openxmlformats.org/drawingml/2006/diagram" xmlns:dsp="http://schemas.microsoft.com/office/drawing/2008/diagram">
       <p:transition/>
     </mc:Fallback>
   </mc:AlternateContent>
@@ -10932,7 +10876,7 @@
     <mc:Choice Requires="p14">
       <p:transition/>
     </mc:Choice>
-    <mc:Fallback xmlns:dsp="http://schemas.microsoft.com/office/drawing/2008/diagram" xmlns:dgm="http://schemas.openxmlformats.org/drawingml/2006/diagram" xmlns:c="http://schemas.openxmlformats.org/drawingml/2006/chart" xmlns="">
+    <mc:Fallback xmlns="" xmlns:c="http://schemas.openxmlformats.org/drawingml/2006/chart" xmlns:dgm="http://schemas.openxmlformats.org/drawingml/2006/diagram" xmlns:dsp="http://schemas.microsoft.com/office/drawing/2008/diagram">
       <p:transition/>
     </mc:Fallback>
   </mc:AlternateContent>
@@ -11084,7 +11028,7 @@
     <mc:Choice Requires="p14">
       <p:transition/>
     </mc:Choice>
-    <mc:Fallback xmlns:dsp="http://schemas.microsoft.com/office/drawing/2008/diagram" xmlns:dgm="http://schemas.openxmlformats.org/drawingml/2006/diagram" xmlns:c="http://schemas.openxmlformats.org/drawingml/2006/chart" xmlns="">
+    <mc:Fallback xmlns="" xmlns:c="http://schemas.openxmlformats.org/drawingml/2006/chart" xmlns:dgm="http://schemas.openxmlformats.org/drawingml/2006/diagram" xmlns:dsp="http://schemas.microsoft.com/office/drawing/2008/diagram">
       <p:transition/>
     </mc:Fallback>
   </mc:AlternateContent>
@@ -11380,7 +11324,7 @@
     <mc:Choice Requires="p14">
       <p:transition/>
     </mc:Choice>
-    <mc:Fallback xmlns:dsp="http://schemas.microsoft.com/office/drawing/2008/diagram" xmlns:dgm="http://schemas.openxmlformats.org/drawingml/2006/diagram" xmlns:c="http://schemas.openxmlformats.org/drawingml/2006/chart" xmlns="">
+    <mc:Fallback xmlns="" xmlns:c="http://schemas.openxmlformats.org/drawingml/2006/chart" xmlns:dgm="http://schemas.openxmlformats.org/drawingml/2006/diagram" xmlns:dsp="http://schemas.microsoft.com/office/drawing/2008/diagram">
       <p:transition/>
     </mc:Fallback>
   </mc:AlternateContent>
@@ -12278,7 +12222,7 @@
     <mc:Choice Requires="p14">
       <p:transition/>
     </mc:Choice>
-    <mc:Fallback xmlns:dsp="http://schemas.microsoft.com/office/drawing/2008/diagram" xmlns:dgm="http://schemas.openxmlformats.org/drawingml/2006/diagram" xmlns:c="http://schemas.openxmlformats.org/drawingml/2006/chart" xmlns="">
+    <mc:Fallback xmlns="" xmlns:c="http://schemas.openxmlformats.org/drawingml/2006/chart" xmlns:dgm="http://schemas.openxmlformats.org/drawingml/2006/diagram" xmlns:dsp="http://schemas.microsoft.com/office/drawing/2008/diagram">
       <p:transition/>
     </mc:Fallback>
   </mc:AlternateContent>
@@ -13580,7 +13524,7 @@
     <mc:Choice Requires="p14">
       <p:transition/>
     </mc:Choice>
-    <mc:Fallback xmlns:dsp="http://schemas.microsoft.com/office/drawing/2008/diagram" xmlns:dgm="http://schemas.openxmlformats.org/drawingml/2006/diagram" xmlns:c="http://schemas.openxmlformats.org/drawingml/2006/chart" xmlns="">
+    <mc:Fallback xmlns="" xmlns:c="http://schemas.openxmlformats.org/drawingml/2006/chart" xmlns:dgm="http://schemas.openxmlformats.org/drawingml/2006/diagram" xmlns:dsp="http://schemas.microsoft.com/office/drawing/2008/diagram">
       <p:transition/>
     </mc:Fallback>
   </mc:AlternateContent>
@@ -15195,7 +15139,7 @@
     <mc:Choice Requires="p14">
       <p:transition/>
     </mc:Choice>
-    <mc:Fallback xmlns:dsp="http://schemas.microsoft.com/office/drawing/2008/diagram" xmlns:dgm="http://schemas.openxmlformats.org/drawingml/2006/diagram" xmlns:c="http://schemas.openxmlformats.org/drawingml/2006/chart" xmlns="">
+    <mc:Fallback xmlns="" xmlns:c="http://schemas.openxmlformats.org/drawingml/2006/chart" xmlns:dgm="http://schemas.openxmlformats.org/drawingml/2006/diagram" xmlns:dsp="http://schemas.microsoft.com/office/drawing/2008/diagram">
       <p:transition/>
     </mc:Fallback>
   </mc:AlternateContent>
@@ -16566,7 +16510,7 @@
     <mc:Choice Requires="p14">
       <p:transition/>
     </mc:Choice>
-    <mc:Fallback xmlns:dsp="http://schemas.microsoft.com/office/drawing/2008/diagram" xmlns:dgm="http://schemas.openxmlformats.org/drawingml/2006/diagram" xmlns:c="http://schemas.openxmlformats.org/drawingml/2006/chart" xmlns="">
+    <mc:Fallback xmlns="" xmlns:c="http://schemas.openxmlformats.org/drawingml/2006/chart" xmlns:dgm="http://schemas.openxmlformats.org/drawingml/2006/diagram" xmlns:dsp="http://schemas.microsoft.com/office/drawing/2008/diagram">
       <p:transition/>
     </mc:Fallback>
   </mc:AlternateContent>
@@ -18149,7 +18093,7 @@
     <mc:Choice Requires="p14">
       <p:transition/>
     </mc:Choice>
-    <mc:Fallback xmlns:dsp="http://schemas.microsoft.com/office/drawing/2008/diagram" xmlns:dgm="http://schemas.openxmlformats.org/drawingml/2006/diagram" xmlns:c="http://schemas.openxmlformats.org/drawingml/2006/chart" xmlns="">
+    <mc:Fallback xmlns="" xmlns:c="http://schemas.openxmlformats.org/drawingml/2006/chart" xmlns:dgm="http://schemas.openxmlformats.org/drawingml/2006/diagram" xmlns:dsp="http://schemas.microsoft.com/office/drawing/2008/diagram">
       <p:transition/>
     </mc:Fallback>
   </mc:AlternateContent>
@@ -20241,7 +20185,7 @@
     <mc:Choice Requires="p14">
       <p:transition/>
     </mc:Choice>
-    <mc:Fallback xmlns:dsp="http://schemas.microsoft.com/office/drawing/2008/diagram" xmlns:dgm="http://schemas.openxmlformats.org/drawingml/2006/diagram" xmlns:c="http://schemas.openxmlformats.org/drawingml/2006/chart" xmlns="">
+    <mc:Fallback xmlns="" xmlns:c="http://schemas.openxmlformats.org/drawingml/2006/chart" xmlns:dgm="http://schemas.openxmlformats.org/drawingml/2006/diagram" xmlns:dsp="http://schemas.microsoft.com/office/drawing/2008/diagram">
       <p:transition/>
     </mc:Fallback>
   </mc:AlternateContent>
@@ -21703,7 +21647,7 @@
     <mc:Choice Requires="p14">
       <p:transition/>
     </mc:Choice>
-    <mc:Fallback xmlns:dsp="http://schemas.microsoft.com/office/drawing/2008/diagram" xmlns:dgm="http://schemas.openxmlformats.org/drawingml/2006/diagram" xmlns:c="http://schemas.openxmlformats.org/drawingml/2006/chart" xmlns="">
+    <mc:Fallback xmlns="" xmlns:c="http://schemas.openxmlformats.org/drawingml/2006/chart" xmlns:dgm="http://schemas.openxmlformats.org/drawingml/2006/diagram" xmlns:dsp="http://schemas.microsoft.com/office/drawing/2008/diagram">
       <p:transition/>
     </mc:Fallback>
   </mc:AlternateContent>
